--- a/PPT/Kafka-Teaching-Flow.pptx
+++ b/PPT/Kafka-Teaching-Flow.pptx
@@ -47,6 +47,10 @@
     <p:sldId id="298" r:id="rId41"/>
     <p:sldId id="301" r:id="rId42"/>
     <p:sldId id="300" r:id="rId43"/>
+    <p:sldId id="302" r:id="rId44"/>
+    <p:sldId id="303" r:id="rId45"/>
+    <p:sldId id="304" r:id="rId46"/>
+    <p:sldId id="305" r:id="rId47"/>
   </p:sldIdLst>
   <p:sldSz cx="9144000" cy="6858000" type="screen4x3"/>
   <p:notesSz cx="6858000" cy="9144000"/>
@@ -329,7 +333,7 @@
           <a:p>
             <a:fld id="{51149E06-0874-4241-ABF9-BAFA45916F2C}" type="datetimeFigureOut">
               <a:rPr lang="en-US" smtClean="0"/>
-              <a:t>3/1/2023</a:t>
+              <a:t>3/2/2023</a:t>
             </a:fld>
             <a:endParaRPr lang="en-US"/>
           </a:p>
@@ -499,7 +503,7 @@
           <a:p>
             <a:fld id="{51149E06-0874-4241-ABF9-BAFA45916F2C}" type="datetimeFigureOut">
               <a:rPr lang="en-US" smtClean="0"/>
-              <a:t>3/1/2023</a:t>
+              <a:t>3/2/2023</a:t>
             </a:fld>
             <a:endParaRPr lang="en-US"/>
           </a:p>
@@ -679,7 +683,7 @@
           <a:p>
             <a:fld id="{51149E06-0874-4241-ABF9-BAFA45916F2C}" type="datetimeFigureOut">
               <a:rPr lang="en-US" smtClean="0"/>
-              <a:t>3/1/2023</a:t>
+              <a:t>3/2/2023</a:t>
             </a:fld>
             <a:endParaRPr lang="en-US"/>
           </a:p>
@@ -849,7 +853,7 @@
           <a:p>
             <a:fld id="{51149E06-0874-4241-ABF9-BAFA45916F2C}" type="datetimeFigureOut">
               <a:rPr lang="en-US" smtClean="0"/>
-              <a:t>3/1/2023</a:t>
+              <a:t>3/2/2023</a:t>
             </a:fld>
             <a:endParaRPr lang="en-US"/>
           </a:p>
@@ -1095,7 +1099,7 @@
           <a:p>
             <a:fld id="{51149E06-0874-4241-ABF9-BAFA45916F2C}" type="datetimeFigureOut">
               <a:rPr lang="en-US" smtClean="0"/>
-              <a:t>3/1/2023</a:t>
+              <a:t>3/2/2023</a:t>
             </a:fld>
             <a:endParaRPr lang="en-US"/>
           </a:p>
@@ -1383,7 +1387,7 @@
           <a:p>
             <a:fld id="{51149E06-0874-4241-ABF9-BAFA45916F2C}" type="datetimeFigureOut">
               <a:rPr lang="en-US" smtClean="0"/>
-              <a:t>3/1/2023</a:t>
+              <a:t>3/2/2023</a:t>
             </a:fld>
             <a:endParaRPr lang="en-US"/>
           </a:p>
@@ -1805,7 +1809,7 @@
           <a:p>
             <a:fld id="{51149E06-0874-4241-ABF9-BAFA45916F2C}" type="datetimeFigureOut">
               <a:rPr lang="en-US" smtClean="0"/>
-              <a:t>3/1/2023</a:t>
+              <a:t>3/2/2023</a:t>
             </a:fld>
             <a:endParaRPr lang="en-US"/>
           </a:p>
@@ -1923,7 +1927,7 @@
           <a:p>
             <a:fld id="{51149E06-0874-4241-ABF9-BAFA45916F2C}" type="datetimeFigureOut">
               <a:rPr lang="en-US" smtClean="0"/>
-              <a:t>3/1/2023</a:t>
+              <a:t>3/2/2023</a:t>
             </a:fld>
             <a:endParaRPr lang="en-US"/>
           </a:p>
@@ -2018,7 +2022,7 @@
           <a:p>
             <a:fld id="{51149E06-0874-4241-ABF9-BAFA45916F2C}" type="datetimeFigureOut">
               <a:rPr lang="en-US" smtClean="0"/>
-              <a:t>3/1/2023</a:t>
+              <a:t>3/2/2023</a:t>
             </a:fld>
             <a:endParaRPr lang="en-US"/>
           </a:p>
@@ -2295,7 +2299,7 @@
           <a:p>
             <a:fld id="{51149E06-0874-4241-ABF9-BAFA45916F2C}" type="datetimeFigureOut">
               <a:rPr lang="en-US" smtClean="0"/>
-              <a:t>3/1/2023</a:t>
+              <a:t>3/2/2023</a:t>
             </a:fld>
             <a:endParaRPr lang="en-US"/>
           </a:p>
@@ -2548,7 +2552,7 @@
           <a:p>
             <a:fld id="{51149E06-0874-4241-ABF9-BAFA45916F2C}" type="datetimeFigureOut">
               <a:rPr lang="en-US" smtClean="0"/>
-              <a:t>3/1/2023</a:t>
+              <a:t>3/2/2023</a:t>
             </a:fld>
             <a:endParaRPr lang="en-US"/>
           </a:p>
@@ -2761,7 +2765,7 @@
           <a:p>
             <a:fld id="{51149E06-0874-4241-ABF9-BAFA45916F2C}" type="datetimeFigureOut">
               <a:rPr lang="en-US" smtClean="0"/>
-              <a:t>3/1/2023</a:t>
+              <a:t>3/2/2023</a:t>
             </a:fld>
             <a:endParaRPr lang="en-US"/>
           </a:p>
@@ -8251,11 +8255,7 @@
           <a:p>
             <a:r>
               <a:rPr lang="en-US" dirty="0" smtClean="0"/>
-              <a:t>Day </a:t>
-            </a:r>
-            <a:r>
-              <a:rPr lang="en-US" dirty="0" smtClean="0"/>
-              <a:t>9</a:t>
+              <a:t>Day 9</a:t>
             </a:r>
             <a:endParaRPr lang="en-US" dirty="0"/>
           </a:p>
@@ -8310,7 +8310,6 @@
               <a:rPr lang="en-US" dirty="0" smtClean="0"/>
               <a:t> Producing Messages </a:t>
             </a:r>
-            <a:endParaRPr lang="en-US" dirty="0" smtClean="0"/>
           </a:p>
           <a:p>
             <a:pPr lvl="1">
@@ -8479,7 +8478,6 @@
               <a:rPr lang="en-US" dirty="0"/>
               <a:t>9</a:t>
             </a:r>
-            <a:endParaRPr lang="en-US" dirty="0"/>
           </a:p>
         </p:txBody>
       </p:sp>
@@ -8506,15 +8504,7 @@
             </a:pPr>
             <a:r>
               <a:rPr lang="en-US" dirty="0" smtClean="0"/>
-              <a:t>Day </a:t>
-            </a:r>
-            <a:r>
-              <a:rPr lang="en-US" dirty="0" smtClean="0"/>
-              <a:t>8 </a:t>
-            </a:r>
-            <a:r>
-              <a:rPr lang="en-US" dirty="0" smtClean="0"/>
-              <a:t>Recap &amp; </a:t>
+              <a:t>Day 8 Recap &amp; </a:t>
             </a:r>
             <a:r>
               <a:rPr lang="en-US" dirty="0" err="1" smtClean="0"/>
@@ -8588,7 +8578,6 @@
               <a:rPr lang="en-US" dirty="0" smtClean="0"/>
               <a:t>DIY Exercise</a:t>
             </a:r>
-            <a:endParaRPr lang="en-US" dirty="0" smtClean="0"/>
           </a:p>
           <a:p>
             <a:pPr marL="457200" lvl="1" indent="0">
@@ -8917,7 +8906,6 @@
               <a:rPr lang="en-US" dirty="0"/>
               <a:t>9</a:t>
             </a:r>
-            <a:endParaRPr lang="en-US" dirty="0"/>
           </a:p>
         </p:txBody>
       </p:sp>
@@ -8991,7 +8979,6 @@
               <a:rPr lang="en-US" dirty="0" smtClean="0"/>
               <a:t> Way</a:t>
             </a:r>
-            <a:endParaRPr lang="en-US" dirty="0" smtClean="0"/>
           </a:p>
           <a:p>
             <a:pPr lvl="1">
@@ -9012,6 +8999,775 @@
     <p:extLst>
       <p:ext uri="{BB962C8B-B14F-4D97-AF65-F5344CB8AC3E}">
         <p14:creationId xmlns:p14="http://schemas.microsoft.com/office/powerpoint/2010/main" val="1319979958"/>
+      </p:ext>
+    </p:extLst>
+  </p:cSld>
+  <p:clrMapOvr>
+    <a:masterClrMapping/>
+  </p:clrMapOvr>
+  <p:timing>
+    <p:tnLst>
+      <p:par>
+        <p:cTn id="1" dur="indefinite" restart="never" nodeType="tmRoot"/>
+      </p:par>
+    </p:tnLst>
+  </p:timing>
+</p:sld>
+</file>
+
+<file path=ppt/slides/slide43.xml><?xml version="1.0" encoding="utf-8"?>
+<p:sld xmlns:a="http://schemas.openxmlformats.org/drawingml/2006/main" xmlns:r="http://schemas.openxmlformats.org/officeDocument/2006/relationships" xmlns:p="http://schemas.openxmlformats.org/presentationml/2006/main">
+  <p:cSld>
+    <p:spTree>
+      <p:nvGrpSpPr>
+        <p:cNvPr id="1" name=""/>
+        <p:cNvGrpSpPr/>
+        <p:nvPr/>
+      </p:nvGrpSpPr>
+      <p:grpSpPr>
+        <a:xfrm>
+          <a:off x="0" y="0"/>
+          <a:ext cx="0" cy="0"/>
+          <a:chOff x="0" y="0"/>
+          <a:chExt cx="0" cy="0"/>
+        </a:xfrm>
+      </p:grpSpPr>
+      <p:sp>
+        <p:nvSpPr>
+          <p:cNvPr id="2" name="Title 1"/>
+          <p:cNvSpPr>
+            <a:spLocks noGrp="1"/>
+          </p:cNvSpPr>
+          <p:nvPr>
+            <p:ph type="title"/>
+          </p:nvPr>
+        </p:nvSpPr>
+        <p:spPr/>
+        <p:txBody>
+          <a:bodyPr/>
+          <a:lstStyle/>
+          <a:p>
+            <a:r>
+              <a:rPr lang="en-US" dirty="0" smtClean="0"/>
+              <a:t>Day 10</a:t>
+            </a:r>
+            <a:endParaRPr lang="en-US" dirty="0"/>
+          </a:p>
+        </p:txBody>
+      </p:sp>
+      <p:sp>
+        <p:nvSpPr>
+          <p:cNvPr id="3" name="Content Placeholder 2"/>
+          <p:cNvSpPr>
+            <a:spLocks noGrp="1"/>
+          </p:cNvSpPr>
+          <p:nvPr>
+            <p:ph idx="1"/>
+          </p:nvPr>
+        </p:nvSpPr>
+        <p:spPr/>
+        <p:txBody>
+          <a:bodyPr>
+            <a:normAutofit/>
+          </a:bodyPr>
+          <a:lstStyle/>
+          <a:p>
+            <a:pPr marL="0" indent="0">
+              <a:buNone/>
+            </a:pPr>
+            <a:r>
+              <a:rPr lang="en-US" b="1" dirty="0" smtClean="0"/>
+              <a:t>Theme</a:t>
+            </a:r>
+          </a:p>
+          <a:p>
+            <a:pPr lvl="1"/>
+            <a:endParaRPr lang="en-US" dirty="0" smtClean="0"/>
+          </a:p>
+          <a:p>
+            <a:pPr lvl="1">
+              <a:buFont typeface="Arial" panose="020B0604020202020204" pitchFamily="34" charset="0"/>
+              <a:buChar char="•"/>
+            </a:pPr>
+            <a:endParaRPr lang="en-US" dirty="0" smtClean="0"/>
+          </a:p>
+          <a:p>
+            <a:pPr lvl="1">
+              <a:buFont typeface="Arial" panose="020B0604020202020204" pitchFamily="34" charset="0"/>
+              <a:buChar char="•"/>
+            </a:pPr>
+            <a:r>
+              <a:rPr lang="en-US" dirty="0" err="1" smtClean="0"/>
+              <a:t>Microservice</a:t>
+            </a:r>
+            <a:r>
+              <a:rPr lang="en-US" dirty="0" smtClean="0"/>
+              <a:t> Producing Messages with headers</a:t>
+            </a:r>
+          </a:p>
+          <a:p>
+            <a:pPr lvl="1">
+              <a:buFont typeface="Arial" panose="020B0604020202020204" pitchFamily="34" charset="0"/>
+              <a:buChar char="•"/>
+            </a:pPr>
+            <a:endParaRPr lang="en-US" dirty="0" smtClean="0"/>
+          </a:p>
+          <a:p>
+            <a:pPr lvl="1">
+              <a:buFont typeface="Arial" panose="020B0604020202020204" pitchFamily="34" charset="0"/>
+              <a:buChar char="•"/>
+            </a:pPr>
+            <a:r>
+              <a:rPr lang="en-US" dirty="0" smtClean="0"/>
+              <a:t>Configuring and tuning the Producer</a:t>
+            </a:r>
+          </a:p>
+          <a:p>
+            <a:pPr lvl="1">
+              <a:buFont typeface="Arial" panose="020B0604020202020204" pitchFamily="34" charset="0"/>
+              <a:buChar char="•"/>
+            </a:pPr>
+            <a:endParaRPr lang="en-US" dirty="0" smtClean="0"/>
+          </a:p>
+          <a:p>
+            <a:pPr lvl="1">
+              <a:buFont typeface="Arial" panose="020B0604020202020204" pitchFamily="34" charset="0"/>
+              <a:buChar char="•"/>
+            </a:pPr>
+            <a:r>
+              <a:rPr lang="en-US" dirty="0" smtClean="0"/>
+              <a:t>Basic </a:t>
+            </a:r>
+            <a:r>
+              <a:rPr lang="en-US" dirty="0" err="1" smtClean="0"/>
+              <a:t>Microservice</a:t>
+            </a:r>
+            <a:r>
+              <a:rPr lang="en-US" dirty="0" smtClean="0"/>
+              <a:t> based Kafka Consumer</a:t>
+            </a:r>
+          </a:p>
+          <a:p>
+            <a:pPr lvl="1">
+              <a:buFont typeface="Arial" panose="020B0604020202020204" pitchFamily="34" charset="0"/>
+              <a:buChar char="•"/>
+            </a:pPr>
+            <a:endParaRPr lang="en-US" dirty="0" smtClean="0"/>
+          </a:p>
+          <a:p>
+            <a:pPr marL="457200" lvl="1" indent="0">
+              <a:buNone/>
+            </a:pPr>
+            <a:endParaRPr lang="en-US" dirty="0" smtClean="0"/>
+          </a:p>
+          <a:p>
+            <a:pPr lvl="1"/>
+            <a:endParaRPr lang="en-US" dirty="0" smtClean="0"/>
+          </a:p>
+        </p:txBody>
+      </p:sp>
+    </p:spTree>
+    <p:extLst>
+      <p:ext uri="{BB962C8B-B14F-4D97-AF65-F5344CB8AC3E}">
+        <p14:creationId xmlns:p14="http://schemas.microsoft.com/office/powerpoint/2010/main" val="1094914392"/>
+      </p:ext>
+    </p:extLst>
+  </p:cSld>
+  <p:clrMapOvr>
+    <a:masterClrMapping/>
+  </p:clrMapOvr>
+  <p:timing>
+    <p:tnLst>
+      <p:par>
+        <p:cTn id="1" dur="indefinite" restart="never" nodeType="tmRoot"/>
+      </p:par>
+    </p:tnLst>
+  </p:timing>
+</p:sld>
+</file>
+
+<file path=ppt/slides/slide44.xml><?xml version="1.0" encoding="utf-8"?>
+<p:sld xmlns:a="http://schemas.openxmlformats.org/drawingml/2006/main" xmlns:r="http://schemas.openxmlformats.org/officeDocument/2006/relationships" xmlns:p="http://schemas.openxmlformats.org/presentationml/2006/main">
+  <p:cSld>
+    <p:spTree>
+      <p:nvGrpSpPr>
+        <p:cNvPr id="1" name=""/>
+        <p:cNvGrpSpPr/>
+        <p:nvPr/>
+      </p:nvGrpSpPr>
+      <p:grpSpPr>
+        <a:xfrm>
+          <a:off x="0" y="0"/>
+          <a:ext cx="0" cy="0"/>
+          <a:chOff x="0" y="0"/>
+          <a:chExt cx="0" cy="0"/>
+        </a:xfrm>
+      </p:grpSpPr>
+      <p:sp>
+        <p:nvSpPr>
+          <p:cNvPr id="2" name="Title 1"/>
+          <p:cNvSpPr>
+            <a:spLocks noGrp="1"/>
+          </p:cNvSpPr>
+          <p:nvPr>
+            <p:ph type="title"/>
+          </p:nvPr>
+        </p:nvSpPr>
+        <p:spPr/>
+        <p:txBody>
+          <a:bodyPr/>
+          <a:lstStyle/>
+          <a:p>
+            <a:r>
+              <a:rPr lang="en-US" dirty="0" smtClean="0"/>
+              <a:t>Agenda - Day 10</a:t>
+            </a:r>
+            <a:endParaRPr lang="en-US" dirty="0"/>
+          </a:p>
+        </p:txBody>
+      </p:sp>
+      <p:sp>
+        <p:nvSpPr>
+          <p:cNvPr id="3" name="Content Placeholder 2"/>
+          <p:cNvSpPr>
+            <a:spLocks noGrp="1"/>
+          </p:cNvSpPr>
+          <p:nvPr>
+            <p:ph idx="1"/>
+          </p:nvPr>
+        </p:nvSpPr>
+        <p:spPr/>
+        <p:txBody>
+          <a:bodyPr>
+            <a:normAutofit fontScale="70000" lnSpcReduction="20000"/>
+          </a:bodyPr>
+          <a:lstStyle/>
+          <a:p>
+            <a:pPr lvl="1">
+              <a:buFont typeface="Arial" panose="020B0604020202020204" pitchFamily="34" charset="0"/>
+              <a:buChar char="•"/>
+            </a:pPr>
+            <a:r>
+              <a:rPr lang="en-US" dirty="0" smtClean="0"/>
+              <a:t>Day 9 Recap &amp; </a:t>
+            </a:r>
+            <a:r>
+              <a:rPr lang="en-US" dirty="0" err="1" smtClean="0"/>
+              <a:t>QnA</a:t>
+            </a:r>
+            <a:endParaRPr lang="en-US" dirty="0" smtClean="0"/>
+          </a:p>
+          <a:p>
+            <a:pPr lvl="1">
+              <a:buFont typeface="Arial" panose="020B0604020202020204" pitchFamily="34" charset="0"/>
+              <a:buChar char="•"/>
+            </a:pPr>
+            <a:endParaRPr lang="en-US" dirty="0" smtClean="0"/>
+          </a:p>
+          <a:p>
+            <a:pPr lvl="1">
+              <a:buFont typeface="Arial" panose="020B0604020202020204" pitchFamily="34" charset="0"/>
+              <a:buChar char="•"/>
+            </a:pPr>
+            <a:r>
+              <a:rPr lang="en-US" dirty="0" smtClean="0"/>
+              <a:t>Sending messages with Header</a:t>
+            </a:r>
+          </a:p>
+          <a:p>
+            <a:pPr lvl="1">
+              <a:buFont typeface="Arial" panose="020B0604020202020204" pitchFamily="34" charset="0"/>
+              <a:buChar char="•"/>
+            </a:pPr>
+            <a:endParaRPr lang="en-US" dirty="0" smtClean="0"/>
+          </a:p>
+          <a:p>
+            <a:pPr lvl="1">
+              <a:buFont typeface="Arial" panose="020B0604020202020204" pitchFamily="34" charset="0"/>
+              <a:buChar char="•"/>
+            </a:pPr>
+            <a:r>
+              <a:rPr lang="en-US" dirty="0" smtClean="0"/>
+              <a:t>Programmatic control on Configuration</a:t>
+            </a:r>
+          </a:p>
+          <a:p>
+            <a:pPr lvl="1">
+              <a:buFont typeface="Arial" panose="020B0604020202020204" pitchFamily="34" charset="0"/>
+              <a:buChar char="•"/>
+            </a:pPr>
+            <a:endParaRPr lang="en-US" dirty="0" smtClean="0"/>
+          </a:p>
+          <a:p>
+            <a:pPr lvl="1">
+              <a:buFont typeface="Arial" panose="020B0604020202020204" pitchFamily="34" charset="0"/>
+              <a:buChar char="•"/>
+            </a:pPr>
+            <a:r>
+              <a:rPr lang="en-US" dirty="0" smtClean="0"/>
+              <a:t>Configuring and Tuning the Producer</a:t>
+            </a:r>
+          </a:p>
+          <a:p>
+            <a:pPr lvl="1">
+              <a:buFont typeface="Arial" panose="020B0604020202020204" pitchFamily="34" charset="0"/>
+              <a:buChar char="•"/>
+            </a:pPr>
+            <a:endParaRPr lang="en-US" dirty="0" smtClean="0"/>
+          </a:p>
+          <a:p>
+            <a:pPr lvl="1">
+              <a:buFont typeface="Arial" panose="020B0604020202020204" pitchFamily="34" charset="0"/>
+              <a:buChar char="•"/>
+            </a:pPr>
+            <a:r>
+              <a:rPr lang="en-US" dirty="0" err="1" smtClean="0"/>
+              <a:t>Microservice</a:t>
+            </a:r>
+            <a:r>
+              <a:rPr lang="en-US" dirty="0" smtClean="0"/>
+              <a:t> Consuming Messages </a:t>
+            </a:r>
+            <a:r>
+              <a:rPr lang="en-US" dirty="0"/>
+              <a:t>F</a:t>
+            </a:r>
+            <a:r>
+              <a:rPr lang="en-US" dirty="0" smtClean="0"/>
+              <a:t>rom </a:t>
+            </a:r>
+            <a:r>
+              <a:rPr lang="en-US" dirty="0" smtClean="0"/>
+              <a:t>Kafka</a:t>
+            </a:r>
+          </a:p>
+          <a:p>
+            <a:pPr lvl="1">
+              <a:buFont typeface="Arial" panose="020B0604020202020204" pitchFamily="34" charset="0"/>
+              <a:buChar char="•"/>
+            </a:pPr>
+            <a:endParaRPr lang="en-US" dirty="0" smtClean="0"/>
+          </a:p>
+          <a:p>
+            <a:pPr lvl="1">
+              <a:buFont typeface="Arial" panose="020B0604020202020204" pitchFamily="34" charset="0"/>
+              <a:buChar char="•"/>
+            </a:pPr>
+            <a:r>
+              <a:rPr lang="en-US" dirty="0" smtClean="0"/>
+              <a:t>Configure delivery.timeout.ms with lesser value than retries. Check the behavior and </a:t>
+            </a:r>
+            <a:r>
+              <a:rPr lang="en-US" smtClean="0"/>
+              <a:t>error received</a:t>
+            </a:r>
+            <a:endParaRPr lang="en-US" dirty="0" smtClean="0"/>
+          </a:p>
+          <a:p>
+            <a:pPr lvl="1">
+              <a:buFont typeface="Arial" panose="020B0604020202020204" pitchFamily="34" charset="0"/>
+              <a:buChar char="•"/>
+            </a:pPr>
+            <a:endParaRPr lang="en-US" dirty="0" smtClean="0"/>
+          </a:p>
+          <a:p>
+            <a:pPr lvl="1">
+              <a:buFont typeface="Arial" panose="020B0604020202020204" pitchFamily="34" charset="0"/>
+              <a:buChar char="•"/>
+            </a:pPr>
+            <a:r>
+              <a:rPr lang="en-US" dirty="0" smtClean="0"/>
+              <a:t>DIY Exercise</a:t>
+            </a:r>
+          </a:p>
+          <a:p>
+            <a:pPr marL="457200" lvl="1" indent="0">
+              <a:buNone/>
+            </a:pPr>
+            <a:endParaRPr lang="en-US" dirty="0"/>
+          </a:p>
+        </p:txBody>
+      </p:sp>
+    </p:spTree>
+    <p:extLst>
+      <p:ext uri="{BB962C8B-B14F-4D97-AF65-F5344CB8AC3E}">
+        <p14:creationId xmlns:p14="http://schemas.microsoft.com/office/powerpoint/2010/main" val="405360388"/>
+      </p:ext>
+    </p:extLst>
+  </p:cSld>
+  <p:clrMapOvr>
+    <a:masterClrMapping/>
+  </p:clrMapOvr>
+  <p:timing>
+    <p:tnLst>
+      <p:par>
+        <p:cTn id="1" dur="indefinite" restart="never" nodeType="tmRoot"/>
+      </p:par>
+    </p:tnLst>
+  </p:timing>
+</p:sld>
+</file>
+
+<file path=ppt/slides/slide45.xml><?xml version="1.0" encoding="utf-8"?>
+<p:sld xmlns:a="http://schemas.openxmlformats.org/drawingml/2006/main" xmlns:r="http://schemas.openxmlformats.org/officeDocument/2006/relationships" xmlns:p="http://schemas.openxmlformats.org/presentationml/2006/main">
+  <p:cSld>
+    <p:spTree>
+      <p:nvGrpSpPr>
+        <p:cNvPr id="1" name=""/>
+        <p:cNvGrpSpPr/>
+        <p:nvPr/>
+      </p:nvGrpSpPr>
+      <p:grpSpPr>
+        <a:xfrm>
+          <a:off x="0" y="0"/>
+          <a:ext cx="0" cy="0"/>
+          <a:chOff x="0" y="0"/>
+          <a:chExt cx="0" cy="0"/>
+        </a:xfrm>
+      </p:grpSpPr>
+      <p:sp>
+        <p:nvSpPr>
+          <p:cNvPr id="2" name="Title 1"/>
+          <p:cNvSpPr>
+            <a:spLocks noGrp="1"/>
+          </p:cNvSpPr>
+          <p:nvPr>
+            <p:ph type="title"/>
+          </p:nvPr>
+        </p:nvSpPr>
+        <p:spPr/>
+        <p:txBody>
+          <a:bodyPr>
+            <a:noAutofit/>
+          </a:bodyPr>
+          <a:lstStyle/>
+          <a:p>
+            <a:pPr lvl="1"/>
+            <a:r>
+              <a:rPr lang="en-US" sz="3600" kern="1200" dirty="0" smtClean="0">
+                <a:solidFill>
+                  <a:schemeClr val="tx1"/>
+                </a:solidFill>
+                <a:latin typeface="+mj-lt"/>
+                <a:ea typeface="+mj-ea"/>
+                <a:cs typeface="+mj-cs"/>
+              </a:rPr>
+              <a:t>Programmatic Control On Configuration – </a:t>
+            </a:r>
+            <a:r>
+              <a:rPr lang="en-US" sz="3600" kern="1200" dirty="0">
+                <a:solidFill>
+                  <a:schemeClr val="tx1"/>
+                </a:solidFill>
+                <a:latin typeface="+mj-lt"/>
+                <a:ea typeface="+mj-ea"/>
+                <a:cs typeface="+mj-cs"/>
+              </a:rPr>
+              <a:t>Day </a:t>
+            </a:r>
+            <a:r>
+              <a:rPr lang="en-US" sz="3600" kern="1200" dirty="0" smtClean="0">
+                <a:solidFill>
+                  <a:schemeClr val="tx1"/>
+                </a:solidFill>
+                <a:latin typeface="+mj-lt"/>
+                <a:ea typeface="+mj-ea"/>
+                <a:cs typeface="+mj-cs"/>
+              </a:rPr>
+              <a:t>10</a:t>
+            </a:r>
+            <a:endParaRPr lang="en-US" sz="3600" kern="1200" dirty="0">
+              <a:solidFill>
+                <a:schemeClr val="tx1"/>
+              </a:solidFill>
+              <a:latin typeface="+mj-lt"/>
+              <a:ea typeface="+mj-ea"/>
+              <a:cs typeface="+mj-cs"/>
+            </a:endParaRPr>
+          </a:p>
+        </p:txBody>
+      </p:sp>
+      <p:sp>
+        <p:nvSpPr>
+          <p:cNvPr id="3" name="Content Placeholder 2"/>
+          <p:cNvSpPr>
+            <a:spLocks noGrp="1"/>
+          </p:cNvSpPr>
+          <p:nvPr>
+            <p:ph idx="1"/>
+          </p:nvPr>
+        </p:nvSpPr>
+        <p:spPr/>
+        <p:txBody>
+          <a:bodyPr>
+            <a:normAutofit fontScale="92500" lnSpcReduction="10000"/>
+          </a:bodyPr>
+          <a:lstStyle/>
+          <a:p>
+            <a:pPr lvl="1">
+              <a:buFont typeface="Arial" panose="020B0604020202020204" pitchFamily="34" charset="0"/>
+              <a:buChar char="•"/>
+            </a:pPr>
+            <a:endParaRPr lang="en-US" dirty="0" smtClean="0"/>
+          </a:p>
+          <a:p>
+            <a:pPr lvl="1">
+              <a:buFontTx/>
+              <a:buChar char="-"/>
+            </a:pPr>
+            <a:r>
+              <a:rPr lang="en-US" dirty="0" smtClean="0"/>
+              <a:t>Add a Class with @Configuration annotation</a:t>
+            </a:r>
+          </a:p>
+          <a:p>
+            <a:pPr lvl="1">
+              <a:buFontTx/>
+              <a:buChar char="-"/>
+            </a:pPr>
+            <a:endParaRPr lang="en-US" dirty="0" smtClean="0"/>
+          </a:p>
+          <a:p>
+            <a:pPr lvl="1">
+              <a:buFontTx/>
+              <a:buChar char="-"/>
+            </a:pPr>
+            <a:r>
+              <a:rPr lang="en-US" dirty="0" smtClean="0"/>
+              <a:t>Create Configuration Map using values from properties or directly in the code</a:t>
+            </a:r>
+          </a:p>
+          <a:p>
+            <a:pPr lvl="1">
+              <a:buFontTx/>
+              <a:buChar char="-"/>
+            </a:pPr>
+            <a:endParaRPr lang="en-US" dirty="0" smtClean="0"/>
+          </a:p>
+          <a:p>
+            <a:pPr lvl="1">
+              <a:buFontTx/>
+              <a:buChar char="-"/>
+            </a:pPr>
+            <a:r>
+              <a:rPr lang="en-US" dirty="0" smtClean="0"/>
+              <a:t>Create </a:t>
+            </a:r>
+            <a:r>
+              <a:rPr lang="en-US" dirty="0" err="1" smtClean="0"/>
+              <a:t>ProducerFactory</a:t>
+            </a:r>
+            <a:r>
+              <a:rPr lang="en-US" dirty="0" smtClean="0"/>
+              <a:t> using the Configuration</a:t>
+            </a:r>
+          </a:p>
+          <a:p>
+            <a:pPr lvl="1">
+              <a:buFontTx/>
+              <a:buChar char="-"/>
+            </a:pPr>
+            <a:endParaRPr lang="en-US" dirty="0" smtClean="0"/>
+          </a:p>
+          <a:p>
+            <a:pPr lvl="1">
+              <a:buFontTx/>
+              <a:buChar char="-"/>
+            </a:pPr>
+            <a:r>
+              <a:rPr lang="en-US" dirty="0" smtClean="0"/>
+              <a:t>Create </a:t>
+            </a:r>
+            <a:r>
+              <a:rPr lang="en-US" dirty="0" err="1" smtClean="0"/>
+              <a:t>KafkaTemplate</a:t>
+            </a:r>
+            <a:r>
+              <a:rPr lang="en-US" dirty="0" smtClean="0"/>
+              <a:t> instance using the </a:t>
+            </a:r>
+            <a:r>
+              <a:rPr lang="en-US" dirty="0" err="1" smtClean="0"/>
+              <a:t>ProducerFactory</a:t>
+            </a:r>
+            <a:endParaRPr lang="en-US" dirty="0"/>
+          </a:p>
+        </p:txBody>
+      </p:sp>
+    </p:spTree>
+    <p:extLst>
+      <p:ext uri="{BB962C8B-B14F-4D97-AF65-F5344CB8AC3E}">
+        <p14:creationId xmlns:p14="http://schemas.microsoft.com/office/powerpoint/2010/main" val="305600792"/>
+      </p:ext>
+    </p:extLst>
+  </p:cSld>
+  <p:clrMapOvr>
+    <a:masterClrMapping/>
+  </p:clrMapOvr>
+  <p:timing>
+    <p:tnLst>
+      <p:par>
+        <p:cTn id="1" dur="indefinite" restart="never" nodeType="tmRoot"/>
+      </p:par>
+    </p:tnLst>
+  </p:timing>
+</p:sld>
+</file>
+
+<file path=ppt/slides/slide46.xml><?xml version="1.0" encoding="utf-8"?>
+<p:sld xmlns:a="http://schemas.openxmlformats.org/drawingml/2006/main" xmlns:r="http://schemas.openxmlformats.org/officeDocument/2006/relationships" xmlns:p="http://schemas.openxmlformats.org/presentationml/2006/main">
+  <p:cSld>
+    <p:spTree>
+      <p:nvGrpSpPr>
+        <p:cNvPr id="1" name=""/>
+        <p:cNvGrpSpPr/>
+        <p:nvPr/>
+      </p:nvGrpSpPr>
+      <p:grpSpPr>
+        <a:xfrm>
+          <a:off x="0" y="0"/>
+          <a:ext cx="0" cy="0"/>
+          <a:chOff x="0" y="0"/>
+          <a:chExt cx="0" cy="0"/>
+        </a:xfrm>
+      </p:grpSpPr>
+      <p:sp>
+        <p:nvSpPr>
+          <p:cNvPr id="2" name="Title 1"/>
+          <p:cNvSpPr>
+            <a:spLocks noGrp="1"/>
+          </p:cNvSpPr>
+          <p:nvPr>
+            <p:ph type="title"/>
+          </p:nvPr>
+        </p:nvSpPr>
+        <p:spPr/>
+        <p:txBody>
+          <a:bodyPr/>
+          <a:lstStyle/>
+          <a:p>
+            <a:r>
+              <a:rPr lang="en-US" dirty="0" smtClean="0"/>
+              <a:t>DIY Exercise - Day 10</a:t>
+            </a:r>
+            <a:endParaRPr lang="en-US" dirty="0"/>
+          </a:p>
+        </p:txBody>
+      </p:sp>
+      <p:sp>
+        <p:nvSpPr>
+          <p:cNvPr id="3" name="Content Placeholder 2"/>
+          <p:cNvSpPr>
+            <a:spLocks noGrp="1"/>
+          </p:cNvSpPr>
+          <p:nvPr>
+            <p:ph idx="1"/>
+          </p:nvPr>
+        </p:nvSpPr>
+        <p:spPr>
+          <a:xfrm>
+            <a:off x="467544" y="1484784"/>
+            <a:ext cx="8229600" cy="4525963"/>
+          </a:xfrm>
+        </p:spPr>
+        <p:txBody>
+          <a:bodyPr>
+            <a:normAutofit/>
+          </a:bodyPr>
+          <a:lstStyle/>
+          <a:p>
+            <a:pPr lvl="1"/>
+            <a:endParaRPr lang="en-US" dirty="0" smtClean="0"/>
+          </a:p>
+          <a:p>
+            <a:pPr marL="457200" lvl="1" indent="0">
+              <a:buNone/>
+            </a:pPr>
+            <a:endParaRPr lang="en-US" dirty="0" smtClean="0"/>
+          </a:p>
+          <a:p>
+            <a:pPr lvl="1">
+              <a:buFont typeface="Arial" panose="020B0604020202020204" pitchFamily="34" charset="0"/>
+              <a:buChar char="•"/>
+            </a:pPr>
+            <a:r>
+              <a:rPr lang="en-US" dirty="0" smtClean="0"/>
+              <a:t>Try out different </a:t>
+            </a:r>
+            <a:r>
+              <a:rPr lang="en-US" dirty="0" err="1" smtClean="0"/>
+              <a:t>config</a:t>
+            </a:r>
+            <a:r>
+              <a:rPr lang="en-US" dirty="0" smtClean="0"/>
+              <a:t> properties and observe the behavior</a:t>
+            </a:r>
+          </a:p>
+          <a:p>
+            <a:pPr lvl="1">
+              <a:buFont typeface="Arial" panose="020B0604020202020204" pitchFamily="34" charset="0"/>
+              <a:buChar char="•"/>
+            </a:pPr>
+            <a:endParaRPr lang="en-US" dirty="0" smtClean="0"/>
+          </a:p>
+          <a:p>
+            <a:pPr lvl="1">
+              <a:buFont typeface="Arial" panose="020B0604020202020204" pitchFamily="34" charset="0"/>
+              <a:buChar char="•"/>
+            </a:pPr>
+            <a:r>
+              <a:rPr lang="en-US" dirty="0" smtClean="0"/>
+              <a:t>Create a Producer library which is agnostic of the Payload and </a:t>
+            </a:r>
+            <a:r>
+              <a:rPr lang="en-US" dirty="0" smtClean="0"/>
+              <a:t>Header</a:t>
+            </a:r>
+          </a:p>
+          <a:p>
+            <a:pPr lvl="1">
+              <a:buFont typeface="Arial" panose="020B0604020202020204" pitchFamily="34" charset="0"/>
+              <a:buChar char="•"/>
+            </a:pPr>
+            <a:endParaRPr lang="en-US" dirty="0" smtClean="0"/>
+          </a:p>
+          <a:p>
+            <a:pPr lvl="1">
+              <a:buFont typeface="Arial" panose="020B0604020202020204" pitchFamily="34" charset="0"/>
+              <a:buChar char="•"/>
+            </a:pPr>
+            <a:r>
+              <a:rPr lang="en-US" dirty="0" smtClean="0"/>
+              <a:t>Implement a Producer fail recovery pattern</a:t>
+            </a:r>
+            <a:endParaRPr lang="en-US" dirty="0" smtClean="0"/>
+          </a:p>
+          <a:p>
+            <a:pPr lvl="1">
+              <a:buFont typeface="Arial" panose="020B0604020202020204" pitchFamily="34" charset="0"/>
+              <a:buChar char="•"/>
+            </a:pPr>
+            <a:endParaRPr lang="en-US" dirty="0" smtClean="0"/>
+          </a:p>
+          <a:p>
+            <a:pPr lvl="1">
+              <a:buFont typeface="Arial" panose="020B0604020202020204" pitchFamily="34" charset="0"/>
+              <a:buChar char="•"/>
+            </a:pPr>
+            <a:endParaRPr lang="en-US" dirty="0" smtClean="0"/>
+          </a:p>
+          <a:p>
+            <a:pPr marL="457200" lvl="1" indent="0">
+              <a:buNone/>
+            </a:pPr>
+            <a:endParaRPr lang="en-US" dirty="0" smtClean="0"/>
+          </a:p>
+        </p:txBody>
+      </p:sp>
+    </p:spTree>
+    <p:extLst>
+      <p:ext uri="{BB962C8B-B14F-4D97-AF65-F5344CB8AC3E}">
+        <p14:creationId xmlns:p14="http://schemas.microsoft.com/office/powerpoint/2010/main" val="533590198"/>
       </p:ext>
     </p:extLst>
   </p:cSld>

--- a/PPT/Kafka-Teaching-Flow.pptx
+++ b/PPT/Kafka-Teaching-Flow.pptx
@@ -51,6 +51,7 @@
     <p:sldId id="303" r:id="rId45"/>
     <p:sldId id="304" r:id="rId46"/>
     <p:sldId id="305" r:id="rId47"/>
+    <p:sldId id="306" r:id="rId48"/>
   </p:sldIdLst>
   <p:sldSz cx="9144000" cy="6858000" type="screen4x3"/>
   <p:notesSz cx="6858000" cy="9144000"/>
@@ -9334,11 +9335,7 @@
             </a:r>
             <a:r>
               <a:rPr lang="en-US" dirty="0" smtClean="0"/>
-              <a:t>rom </a:t>
-            </a:r>
-            <a:r>
-              <a:rPr lang="en-US" dirty="0" smtClean="0"/>
-              <a:t>Kafka</a:t>
+              <a:t>rom Kafka</a:t>
             </a:r>
           </a:p>
           <a:p>
@@ -9717,11 +9714,7 @@
             </a:pPr>
             <a:r>
               <a:rPr lang="en-US" dirty="0" smtClean="0"/>
-              <a:t>Create a Producer library which is agnostic of the Payload and </a:t>
-            </a:r>
-            <a:r>
-              <a:rPr lang="en-US" dirty="0" smtClean="0"/>
-              <a:t>Header</a:t>
+              <a:t>Create a Producer library which is agnostic of the Payload and Header</a:t>
             </a:r>
           </a:p>
           <a:p>
@@ -9740,7 +9733,6 @@
               <a:rPr lang="en-US" dirty="0" smtClean="0"/>
               <a:t>Implement a Producer fail recovery pattern</a:t>
             </a:r>
-            <a:endParaRPr lang="en-US" dirty="0" smtClean="0"/>
           </a:p>
           <a:p>
             <a:pPr lvl="1">
@@ -9768,6 +9760,120 @@
     <p:extLst>
       <p:ext uri="{BB962C8B-B14F-4D97-AF65-F5344CB8AC3E}">
         <p14:creationId xmlns:p14="http://schemas.microsoft.com/office/powerpoint/2010/main" val="533590198"/>
+      </p:ext>
+    </p:extLst>
+  </p:cSld>
+  <p:clrMapOvr>
+    <a:masterClrMapping/>
+  </p:clrMapOvr>
+  <p:timing>
+    <p:tnLst>
+      <p:par>
+        <p:cTn id="1" dur="indefinite" restart="never" nodeType="tmRoot"/>
+      </p:par>
+    </p:tnLst>
+  </p:timing>
+</p:sld>
+</file>
+
+<file path=ppt/slides/slide47.xml><?xml version="1.0" encoding="utf-8"?>
+<p:sld xmlns:a="http://schemas.openxmlformats.org/drawingml/2006/main" xmlns:r="http://schemas.openxmlformats.org/officeDocument/2006/relationships" xmlns:p="http://schemas.openxmlformats.org/presentationml/2006/main">
+  <p:cSld>
+    <p:spTree>
+      <p:nvGrpSpPr>
+        <p:cNvPr id="1" name=""/>
+        <p:cNvGrpSpPr/>
+        <p:nvPr/>
+      </p:nvGrpSpPr>
+      <p:grpSpPr>
+        <a:xfrm>
+          <a:off x="0" y="0"/>
+          <a:ext cx="0" cy="0"/>
+          <a:chOff x="0" y="0"/>
+          <a:chExt cx="0" cy="0"/>
+        </a:xfrm>
+      </p:grpSpPr>
+      <p:sp>
+        <p:nvSpPr>
+          <p:cNvPr id="2" name="Title 1"/>
+          <p:cNvSpPr>
+            <a:spLocks noGrp="1"/>
+          </p:cNvSpPr>
+          <p:nvPr>
+            <p:ph type="title"/>
+          </p:nvPr>
+        </p:nvSpPr>
+        <p:spPr/>
+        <p:txBody>
+          <a:bodyPr/>
+          <a:lstStyle/>
+          <a:p>
+            <a:r>
+              <a:rPr lang="en-US" dirty="0" smtClean="0"/>
+              <a:t>DIY Exercise - Day 10</a:t>
+            </a:r>
+            <a:endParaRPr lang="en-US" dirty="0"/>
+          </a:p>
+        </p:txBody>
+      </p:sp>
+      <p:pic>
+        <p:nvPicPr>
+          <p:cNvPr id="1027" name="Picture 3"/>
+          <p:cNvPicPr>
+            <a:picLocks noChangeAspect="1" noChangeArrowheads="1"/>
+          </p:cNvPicPr>
+          <p:nvPr/>
+        </p:nvPicPr>
+        <p:blipFill>
+          <a:blip r:embed="rId2">
+            <a:extLst>
+              <a:ext uri="{28A0092B-C50C-407E-A947-70E740481C1C}">
+                <a14:useLocalDpi xmlns:a14="http://schemas.microsoft.com/office/drawing/2010/main" val="0"/>
+              </a:ext>
+            </a:extLst>
+          </a:blip>
+          <a:srcRect/>
+          <a:stretch>
+            <a:fillRect/>
+          </a:stretch>
+        </p:blipFill>
+        <p:spPr bwMode="auto">
+          <a:xfrm>
+            <a:off x="29369" y="1521371"/>
+            <a:ext cx="8938964" cy="5016599"/>
+          </a:xfrm>
+          <a:prstGeom prst="rect">
+            <a:avLst/>
+          </a:prstGeom>
+          <a:noFill/>
+          <a:ln>
+            <a:noFill/>
+          </a:ln>
+          <a:extLst>
+            <a:ext uri="{909E8E84-426E-40DD-AFC4-6F175D3DCCD1}">
+              <a14:hiddenFill xmlns:a14="http://schemas.microsoft.com/office/drawing/2010/main">
+                <a:solidFill>
+                  <a:schemeClr val="accent1"/>
+                </a:solidFill>
+              </a14:hiddenFill>
+            </a:ext>
+            <a:ext uri="{91240B29-F687-4F45-9708-019B960494DF}">
+              <a14:hiddenLine xmlns:a14="http://schemas.microsoft.com/office/drawing/2010/main" w="9525">
+                <a:solidFill>
+                  <a:schemeClr val="tx1"/>
+                </a:solidFill>
+                <a:miter lim="800000"/>
+                <a:headEnd/>
+                <a:tailEnd/>
+              </a14:hiddenLine>
+            </a:ext>
+          </a:extLst>
+        </p:spPr>
+      </p:pic>
+    </p:spTree>
+    <p:extLst>
+      <p:ext uri="{BB962C8B-B14F-4D97-AF65-F5344CB8AC3E}">
+        <p14:creationId xmlns:p14="http://schemas.microsoft.com/office/powerpoint/2010/main" val="2961895258"/>
       </p:ext>
     </p:extLst>
   </p:cSld>

--- a/PPT/Kafka-Teaching-Flow.pptx
+++ b/PPT/Kafka-Teaching-Flow.pptx
@@ -52,6 +52,13 @@
     <p:sldId id="304" r:id="rId46"/>
     <p:sldId id="305" r:id="rId47"/>
     <p:sldId id="306" r:id="rId48"/>
+    <p:sldId id="307" r:id="rId49"/>
+    <p:sldId id="308" r:id="rId50"/>
+    <p:sldId id="310" r:id="rId51"/>
+    <p:sldId id="311" r:id="rId52"/>
+    <p:sldId id="312" r:id="rId53"/>
+    <p:sldId id="314" r:id="rId54"/>
+    <p:sldId id="313" r:id="rId55"/>
   </p:sldIdLst>
   <p:sldSz cx="9144000" cy="6858000" type="screen4x3"/>
   <p:notesSz cx="6858000" cy="9144000"/>
@@ -334,7 +341,7 @@
           <a:p>
             <a:fld id="{51149E06-0874-4241-ABF9-BAFA45916F2C}" type="datetimeFigureOut">
               <a:rPr lang="en-US" smtClean="0"/>
-              <a:t>3/2/2023</a:t>
+              <a:t>3/3/2023</a:t>
             </a:fld>
             <a:endParaRPr lang="en-US"/>
           </a:p>
@@ -504,7 +511,7 @@
           <a:p>
             <a:fld id="{51149E06-0874-4241-ABF9-BAFA45916F2C}" type="datetimeFigureOut">
               <a:rPr lang="en-US" smtClean="0"/>
-              <a:t>3/2/2023</a:t>
+              <a:t>3/3/2023</a:t>
             </a:fld>
             <a:endParaRPr lang="en-US"/>
           </a:p>
@@ -684,7 +691,7 @@
           <a:p>
             <a:fld id="{51149E06-0874-4241-ABF9-BAFA45916F2C}" type="datetimeFigureOut">
               <a:rPr lang="en-US" smtClean="0"/>
-              <a:t>3/2/2023</a:t>
+              <a:t>3/3/2023</a:t>
             </a:fld>
             <a:endParaRPr lang="en-US"/>
           </a:p>
@@ -854,7 +861,7 @@
           <a:p>
             <a:fld id="{51149E06-0874-4241-ABF9-BAFA45916F2C}" type="datetimeFigureOut">
               <a:rPr lang="en-US" smtClean="0"/>
-              <a:t>3/2/2023</a:t>
+              <a:t>3/3/2023</a:t>
             </a:fld>
             <a:endParaRPr lang="en-US"/>
           </a:p>
@@ -1100,7 +1107,7 @@
           <a:p>
             <a:fld id="{51149E06-0874-4241-ABF9-BAFA45916F2C}" type="datetimeFigureOut">
               <a:rPr lang="en-US" smtClean="0"/>
-              <a:t>3/2/2023</a:t>
+              <a:t>3/3/2023</a:t>
             </a:fld>
             <a:endParaRPr lang="en-US"/>
           </a:p>
@@ -1388,7 +1395,7 @@
           <a:p>
             <a:fld id="{51149E06-0874-4241-ABF9-BAFA45916F2C}" type="datetimeFigureOut">
               <a:rPr lang="en-US" smtClean="0"/>
-              <a:t>3/2/2023</a:t>
+              <a:t>3/3/2023</a:t>
             </a:fld>
             <a:endParaRPr lang="en-US"/>
           </a:p>
@@ -1810,7 +1817,7 @@
           <a:p>
             <a:fld id="{51149E06-0874-4241-ABF9-BAFA45916F2C}" type="datetimeFigureOut">
               <a:rPr lang="en-US" smtClean="0"/>
-              <a:t>3/2/2023</a:t>
+              <a:t>3/3/2023</a:t>
             </a:fld>
             <a:endParaRPr lang="en-US"/>
           </a:p>
@@ -1928,7 +1935,7 @@
           <a:p>
             <a:fld id="{51149E06-0874-4241-ABF9-BAFA45916F2C}" type="datetimeFigureOut">
               <a:rPr lang="en-US" smtClean="0"/>
-              <a:t>3/2/2023</a:t>
+              <a:t>3/3/2023</a:t>
             </a:fld>
             <a:endParaRPr lang="en-US"/>
           </a:p>
@@ -2023,7 +2030,7 @@
           <a:p>
             <a:fld id="{51149E06-0874-4241-ABF9-BAFA45916F2C}" type="datetimeFigureOut">
               <a:rPr lang="en-US" smtClean="0"/>
-              <a:t>3/2/2023</a:t>
+              <a:t>3/3/2023</a:t>
             </a:fld>
             <a:endParaRPr lang="en-US"/>
           </a:p>
@@ -2300,7 +2307,7 @@
           <a:p>
             <a:fld id="{51149E06-0874-4241-ABF9-BAFA45916F2C}" type="datetimeFigureOut">
               <a:rPr lang="en-US" smtClean="0"/>
-              <a:t>3/2/2023</a:t>
+              <a:t>3/3/2023</a:t>
             </a:fld>
             <a:endParaRPr lang="en-US"/>
           </a:p>
@@ -2553,7 +2560,7 @@
           <a:p>
             <a:fld id="{51149E06-0874-4241-ABF9-BAFA45916F2C}" type="datetimeFigureOut">
               <a:rPr lang="en-US" smtClean="0"/>
-              <a:t>3/2/2023</a:t>
+              <a:t>3/3/2023</a:t>
             </a:fld>
             <a:endParaRPr lang="en-US"/>
           </a:p>
@@ -2766,7 +2773,7 @@
           <a:p>
             <a:fld id="{51149E06-0874-4241-ABF9-BAFA45916F2C}" type="datetimeFigureOut">
               <a:rPr lang="en-US" smtClean="0"/>
-              <a:t>3/2/2023</a:t>
+              <a:t>3/3/2023</a:t>
             </a:fld>
             <a:endParaRPr lang="en-US"/>
           </a:p>
@@ -9122,6 +9129,7 @@
               <a:rPr lang="en-US" dirty="0" smtClean="0"/>
               <a:t>Configuring and tuning the Producer</a:t>
             </a:r>
+            <a:endParaRPr lang="en-US" dirty="0" smtClean="0"/>
           </a:p>
           <a:p>
             <a:pPr lvl="1">
@@ -9890,6 +9898,369 @@
 </p:sld>
 </file>
 
+<file path=ppt/slides/slide48.xml><?xml version="1.0" encoding="utf-8"?>
+<p:sld xmlns:a="http://schemas.openxmlformats.org/drawingml/2006/main" xmlns:r="http://schemas.openxmlformats.org/officeDocument/2006/relationships" xmlns:p="http://schemas.openxmlformats.org/presentationml/2006/main">
+  <p:cSld>
+    <p:spTree>
+      <p:nvGrpSpPr>
+        <p:cNvPr id="1" name=""/>
+        <p:cNvGrpSpPr/>
+        <p:nvPr/>
+      </p:nvGrpSpPr>
+      <p:grpSpPr>
+        <a:xfrm>
+          <a:off x="0" y="0"/>
+          <a:ext cx="0" cy="0"/>
+          <a:chOff x="0" y="0"/>
+          <a:chExt cx="0" cy="0"/>
+        </a:xfrm>
+      </p:grpSpPr>
+      <p:sp>
+        <p:nvSpPr>
+          <p:cNvPr id="2" name="Title 1"/>
+          <p:cNvSpPr>
+            <a:spLocks noGrp="1"/>
+          </p:cNvSpPr>
+          <p:nvPr>
+            <p:ph type="title"/>
+          </p:nvPr>
+        </p:nvSpPr>
+        <p:spPr/>
+        <p:txBody>
+          <a:bodyPr/>
+          <a:lstStyle/>
+          <a:p>
+            <a:r>
+              <a:rPr lang="en-US" dirty="0" smtClean="0"/>
+              <a:t>Day </a:t>
+            </a:r>
+            <a:r>
+              <a:rPr lang="en-US" dirty="0" smtClean="0"/>
+              <a:t>11</a:t>
+            </a:r>
+            <a:endParaRPr lang="en-US" dirty="0"/>
+          </a:p>
+        </p:txBody>
+      </p:sp>
+      <p:sp>
+        <p:nvSpPr>
+          <p:cNvPr id="3" name="Content Placeholder 2"/>
+          <p:cNvSpPr>
+            <a:spLocks noGrp="1"/>
+          </p:cNvSpPr>
+          <p:nvPr>
+            <p:ph idx="1"/>
+          </p:nvPr>
+        </p:nvSpPr>
+        <p:spPr/>
+        <p:txBody>
+          <a:bodyPr>
+            <a:normAutofit/>
+          </a:bodyPr>
+          <a:lstStyle/>
+          <a:p>
+            <a:pPr marL="0" indent="0">
+              <a:buNone/>
+            </a:pPr>
+            <a:r>
+              <a:rPr lang="en-US" b="1" dirty="0" smtClean="0"/>
+              <a:t>Theme</a:t>
+            </a:r>
+          </a:p>
+          <a:p>
+            <a:pPr lvl="1"/>
+            <a:endParaRPr lang="en-US" dirty="0" smtClean="0"/>
+          </a:p>
+          <a:p>
+            <a:pPr lvl="1">
+              <a:buFont typeface="Arial" panose="020B0604020202020204" pitchFamily="34" charset="0"/>
+              <a:buChar char="•"/>
+            </a:pPr>
+            <a:endParaRPr lang="en-US" dirty="0" smtClean="0"/>
+          </a:p>
+          <a:p>
+            <a:pPr lvl="1">
+              <a:buFont typeface="Arial" panose="020B0604020202020204" pitchFamily="34" charset="0"/>
+              <a:buChar char="•"/>
+            </a:pPr>
+            <a:r>
+              <a:rPr lang="en-US" dirty="0" err="1" smtClean="0"/>
+              <a:t>Microservices</a:t>
+            </a:r>
+            <a:r>
+              <a:rPr lang="en-US" dirty="0" smtClean="0"/>
+              <a:t> Producer Tuning and Fail Recovery</a:t>
+            </a:r>
+            <a:endParaRPr lang="en-US" dirty="0" smtClean="0"/>
+          </a:p>
+          <a:p>
+            <a:pPr lvl="1">
+              <a:buFont typeface="Arial" panose="020B0604020202020204" pitchFamily="34" charset="0"/>
+              <a:buChar char="•"/>
+            </a:pPr>
+            <a:endParaRPr lang="en-US" dirty="0" smtClean="0"/>
+          </a:p>
+          <a:p>
+            <a:pPr lvl="1">
+              <a:buFont typeface="Arial" panose="020B0604020202020204" pitchFamily="34" charset="0"/>
+              <a:buChar char="•"/>
+            </a:pPr>
+            <a:r>
+              <a:rPr lang="en-US" dirty="0" smtClean="0"/>
+              <a:t>Basic </a:t>
+            </a:r>
+            <a:r>
+              <a:rPr lang="en-US" dirty="0" err="1" smtClean="0"/>
+              <a:t>Microservice</a:t>
+            </a:r>
+            <a:r>
+              <a:rPr lang="en-US" dirty="0" smtClean="0"/>
+              <a:t> based Kafka Consumer</a:t>
+            </a:r>
+          </a:p>
+          <a:p>
+            <a:pPr lvl="1">
+              <a:buFont typeface="Arial" panose="020B0604020202020204" pitchFamily="34" charset="0"/>
+              <a:buChar char="•"/>
+            </a:pPr>
+            <a:endParaRPr lang="en-US" dirty="0" smtClean="0"/>
+          </a:p>
+          <a:p>
+            <a:pPr marL="457200" lvl="1" indent="0">
+              <a:buNone/>
+            </a:pPr>
+            <a:endParaRPr lang="en-US" dirty="0" smtClean="0"/>
+          </a:p>
+          <a:p>
+            <a:pPr lvl="1"/>
+            <a:endParaRPr lang="en-US" dirty="0" smtClean="0"/>
+          </a:p>
+        </p:txBody>
+      </p:sp>
+    </p:spTree>
+    <p:extLst>
+      <p:ext uri="{BB962C8B-B14F-4D97-AF65-F5344CB8AC3E}">
+        <p14:creationId xmlns:p14="http://schemas.microsoft.com/office/powerpoint/2010/main" val="3899264244"/>
+      </p:ext>
+    </p:extLst>
+  </p:cSld>
+  <p:clrMapOvr>
+    <a:masterClrMapping/>
+  </p:clrMapOvr>
+  <p:timing>
+    <p:tnLst>
+      <p:par>
+        <p:cTn id="1" dur="indefinite" restart="never" nodeType="tmRoot"/>
+      </p:par>
+    </p:tnLst>
+  </p:timing>
+</p:sld>
+</file>
+
+<file path=ppt/slides/slide49.xml><?xml version="1.0" encoding="utf-8"?>
+<p:sld xmlns:a="http://schemas.openxmlformats.org/drawingml/2006/main" xmlns:r="http://schemas.openxmlformats.org/officeDocument/2006/relationships" xmlns:p="http://schemas.openxmlformats.org/presentationml/2006/main">
+  <p:cSld>
+    <p:spTree>
+      <p:nvGrpSpPr>
+        <p:cNvPr id="1" name=""/>
+        <p:cNvGrpSpPr/>
+        <p:nvPr/>
+      </p:nvGrpSpPr>
+      <p:grpSpPr>
+        <a:xfrm>
+          <a:off x="0" y="0"/>
+          <a:ext cx="0" cy="0"/>
+          <a:chOff x="0" y="0"/>
+          <a:chExt cx="0" cy="0"/>
+        </a:xfrm>
+      </p:grpSpPr>
+      <p:sp>
+        <p:nvSpPr>
+          <p:cNvPr id="2" name="Title 1"/>
+          <p:cNvSpPr>
+            <a:spLocks noGrp="1"/>
+          </p:cNvSpPr>
+          <p:nvPr>
+            <p:ph type="title"/>
+          </p:nvPr>
+        </p:nvSpPr>
+        <p:spPr/>
+        <p:txBody>
+          <a:bodyPr/>
+          <a:lstStyle/>
+          <a:p>
+            <a:r>
+              <a:rPr lang="en-US" dirty="0" smtClean="0"/>
+              <a:t>Agenda - Day </a:t>
+            </a:r>
+            <a:r>
+              <a:rPr lang="en-US" dirty="0" smtClean="0"/>
+              <a:t>11</a:t>
+            </a:r>
+            <a:endParaRPr lang="en-US" dirty="0"/>
+          </a:p>
+        </p:txBody>
+      </p:sp>
+      <p:sp>
+        <p:nvSpPr>
+          <p:cNvPr id="3" name="Content Placeholder 2"/>
+          <p:cNvSpPr>
+            <a:spLocks noGrp="1"/>
+          </p:cNvSpPr>
+          <p:nvPr>
+            <p:ph idx="1"/>
+          </p:nvPr>
+        </p:nvSpPr>
+        <p:spPr/>
+        <p:txBody>
+          <a:bodyPr>
+            <a:normAutofit lnSpcReduction="10000"/>
+          </a:bodyPr>
+          <a:lstStyle/>
+          <a:p>
+            <a:pPr lvl="1">
+              <a:buFont typeface="Arial" panose="020B0604020202020204" pitchFamily="34" charset="0"/>
+              <a:buChar char="•"/>
+            </a:pPr>
+            <a:r>
+              <a:rPr lang="en-US" dirty="0" smtClean="0"/>
+              <a:t>Day </a:t>
+            </a:r>
+            <a:r>
+              <a:rPr lang="en-US" dirty="0" smtClean="0"/>
+              <a:t>10 </a:t>
+            </a:r>
+            <a:r>
+              <a:rPr lang="en-US" dirty="0" smtClean="0"/>
+              <a:t>Recap &amp; </a:t>
+            </a:r>
+            <a:r>
+              <a:rPr lang="en-US" dirty="0" err="1" smtClean="0"/>
+              <a:t>QnA</a:t>
+            </a:r>
+            <a:endParaRPr lang="en-US" dirty="0" smtClean="0"/>
+          </a:p>
+          <a:p>
+            <a:pPr lvl="1">
+              <a:buFont typeface="Arial" panose="020B0604020202020204" pitchFamily="34" charset="0"/>
+              <a:buChar char="•"/>
+            </a:pPr>
+            <a:endParaRPr lang="en-US" dirty="0" smtClean="0"/>
+          </a:p>
+          <a:p>
+            <a:pPr lvl="1">
+              <a:buFont typeface="Arial" panose="020B0604020202020204" pitchFamily="34" charset="0"/>
+              <a:buChar char="•"/>
+            </a:pPr>
+            <a:r>
+              <a:rPr lang="en-US" dirty="0" smtClean="0"/>
+              <a:t>Configuring </a:t>
+            </a:r>
+            <a:r>
+              <a:rPr lang="en-US" dirty="0" smtClean="0"/>
+              <a:t>and Tuning the </a:t>
+            </a:r>
+            <a:r>
+              <a:rPr lang="en-US" dirty="0" smtClean="0"/>
+              <a:t>Producer</a:t>
+            </a:r>
+          </a:p>
+          <a:p>
+            <a:pPr lvl="1">
+              <a:buFont typeface="Arial" panose="020B0604020202020204" pitchFamily="34" charset="0"/>
+              <a:buChar char="•"/>
+            </a:pPr>
+            <a:endParaRPr lang="en-US" dirty="0"/>
+          </a:p>
+          <a:p>
+            <a:pPr lvl="1">
+              <a:buFont typeface="Arial" panose="020B0604020202020204" pitchFamily="34" charset="0"/>
+              <a:buChar char="•"/>
+            </a:pPr>
+            <a:r>
+              <a:rPr lang="en-US" dirty="0" smtClean="0"/>
+              <a:t>Fail Recovery in Producer</a:t>
+            </a:r>
+            <a:endParaRPr lang="en-US" dirty="0" smtClean="0"/>
+          </a:p>
+          <a:p>
+            <a:pPr lvl="1">
+              <a:buFont typeface="Arial" panose="020B0604020202020204" pitchFamily="34" charset="0"/>
+              <a:buChar char="•"/>
+            </a:pPr>
+            <a:endParaRPr lang="en-US" dirty="0" smtClean="0"/>
+          </a:p>
+          <a:p>
+            <a:pPr lvl="1">
+              <a:buFont typeface="Arial" panose="020B0604020202020204" pitchFamily="34" charset="0"/>
+              <a:buChar char="•"/>
+            </a:pPr>
+            <a:r>
+              <a:rPr lang="en-US" dirty="0" err="1" smtClean="0"/>
+              <a:t>Microservice</a:t>
+            </a:r>
+            <a:r>
+              <a:rPr lang="en-US" dirty="0" smtClean="0"/>
+              <a:t> Consuming Messages </a:t>
+            </a:r>
+            <a:r>
+              <a:rPr lang="en-US" dirty="0"/>
+              <a:t>F</a:t>
+            </a:r>
+            <a:r>
+              <a:rPr lang="en-US" dirty="0" smtClean="0"/>
+              <a:t>rom Kafka</a:t>
+            </a:r>
+          </a:p>
+          <a:p>
+            <a:pPr lvl="1">
+              <a:buFont typeface="Arial" panose="020B0604020202020204" pitchFamily="34" charset="0"/>
+              <a:buChar char="•"/>
+            </a:pPr>
+            <a:endParaRPr lang="en-US" dirty="0" smtClean="0"/>
+          </a:p>
+          <a:p>
+            <a:pPr lvl="1">
+              <a:buFont typeface="Arial" panose="020B0604020202020204" pitchFamily="34" charset="0"/>
+              <a:buChar char="•"/>
+            </a:pPr>
+            <a:r>
+              <a:rPr lang="en-US" dirty="0" smtClean="0"/>
+              <a:t>DIY </a:t>
+            </a:r>
+            <a:r>
+              <a:rPr lang="en-US" dirty="0" smtClean="0"/>
+              <a:t>Exercise</a:t>
+            </a:r>
+          </a:p>
+          <a:p>
+            <a:pPr marL="457200" lvl="1" indent="0">
+              <a:buNone/>
+            </a:pPr>
+            <a:endParaRPr lang="en-US" dirty="0"/>
+          </a:p>
+        </p:txBody>
+      </p:sp>
+    </p:spTree>
+    <p:extLst>
+      <p:ext uri="{BB962C8B-B14F-4D97-AF65-F5344CB8AC3E}">
+        <p14:creationId xmlns:p14="http://schemas.microsoft.com/office/powerpoint/2010/main" val="847596657"/>
+      </p:ext>
+    </p:extLst>
+  </p:cSld>
+  <p:clrMapOvr>
+    <a:masterClrMapping/>
+  </p:clrMapOvr>
+  <p:timing>
+    <p:tnLst>
+      <p:par>
+        <p:cTn id="1" dur="indefinite" restart="never" nodeType="tmRoot"/>
+      </p:par>
+    </p:tnLst>
+  </p:timing>
+</p:sld>
+</file>
+
 <file path=ppt/slides/slide5.xml><?xml version="1.0" encoding="utf-8"?>
 <p:sld xmlns:a="http://schemas.openxmlformats.org/drawingml/2006/main" xmlns:r="http://schemas.openxmlformats.org/officeDocument/2006/relationships" xmlns:p="http://schemas.openxmlformats.org/presentationml/2006/main">
   <p:cSld>
@@ -10015,6 +10386,829 @@
     <p:extLst>
       <p:ext uri="{BB962C8B-B14F-4D97-AF65-F5344CB8AC3E}">
         <p14:creationId xmlns:p14="http://schemas.microsoft.com/office/powerpoint/2010/main" val="4256705446"/>
+      </p:ext>
+    </p:extLst>
+  </p:cSld>
+  <p:clrMapOvr>
+    <a:masterClrMapping/>
+  </p:clrMapOvr>
+  <p:timing>
+    <p:tnLst>
+      <p:par>
+        <p:cTn id="1" dur="indefinite" restart="never" nodeType="tmRoot"/>
+      </p:par>
+    </p:tnLst>
+  </p:timing>
+</p:sld>
+</file>
+
+<file path=ppt/slides/slide50.xml><?xml version="1.0" encoding="utf-8"?>
+<p:sld xmlns:a="http://schemas.openxmlformats.org/drawingml/2006/main" xmlns:r="http://schemas.openxmlformats.org/officeDocument/2006/relationships" xmlns:p="http://schemas.openxmlformats.org/presentationml/2006/main">
+  <p:cSld>
+    <p:spTree>
+      <p:nvGrpSpPr>
+        <p:cNvPr id="1" name=""/>
+        <p:cNvGrpSpPr/>
+        <p:nvPr/>
+      </p:nvGrpSpPr>
+      <p:grpSpPr>
+        <a:xfrm>
+          <a:off x="0" y="0"/>
+          <a:ext cx="0" cy="0"/>
+          <a:chOff x="0" y="0"/>
+          <a:chExt cx="0" cy="0"/>
+        </a:xfrm>
+      </p:grpSpPr>
+      <p:sp>
+        <p:nvSpPr>
+          <p:cNvPr id="2" name="Title 1"/>
+          <p:cNvSpPr>
+            <a:spLocks noGrp="1"/>
+          </p:cNvSpPr>
+          <p:nvPr>
+            <p:ph type="title"/>
+          </p:nvPr>
+        </p:nvSpPr>
+        <p:spPr/>
+        <p:txBody>
+          <a:bodyPr/>
+          <a:lstStyle/>
+          <a:p>
+            <a:r>
+              <a:rPr lang="en-US" dirty="0" smtClean="0"/>
+              <a:t>DIY Exercise - Day </a:t>
+            </a:r>
+            <a:r>
+              <a:rPr lang="en-US" dirty="0" smtClean="0"/>
+              <a:t>11</a:t>
+            </a:r>
+            <a:endParaRPr lang="en-US" dirty="0"/>
+          </a:p>
+        </p:txBody>
+      </p:sp>
+      <p:sp>
+        <p:nvSpPr>
+          <p:cNvPr id="3" name="Content Placeholder 2"/>
+          <p:cNvSpPr>
+            <a:spLocks noGrp="1"/>
+          </p:cNvSpPr>
+          <p:nvPr>
+            <p:ph idx="1"/>
+          </p:nvPr>
+        </p:nvSpPr>
+        <p:spPr>
+          <a:xfrm>
+            <a:off x="467544" y="1484784"/>
+            <a:ext cx="8229600" cy="4525963"/>
+          </a:xfrm>
+        </p:spPr>
+        <p:txBody>
+          <a:bodyPr>
+            <a:normAutofit/>
+          </a:bodyPr>
+          <a:lstStyle/>
+          <a:p>
+            <a:pPr marL="457200" lvl="1" indent="0">
+              <a:buNone/>
+            </a:pPr>
+            <a:endParaRPr lang="en-US" dirty="0" smtClean="0"/>
+          </a:p>
+          <a:p>
+            <a:pPr lvl="1">
+              <a:buFont typeface="Arial" panose="020B0604020202020204" pitchFamily="34" charset="0"/>
+              <a:buChar char="•"/>
+            </a:pPr>
+            <a:r>
+              <a:rPr lang="en-US" dirty="0" smtClean="0"/>
+              <a:t>Demonstrate different Producer Configurations</a:t>
+            </a:r>
+            <a:endParaRPr lang="en-US" dirty="0" smtClean="0"/>
+          </a:p>
+          <a:p>
+            <a:pPr lvl="1">
+              <a:buFont typeface="Arial" panose="020B0604020202020204" pitchFamily="34" charset="0"/>
+              <a:buChar char="•"/>
+            </a:pPr>
+            <a:endParaRPr lang="en-US" dirty="0" smtClean="0"/>
+          </a:p>
+          <a:p>
+            <a:pPr lvl="1">
+              <a:buFont typeface="Arial" panose="020B0604020202020204" pitchFamily="34" charset="0"/>
+              <a:buChar char="•"/>
+            </a:pPr>
+            <a:r>
+              <a:rPr lang="en-US" dirty="0" smtClean="0"/>
+              <a:t>Implement </a:t>
+            </a:r>
+            <a:r>
+              <a:rPr lang="en-US" dirty="0" smtClean="0"/>
+              <a:t>a Producer fail recovery </a:t>
+            </a:r>
+            <a:r>
+              <a:rPr lang="en-US" dirty="0" smtClean="0"/>
+              <a:t>pattern</a:t>
+            </a:r>
+          </a:p>
+          <a:p>
+            <a:pPr lvl="1">
+              <a:buFont typeface="Arial" panose="020B0604020202020204" pitchFamily="34" charset="0"/>
+              <a:buChar char="•"/>
+            </a:pPr>
+            <a:endParaRPr lang="en-US" dirty="0" smtClean="0"/>
+          </a:p>
+          <a:p>
+            <a:pPr lvl="1">
+              <a:buFont typeface="Arial" panose="020B0604020202020204" pitchFamily="34" charset="0"/>
+              <a:buChar char="•"/>
+            </a:pPr>
+            <a:r>
+              <a:rPr lang="en-US" dirty="0" smtClean="0"/>
+              <a:t>Implement the Basic Consumer </a:t>
+            </a:r>
+            <a:endParaRPr lang="en-US" dirty="0" smtClean="0"/>
+          </a:p>
+          <a:p>
+            <a:pPr lvl="1">
+              <a:buFont typeface="Arial" panose="020B0604020202020204" pitchFamily="34" charset="0"/>
+              <a:buChar char="•"/>
+            </a:pPr>
+            <a:endParaRPr lang="en-US" dirty="0" smtClean="0"/>
+          </a:p>
+          <a:p>
+            <a:pPr lvl="1">
+              <a:buFont typeface="Arial" panose="020B0604020202020204" pitchFamily="34" charset="0"/>
+              <a:buChar char="•"/>
+            </a:pPr>
+            <a:endParaRPr lang="en-US" dirty="0" smtClean="0"/>
+          </a:p>
+          <a:p>
+            <a:pPr marL="457200" lvl="1" indent="0">
+              <a:buNone/>
+            </a:pPr>
+            <a:endParaRPr lang="en-US" dirty="0" smtClean="0"/>
+          </a:p>
+        </p:txBody>
+      </p:sp>
+    </p:spTree>
+    <p:extLst>
+      <p:ext uri="{BB962C8B-B14F-4D97-AF65-F5344CB8AC3E}">
+        <p14:creationId xmlns:p14="http://schemas.microsoft.com/office/powerpoint/2010/main" val="1427530408"/>
+      </p:ext>
+    </p:extLst>
+  </p:cSld>
+  <p:clrMapOvr>
+    <a:masterClrMapping/>
+  </p:clrMapOvr>
+  <p:timing>
+    <p:tnLst>
+      <p:par>
+        <p:cTn id="1" dur="indefinite" restart="never" nodeType="tmRoot"/>
+      </p:par>
+    </p:tnLst>
+  </p:timing>
+</p:sld>
+</file>
+
+<file path=ppt/slides/slide51.xml><?xml version="1.0" encoding="utf-8"?>
+<p:sld xmlns:a="http://schemas.openxmlformats.org/drawingml/2006/main" xmlns:r="http://schemas.openxmlformats.org/officeDocument/2006/relationships" xmlns:p="http://schemas.openxmlformats.org/presentationml/2006/main">
+  <p:cSld>
+    <p:spTree>
+      <p:nvGrpSpPr>
+        <p:cNvPr id="1" name=""/>
+        <p:cNvGrpSpPr/>
+        <p:nvPr/>
+      </p:nvGrpSpPr>
+      <p:grpSpPr>
+        <a:xfrm>
+          <a:off x="0" y="0"/>
+          <a:ext cx="0" cy="0"/>
+          <a:chOff x="0" y="0"/>
+          <a:chExt cx="0" cy="0"/>
+        </a:xfrm>
+      </p:grpSpPr>
+      <p:sp>
+        <p:nvSpPr>
+          <p:cNvPr id="2" name="Title 1"/>
+          <p:cNvSpPr>
+            <a:spLocks noGrp="1"/>
+          </p:cNvSpPr>
+          <p:nvPr>
+            <p:ph type="title"/>
+          </p:nvPr>
+        </p:nvSpPr>
+        <p:spPr/>
+        <p:txBody>
+          <a:bodyPr/>
+          <a:lstStyle/>
+          <a:p>
+            <a:r>
+              <a:rPr lang="en-US" dirty="0" smtClean="0"/>
+              <a:t>Day </a:t>
+            </a:r>
+            <a:r>
+              <a:rPr lang="en-US" dirty="0" smtClean="0"/>
+              <a:t>12</a:t>
+            </a:r>
+            <a:endParaRPr lang="en-US" dirty="0"/>
+          </a:p>
+        </p:txBody>
+      </p:sp>
+      <p:sp>
+        <p:nvSpPr>
+          <p:cNvPr id="3" name="Content Placeholder 2"/>
+          <p:cNvSpPr>
+            <a:spLocks noGrp="1"/>
+          </p:cNvSpPr>
+          <p:nvPr>
+            <p:ph idx="1"/>
+          </p:nvPr>
+        </p:nvSpPr>
+        <p:spPr/>
+        <p:txBody>
+          <a:bodyPr>
+            <a:normAutofit/>
+          </a:bodyPr>
+          <a:lstStyle/>
+          <a:p>
+            <a:pPr marL="0" indent="0">
+              <a:buNone/>
+            </a:pPr>
+            <a:r>
+              <a:rPr lang="en-US" b="1" dirty="0" smtClean="0"/>
+              <a:t>Theme</a:t>
+            </a:r>
+          </a:p>
+          <a:p>
+            <a:pPr lvl="1"/>
+            <a:endParaRPr lang="en-US" dirty="0" smtClean="0"/>
+          </a:p>
+          <a:p>
+            <a:pPr lvl="1">
+              <a:buFont typeface="Arial" panose="020B0604020202020204" pitchFamily="34" charset="0"/>
+              <a:buChar char="•"/>
+            </a:pPr>
+            <a:endParaRPr lang="en-US" dirty="0" smtClean="0"/>
+          </a:p>
+          <a:p>
+            <a:pPr lvl="1">
+              <a:buFont typeface="Arial" panose="020B0604020202020204" pitchFamily="34" charset="0"/>
+              <a:buChar char="•"/>
+            </a:pPr>
+            <a:r>
+              <a:rPr lang="en-US" dirty="0" smtClean="0"/>
+              <a:t>How to Test the Kafka Producer and Consumer</a:t>
+            </a:r>
+            <a:endParaRPr lang="en-US" dirty="0" smtClean="0"/>
+          </a:p>
+          <a:p>
+            <a:pPr lvl="1">
+              <a:buFont typeface="Arial" panose="020B0604020202020204" pitchFamily="34" charset="0"/>
+              <a:buChar char="•"/>
+            </a:pPr>
+            <a:endParaRPr lang="en-US" dirty="0" smtClean="0"/>
+          </a:p>
+          <a:p>
+            <a:pPr lvl="1">
+              <a:buFont typeface="Arial" panose="020B0604020202020204" pitchFamily="34" charset="0"/>
+              <a:buChar char="•"/>
+            </a:pPr>
+            <a:r>
+              <a:rPr lang="en-US" dirty="0" smtClean="0"/>
+              <a:t>Persistency of Messages</a:t>
+            </a:r>
+            <a:endParaRPr lang="en-US" dirty="0" smtClean="0"/>
+          </a:p>
+          <a:p>
+            <a:pPr lvl="1">
+              <a:buFont typeface="Arial" panose="020B0604020202020204" pitchFamily="34" charset="0"/>
+              <a:buChar char="•"/>
+            </a:pPr>
+            <a:endParaRPr lang="en-US" dirty="0" smtClean="0"/>
+          </a:p>
+          <a:p>
+            <a:pPr lvl="1">
+              <a:buFont typeface="Arial" panose="020B0604020202020204" pitchFamily="34" charset="0"/>
+              <a:buChar char="•"/>
+            </a:pPr>
+            <a:r>
+              <a:rPr lang="en-US" dirty="0" smtClean="0"/>
+              <a:t>Consumer Internals </a:t>
+            </a:r>
+          </a:p>
+          <a:p>
+            <a:pPr lvl="1">
+              <a:buFont typeface="Arial" panose="020B0604020202020204" pitchFamily="34" charset="0"/>
+              <a:buChar char="•"/>
+            </a:pPr>
+            <a:endParaRPr lang="en-US" dirty="0" smtClean="0"/>
+          </a:p>
+          <a:p>
+            <a:pPr lvl="1">
+              <a:buFont typeface="Arial" panose="020B0604020202020204" pitchFamily="34" charset="0"/>
+              <a:buChar char="•"/>
+            </a:pPr>
+            <a:endParaRPr lang="en-US" dirty="0" smtClean="0"/>
+          </a:p>
+          <a:p>
+            <a:pPr marL="457200" lvl="1" indent="0">
+              <a:buNone/>
+            </a:pPr>
+            <a:endParaRPr lang="en-US" dirty="0" smtClean="0"/>
+          </a:p>
+          <a:p>
+            <a:pPr lvl="1"/>
+            <a:endParaRPr lang="en-US" dirty="0" smtClean="0"/>
+          </a:p>
+        </p:txBody>
+      </p:sp>
+    </p:spTree>
+    <p:extLst>
+      <p:ext uri="{BB962C8B-B14F-4D97-AF65-F5344CB8AC3E}">
+        <p14:creationId xmlns:p14="http://schemas.microsoft.com/office/powerpoint/2010/main" val="2959119744"/>
+      </p:ext>
+    </p:extLst>
+  </p:cSld>
+  <p:clrMapOvr>
+    <a:masterClrMapping/>
+  </p:clrMapOvr>
+  <p:timing>
+    <p:tnLst>
+      <p:par>
+        <p:cTn id="1" dur="indefinite" restart="never" nodeType="tmRoot"/>
+      </p:par>
+    </p:tnLst>
+  </p:timing>
+</p:sld>
+</file>
+
+<file path=ppt/slides/slide52.xml><?xml version="1.0" encoding="utf-8"?>
+<p:sld xmlns:a="http://schemas.openxmlformats.org/drawingml/2006/main" xmlns:r="http://schemas.openxmlformats.org/officeDocument/2006/relationships" xmlns:p="http://schemas.openxmlformats.org/presentationml/2006/main">
+  <p:cSld>
+    <p:spTree>
+      <p:nvGrpSpPr>
+        <p:cNvPr id="1" name=""/>
+        <p:cNvGrpSpPr/>
+        <p:nvPr/>
+      </p:nvGrpSpPr>
+      <p:grpSpPr>
+        <a:xfrm>
+          <a:off x="0" y="0"/>
+          <a:ext cx="0" cy="0"/>
+          <a:chOff x="0" y="0"/>
+          <a:chExt cx="0" cy="0"/>
+        </a:xfrm>
+      </p:grpSpPr>
+      <p:sp>
+        <p:nvSpPr>
+          <p:cNvPr id="2" name="Title 1"/>
+          <p:cNvSpPr>
+            <a:spLocks noGrp="1"/>
+          </p:cNvSpPr>
+          <p:nvPr>
+            <p:ph type="title"/>
+          </p:nvPr>
+        </p:nvSpPr>
+        <p:spPr/>
+        <p:txBody>
+          <a:bodyPr/>
+          <a:lstStyle/>
+          <a:p>
+            <a:r>
+              <a:rPr lang="en-US" dirty="0" smtClean="0"/>
+              <a:t>Agenda - Day </a:t>
+            </a:r>
+            <a:r>
+              <a:rPr lang="en-US" dirty="0" smtClean="0"/>
+              <a:t>12</a:t>
+            </a:r>
+            <a:endParaRPr lang="en-US" dirty="0"/>
+          </a:p>
+        </p:txBody>
+      </p:sp>
+      <p:sp>
+        <p:nvSpPr>
+          <p:cNvPr id="3" name="Content Placeholder 2"/>
+          <p:cNvSpPr>
+            <a:spLocks noGrp="1"/>
+          </p:cNvSpPr>
+          <p:nvPr>
+            <p:ph idx="1"/>
+          </p:nvPr>
+        </p:nvSpPr>
+        <p:spPr/>
+        <p:txBody>
+          <a:bodyPr>
+            <a:normAutofit fontScale="92500" lnSpcReduction="20000"/>
+          </a:bodyPr>
+          <a:lstStyle/>
+          <a:p>
+            <a:pPr lvl="1">
+              <a:buFont typeface="Arial" panose="020B0604020202020204" pitchFamily="34" charset="0"/>
+              <a:buChar char="•"/>
+            </a:pPr>
+            <a:r>
+              <a:rPr lang="en-US" dirty="0" smtClean="0"/>
+              <a:t>Day </a:t>
+            </a:r>
+            <a:r>
+              <a:rPr lang="en-US" dirty="0" smtClean="0"/>
+              <a:t>11 </a:t>
+            </a:r>
+            <a:r>
+              <a:rPr lang="en-US" dirty="0" smtClean="0"/>
+              <a:t>Recap &amp; </a:t>
+            </a:r>
+            <a:r>
+              <a:rPr lang="en-US" dirty="0" err="1" smtClean="0"/>
+              <a:t>QnA</a:t>
+            </a:r>
+            <a:endParaRPr lang="en-US" dirty="0" smtClean="0"/>
+          </a:p>
+          <a:p>
+            <a:pPr lvl="1">
+              <a:buFont typeface="Arial" panose="020B0604020202020204" pitchFamily="34" charset="0"/>
+              <a:buChar char="•"/>
+            </a:pPr>
+            <a:endParaRPr lang="en-US" dirty="0" smtClean="0"/>
+          </a:p>
+          <a:p>
+            <a:pPr lvl="1">
+              <a:buFont typeface="Arial" panose="020B0604020202020204" pitchFamily="34" charset="0"/>
+              <a:buChar char="•"/>
+            </a:pPr>
+            <a:r>
+              <a:rPr lang="en-US" dirty="0" smtClean="0"/>
+              <a:t>Integration Testing of Producer</a:t>
+            </a:r>
+          </a:p>
+          <a:p>
+            <a:pPr lvl="1">
+              <a:buFont typeface="Arial" panose="020B0604020202020204" pitchFamily="34" charset="0"/>
+              <a:buChar char="•"/>
+            </a:pPr>
+            <a:endParaRPr lang="en-US" dirty="0" smtClean="0"/>
+          </a:p>
+          <a:p>
+            <a:pPr lvl="1">
+              <a:buFont typeface="Arial" panose="020B0604020202020204" pitchFamily="34" charset="0"/>
+              <a:buChar char="•"/>
+            </a:pPr>
+            <a:r>
+              <a:rPr lang="en-US" dirty="0"/>
+              <a:t>Embedded Kafka </a:t>
+            </a:r>
+          </a:p>
+          <a:p>
+            <a:pPr lvl="1">
+              <a:buFont typeface="Arial" panose="020B0604020202020204" pitchFamily="34" charset="0"/>
+              <a:buChar char="•"/>
+            </a:pPr>
+            <a:endParaRPr lang="en-US" dirty="0" smtClean="0"/>
+          </a:p>
+          <a:p>
+            <a:pPr lvl="1">
+              <a:buFont typeface="Arial" panose="020B0604020202020204" pitchFamily="34" charset="0"/>
+              <a:buChar char="•"/>
+            </a:pPr>
+            <a:r>
+              <a:rPr lang="en-US" dirty="0" smtClean="0"/>
+              <a:t>Using H2 DB and save the messages read in Consumer</a:t>
+            </a:r>
+          </a:p>
+          <a:p>
+            <a:pPr lvl="1">
+              <a:buFont typeface="Arial" panose="020B0604020202020204" pitchFamily="34" charset="0"/>
+              <a:buChar char="•"/>
+            </a:pPr>
+            <a:endParaRPr lang="en-US" dirty="0" smtClean="0"/>
+          </a:p>
+          <a:p>
+            <a:pPr lvl="1">
+              <a:buFont typeface="Arial" panose="020B0604020202020204" pitchFamily="34" charset="0"/>
+              <a:buChar char="•"/>
+            </a:pPr>
+            <a:r>
+              <a:rPr lang="en-US" dirty="0" smtClean="0"/>
+              <a:t>Spring Kafka Consumer Internals</a:t>
+            </a:r>
+            <a:endParaRPr lang="en-US" dirty="0"/>
+          </a:p>
+          <a:p>
+            <a:pPr lvl="1">
+              <a:buFont typeface="Arial" panose="020B0604020202020204" pitchFamily="34" charset="0"/>
+              <a:buChar char="•"/>
+            </a:pPr>
+            <a:endParaRPr lang="en-US" dirty="0" smtClean="0"/>
+          </a:p>
+          <a:p>
+            <a:pPr lvl="1">
+              <a:buFont typeface="Arial" panose="020B0604020202020204" pitchFamily="34" charset="0"/>
+              <a:buChar char="•"/>
+            </a:pPr>
+            <a:r>
+              <a:rPr lang="en-US" dirty="0" smtClean="0"/>
+              <a:t>DIY </a:t>
+            </a:r>
+            <a:r>
+              <a:rPr lang="en-US" dirty="0" smtClean="0"/>
+              <a:t>Exercise</a:t>
+            </a:r>
+          </a:p>
+          <a:p>
+            <a:pPr marL="457200" lvl="1" indent="0">
+              <a:buNone/>
+            </a:pPr>
+            <a:endParaRPr lang="en-US" dirty="0"/>
+          </a:p>
+        </p:txBody>
+      </p:sp>
+    </p:spTree>
+    <p:extLst>
+      <p:ext uri="{BB962C8B-B14F-4D97-AF65-F5344CB8AC3E}">
+        <p14:creationId xmlns:p14="http://schemas.microsoft.com/office/powerpoint/2010/main" val="4243060985"/>
+      </p:ext>
+    </p:extLst>
+  </p:cSld>
+  <p:clrMapOvr>
+    <a:masterClrMapping/>
+  </p:clrMapOvr>
+  <p:timing>
+    <p:tnLst>
+      <p:par>
+        <p:cTn id="1" dur="indefinite" restart="never" nodeType="tmRoot"/>
+      </p:par>
+    </p:tnLst>
+  </p:timing>
+</p:sld>
+</file>
+
+<file path=ppt/slides/slide53.xml><?xml version="1.0" encoding="utf-8"?>
+<p:sld xmlns:a="http://schemas.openxmlformats.org/drawingml/2006/main" xmlns:r="http://schemas.openxmlformats.org/officeDocument/2006/relationships" xmlns:p="http://schemas.openxmlformats.org/presentationml/2006/main">
+  <p:cSld>
+    <p:spTree>
+      <p:nvGrpSpPr>
+        <p:cNvPr id="1" name=""/>
+        <p:cNvGrpSpPr/>
+        <p:nvPr/>
+      </p:nvGrpSpPr>
+      <p:grpSpPr>
+        <a:xfrm>
+          <a:off x="0" y="0"/>
+          <a:ext cx="0" cy="0"/>
+          <a:chOff x="0" y="0"/>
+          <a:chExt cx="0" cy="0"/>
+        </a:xfrm>
+      </p:grpSpPr>
+      <p:sp>
+        <p:nvSpPr>
+          <p:cNvPr id="2" name="Title 1"/>
+          <p:cNvSpPr>
+            <a:spLocks noGrp="1"/>
+          </p:cNvSpPr>
+          <p:nvPr>
+            <p:ph type="title"/>
+          </p:nvPr>
+        </p:nvSpPr>
+        <p:spPr>
+          <a:xfrm>
+            <a:off x="-252536" y="274638"/>
+            <a:ext cx="9577064" cy="1143000"/>
+          </a:xfrm>
+        </p:spPr>
+        <p:txBody>
+          <a:bodyPr>
+            <a:noAutofit/>
+          </a:bodyPr>
+          <a:lstStyle/>
+          <a:p>
+            <a:pPr lvl="1" algn="ctr" rtl="0">
+              <a:spcBef>
+                <a:spcPct val="0"/>
+              </a:spcBef>
+            </a:pPr>
+            <a:r>
+              <a:rPr lang="en-US" sz="3600" dirty="0" smtClean="0"/>
+              <a:t>Spring Kafka Consumer Internals</a:t>
+            </a:r>
+            <a:r>
+              <a:rPr lang="en-US" sz="3600" dirty="0"/>
+              <a:t> </a:t>
+            </a:r>
+            <a:r>
+              <a:rPr lang="en-US" sz="3600" dirty="0" smtClean="0"/>
+              <a:t>- </a:t>
+            </a:r>
+            <a:r>
+              <a:rPr lang="en-US" sz="3600" dirty="0" smtClean="0"/>
+              <a:t>Day </a:t>
+            </a:r>
+            <a:r>
+              <a:rPr lang="en-US" sz="3600" dirty="0" smtClean="0"/>
+              <a:t>12</a:t>
+            </a:r>
+            <a:endParaRPr lang="en-US" sz="3600" dirty="0"/>
+          </a:p>
+        </p:txBody>
+      </p:sp>
+      <p:sp>
+        <p:nvSpPr>
+          <p:cNvPr id="3" name="Content Placeholder 2"/>
+          <p:cNvSpPr>
+            <a:spLocks noGrp="1"/>
+          </p:cNvSpPr>
+          <p:nvPr>
+            <p:ph idx="1"/>
+          </p:nvPr>
+        </p:nvSpPr>
+        <p:spPr/>
+        <p:txBody>
+          <a:bodyPr>
+            <a:normAutofit/>
+          </a:bodyPr>
+          <a:lstStyle/>
+          <a:p>
+            <a:pPr marL="457200" lvl="1" indent="0">
+              <a:buNone/>
+            </a:pPr>
+            <a:r>
+              <a:rPr lang="en-US" dirty="0" smtClean="0"/>
+              <a:t>Refer draw.io</a:t>
+            </a:r>
+            <a:endParaRPr lang="en-US" dirty="0"/>
+          </a:p>
+        </p:txBody>
+      </p:sp>
+    </p:spTree>
+    <p:extLst>
+      <p:ext uri="{BB962C8B-B14F-4D97-AF65-F5344CB8AC3E}">
+        <p14:creationId xmlns:p14="http://schemas.microsoft.com/office/powerpoint/2010/main" val="3791515404"/>
+      </p:ext>
+    </p:extLst>
+  </p:cSld>
+  <p:clrMapOvr>
+    <a:masterClrMapping/>
+  </p:clrMapOvr>
+  <p:timing>
+    <p:tnLst>
+      <p:par>
+        <p:cTn id="1" dur="indefinite" restart="never" nodeType="tmRoot"/>
+      </p:par>
+    </p:tnLst>
+  </p:timing>
+</p:sld>
+</file>
+
+<file path=ppt/slides/slide54.xml><?xml version="1.0" encoding="utf-8"?>
+<p:sld xmlns:a="http://schemas.openxmlformats.org/drawingml/2006/main" xmlns:r="http://schemas.openxmlformats.org/officeDocument/2006/relationships" xmlns:p="http://schemas.openxmlformats.org/presentationml/2006/main">
+  <p:cSld>
+    <p:spTree>
+      <p:nvGrpSpPr>
+        <p:cNvPr id="1" name=""/>
+        <p:cNvGrpSpPr/>
+        <p:nvPr/>
+      </p:nvGrpSpPr>
+      <p:grpSpPr>
+        <a:xfrm>
+          <a:off x="0" y="0"/>
+          <a:ext cx="0" cy="0"/>
+          <a:chOff x="0" y="0"/>
+          <a:chExt cx="0" cy="0"/>
+        </a:xfrm>
+      </p:grpSpPr>
+      <p:sp>
+        <p:nvSpPr>
+          <p:cNvPr id="2" name="Title 1"/>
+          <p:cNvSpPr>
+            <a:spLocks noGrp="1"/>
+          </p:cNvSpPr>
+          <p:nvPr>
+            <p:ph type="title"/>
+          </p:nvPr>
+        </p:nvSpPr>
+        <p:spPr/>
+        <p:txBody>
+          <a:bodyPr/>
+          <a:lstStyle/>
+          <a:p>
+            <a:r>
+              <a:rPr lang="en-US" dirty="0" smtClean="0"/>
+              <a:t>DIY Exercise - Day </a:t>
+            </a:r>
+            <a:r>
+              <a:rPr lang="en-US" dirty="0" smtClean="0"/>
+              <a:t>12</a:t>
+            </a:r>
+            <a:endParaRPr lang="en-US" dirty="0"/>
+          </a:p>
+        </p:txBody>
+      </p:sp>
+      <p:sp>
+        <p:nvSpPr>
+          <p:cNvPr id="3" name="Content Placeholder 2"/>
+          <p:cNvSpPr>
+            <a:spLocks noGrp="1"/>
+          </p:cNvSpPr>
+          <p:nvPr>
+            <p:ph idx="1"/>
+          </p:nvPr>
+        </p:nvSpPr>
+        <p:spPr>
+          <a:xfrm>
+            <a:off x="467544" y="1484784"/>
+            <a:ext cx="8229600" cy="4525963"/>
+          </a:xfrm>
+        </p:spPr>
+        <p:txBody>
+          <a:bodyPr>
+            <a:normAutofit/>
+          </a:bodyPr>
+          <a:lstStyle/>
+          <a:p>
+            <a:pPr marL="457200" lvl="1" indent="0">
+              <a:buNone/>
+            </a:pPr>
+            <a:endParaRPr lang="en-US" dirty="0" smtClean="0"/>
+          </a:p>
+          <a:p>
+            <a:pPr lvl="1">
+              <a:buFont typeface="Arial" panose="020B0604020202020204" pitchFamily="34" charset="0"/>
+              <a:buChar char="•"/>
+            </a:pPr>
+            <a:r>
+              <a:rPr lang="en-US" smtClean="0"/>
+              <a:t>Create </a:t>
+            </a:r>
+            <a:r>
+              <a:rPr lang="en-US" dirty="0" smtClean="0"/>
+              <a:t>Integration test for Consumer</a:t>
+            </a:r>
+          </a:p>
+          <a:p>
+            <a:pPr lvl="2"/>
+            <a:r>
+              <a:rPr lang="en-US" dirty="0"/>
+              <a:t>Multiple consumer </a:t>
+            </a:r>
+            <a:r>
+              <a:rPr lang="en-US" dirty="0" smtClean="0"/>
+              <a:t>instances</a:t>
+            </a:r>
+          </a:p>
+          <a:p>
+            <a:pPr marL="914400" lvl="2" indent="0">
+              <a:buNone/>
+            </a:pPr>
+            <a:endParaRPr lang="en-US" dirty="0" smtClean="0"/>
+          </a:p>
+          <a:p>
+            <a:pPr lvl="1">
+              <a:buFont typeface="Arial" panose="020B0604020202020204" pitchFamily="34" charset="0"/>
+              <a:buChar char="•"/>
+            </a:pPr>
+            <a:r>
+              <a:rPr lang="en-US" dirty="0" smtClean="0"/>
+              <a:t>Improve the Persistent data to store Partition and offset into along with Topic name</a:t>
+            </a:r>
+          </a:p>
+          <a:p>
+            <a:pPr lvl="1">
+              <a:buFont typeface="Arial" panose="020B0604020202020204" pitchFamily="34" charset="0"/>
+              <a:buChar char="•"/>
+            </a:pPr>
+            <a:endParaRPr lang="en-US" dirty="0" smtClean="0"/>
+          </a:p>
+          <a:p>
+            <a:pPr marL="457200" lvl="1" indent="0">
+              <a:buNone/>
+            </a:pPr>
+            <a:endParaRPr lang="en-US" dirty="0" smtClean="0"/>
+          </a:p>
+          <a:p>
+            <a:pPr lvl="1">
+              <a:buFont typeface="Arial" panose="020B0604020202020204" pitchFamily="34" charset="0"/>
+              <a:buChar char="•"/>
+            </a:pPr>
+            <a:endParaRPr lang="en-US" dirty="0" smtClean="0"/>
+          </a:p>
+          <a:p>
+            <a:pPr lvl="1">
+              <a:buFont typeface="Arial" panose="020B0604020202020204" pitchFamily="34" charset="0"/>
+              <a:buChar char="•"/>
+            </a:pPr>
+            <a:endParaRPr lang="en-US" dirty="0" smtClean="0"/>
+          </a:p>
+          <a:p>
+            <a:pPr marL="457200" lvl="1" indent="0">
+              <a:buNone/>
+            </a:pPr>
+            <a:endParaRPr lang="en-US" dirty="0" smtClean="0"/>
+          </a:p>
+        </p:txBody>
+      </p:sp>
+    </p:spTree>
+    <p:extLst>
+      <p:ext uri="{BB962C8B-B14F-4D97-AF65-F5344CB8AC3E}">
+        <p14:creationId xmlns:p14="http://schemas.microsoft.com/office/powerpoint/2010/main" val="502657148"/>
       </p:ext>
     </p:extLst>
   </p:cSld>

--- a/PPT/Kafka-Teaching-Flow.pptx
+++ b/PPT/Kafka-Teaching-Flow.pptx
@@ -57,8 +57,13 @@
     <p:sldId id="310" r:id="rId51"/>
     <p:sldId id="311" r:id="rId52"/>
     <p:sldId id="312" r:id="rId53"/>
-    <p:sldId id="314" r:id="rId54"/>
-    <p:sldId id="313" r:id="rId55"/>
+    <p:sldId id="313" r:id="rId54"/>
+    <p:sldId id="315" r:id="rId55"/>
+    <p:sldId id="316" r:id="rId56"/>
+    <p:sldId id="317" r:id="rId57"/>
+    <p:sldId id="319" r:id="rId58"/>
+    <p:sldId id="320" r:id="rId59"/>
+    <p:sldId id="318" r:id="rId60"/>
   </p:sldIdLst>
   <p:sldSz cx="9144000" cy="6858000" type="screen4x3"/>
   <p:notesSz cx="6858000" cy="9144000"/>
@@ -341,7 +346,7 @@
           <a:p>
             <a:fld id="{51149E06-0874-4241-ABF9-BAFA45916F2C}" type="datetimeFigureOut">
               <a:rPr lang="en-US" smtClean="0"/>
-              <a:t>3/3/2023</a:t>
+              <a:t>3/6/2023</a:t>
             </a:fld>
             <a:endParaRPr lang="en-US"/>
           </a:p>
@@ -511,7 +516,7 @@
           <a:p>
             <a:fld id="{51149E06-0874-4241-ABF9-BAFA45916F2C}" type="datetimeFigureOut">
               <a:rPr lang="en-US" smtClean="0"/>
-              <a:t>3/3/2023</a:t>
+              <a:t>3/6/2023</a:t>
             </a:fld>
             <a:endParaRPr lang="en-US"/>
           </a:p>
@@ -691,7 +696,7 @@
           <a:p>
             <a:fld id="{51149E06-0874-4241-ABF9-BAFA45916F2C}" type="datetimeFigureOut">
               <a:rPr lang="en-US" smtClean="0"/>
-              <a:t>3/3/2023</a:t>
+              <a:t>3/6/2023</a:t>
             </a:fld>
             <a:endParaRPr lang="en-US"/>
           </a:p>
@@ -861,7 +866,7 @@
           <a:p>
             <a:fld id="{51149E06-0874-4241-ABF9-BAFA45916F2C}" type="datetimeFigureOut">
               <a:rPr lang="en-US" smtClean="0"/>
-              <a:t>3/3/2023</a:t>
+              <a:t>3/6/2023</a:t>
             </a:fld>
             <a:endParaRPr lang="en-US"/>
           </a:p>
@@ -1107,7 +1112,7 @@
           <a:p>
             <a:fld id="{51149E06-0874-4241-ABF9-BAFA45916F2C}" type="datetimeFigureOut">
               <a:rPr lang="en-US" smtClean="0"/>
-              <a:t>3/3/2023</a:t>
+              <a:t>3/6/2023</a:t>
             </a:fld>
             <a:endParaRPr lang="en-US"/>
           </a:p>
@@ -1395,7 +1400,7 @@
           <a:p>
             <a:fld id="{51149E06-0874-4241-ABF9-BAFA45916F2C}" type="datetimeFigureOut">
               <a:rPr lang="en-US" smtClean="0"/>
-              <a:t>3/3/2023</a:t>
+              <a:t>3/6/2023</a:t>
             </a:fld>
             <a:endParaRPr lang="en-US"/>
           </a:p>
@@ -1817,7 +1822,7 @@
           <a:p>
             <a:fld id="{51149E06-0874-4241-ABF9-BAFA45916F2C}" type="datetimeFigureOut">
               <a:rPr lang="en-US" smtClean="0"/>
-              <a:t>3/3/2023</a:t>
+              <a:t>3/6/2023</a:t>
             </a:fld>
             <a:endParaRPr lang="en-US"/>
           </a:p>
@@ -1935,7 +1940,7 @@
           <a:p>
             <a:fld id="{51149E06-0874-4241-ABF9-BAFA45916F2C}" type="datetimeFigureOut">
               <a:rPr lang="en-US" smtClean="0"/>
-              <a:t>3/3/2023</a:t>
+              <a:t>3/6/2023</a:t>
             </a:fld>
             <a:endParaRPr lang="en-US"/>
           </a:p>
@@ -2030,7 +2035,7 @@
           <a:p>
             <a:fld id="{51149E06-0874-4241-ABF9-BAFA45916F2C}" type="datetimeFigureOut">
               <a:rPr lang="en-US" smtClean="0"/>
-              <a:t>3/3/2023</a:t>
+              <a:t>3/6/2023</a:t>
             </a:fld>
             <a:endParaRPr lang="en-US"/>
           </a:p>
@@ -2307,7 +2312,7 @@
           <a:p>
             <a:fld id="{51149E06-0874-4241-ABF9-BAFA45916F2C}" type="datetimeFigureOut">
               <a:rPr lang="en-US" smtClean="0"/>
-              <a:t>3/3/2023</a:t>
+              <a:t>3/6/2023</a:t>
             </a:fld>
             <a:endParaRPr lang="en-US"/>
           </a:p>
@@ -2560,7 +2565,7 @@
           <a:p>
             <a:fld id="{51149E06-0874-4241-ABF9-BAFA45916F2C}" type="datetimeFigureOut">
               <a:rPr lang="en-US" smtClean="0"/>
-              <a:t>3/3/2023</a:t>
+              <a:t>3/6/2023</a:t>
             </a:fld>
             <a:endParaRPr lang="en-US"/>
           </a:p>
@@ -2773,7 +2778,7 @@
           <a:p>
             <a:fld id="{51149E06-0874-4241-ABF9-BAFA45916F2C}" type="datetimeFigureOut">
               <a:rPr lang="en-US" smtClean="0"/>
-              <a:t>3/3/2023</a:t>
+              <a:t>3/6/2023</a:t>
             </a:fld>
             <a:endParaRPr lang="en-US"/>
           </a:p>
@@ -9129,7 +9134,6 @@
               <a:rPr lang="en-US" dirty="0" smtClean="0"/>
               <a:t>Configuring and tuning the Producer</a:t>
             </a:r>
-            <a:endParaRPr lang="en-US" dirty="0" smtClean="0"/>
           </a:p>
           <a:p>
             <a:pPr lvl="1">
@@ -9932,11 +9936,7 @@
           <a:p>
             <a:r>
               <a:rPr lang="en-US" dirty="0" smtClean="0"/>
-              <a:t>Day </a:t>
-            </a:r>
-            <a:r>
-              <a:rPr lang="en-US" dirty="0" smtClean="0"/>
-              <a:t>11</a:t>
+              <a:t>Day 11</a:t>
             </a:r>
             <a:endParaRPr lang="en-US" dirty="0"/>
           </a:p>
@@ -9991,7 +9991,6 @@
               <a:rPr lang="en-US" dirty="0" smtClean="0"/>
               <a:t> Producer Tuning and Fail Recovery</a:t>
             </a:r>
-            <a:endParaRPr lang="en-US" dirty="0" smtClean="0"/>
           </a:p>
           <a:p>
             <a:pPr lvl="1">
@@ -10091,11 +10090,7 @@
           <a:p>
             <a:r>
               <a:rPr lang="en-US" dirty="0" smtClean="0"/>
-              <a:t>Agenda - Day </a:t>
-            </a:r>
-            <a:r>
-              <a:rPr lang="en-US" dirty="0" smtClean="0"/>
-              <a:t>11</a:t>
+              <a:t>Agenda - Day 11</a:t>
             </a:r>
             <a:endParaRPr lang="en-US" dirty="0"/>
           </a:p>
@@ -10124,15 +10119,7 @@
             </a:pPr>
             <a:r>
               <a:rPr lang="en-US" dirty="0" smtClean="0"/>
-              <a:t>Day </a:t>
-            </a:r>
-            <a:r>
-              <a:rPr lang="en-US" dirty="0" smtClean="0"/>
-              <a:t>10 </a:t>
-            </a:r>
-            <a:r>
-              <a:rPr lang="en-US" dirty="0" smtClean="0"/>
-              <a:t>Recap &amp; </a:t>
+              <a:t>Day 10 Recap &amp; </a:t>
             </a:r>
             <a:r>
               <a:rPr lang="en-US" dirty="0" err="1" smtClean="0"/>
@@ -10154,15 +10141,7 @@
             </a:pPr>
             <a:r>
               <a:rPr lang="en-US" dirty="0" smtClean="0"/>
-              <a:t>Configuring </a:t>
-            </a:r>
-            <a:r>
-              <a:rPr lang="en-US" dirty="0" smtClean="0"/>
-              <a:t>and Tuning the </a:t>
-            </a:r>
-            <a:r>
-              <a:rPr lang="en-US" dirty="0" smtClean="0"/>
-              <a:t>Producer</a:t>
+              <a:t>Configuring and Tuning the Producer</a:t>
             </a:r>
           </a:p>
           <a:p>
@@ -10181,7 +10160,6 @@
               <a:rPr lang="en-US" dirty="0" smtClean="0"/>
               <a:t>Fail Recovery in Producer</a:t>
             </a:r>
-            <a:endParaRPr lang="en-US" dirty="0" smtClean="0"/>
           </a:p>
           <a:p>
             <a:pPr lvl="1">
@@ -10226,11 +10204,7 @@
             </a:pPr>
             <a:r>
               <a:rPr lang="en-US" dirty="0" smtClean="0"/>
-              <a:t>DIY </a:t>
-            </a:r>
-            <a:r>
-              <a:rPr lang="en-US" dirty="0" smtClean="0"/>
-              <a:t>Exercise</a:t>
+              <a:t>DIY Exercise</a:t>
             </a:r>
           </a:p>
           <a:p>
@@ -10436,11 +10410,7 @@
           <a:p>
             <a:r>
               <a:rPr lang="en-US" dirty="0" smtClean="0"/>
-              <a:t>DIY Exercise - Day </a:t>
-            </a:r>
-            <a:r>
-              <a:rPr lang="en-US" dirty="0" smtClean="0"/>
-              <a:t>11</a:t>
+              <a:t>DIY Exercise - Day 11</a:t>
             </a:r>
             <a:endParaRPr lang="en-US" dirty="0"/>
           </a:p>
@@ -10482,31 +10452,22 @@
               <a:rPr lang="en-US" dirty="0" smtClean="0"/>
               <a:t>Demonstrate different Producer Configurations</a:t>
             </a:r>
-            <a:endParaRPr lang="en-US" dirty="0" smtClean="0"/>
-          </a:p>
-          <a:p>
-            <a:pPr lvl="1">
-              <a:buFont typeface="Arial" panose="020B0604020202020204" pitchFamily="34" charset="0"/>
-              <a:buChar char="•"/>
-            </a:pPr>
-            <a:endParaRPr lang="en-US" dirty="0" smtClean="0"/>
-          </a:p>
-          <a:p>
-            <a:pPr lvl="1">
-              <a:buFont typeface="Arial" panose="020B0604020202020204" pitchFamily="34" charset="0"/>
-              <a:buChar char="•"/>
-            </a:pPr>
-            <a:r>
-              <a:rPr lang="en-US" dirty="0" smtClean="0"/>
-              <a:t>Implement </a:t>
-            </a:r>
-            <a:r>
-              <a:rPr lang="en-US" dirty="0" smtClean="0"/>
-              <a:t>a Producer fail recovery </a:t>
-            </a:r>
-            <a:r>
-              <a:rPr lang="en-US" dirty="0" smtClean="0"/>
-              <a:t>pattern</a:t>
+          </a:p>
+          <a:p>
+            <a:pPr lvl="1">
+              <a:buFont typeface="Arial" panose="020B0604020202020204" pitchFamily="34" charset="0"/>
+              <a:buChar char="•"/>
+            </a:pPr>
+            <a:endParaRPr lang="en-US" dirty="0" smtClean="0"/>
+          </a:p>
+          <a:p>
+            <a:pPr lvl="1">
+              <a:buFont typeface="Arial" panose="020B0604020202020204" pitchFamily="34" charset="0"/>
+              <a:buChar char="•"/>
+            </a:pPr>
+            <a:r>
+              <a:rPr lang="en-US" dirty="0" smtClean="0"/>
+              <a:t>Implement a Producer fail recovery pattern</a:t>
             </a:r>
           </a:p>
           <a:p>
@@ -10525,7 +10486,6 @@
               <a:rPr lang="en-US" dirty="0" smtClean="0"/>
               <a:t>Implement the Basic Consumer </a:t>
             </a:r>
-            <a:endParaRPr lang="en-US" dirty="0" smtClean="0"/>
           </a:p>
           <a:p>
             <a:pPr lvl="1">
@@ -10603,11 +10563,7 @@
           <a:p>
             <a:r>
               <a:rPr lang="en-US" dirty="0" smtClean="0"/>
-              <a:t>Day </a:t>
-            </a:r>
-            <a:r>
-              <a:rPr lang="en-US" dirty="0" smtClean="0"/>
-              <a:t>12</a:t>
+              <a:t>Day 12</a:t>
             </a:r>
             <a:endParaRPr lang="en-US" dirty="0"/>
           </a:p>
@@ -10658,7 +10614,6 @@
               <a:rPr lang="en-US" dirty="0" smtClean="0"/>
               <a:t>How to Test the Kafka Producer and Consumer</a:t>
             </a:r>
-            <a:endParaRPr lang="en-US" dirty="0" smtClean="0"/>
           </a:p>
           <a:p>
             <a:pPr lvl="1">
@@ -10676,7 +10631,6 @@
               <a:rPr lang="en-US" dirty="0" smtClean="0"/>
               <a:t>Persistency of Messages</a:t>
             </a:r>
-            <a:endParaRPr lang="en-US" dirty="0" smtClean="0"/>
           </a:p>
           <a:p>
             <a:pPr lvl="1">
@@ -10775,11 +10729,7 @@
           <a:p>
             <a:r>
               <a:rPr lang="en-US" dirty="0" smtClean="0"/>
-              <a:t>Agenda - Day </a:t>
-            </a:r>
-            <a:r>
-              <a:rPr lang="en-US" dirty="0" smtClean="0"/>
-              <a:t>12</a:t>
+              <a:t>Agenda - Day 12</a:t>
             </a:r>
             <a:endParaRPr lang="en-US" dirty="0"/>
           </a:p>
@@ -10808,15 +10758,7 @@
             </a:pPr>
             <a:r>
               <a:rPr lang="en-US" dirty="0" smtClean="0"/>
-              <a:t>Day </a:t>
-            </a:r>
-            <a:r>
-              <a:rPr lang="en-US" dirty="0" smtClean="0"/>
-              <a:t>11 </a:t>
-            </a:r>
-            <a:r>
-              <a:rPr lang="en-US" dirty="0" smtClean="0"/>
-              <a:t>Recap &amp; </a:t>
+              <a:t>Day 11 Recap &amp; </a:t>
             </a:r>
             <a:r>
               <a:rPr lang="en-US" dirty="0" err="1" smtClean="0"/>
@@ -10907,11 +10849,7 @@
             </a:pPr>
             <a:r>
               <a:rPr lang="en-US" dirty="0" smtClean="0"/>
-              <a:t>DIY </a:t>
-            </a:r>
-            <a:r>
-              <a:rPr lang="en-US" dirty="0" smtClean="0"/>
-              <a:t>Exercise</a:t>
+              <a:t>DIY Exercise</a:t>
             </a:r>
           </a:p>
           <a:p>
@@ -10969,58 +10907,35 @@
             <p:ph type="title"/>
           </p:nvPr>
         </p:nvSpPr>
+        <p:spPr/>
+        <p:txBody>
+          <a:bodyPr/>
+          <a:lstStyle/>
+          <a:p>
+            <a:r>
+              <a:rPr lang="en-US" dirty="0" smtClean="0"/>
+              <a:t>DIY Exercise - Day 12</a:t>
+            </a:r>
+            <a:endParaRPr lang="en-US" dirty="0"/>
+          </a:p>
+        </p:txBody>
+      </p:sp>
+      <p:sp>
+        <p:nvSpPr>
+          <p:cNvPr id="3" name="Content Placeholder 2"/>
+          <p:cNvSpPr>
+            <a:spLocks noGrp="1"/>
+          </p:cNvSpPr>
+          <p:nvPr>
+            <p:ph idx="1"/>
+          </p:nvPr>
+        </p:nvSpPr>
         <p:spPr>
           <a:xfrm>
-            <a:off x="-252536" y="274638"/>
-            <a:ext cx="9577064" cy="1143000"/>
+            <a:off x="467544" y="1484784"/>
+            <a:ext cx="8229600" cy="4525963"/>
           </a:xfrm>
         </p:spPr>
-        <p:txBody>
-          <a:bodyPr>
-            <a:noAutofit/>
-          </a:bodyPr>
-          <a:lstStyle/>
-          <a:p>
-            <a:pPr lvl="1" algn="ctr" rtl="0">
-              <a:spcBef>
-                <a:spcPct val="0"/>
-              </a:spcBef>
-            </a:pPr>
-            <a:r>
-              <a:rPr lang="en-US" sz="3600" dirty="0" smtClean="0"/>
-              <a:t>Spring Kafka Consumer Internals</a:t>
-            </a:r>
-            <a:r>
-              <a:rPr lang="en-US" sz="3600" dirty="0"/>
-              <a:t> </a:t>
-            </a:r>
-            <a:r>
-              <a:rPr lang="en-US" sz="3600" dirty="0" smtClean="0"/>
-              <a:t>- </a:t>
-            </a:r>
-            <a:r>
-              <a:rPr lang="en-US" sz="3600" dirty="0" smtClean="0"/>
-              <a:t>Day </a:t>
-            </a:r>
-            <a:r>
-              <a:rPr lang="en-US" sz="3600" dirty="0" smtClean="0"/>
-              <a:t>12</a:t>
-            </a:r>
-            <a:endParaRPr lang="en-US" sz="3600" dirty="0"/>
-          </a:p>
-        </p:txBody>
-      </p:sp>
-      <p:sp>
-        <p:nvSpPr>
-          <p:cNvPr id="3" name="Content Placeholder 2"/>
-          <p:cNvSpPr>
-            <a:spLocks noGrp="1"/>
-          </p:cNvSpPr>
-          <p:nvPr>
-            <p:ph idx="1"/>
-          </p:nvPr>
-        </p:nvSpPr>
-        <p:spPr/>
         <p:txBody>
           <a:bodyPr>
             <a:normAutofit/>
@@ -11030,18 +10945,88 @@
             <a:pPr marL="457200" lvl="1" indent="0">
               <a:buNone/>
             </a:pPr>
-            <a:r>
-              <a:rPr lang="en-US" dirty="0" smtClean="0"/>
-              <a:t>Refer draw.io</a:t>
-            </a:r>
-            <a:endParaRPr lang="en-US" dirty="0"/>
+            <a:endParaRPr lang="en-US" dirty="0" smtClean="0"/>
+          </a:p>
+          <a:p>
+            <a:pPr lvl="1">
+              <a:buFont typeface="Arial" panose="020B0604020202020204" pitchFamily="34" charset="0"/>
+              <a:buChar char="•"/>
+            </a:pPr>
+            <a:r>
+              <a:rPr lang="en-US" smtClean="0"/>
+              <a:t>Create </a:t>
+            </a:r>
+            <a:r>
+              <a:rPr lang="en-US" dirty="0" smtClean="0"/>
+              <a:t>Integration test for Consumer</a:t>
+            </a:r>
+          </a:p>
+          <a:p>
+            <a:pPr lvl="2"/>
+            <a:r>
+              <a:rPr lang="en-US" dirty="0"/>
+              <a:t>Multiple consumer </a:t>
+            </a:r>
+            <a:r>
+              <a:rPr lang="en-US" dirty="0" smtClean="0"/>
+              <a:t>instances</a:t>
+            </a:r>
+          </a:p>
+          <a:p>
+            <a:pPr marL="914400" lvl="2" indent="0">
+              <a:buNone/>
+            </a:pPr>
+            <a:endParaRPr lang="en-US" dirty="0" smtClean="0"/>
+          </a:p>
+          <a:p>
+            <a:pPr lvl="1">
+              <a:buFont typeface="Arial" panose="020B0604020202020204" pitchFamily="34" charset="0"/>
+              <a:buChar char="•"/>
+            </a:pPr>
+            <a:r>
+              <a:rPr lang="en-US" dirty="0" smtClean="0"/>
+              <a:t>Improve the Persistent data to store Partition and offset into along with Topic name</a:t>
+            </a:r>
+          </a:p>
+          <a:p>
+            <a:pPr lvl="1">
+              <a:buFont typeface="Arial" panose="020B0604020202020204" pitchFamily="34" charset="0"/>
+              <a:buChar char="•"/>
+            </a:pPr>
+            <a:endParaRPr lang="en-US" dirty="0" smtClean="0"/>
+          </a:p>
+          <a:p>
+            <a:pPr marL="457200" lvl="1" indent="0">
+              <a:buNone/>
+            </a:pPr>
+            <a:endParaRPr lang="en-US" dirty="0" smtClean="0"/>
+          </a:p>
+          <a:p>
+            <a:pPr lvl="1">
+              <a:buFont typeface="Arial" panose="020B0604020202020204" pitchFamily="34" charset="0"/>
+              <a:buChar char="•"/>
+            </a:pPr>
+            <a:endParaRPr lang="en-US" dirty="0" smtClean="0"/>
+          </a:p>
+          <a:p>
+            <a:pPr lvl="1">
+              <a:buFont typeface="Arial" panose="020B0604020202020204" pitchFamily="34" charset="0"/>
+              <a:buChar char="•"/>
+            </a:pPr>
+            <a:endParaRPr lang="en-US" dirty="0" smtClean="0"/>
+          </a:p>
+          <a:p>
+            <a:pPr marL="457200" lvl="1" indent="0">
+              <a:buNone/>
+            </a:pPr>
+            <a:endParaRPr lang="en-US" dirty="0" smtClean="0"/>
           </a:p>
         </p:txBody>
       </p:sp>
     </p:spTree>
     <p:extLst>
       <p:ext uri="{BB962C8B-B14F-4D97-AF65-F5344CB8AC3E}">
-        <p14:creationId xmlns:p14="http://schemas.microsoft.com/office/powerpoint/2010/main" val="3791515404"/>
+        <p14:creationId xmlns:p14="http://schemas.microsoft.com/office/powerpoint/2010/main" val="502657148"/>
       </p:ext>
     </p:extLst>
   </p:cSld>
@@ -11092,11 +11077,1062 @@
           <a:p>
             <a:r>
               <a:rPr lang="en-US" dirty="0" smtClean="0"/>
+              <a:t>Day </a:t>
+            </a:r>
+            <a:r>
+              <a:rPr lang="en-US" dirty="0" smtClean="0"/>
+              <a:t>13</a:t>
+            </a:r>
+            <a:endParaRPr lang="en-US" dirty="0"/>
+          </a:p>
+        </p:txBody>
+      </p:sp>
+      <p:sp>
+        <p:nvSpPr>
+          <p:cNvPr id="3" name="Content Placeholder 2"/>
+          <p:cNvSpPr>
+            <a:spLocks noGrp="1"/>
+          </p:cNvSpPr>
+          <p:nvPr>
+            <p:ph idx="1"/>
+          </p:nvPr>
+        </p:nvSpPr>
+        <p:spPr/>
+        <p:txBody>
+          <a:bodyPr>
+            <a:normAutofit/>
+          </a:bodyPr>
+          <a:lstStyle/>
+          <a:p>
+            <a:pPr marL="0" indent="0">
+              <a:buNone/>
+            </a:pPr>
+            <a:r>
+              <a:rPr lang="en-US" b="1" dirty="0" smtClean="0"/>
+              <a:t>Theme</a:t>
+            </a:r>
+          </a:p>
+          <a:p>
+            <a:pPr lvl="1"/>
+            <a:endParaRPr lang="en-US" dirty="0" smtClean="0"/>
+          </a:p>
+          <a:p>
+            <a:pPr lvl="1">
+              <a:buFont typeface="Arial" panose="020B0604020202020204" pitchFamily="34" charset="0"/>
+              <a:buChar char="•"/>
+            </a:pPr>
+            <a:endParaRPr lang="en-US" dirty="0" smtClean="0"/>
+          </a:p>
+          <a:p>
+            <a:pPr lvl="1">
+              <a:buFont typeface="Arial" panose="020B0604020202020204" pitchFamily="34" charset="0"/>
+              <a:buChar char="•"/>
+            </a:pPr>
+            <a:r>
+              <a:rPr lang="en-US" dirty="0" smtClean="0"/>
+              <a:t>Spring Kafka Consumer Internals</a:t>
+            </a:r>
+          </a:p>
+          <a:p>
+            <a:pPr lvl="1">
+              <a:buFont typeface="Arial" panose="020B0604020202020204" pitchFamily="34" charset="0"/>
+              <a:buChar char="•"/>
+            </a:pPr>
+            <a:endParaRPr lang="en-US" dirty="0" smtClean="0"/>
+          </a:p>
+          <a:p>
+            <a:pPr lvl="1">
+              <a:buFont typeface="Arial" panose="020B0604020202020204" pitchFamily="34" charset="0"/>
+              <a:buChar char="•"/>
+            </a:pPr>
+            <a:r>
+              <a:rPr lang="en-US" dirty="0" smtClean="0"/>
+              <a:t>Tuning Consumer configurations</a:t>
+            </a:r>
+            <a:endParaRPr lang="en-US" dirty="0" smtClean="0"/>
+          </a:p>
+          <a:p>
+            <a:pPr lvl="1">
+              <a:buFont typeface="Arial" panose="020B0604020202020204" pitchFamily="34" charset="0"/>
+              <a:buChar char="•"/>
+            </a:pPr>
+            <a:endParaRPr lang="en-US" dirty="0" smtClean="0"/>
+          </a:p>
+          <a:p>
+            <a:pPr lvl="1">
+              <a:buFont typeface="Arial" panose="020B0604020202020204" pitchFamily="34" charset="0"/>
+              <a:buChar char="•"/>
+            </a:pPr>
+            <a:endParaRPr lang="en-US" dirty="0" smtClean="0"/>
+          </a:p>
+          <a:p>
+            <a:pPr marL="457200" lvl="1" indent="0">
+              <a:buNone/>
+            </a:pPr>
+            <a:endParaRPr lang="en-US" dirty="0" smtClean="0"/>
+          </a:p>
+          <a:p>
+            <a:pPr lvl="1"/>
+            <a:endParaRPr lang="en-US" dirty="0" smtClean="0"/>
+          </a:p>
+        </p:txBody>
+      </p:sp>
+    </p:spTree>
+    <p:extLst>
+      <p:ext uri="{BB962C8B-B14F-4D97-AF65-F5344CB8AC3E}">
+        <p14:creationId xmlns:p14="http://schemas.microsoft.com/office/powerpoint/2010/main" val="1169325532"/>
+      </p:ext>
+    </p:extLst>
+  </p:cSld>
+  <p:clrMapOvr>
+    <a:masterClrMapping/>
+  </p:clrMapOvr>
+  <p:timing>
+    <p:tnLst>
+      <p:par>
+        <p:cTn id="1" dur="indefinite" restart="never" nodeType="tmRoot"/>
+      </p:par>
+    </p:tnLst>
+  </p:timing>
+</p:sld>
+</file>
+
+<file path=ppt/slides/slide55.xml><?xml version="1.0" encoding="utf-8"?>
+<p:sld xmlns:a="http://schemas.openxmlformats.org/drawingml/2006/main" xmlns:r="http://schemas.openxmlformats.org/officeDocument/2006/relationships" xmlns:p="http://schemas.openxmlformats.org/presentationml/2006/main">
+  <p:cSld>
+    <p:spTree>
+      <p:nvGrpSpPr>
+        <p:cNvPr id="1" name=""/>
+        <p:cNvGrpSpPr/>
+        <p:nvPr/>
+      </p:nvGrpSpPr>
+      <p:grpSpPr>
+        <a:xfrm>
+          <a:off x="0" y="0"/>
+          <a:ext cx="0" cy="0"/>
+          <a:chOff x="0" y="0"/>
+          <a:chExt cx="0" cy="0"/>
+        </a:xfrm>
+      </p:grpSpPr>
+      <p:sp>
+        <p:nvSpPr>
+          <p:cNvPr id="2" name="Title 1"/>
+          <p:cNvSpPr>
+            <a:spLocks noGrp="1"/>
+          </p:cNvSpPr>
+          <p:nvPr>
+            <p:ph type="title"/>
+          </p:nvPr>
+        </p:nvSpPr>
+        <p:spPr/>
+        <p:txBody>
+          <a:bodyPr/>
+          <a:lstStyle/>
+          <a:p>
+            <a:r>
+              <a:rPr lang="en-US" dirty="0" smtClean="0"/>
+              <a:t>Agenda - Day </a:t>
+            </a:r>
+            <a:r>
+              <a:rPr lang="en-US" dirty="0" smtClean="0"/>
+              <a:t>13</a:t>
+            </a:r>
+            <a:endParaRPr lang="en-US" dirty="0"/>
+          </a:p>
+        </p:txBody>
+      </p:sp>
+      <p:sp>
+        <p:nvSpPr>
+          <p:cNvPr id="3" name="Content Placeholder 2"/>
+          <p:cNvSpPr>
+            <a:spLocks noGrp="1"/>
+          </p:cNvSpPr>
+          <p:nvPr>
+            <p:ph idx="1"/>
+          </p:nvPr>
+        </p:nvSpPr>
+        <p:spPr/>
+        <p:txBody>
+          <a:bodyPr>
+            <a:normAutofit lnSpcReduction="10000"/>
+          </a:bodyPr>
+          <a:lstStyle/>
+          <a:p>
+            <a:pPr lvl="1">
+              <a:buFont typeface="Arial" panose="020B0604020202020204" pitchFamily="34" charset="0"/>
+              <a:buChar char="•"/>
+            </a:pPr>
+            <a:r>
+              <a:rPr lang="en-US" dirty="0" smtClean="0"/>
+              <a:t>Day </a:t>
+            </a:r>
+            <a:r>
+              <a:rPr lang="en-US" dirty="0" smtClean="0"/>
+              <a:t>12 </a:t>
+            </a:r>
+            <a:r>
+              <a:rPr lang="en-US" dirty="0" smtClean="0"/>
+              <a:t>Recap &amp; </a:t>
+            </a:r>
+            <a:r>
+              <a:rPr lang="en-US" dirty="0" err="1" smtClean="0"/>
+              <a:t>QnA</a:t>
+            </a:r>
+            <a:endParaRPr lang="en-US" dirty="0" smtClean="0"/>
+          </a:p>
+          <a:p>
+            <a:pPr lvl="1">
+              <a:buFont typeface="Arial" panose="020B0604020202020204" pitchFamily="34" charset="0"/>
+              <a:buChar char="•"/>
+            </a:pPr>
+            <a:endParaRPr lang="en-US" dirty="0" smtClean="0"/>
+          </a:p>
+          <a:p>
+            <a:pPr lvl="1">
+              <a:buFont typeface="Arial" panose="020B0604020202020204" pitchFamily="34" charset="0"/>
+              <a:buChar char="•"/>
+            </a:pPr>
+            <a:r>
+              <a:rPr lang="en-US" dirty="0" smtClean="0"/>
+              <a:t>Spring </a:t>
+            </a:r>
+            <a:r>
+              <a:rPr lang="en-US" dirty="0" smtClean="0"/>
+              <a:t>Kafka Consumer </a:t>
+            </a:r>
+            <a:r>
+              <a:rPr lang="en-US" dirty="0" smtClean="0"/>
+              <a:t>Internals</a:t>
+            </a:r>
+          </a:p>
+          <a:p>
+            <a:pPr lvl="1">
+              <a:buFont typeface="Arial" panose="020B0604020202020204" pitchFamily="34" charset="0"/>
+              <a:buChar char="•"/>
+            </a:pPr>
+            <a:endParaRPr lang="en-US" dirty="0"/>
+          </a:p>
+          <a:p>
+            <a:pPr lvl="1">
+              <a:buFont typeface="Arial" panose="020B0604020202020204" pitchFamily="34" charset="0"/>
+              <a:buChar char="•"/>
+            </a:pPr>
+            <a:r>
+              <a:rPr lang="en-US" dirty="0" smtClean="0"/>
+              <a:t>Offset Management</a:t>
+            </a:r>
+          </a:p>
+          <a:p>
+            <a:pPr lvl="1">
+              <a:buFont typeface="Arial" panose="020B0604020202020204" pitchFamily="34" charset="0"/>
+              <a:buChar char="•"/>
+            </a:pPr>
+            <a:endParaRPr lang="en-US" dirty="0"/>
+          </a:p>
+          <a:p>
+            <a:pPr lvl="1">
+              <a:buFont typeface="Arial" panose="020B0604020202020204" pitchFamily="34" charset="0"/>
+              <a:buChar char="•"/>
+            </a:pPr>
+            <a:r>
+              <a:rPr lang="en-US" dirty="0" smtClean="0"/>
+              <a:t>Scaling Consumer</a:t>
+            </a:r>
+          </a:p>
+          <a:p>
+            <a:pPr lvl="1">
+              <a:buFont typeface="Arial" panose="020B0604020202020204" pitchFamily="34" charset="0"/>
+              <a:buChar char="•"/>
+            </a:pPr>
+            <a:endParaRPr lang="en-US" dirty="0" smtClean="0"/>
+          </a:p>
+          <a:p>
+            <a:pPr lvl="1">
+              <a:buFont typeface="Arial" panose="020B0604020202020204" pitchFamily="34" charset="0"/>
+              <a:buChar char="•"/>
+            </a:pPr>
+            <a:r>
+              <a:rPr lang="en-US" dirty="0" smtClean="0"/>
+              <a:t>DIY Exercise</a:t>
+            </a:r>
+          </a:p>
+          <a:p>
+            <a:pPr marL="457200" lvl="1" indent="0">
+              <a:buNone/>
+            </a:pPr>
+            <a:endParaRPr lang="en-US" dirty="0"/>
+          </a:p>
+        </p:txBody>
+      </p:sp>
+    </p:spTree>
+    <p:extLst>
+      <p:ext uri="{BB962C8B-B14F-4D97-AF65-F5344CB8AC3E}">
+        <p14:creationId xmlns:p14="http://schemas.microsoft.com/office/powerpoint/2010/main" val="1651169934"/>
+      </p:ext>
+    </p:extLst>
+  </p:cSld>
+  <p:clrMapOvr>
+    <a:masterClrMapping/>
+  </p:clrMapOvr>
+  <p:timing>
+    <p:tnLst>
+      <p:par>
+        <p:cTn id="1" dur="indefinite" restart="never" nodeType="tmRoot"/>
+      </p:par>
+    </p:tnLst>
+  </p:timing>
+</p:sld>
+</file>
+
+<file path=ppt/slides/slide56.xml><?xml version="1.0" encoding="utf-8"?>
+<p:sld xmlns:a="http://schemas.openxmlformats.org/drawingml/2006/main" xmlns:r="http://schemas.openxmlformats.org/officeDocument/2006/relationships" xmlns:p="http://schemas.openxmlformats.org/presentationml/2006/main">
+  <p:cSld>
+    <p:spTree>
+      <p:nvGrpSpPr>
+        <p:cNvPr id="1" name=""/>
+        <p:cNvGrpSpPr/>
+        <p:nvPr/>
+      </p:nvGrpSpPr>
+      <p:grpSpPr>
+        <a:xfrm>
+          <a:off x="0" y="0"/>
+          <a:ext cx="0" cy="0"/>
+          <a:chOff x="0" y="0"/>
+          <a:chExt cx="0" cy="0"/>
+        </a:xfrm>
+      </p:grpSpPr>
+      <p:sp>
+        <p:nvSpPr>
+          <p:cNvPr id="2" name="Title 1"/>
+          <p:cNvSpPr>
+            <a:spLocks noGrp="1"/>
+          </p:cNvSpPr>
+          <p:nvPr>
+            <p:ph type="title"/>
+          </p:nvPr>
+        </p:nvSpPr>
+        <p:spPr>
+          <a:xfrm>
+            <a:off x="-252536" y="274638"/>
+            <a:ext cx="9577064" cy="1143000"/>
+          </a:xfrm>
+        </p:spPr>
+        <p:txBody>
+          <a:bodyPr>
+            <a:noAutofit/>
+          </a:bodyPr>
+          <a:lstStyle/>
+          <a:p>
+            <a:pPr lvl="1" algn="ctr" rtl="0">
+              <a:spcBef>
+                <a:spcPct val="0"/>
+              </a:spcBef>
+            </a:pPr>
+            <a:r>
+              <a:rPr lang="en-US" sz="3600" dirty="0" smtClean="0"/>
+              <a:t>Spring Kafka Consumer Internals</a:t>
+            </a:r>
+            <a:r>
+              <a:rPr lang="en-US" sz="3600" dirty="0"/>
+              <a:t> </a:t>
+            </a:r>
+            <a:r>
+              <a:rPr lang="en-US" sz="3600" dirty="0" smtClean="0"/>
+              <a:t>- Day </a:t>
+            </a:r>
+            <a:r>
+              <a:rPr lang="en-US" sz="3600" dirty="0" smtClean="0"/>
+              <a:t>13</a:t>
+            </a:r>
+            <a:endParaRPr lang="en-US" sz="3600" dirty="0"/>
+          </a:p>
+        </p:txBody>
+      </p:sp>
+      <p:sp>
+        <p:nvSpPr>
+          <p:cNvPr id="3" name="Content Placeholder 2"/>
+          <p:cNvSpPr>
+            <a:spLocks noGrp="1"/>
+          </p:cNvSpPr>
+          <p:nvPr>
+            <p:ph idx="1"/>
+          </p:nvPr>
+        </p:nvSpPr>
+        <p:spPr/>
+        <p:txBody>
+          <a:bodyPr>
+            <a:normAutofit/>
+          </a:bodyPr>
+          <a:lstStyle/>
+          <a:p>
+            <a:pPr marL="457200" lvl="1" indent="0">
+              <a:buNone/>
+            </a:pPr>
+            <a:r>
+              <a:rPr lang="en-US" dirty="0" smtClean="0"/>
+              <a:t>Refer draw.io</a:t>
+            </a:r>
+            <a:endParaRPr lang="en-US" dirty="0"/>
+          </a:p>
+        </p:txBody>
+      </p:sp>
+    </p:spTree>
+    <p:extLst>
+      <p:ext uri="{BB962C8B-B14F-4D97-AF65-F5344CB8AC3E}">
+        <p14:creationId xmlns:p14="http://schemas.microsoft.com/office/powerpoint/2010/main" val="2609256737"/>
+      </p:ext>
+    </p:extLst>
+  </p:cSld>
+  <p:clrMapOvr>
+    <a:masterClrMapping/>
+  </p:clrMapOvr>
+  <p:timing>
+    <p:tnLst>
+      <p:par>
+        <p:cTn id="1" dur="indefinite" restart="never" nodeType="tmRoot"/>
+      </p:par>
+    </p:tnLst>
+  </p:timing>
+</p:sld>
+</file>
+
+<file path=ppt/slides/slide57.xml><?xml version="1.0" encoding="utf-8"?>
+<p:sld xmlns:a="http://schemas.openxmlformats.org/drawingml/2006/main" xmlns:r="http://schemas.openxmlformats.org/officeDocument/2006/relationships" xmlns:p="http://schemas.openxmlformats.org/presentationml/2006/main">
+  <p:cSld>
+    <p:spTree>
+      <p:nvGrpSpPr>
+        <p:cNvPr id="1" name=""/>
+        <p:cNvGrpSpPr/>
+        <p:nvPr/>
+      </p:nvGrpSpPr>
+      <p:grpSpPr>
+        <a:xfrm>
+          <a:off x="0" y="0"/>
+          <a:ext cx="0" cy="0"/>
+          <a:chOff x="0" y="0"/>
+          <a:chExt cx="0" cy="0"/>
+        </a:xfrm>
+      </p:grpSpPr>
+      <p:sp>
+        <p:nvSpPr>
+          <p:cNvPr id="2" name="Title 1"/>
+          <p:cNvSpPr>
+            <a:spLocks noGrp="1"/>
+          </p:cNvSpPr>
+          <p:nvPr>
+            <p:ph type="title"/>
+          </p:nvPr>
+        </p:nvSpPr>
+        <p:spPr>
+          <a:xfrm>
+            <a:off x="-252536" y="274638"/>
+            <a:ext cx="9577064" cy="1143000"/>
+          </a:xfrm>
+        </p:spPr>
+        <p:txBody>
+          <a:bodyPr>
+            <a:noAutofit/>
+          </a:bodyPr>
+          <a:lstStyle/>
+          <a:p>
+            <a:pPr lvl="1" algn="ctr" rtl="0">
+              <a:spcBef>
+                <a:spcPct val="0"/>
+              </a:spcBef>
+            </a:pPr>
+            <a:r>
+              <a:rPr lang="en-US" sz="3600" dirty="0" smtClean="0"/>
+              <a:t>Offset Management – Day 13</a:t>
+            </a:r>
+            <a:endParaRPr lang="en-US" sz="3600" dirty="0"/>
+          </a:p>
+        </p:txBody>
+      </p:sp>
+      <p:sp>
+        <p:nvSpPr>
+          <p:cNvPr id="3" name="Content Placeholder 2"/>
+          <p:cNvSpPr>
+            <a:spLocks noGrp="1"/>
+          </p:cNvSpPr>
+          <p:nvPr>
+            <p:ph idx="1"/>
+          </p:nvPr>
+        </p:nvSpPr>
+        <p:spPr/>
+        <p:txBody>
+          <a:bodyPr>
+            <a:normAutofit fontScale="47500" lnSpcReduction="20000"/>
+          </a:bodyPr>
+          <a:lstStyle/>
+          <a:p>
+            <a:pPr lvl="1">
+              <a:buFont typeface="Arial" panose="020B0604020202020204" pitchFamily="34" charset="0"/>
+              <a:buChar char="•"/>
+            </a:pPr>
+            <a:endParaRPr lang="en-US" dirty="0" smtClean="0"/>
+          </a:p>
+          <a:p>
+            <a:pPr lvl="1">
+              <a:buFont typeface="Arial" panose="020B0604020202020204" pitchFamily="34" charset="0"/>
+              <a:buChar char="•"/>
+            </a:pPr>
+            <a:r>
+              <a:rPr lang="en-US" dirty="0" smtClean="0"/>
+              <a:t>Spring Kafka starting from version 2.3 sets </a:t>
+            </a:r>
+            <a:r>
+              <a:rPr lang="en-US" dirty="0" err="1" smtClean="0"/>
+              <a:t>enable.auto.commit</a:t>
+            </a:r>
+            <a:r>
+              <a:rPr lang="en-US" dirty="0" smtClean="0"/>
+              <a:t> to false</a:t>
+            </a:r>
+          </a:p>
+          <a:p>
+            <a:pPr lvl="1">
+              <a:buFont typeface="Arial" panose="020B0604020202020204" pitchFamily="34" charset="0"/>
+              <a:buChar char="•"/>
+            </a:pPr>
+            <a:endParaRPr lang="en-US" dirty="0" smtClean="0"/>
+          </a:p>
+          <a:p>
+            <a:pPr lvl="1">
+              <a:buFont typeface="Arial" panose="020B0604020202020204" pitchFamily="34" charset="0"/>
+              <a:buChar char="•"/>
+            </a:pPr>
+            <a:r>
+              <a:rPr lang="en-US" dirty="0" err="1" smtClean="0"/>
+              <a:t>AckMode</a:t>
+            </a:r>
+            <a:endParaRPr lang="en-US" dirty="0" smtClean="0"/>
+          </a:p>
+          <a:p>
+            <a:pPr lvl="1">
+              <a:buFont typeface="Arial" panose="020B0604020202020204" pitchFamily="34" charset="0"/>
+              <a:buChar char="•"/>
+            </a:pPr>
+            <a:endParaRPr lang="en-US" dirty="0" smtClean="0"/>
+          </a:p>
+          <a:p>
+            <a:pPr lvl="2">
+              <a:buFont typeface="Wingdings" panose="05000000000000000000" pitchFamily="2" charset="2"/>
+              <a:buChar char="Ø"/>
+            </a:pPr>
+            <a:r>
+              <a:rPr lang="en-US" dirty="0" smtClean="0"/>
+              <a:t>RECORD </a:t>
+            </a:r>
+          </a:p>
+          <a:p>
+            <a:pPr marL="914400" lvl="2" indent="0">
+              <a:buNone/>
+            </a:pPr>
+            <a:r>
+              <a:rPr lang="en-US" sz="1700" dirty="0" smtClean="0"/>
+              <a:t>     Commit </a:t>
+            </a:r>
+            <a:r>
+              <a:rPr lang="en-US" sz="1700" dirty="0"/>
+              <a:t>the offset when the listener returns after processing the record</a:t>
+            </a:r>
+            <a:r>
+              <a:rPr lang="en-US" sz="1700" dirty="0" smtClean="0"/>
+              <a:t>.</a:t>
+            </a:r>
+          </a:p>
+          <a:p>
+            <a:pPr marL="914400" lvl="2" indent="0">
+              <a:buNone/>
+            </a:pPr>
+            <a:endParaRPr lang="en-US" sz="1700" dirty="0" smtClean="0"/>
+          </a:p>
+          <a:p>
+            <a:pPr lvl="2">
+              <a:buFont typeface="Wingdings" panose="05000000000000000000" pitchFamily="2" charset="2"/>
+              <a:buChar char="Ø"/>
+            </a:pPr>
+            <a:r>
+              <a:rPr lang="en-US" dirty="0"/>
+              <a:t>BATCH</a:t>
+            </a:r>
+          </a:p>
+          <a:p>
+            <a:pPr marL="914400" lvl="2" indent="0">
+              <a:buNone/>
+            </a:pPr>
+            <a:r>
+              <a:rPr lang="en-US" sz="1600" dirty="0"/>
+              <a:t> </a:t>
+            </a:r>
+            <a:r>
+              <a:rPr lang="en-US" sz="1400" dirty="0"/>
+              <a:t>Commit the offset when all the records returned by the </a:t>
+            </a:r>
+            <a:r>
+              <a:rPr lang="en-US" sz="1400" dirty="0"/>
+              <a:t>poll()</a:t>
+            </a:r>
+            <a:r>
+              <a:rPr lang="en-US" sz="1400" dirty="0"/>
+              <a:t> have been </a:t>
+            </a:r>
+            <a:r>
+              <a:rPr lang="en-US" sz="1400" dirty="0" smtClean="0"/>
+              <a:t>processed</a:t>
+            </a:r>
+          </a:p>
+          <a:p>
+            <a:pPr marL="914400" lvl="2" indent="0">
+              <a:buNone/>
+            </a:pPr>
+            <a:endParaRPr lang="en-US" sz="1400" dirty="0" smtClean="0"/>
+          </a:p>
+          <a:p>
+            <a:pPr lvl="2">
+              <a:buFont typeface="Wingdings" panose="05000000000000000000" pitchFamily="2" charset="2"/>
+              <a:buChar char="Ø"/>
+            </a:pPr>
+            <a:r>
+              <a:rPr lang="en-US" dirty="0"/>
+              <a:t>MANUAL</a:t>
+            </a:r>
+          </a:p>
+          <a:p>
+            <a:pPr marL="914400" lvl="2" indent="0">
+              <a:buNone/>
+            </a:pPr>
+            <a:r>
+              <a:rPr lang="en-US" sz="1600" dirty="0"/>
+              <a:t> </a:t>
+            </a:r>
+            <a:r>
+              <a:rPr lang="en-US" sz="1600" dirty="0"/>
+              <a:t>he message listener is responsible to </a:t>
+            </a:r>
+            <a:r>
+              <a:rPr lang="en-US" sz="1600" dirty="0"/>
+              <a:t>acknowledge()</a:t>
+            </a:r>
+            <a:r>
+              <a:rPr lang="en-US" sz="1600" dirty="0"/>
+              <a:t> the </a:t>
+            </a:r>
+            <a:r>
+              <a:rPr lang="en-US" sz="1600" dirty="0"/>
+              <a:t>Acknowledgment</a:t>
+            </a:r>
+            <a:r>
+              <a:rPr lang="en-US" sz="1600" dirty="0"/>
+              <a:t>. After that, the same semantics as </a:t>
+            </a:r>
+            <a:r>
+              <a:rPr lang="en-US" sz="1600" dirty="0"/>
+              <a:t>BATCH</a:t>
+            </a:r>
+            <a:r>
+              <a:rPr lang="en-US" sz="1600" dirty="0"/>
+              <a:t> are applied</a:t>
+            </a:r>
+            <a:r>
+              <a:rPr lang="en-US" sz="1600" dirty="0" smtClean="0"/>
+              <a:t>.</a:t>
+            </a:r>
+          </a:p>
+          <a:p>
+            <a:pPr marL="914400" lvl="2" indent="0">
+              <a:buNone/>
+            </a:pPr>
+            <a:endParaRPr lang="en-US" sz="1600" dirty="0" smtClean="0"/>
+          </a:p>
+          <a:p>
+            <a:pPr lvl="2">
+              <a:buFont typeface="Wingdings" panose="05000000000000000000" pitchFamily="2" charset="2"/>
+              <a:buChar char="Ø"/>
+            </a:pPr>
+            <a:r>
+              <a:rPr lang="en-US" dirty="0"/>
+              <a:t>MANUAL_IMMEDIATE</a:t>
+            </a:r>
+          </a:p>
+          <a:p>
+            <a:pPr marL="914400" lvl="2" indent="0">
+              <a:buNone/>
+            </a:pPr>
+            <a:r>
+              <a:rPr lang="en-US" sz="1400" dirty="0"/>
+              <a:t>Commit the offset immediately when the </a:t>
+            </a:r>
+            <a:r>
+              <a:rPr lang="en-US" sz="1400" dirty="0" err="1"/>
+              <a:t>Acknowledgment.acknowledge</a:t>
+            </a:r>
+            <a:r>
+              <a:rPr lang="en-US" sz="1400" dirty="0"/>
+              <a:t>()</a:t>
+            </a:r>
+            <a:r>
+              <a:rPr lang="en-US" sz="1400" dirty="0"/>
+              <a:t> method is called by the listener</a:t>
+            </a:r>
+            <a:endParaRPr lang="en-US" sz="1700" dirty="0" smtClean="0"/>
+          </a:p>
+          <a:p>
+            <a:pPr lvl="2"/>
+            <a:endParaRPr lang="en-US" dirty="0" smtClean="0"/>
+          </a:p>
+          <a:p>
+            <a:pPr lvl="1">
+              <a:buFont typeface="Arial" panose="020B0604020202020204" pitchFamily="34" charset="0"/>
+              <a:buChar char="•"/>
+            </a:pPr>
+            <a:endParaRPr lang="en-US" dirty="0" smtClean="0"/>
+          </a:p>
+          <a:p>
+            <a:pPr lvl="1">
+              <a:buFont typeface="Arial" panose="020B0604020202020204" pitchFamily="34" charset="0"/>
+              <a:buChar char="•"/>
+            </a:pPr>
+            <a:r>
+              <a:rPr lang="en-US" dirty="0" smtClean="0"/>
+              <a:t>Default behavior - Batch commit</a:t>
+            </a:r>
+          </a:p>
+          <a:p>
+            <a:pPr lvl="1">
+              <a:buFont typeface="Arial" panose="020B0604020202020204" pitchFamily="34" charset="0"/>
+              <a:buChar char="•"/>
+            </a:pPr>
+            <a:endParaRPr lang="en-US" dirty="0" smtClean="0"/>
+          </a:p>
+          <a:p>
+            <a:pPr lvl="1">
+              <a:buFont typeface="Arial" panose="020B0604020202020204" pitchFamily="34" charset="0"/>
+              <a:buChar char="•"/>
+            </a:pPr>
+            <a:r>
+              <a:rPr lang="en-US" dirty="0" smtClean="0"/>
+              <a:t>Override Configuring for Manual commit</a:t>
+            </a:r>
+          </a:p>
+          <a:p>
+            <a:pPr lvl="1">
+              <a:buFontTx/>
+              <a:buChar char="-"/>
+            </a:pPr>
+            <a:endParaRPr lang="en-US" dirty="0"/>
+          </a:p>
+          <a:p>
+            <a:pPr lvl="1">
+              <a:buFontTx/>
+              <a:buChar char="-"/>
+            </a:pPr>
+            <a:endParaRPr lang="en-US" dirty="0"/>
+          </a:p>
+          <a:p>
+            <a:pPr marL="457200" lvl="1" indent="0">
+              <a:buNone/>
+            </a:pPr>
+            <a:r>
+              <a:rPr lang="en-US" sz="2000" dirty="0" smtClean="0"/>
+              <a:t>Ref</a:t>
+            </a:r>
+            <a:r>
+              <a:rPr lang="en-US" sz="2000" dirty="0"/>
+              <a:t>: </a:t>
+            </a:r>
+            <a:r>
+              <a:rPr lang="en-US" sz="2000" dirty="0">
+                <a:hlinkClick r:id="rId2"/>
+              </a:rPr>
+              <a:t>https://docs.spring.io/spring-kafka/reference/html/#</a:t>
+            </a:r>
+            <a:r>
+              <a:rPr lang="en-US" sz="2000" dirty="0" smtClean="0">
+                <a:hlinkClick r:id="rId2"/>
+              </a:rPr>
+              <a:t>ooo-commits</a:t>
+            </a:r>
+            <a:endParaRPr lang="en-US" sz="2000" dirty="0" smtClean="0"/>
+          </a:p>
+          <a:p>
+            <a:pPr lvl="1">
+              <a:buFontTx/>
+              <a:buChar char="-"/>
+            </a:pPr>
+            <a:endParaRPr lang="en-US" dirty="0" smtClean="0"/>
+          </a:p>
+          <a:p>
+            <a:pPr marL="457200" lvl="1" indent="0">
+              <a:buNone/>
+            </a:pPr>
+            <a:endParaRPr lang="en-US" dirty="0"/>
+          </a:p>
+        </p:txBody>
+      </p:sp>
+    </p:spTree>
+    <p:extLst>
+      <p:ext uri="{BB962C8B-B14F-4D97-AF65-F5344CB8AC3E}">
+        <p14:creationId xmlns:p14="http://schemas.microsoft.com/office/powerpoint/2010/main" val="884779810"/>
+      </p:ext>
+    </p:extLst>
+  </p:cSld>
+  <p:clrMapOvr>
+    <a:masterClrMapping/>
+  </p:clrMapOvr>
+  <p:timing>
+    <p:tnLst>
+      <p:par>
+        <p:cTn id="1" dur="indefinite" restart="never" nodeType="tmRoot"/>
+      </p:par>
+    </p:tnLst>
+  </p:timing>
+</p:sld>
+</file>
+
+<file path=ppt/slides/slide58.xml><?xml version="1.0" encoding="utf-8"?>
+<p:sld xmlns:a="http://schemas.openxmlformats.org/drawingml/2006/main" xmlns:r="http://schemas.openxmlformats.org/officeDocument/2006/relationships" xmlns:p="http://schemas.openxmlformats.org/presentationml/2006/main">
+  <p:cSld>
+    <p:spTree>
+      <p:nvGrpSpPr>
+        <p:cNvPr id="1" name=""/>
+        <p:cNvGrpSpPr/>
+        <p:nvPr/>
+      </p:nvGrpSpPr>
+      <p:grpSpPr>
+        <a:xfrm>
+          <a:off x="0" y="0"/>
+          <a:ext cx="0" cy="0"/>
+          <a:chOff x="0" y="0"/>
+          <a:chExt cx="0" cy="0"/>
+        </a:xfrm>
+      </p:grpSpPr>
+      <p:sp>
+        <p:nvSpPr>
+          <p:cNvPr id="2" name="Title 1"/>
+          <p:cNvSpPr>
+            <a:spLocks noGrp="1"/>
+          </p:cNvSpPr>
+          <p:nvPr>
+            <p:ph type="title"/>
+          </p:nvPr>
+        </p:nvSpPr>
+        <p:spPr>
+          <a:xfrm>
+            <a:off x="-252536" y="274638"/>
+            <a:ext cx="9577064" cy="1143000"/>
+          </a:xfrm>
+        </p:spPr>
+        <p:txBody>
+          <a:bodyPr>
+            <a:noAutofit/>
+          </a:bodyPr>
+          <a:lstStyle/>
+          <a:p>
+            <a:pPr lvl="1" algn="ctr" rtl="0">
+              <a:spcBef>
+                <a:spcPct val="0"/>
+              </a:spcBef>
+            </a:pPr>
+            <a:r>
+              <a:rPr lang="en-US" sz="3600" dirty="0" smtClean="0"/>
+              <a:t>Scaling Consumer – Day 13</a:t>
+            </a:r>
+            <a:endParaRPr lang="en-US" sz="3600" dirty="0"/>
+          </a:p>
+        </p:txBody>
+      </p:sp>
+      <p:sp>
+        <p:nvSpPr>
+          <p:cNvPr id="3" name="Content Placeholder 2"/>
+          <p:cNvSpPr>
+            <a:spLocks noGrp="1"/>
+          </p:cNvSpPr>
+          <p:nvPr>
+            <p:ph idx="1"/>
+          </p:nvPr>
+        </p:nvSpPr>
+        <p:spPr/>
+        <p:txBody>
+          <a:bodyPr>
+            <a:normAutofit/>
+          </a:bodyPr>
+          <a:lstStyle/>
+          <a:p>
+            <a:pPr lvl="1">
+              <a:buFont typeface="Wingdings" panose="05000000000000000000" pitchFamily="2" charset="2"/>
+              <a:buChar char="§"/>
+            </a:pPr>
+            <a:r>
+              <a:rPr lang="en-US" dirty="0" smtClean="0"/>
+              <a:t>Two </a:t>
+            </a:r>
+            <a:r>
+              <a:rPr lang="en-US" dirty="0" err="1" smtClean="0"/>
+              <a:t>MessageListenerContainers</a:t>
+            </a:r>
+            <a:endParaRPr lang="en-US" dirty="0" smtClean="0"/>
+          </a:p>
+          <a:p>
+            <a:pPr lvl="1">
+              <a:buFont typeface="Wingdings" panose="05000000000000000000" pitchFamily="2" charset="2"/>
+              <a:buChar char="§"/>
+            </a:pPr>
+            <a:endParaRPr lang="en-US" dirty="0"/>
+          </a:p>
+          <a:p>
+            <a:pPr lvl="2">
+              <a:buFont typeface="Wingdings" panose="05000000000000000000" pitchFamily="2" charset="2"/>
+              <a:buChar char="Ø"/>
+            </a:pPr>
+            <a:r>
+              <a:rPr lang="en-US" dirty="0" err="1" smtClean="0"/>
+              <a:t>KafkaMessageListenerContainer</a:t>
+            </a:r>
+            <a:endParaRPr lang="en-US" dirty="0" smtClean="0"/>
+          </a:p>
+          <a:p>
+            <a:pPr marL="914400" lvl="2" indent="0">
+              <a:buNone/>
+            </a:pPr>
+            <a:r>
+              <a:rPr lang="en-US" sz="1800" dirty="0"/>
+              <a:t>R</a:t>
+            </a:r>
+            <a:r>
+              <a:rPr lang="en-US" sz="1800" dirty="0" smtClean="0"/>
+              <a:t>eceives </a:t>
+            </a:r>
+            <a:r>
+              <a:rPr lang="en-US" sz="1800" dirty="0"/>
+              <a:t>all message from all topics or partitions on a single </a:t>
+            </a:r>
+            <a:r>
+              <a:rPr lang="en-US" sz="1800" dirty="0" smtClean="0"/>
+              <a:t>thread</a:t>
+            </a:r>
+          </a:p>
+          <a:p>
+            <a:pPr marL="914400" lvl="2" indent="0">
+              <a:buNone/>
+            </a:pPr>
+            <a:endParaRPr lang="en-US" dirty="0"/>
+          </a:p>
+          <a:p>
+            <a:pPr lvl="2">
+              <a:buFont typeface="Wingdings" panose="05000000000000000000" pitchFamily="2" charset="2"/>
+              <a:buChar char="Ø"/>
+            </a:pPr>
+            <a:r>
+              <a:rPr lang="en-US" dirty="0" err="1" smtClean="0"/>
+              <a:t>ConcurrentMessageListenerContainer</a:t>
+            </a:r>
+            <a:endParaRPr lang="en-US" dirty="0" smtClean="0"/>
+          </a:p>
+          <a:p>
+            <a:pPr marL="914400" lvl="2" indent="0">
+              <a:buNone/>
+            </a:pPr>
+            <a:r>
+              <a:rPr lang="en-US" sz="1800" dirty="0"/>
+              <a:t>D</a:t>
+            </a:r>
+            <a:r>
+              <a:rPr lang="en-US" sz="1800" dirty="0" smtClean="0"/>
+              <a:t>elegates </a:t>
+            </a:r>
+            <a:r>
+              <a:rPr lang="en-US" sz="1800" dirty="0"/>
+              <a:t>to one or more </a:t>
+            </a:r>
+            <a:r>
+              <a:rPr lang="en-US" sz="1800" dirty="0" err="1"/>
+              <a:t>KafkaMessageListenerContainer</a:t>
+            </a:r>
+            <a:r>
+              <a:rPr lang="en-US" sz="1800" dirty="0"/>
+              <a:t> instances to provide multi-threaded </a:t>
+            </a:r>
+            <a:r>
+              <a:rPr lang="en-US" sz="1800" dirty="0" smtClean="0"/>
+              <a:t>consumption</a:t>
+            </a:r>
+            <a:endParaRPr lang="en-US" sz="1800" dirty="0"/>
+          </a:p>
+          <a:p>
+            <a:pPr lvl="2">
+              <a:buFont typeface="Wingdings" panose="05000000000000000000" pitchFamily="2" charset="2"/>
+              <a:buChar char="§"/>
+            </a:pPr>
+            <a:endParaRPr lang="en-US" dirty="0" smtClean="0"/>
+          </a:p>
+          <a:p>
+            <a:pPr marL="457200" lvl="1" indent="0">
+              <a:buNone/>
+            </a:pPr>
+            <a:endParaRPr lang="en-US" dirty="0"/>
+          </a:p>
+        </p:txBody>
+      </p:sp>
+    </p:spTree>
+    <p:extLst>
+      <p:ext uri="{BB962C8B-B14F-4D97-AF65-F5344CB8AC3E}">
+        <p14:creationId xmlns:p14="http://schemas.microsoft.com/office/powerpoint/2010/main" val="641738362"/>
+      </p:ext>
+    </p:extLst>
+  </p:cSld>
+  <p:clrMapOvr>
+    <a:masterClrMapping/>
+  </p:clrMapOvr>
+  <p:timing>
+    <p:tnLst>
+      <p:par>
+        <p:cTn id="1" dur="indefinite" restart="never" nodeType="tmRoot"/>
+      </p:par>
+    </p:tnLst>
+  </p:timing>
+</p:sld>
+</file>
+
+<file path=ppt/slides/slide59.xml><?xml version="1.0" encoding="utf-8"?>
+<p:sld xmlns:a="http://schemas.openxmlformats.org/drawingml/2006/main" xmlns:r="http://schemas.openxmlformats.org/officeDocument/2006/relationships" xmlns:p="http://schemas.openxmlformats.org/presentationml/2006/main">
+  <p:cSld>
+    <p:spTree>
+      <p:nvGrpSpPr>
+        <p:cNvPr id="1" name=""/>
+        <p:cNvGrpSpPr/>
+        <p:nvPr/>
+      </p:nvGrpSpPr>
+      <p:grpSpPr>
+        <a:xfrm>
+          <a:off x="0" y="0"/>
+          <a:ext cx="0" cy="0"/>
+          <a:chOff x="0" y="0"/>
+          <a:chExt cx="0" cy="0"/>
+        </a:xfrm>
+      </p:grpSpPr>
+      <p:sp>
+        <p:nvSpPr>
+          <p:cNvPr id="2" name="Title 1"/>
+          <p:cNvSpPr>
+            <a:spLocks noGrp="1"/>
+          </p:cNvSpPr>
+          <p:nvPr>
+            <p:ph type="title"/>
+          </p:nvPr>
+        </p:nvSpPr>
+        <p:spPr/>
+        <p:txBody>
+          <a:bodyPr/>
+          <a:lstStyle/>
+          <a:p>
+            <a:r>
+              <a:rPr lang="en-US" dirty="0" smtClean="0"/>
               <a:t>DIY Exercise - Day </a:t>
             </a:r>
             <a:r>
               <a:rPr lang="en-US" dirty="0" smtClean="0"/>
-              <a:t>12</a:t>
+              <a:t>13</a:t>
             </a:r>
             <a:endParaRPr lang="en-US" dirty="0"/>
           </a:p>
@@ -11130,45 +12166,41 @@
             <a:endParaRPr lang="en-US" dirty="0" smtClean="0"/>
           </a:p>
           <a:p>
-            <a:pPr lvl="1">
-              <a:buFont typeface="Arial" panose="020B0604020202020204" pitchFamily="34" charset="0"/>
-              <a:buChar char="•"/>
-            </a:pPr>
-            <a:r>
-              <a:rPr lang="en-US" smtClean="0"/>
-              <a:t>Create </a:t>
-            </a:r>
-            <a:r>
-              <a:rPr lang="en-US" dirty="0" smtClean="0"/>
-              <a:t>Integration test for Consumer</a:t>
-            </a:r>
-          </a:p>
-          <a:p>
-            <a:pPr lvl="2"/>
+            <a:pPr marL="914400" lvl="2" indent="0">
+              <a:buNone/>
+            </a:pPr>
+            <a:endParaRPr lang="en-US" dirty="0" smtClean="0"/>
+          </a:p>
+          <a:p>
+            <a:pPr fontAlgn="ctr"/>
+            <a:r>
+              <a:rPr lang="en-US" dirty="0" smtClean="0"/>
+              <a:t>Configure the Consumer Listener to different </a:t>
+            </a:r>
+            <a:r>
+              <a:rPr lang="en-US" dirty="0" err="1" smtClean="0"/>
+              <a:t>AckModes</a:t>
+            </a:r>
+            <a:r>
+              <a:rPr lang="en-US" dirty="0" smtClean="0"/>
+              <a:t> and check the behavior</a:t>
+            </a:r>
+          </a:p>
+          <a:p>
+            <a:pPr fontAlgn="ctr"/>
+            <a:endParaRPr lang="en-US" dirty="0" smtClean="0"/>
+          </a:p>
+          <a:p>
+            <a:pPr fontAlgn="ctr"/>
+            <a:r>
+              <a:rPr lang="en-US" dirty="0" smtClean="0"/>
+              <a:t>Improve </a:t>
+            </a:r>
             <a:r>
               <a:rPr lang="en-US" dirty="0"/>
-              <a:t>Multiple consumer </a:t>
-            </a:r>
-            <a:r>
-              <a:rPr lang="en-US" dirty="0" smtClean="0"/>
-              <a:t>instances</a:t>
-            </a:r>
-          </a:p>
-          <a:p>
-            <a:pPr marL="914400" lvl="2" indent="0">
-              <a:buNone/>
-            </a:pPr>
-            <a:endParaRPr lang="en-US" dirty="0" smtClean="0"/>
-          </a:p>
-          <a:p>
-            <a:pPr lvl="1">
-              <a:buFont typeface="Arial" panose="020B0604020202020204" pitchFamily="34" charset="0"/>
-              <a:buChar char="•"/>
-            </a:pPr>
-            <a:r>
-              <a:rPr lang="en-US" dirty="0" smtClean="0"/>
-              <a:t>Improve the Persistent data to store Partition and offset into along with Topic name</a:t>
-            </a:r>
+              <a:t>the Apache Kafka SDK based Consumer polling implementation to spin up configured number of concurrent processing</a:t>
+            </a:r>
+            <a:endParaRPr lang="en-US" sz="1200" dirty="0"/>
           </a:p>
           <a:p>
             <a:pPr lvl="1">
@@ -11208,7 +12240,7 @@
     </p:spTree>
     <p:extLst>
       <p:ext uri="{BB962C8B-B14F-4D97-AF65-F5344CB8AC3E}">
-        <p14:creationId xmlns:p14="http://schemas.microsoft.com/office/powerpoint/2010/main" val="502657148"/>
+        <p14:creationId xmlns:p14="http://schemas.microsoft.com/office/powerpoint/2010/main" val="3781435253"/>
       </p:ext>
     </p:extLst>
   </p:cSld>

--- a/PPT/Kafka-Teaching-Flow.pptx
+++ b/PPT/Kafka-Teaching-Flow.pptx
@@ -64,6 +64,11 @@
     <p:sldId id="319" r:id="rId58"/>
     <p:sldId id="320" r:id="rId59"/>
     <p:sldId id="318" r:id="rId60"/>
+    <p:sldId id="321" r:id="rId61"/>
+    <p:sldId id="322" r:id="rId62"/>
+    <p:sldId id="323" r:id="rId63"/>
+    <p:sldId id="324" r:id="rId64"/>
+    <p:sldId id="326" r:id="rId65"/>
   </p:sldIdLst>
   <p:sldSz cx="9144000" cy="6858000" type="screen4x3"/>
   <p:notesSz cx="6858000" cy="9144000"/>
@@ -346,7 +351,7 @@
           <a:p>
             <a:fld id="{51149E06-0874-4241-ABF9-BAFA45916F2C}" type="datetimeFigureOut">
               <a:rPr lang="en-US" smtClean="0"/>
-              <a:t>3/6/2023</a:t>
+              <a:t>3/8/2023</a:t>
             </a:fld>
             <a:endParaRPr lang="en-US"/>
           </a:p>
@@ -516,7 +521,7 @@
           <a:p>
             <a:fld id="{51149E06-0874-4241-ABF9-BAFA45916F2C}" type="datetimeFigureOut">
               <a:rPr lang="en-US" smtClean="0"/>
-              <a:t>3/6/2023</a:t>
+              <a:t>3/8/2023</a:t>
             </a:fld>
             <a:endParaRPr lang="en-US"/>
           </a:p>
@@ -696,7 +701,7 @@
           <a:p>
             <a:fld id="{51149E06-0874-4241-ABF9-BAFA45916F2C}" type="datetimeFigureOut">
               <a:rPr lang="en-US" smtClean="0"/>
-              <a:t>3/6/2023</a:t>
+              <a:t>3/8/2023</a:t>
             </a:fld>
             <a:endParaRPr lang="en-US"/>
           </a:p>
@@ -866,7 +871,7 @@
           <a:p>
             <a:fld id="{51149E06-0874-4241-ABF9-BAFA45916F2C}" type="datetimeFigureOut">
               <a:rPr lang="en-US" smtClean="0"/>
-              <a:t>3/6/2023</a:t>
+              <a:t>3/8/2023</a:t>
             </a:fld>
             <a:endParaRPr lang="en-US"/>
           </a:p>
@@ -1112,7 +1117,7 @@
           <a:p>
             <a:fld id="{51149E06-0874-4241-ABF9-BAFA45916F2C}" type="datetimeFigureOut">
               <a:rPr lang="en-US" smtClean="0"/>
-              <a:t>3/6/2023</a:t>
+              <a:t>3/8/2023</a:t>
             </a:fld>
             <a:endParaRPr lang="en-US"/>
           </a:p>
@@ -1400,7 +1405,7 @@
           <a:p>
             <a:fld id="{51149E06-0874-4241-ABF9-BAFA45916F2C}" type="datetimeFigureOut">
               <a:rPr lang="en-US" smtClean="0"/>
-              <a:t>3/6/2023</a:t>
+              <a:t>3/8/2023</a:t>
             </a:fld>
             <a:endParaRPr lang="en-US"/>
           </a:p>
@@ -1822,7 +1827,7 @@
           <a:p>
             <a:fld id="{51149E06-0874-4241-ABF9-BAFA45916F2C}" type="datetimeFigureOut">
               <a:rPr lang="en-US" smtClean="0"/>
-              <a:t>3/6/2023</a:t>
+              <a:t>3/8/2023</a:t>
             </a:fld>
             <a:endParaRPr lang="en-US"/>
           </a:p>
@@ -1940,7 +1945,7 @@
           <a:p>
             <a:fld id="{51149E06-0874-4241-ABF9-BAFA45916F2C}" type="datetimeFigureOut">
               <a:rPr lang="en-US" smtClean="0"/>
-              <a:t>3/6/2023</a:t>
+              <a:t>3/8/2023</a:t>
             </a:fld>
             <a:endParaRPr lang="en-US"/>
           </a:p>
@@ -2035,7 +2040,7 @@
           <a:p>
             <a:fld id="{51149E06-0874-4241-ABF9-BAFA45916F2C}" type="datetimeFigureOut">
               <a:rPr lang="en-US" smtClean="0"/>
-              <a:t>3/6/2023</a:t>
+              <a:t>3/8/2023</a:t>
             </a:fld>
             <a:endParaRPr lang="en-US"/>
           </a:p>
@@ -2312,7 +2317,7 @@
           <a:p>
             <a:fld id="{51149E06-0874-4241-ABF9-BAFA45916F2C}" type="datetimeFigureOut">
               <a:rPr lang="en-US" smtClean="0"/>
-              <a:t>3/6/2023</a:t>
+              <a:t>3/8/2023</a:t>
             </a:fld>
             <a:endParaRPr lang="en-US"/>
           </a:p>
@@ -2565,7 +2570,7 @@
           <a:p>
             <a:fld id="{51149E06-0874-4241-ABF9-BAFA45916F2C}" type="datetimeFigureOut">
               <a:rPr lang="en-US" smtClean="0"/>
-              <a:t>3/6/2023</a:t>
+              <a:t>3/8/2023</a:t>
             </a:fld>
             <a:endParaRPr lang="en-US"/>
           </a:p>
@@ -2778,7 +2783,7 @@
           <a:p>
             <a:fld id="{51149E06-0874-4241-ABF9-BAFA45916F2C}" type="datetimeFigureOut">
               <a:rPr lang="en-US" smtClean="0"/>
-              <a:t>3/6/2023</a:t>
+              <a:t>3/8/2023</a:t>
             </a:fld>
             <a:endParaRPr lang="en-US"/>
           </a:p>
@@ -11077,11 +11082,7 @@
           <a:p>
             <a:r>
               <a:rPr lang="en-US" dirty="0" smtClean="0"/>
-              <a:t>Day </a:t>
-            </a:r>
-            <a:r>
-              <a:rPr lang="en-US" dirty="0" smtClean="0"/>
-              <a:t>13</a:t>
+              <a:t>Day 13</a:t>
             </a:r>
             <a:endParaRPr lang="en-US" dirty="0"/>
           </a:p>
@@ -11149,7 +11150,6 @@
               <a:rPr lang="en-US" dirty="0" smtClean="0"/>
               <a:t>Tuning Consumer configurations</a:t>
             </a:r>
-            <a:endParaRPr lang="en-US" dirty="0" smtClean="0"/>
           </a:p>
           <a:p>
             <a:pPr lvl="1">
@@ -11231,11 +11231,7 @@
           <a:p>
             <a:r>
               <a:rPr lang="en-US" dirty="0" smtClean="0"/>
-              <a:t>Agenda - Day </a:t>
-            </a:r>
-            <a:r>
-              <a:rPr lang="en-US" dirty="0" smtClean="0"/>
-              <a:t>13</a:t>
+              <a:t>Agenda - Day 13</a:t>
             </a:r>
             <a:endParaRPr lang="en-US" dirty="0"/>
           </a:p>
@@ -11264,15 +11260,7 @@
             </a:pPr>
             <a:r>
               <a:rPr lang="en-US" dirty="0" smtClean="0"/>
-              <a:t>Day </a:t>
-            </a:r>
-            <a:r>
-              <a:rPr lang="en-US" dirty="0" smtClean="0"/>
-              <a:t>12 </a:t>
-            </a:r>
-            <a:r>
-              <a:rPr lang="en-US" dirty="0" smtClean="0"/>
-              <a:t>Recap &amp; </a:t>
+              <a:t>Day 12 Recap &amp; </a:t>
             </a:r>
             <a:r>
               <a:rPr lang="en-US" dirty="0" err="1" smtClean="0"/>
@@ -11294,15 +11282,7 @@
             </a:pPr>
             <a:r>
               <a:rPr lang="en-US" dirty="0" smtClean="0"/>
-              <a:t>Spring </a:t>
-            </a:r>
-            <a:r>
-              <a:rPr lang="en-US" dirty="0" smtClean="0"/>
-              <a:t>Kafka Consumer </a:t>
-            </a:r>
-            <a:r>
-              <a:rPr lang="en-US" dirty="0" smtClean="0"/>
-              <a:t>Internals</a:t>
+              <a:t>Spring Kafka Consumer Internals</a:t>
             </a:r>
           </a:p>
           <a:p>
@@ -11438,11 +11418,7 @@
             </a:r>
             <a:r>
               <a:rPr lang="en-US" sz="3600" dirty="0" smtClean="0"/>
-              <a:t>- Day </a:t>
-            </a:r>
-            <a:r>
-              <a:rPr lang="en-US" sz="3600" dirty="0" smtClean="0"/>
-              <a:t>13</a:t>
+              <a:t>- Day 13</a:t>
             </a:r>
             <a:endParaRPr lang="en-US" sz="3600" dirty="0"/>
           </a:p>
@@ -11667,15 +11643,7 @@
             </a:r>
             <a:r>
               <a:rPr lang="en-US" sz="1400" dirty="0"/>
-              <a:t>Commit the offset when all the records returned by the </a:t>
-            </a:r>
-            <a:r>
-              <a:rPr lang="en-US" sz="1400" dirty="0"/>
-              <a:t>poll()</a:t>
-            </a:r>
-            <a:r>
-              <a:rPr lang="en-US" sz="1400" dirty="0"/>
-              <a:t> have been </a:t>
+              <a:t>Commit the offset when all the records returned by the poll() have been </a:t>
             </a:r>
             <a:r>
               <a:rPr lang="en-US" sz="1400" dirty="0" smtClean="0"/>
@@ -11704,35 +11672,7 @@
             </a:pPr>
             <a:r>
               <a:rPr lang="en-US" sz="1600" dirty="0"/>
-              <a:t> </a:t>
-            </a:r>
-            <a:r>
-              <a:rPr lang="en-US" sz="1600" dirty="0"/>
-              <a:t>he message listener is responsible to </a:t>
-            </a:r>
-            <a:r>
-              <a:rPr lang="en-US" sz="1600" dirty="0"/>
-              <a:t>acknowledge()</a:t>
-            </a:r>
-            <a:r>
-              <a:rPr lang="en-US" sz="1600" dirty="0"/>
-              <a:t> the </a:t>
-            </a:r>
-            <a:r>
-              <a:rPr lang="en-US" sz="1600" dirty="0"/>
-              <a:t>Acknowledgment</a:t>
-            </a:r>
-            <a:r>
-              <a:rPr lang="en-US" sz="1600" dirty="0"/>
-              <a:t>. After that, the same semantics as </a:t>
-            </a:r>
-            <a:r>
-              <a:rPr lang="en-US" sz="1600" dirty="0"/>
-              <a:t>BATCH</a:t>
-            </a:r>
-            <a:r>
-              <a:rPr lang="en-US" sz="1600" dirty="0"/>
-              <a:t> are applied</a:t>
+              <a:t> he message listener is responsible to acknowledge() the Acknowledgment. After that, the same semantics as BATCH are applied</a:t>
             </a:r>
             <a:r>
               <a:rPr lang="en-US" sz="1600" dirty="0" smtClean="0"/>
@@ -11769,11 +11709,7 @@
             </a:r>
             <a:r>
               <a:rPr lang="en-US" sz="1400" dirty="0"/>
-              <a:t>()</a:t>
-            </a:r>
-            <a:r>
-              <a:rPr lang="en-US" sz="1400" dirty="0"/>
-              <a:t> method is called by the listener</a:t>
+              <a:t>() method is called by the listener</a:t>
             </a:r>
             <a:endParaRPr lang="en-US" sz="1700" dirty="0" smtClean="0"/>
           </a:p>
@@ -12128,11 +12064,7 @@
           <a:p>
             <a:r>
               <a:rPr lang="en-US" dirty="0" smtClean="0"/>
-              <a:t>DIY Exercise - Day </a:t>
-            </a:r>
-            <a:r>
-              <a:rPr lang="en-US" dirty="0" smtClean="0"/>
-              <a:t>13</a:t>
+              <a:t>DIY Exercise - Day 13</a:t>
             </a:r>
             <a:endParaRPr lang="en-US" dirty="0"/>
           </a:p>
@@ -12431,6 +12363,896 @@
     <p:extLst>
       <p:ext uri="{BB962C8B-B14F-4D97-AF65-F5344CB8AC3E}">
         <p14:creationId xmlns:p14="http://schemas.microsoft.com/office/powerpoint/2010/main" val="1234029529"/>
+      </p:ext>
+    </p:extLst>
+  </p:cSld>
+  <p:clrMapOvr>
+    <a:masterClrMapping/>
+  </p:clrMapOvr>
+  <p:timing>
+    <p:tnLst>
+      <p:par>
+        <p:cTn id="1" dur="indefinite" restart="never" nodeType="tmRoot"/>
+      </p:par>
+    </p:tnLst>
+  </p:timing>
+</p:sld>
+</file>
+
+<file path=ppt/slides/slide60.xml><?xml version="1.0" encoding="utf-8"?>
+<p:sld xmlns:a="http://schemas.openxmlformats.org/drawingml/2006/main" xmlns:r="http://schemas.openxmlformats.org/officeDocument/2006/relationships" xmlns:p="http://schemas.openxmlformats.org/presentationml/2006/main">
+  <p:cSld>
+    <p:spTree>
+      <p:nvGrpSpPr>
+        <p:cNvPr id="1" name=""/>
+        <p:cNvGrpSpPr/>
+        <p:nvPr/>
+      </p:nvGrpSpPr>
+      <p:grpSpPr>
+        <a:xfrm>
+          <a:off x="0" y="0"/>
+          <a:ext cx="0" cy="0"/>
+          <a:chOff x="0" y="0"/>
+          <a:chExt cx="0" cy="0"/>
+        </a:xfrm>
+      </p:grpSpPr>
+      <p:sp>
+        <p:nvSpPr>
+          <p:cNvPr id="2" name="Title 1"/>
+          <p:cNvSpPr>
+            <a:spLocks noGrp="1"/>
+          </p:cNvSpPr>
+          <p:nvPr>
+            <p:ph type="title"/>
+          </p:nvPr>
+        </p:nvSpPr>
+        <p:spPr/>
+        <p:txBody>
+          <a:bodyPr/>
+          <a:lstStyle/>
+          <a:p>
+            <a:r>
+              <a:rPr lang="en-US" dirty="0" smtClean="0"/>
+              <a:t>Day </a:t>
+            </a:r>
+            <a:r>
+              <a:rPr lang="en-US" dirty="0" smtClean="0"/>
+              <a:t>14</a:t>
+            </a:r>
+            <a:endParaRPr lang="en-US" dirty="0"/>
+          </a:p>
+        </p:txBody>
+      </p:sp>
+      <p:sp>
+        <p:nvSpPr>
+          <p:cNvPr id="3" name="Content Placeholder 2"/>
+          <p:cNvSpPr>
+            <a:spLocks noGrp="1"/>
+          </p:cNvSpPr>
+          <p:nvPr>
+            <p:ph idx="1"/>
+          </p:nvPr>
+        </p:nvSpPr>
+        <p:spPr/>
+        <p:txBody>
+          <a:bodyPr>
+            <a:normAutofit/>
+          </a:bodyPr>
+          <a:lstStyle/>
+          <a:p>
+            <a:pPr marL="0" indent="0">
+              <a:buNone/>
+            </a:pPr>
+            <a:r>
+              <a:rPr lang="en-US" b="1" dirty="0" smtClean="0"/>
+              <a:t>Theme</a:t>
+            </a:r>
+          </a:p>
+          <a:p>
+            <a:pPr lvl="1"/>
+            <a:endParaRPr lang="en-US" dirty="0" smtClean="0"/>
+          </a:p>
+          <a:p>
+            <a:pPr lvl="1">
+              <a:buFont typeface="Arial" panose="020B0604020202020204" pitchFamily="34" charset="0"/>
+              <a:buChar char="•"/>
+            </a:pPr>
+            <a:r>
+              <a:rPr lang="en-US" dirty="0" smtClean="0"/>
+              <a:t>Error Handling in Consumer</a:t>
+            </a:r>
+          </a:p>
+          <a:p>
+            <a:pPr lvl="1">
+              <a:buFont typeface="Arial" panose="020B0604020202020204" pitchFamily="34" charset="0"/>
+              <a:buChar char="•"/>
+            </a:pPr>
+            <a:endParaRPr lang="en-US" dirty="0" smtClean="0"/>
+          </a:p>
+          <a:p>
+            <a:pPr lvl="1">
+              <a:buFont typeface="Arial" panose="020B0604020202020204" pitchFamily="34" charset="0"/>
+              <a:buChar char="•"/>
+            </a:pPr>
+            <a:r>
+              <a:rPr lang="en-US" dirty="0" smtClean="0"/>
+              <a:t>Failure Recovery</a:t>
+            </a:r>
+            <a:r>
+              <a:rPr lang="en-US" dirty="0"/>
+              <a:t> </a:t>
+            </a:r>
+            <a:r>
+              <a:rPr lang="en-US" dirty="0" smtClean="0"/>
+              <a:t>in Consumers</a:t>
+            </a:r>
+          </a:p>
+          <a:p>
+            <a:pPr lvl="1">
+              <a:buFont typeface="Arial" panose="020B0604020202020204" pitchFamily="34" charset="0"/>
+              <a:buChar char="•"/>
+            </a:pPr>
+            <a:endParaRPr lang="en-US" dirty="0"/>
+          </a:p>
+          <a:p>
+            <a:pPr lvl="1">
+              <a:buFont typeface="Arial" panose="020B0604020202020204" pitchFamily="34" charset="0"/>
+              <a:buChar char="•"/>
+            </a:pPr>
+            <a:r>
+              <a:rPr lang="en-US" dirty="0" smtClean="0"/>
+              <a:t>Intro to Security</a:t>
+            </a:r>
+            <a:endParaRPr lang="en-US" dirty="0" smtClean="0"/>
+          </a:p>
+          <a:p>
+            <a:pPr lvl="1">
+              <a:buFont typeface="Arial" panose="020B0604020202020204" pitchFamily="34" charset="0"/>
+              <a:buChar char="•"/>
+            </a:pPr>
+            <a:endParaRPr lang="en-US" dirty="0" smtClean="0"/>
+          </a:p>
+          <a:p>
+            <a:pPr marL="457200" lvl="1" indent="0">
+              <a:buNone/>
+            </a:pPr>
+            <a:endParaRPr lang="en-US" dirty="0" smtClean="0"/>
+          </a:p>
+          <a:p>
+            <a:pPr lvl="1"/>
+            <a:endParaRPr lang="en-US" dirty="0" smtClean="0"/>
+          </a:p>
+        </p:txBody>
+      </p:sp>
+    </p:spTree>
+    <p:extLst>
+      <p:ext uri="{BB962C8B-B14F-4D97-AF65-F5344CB8AC3E}">
+        <p14:creationId xmlns:p14="http://schemas.microsoft.com/office/powerpoint/2010/main" val="1150086957"/>
+      </p:ext>
+    </p:extLst>
+  </p:cSld>
+  <p:clrMapOvr>
+    <a:masterClrMapping/>
+  </p:clrMapOvr>
+  <p:timing>
+    <p:tnLst>
+      <p:par>
+        <p:cTn id="1" dur="indefinite" restart="never" nodeType="tmRoot"/>
+      </p:par>
+    </p:tnLst>
+  </p:timing>
+</p:sld>
+</file>
+
+<file path=ppt/slides/slide61.xml><?xml version="1.0" encoding="utf-8"?>
+<p:sld xmlns:a="http://schemas.openxmlformats.org/drawingml/2006/main" xmlns:r="http://schemas.openxmlformats.org/officeDocument/2006/relationships" xmlns:p="http://schemas.openxmlformats.org/presentationml/2006/main">
+  <p:cSld>
+    <p:spTree>
+      <p:nvGrpSpPr>
+        <p:cNvPr id="1" name=""/>
+        <p:cNvGrpSpPr/>
+        <p:nvPr/>
+      </p:nvGrpSpPr>
+      <p:grpSpPr>
+        <a:xfrm>
+          <a:off x="0" y="0"/>
+          <a:ext cx="0" cy="0"/>
+          <a:chOff x="0" y="0"/>
+          <a:chExt cx="0" cy="0"/>
+        </a:xfrm>
+      </p:grpSpPr>
+      <p:sp>
+        <p:nvSpPr>
+          <p:cNvPr id="2" name="Title 1"/>
+          <p:cNvSpPr>
+            <a:spLocks noGrp="1"/>
+          </p:cNvSpPr>
+          <p:nvPr>
+            <p:ph type="title"/>
+          </p:nvPr>
+        </p:nvSpPr>
+        <p:spPr/>
+        <p:txBody>
+          <a:bodyPr/>
+          <a:lstStyle/>
+          <a:p>
+            <a:r>
+              <a:rPr lang="en-US" dirty="0" smtClean="0"/>
+              <a:t>Agenda - Day </a:t>
+            </a:r>
+            <a:r>
+              <a:rPr lang="en-US" dirty="0" smtClean="0"/>
+              <a:t>14</a:t>
+            </a:r>
+            <a:endParaRPr lang="en-US" dirty="0"/>
+          </a:p>
+        </p:txBody>
+      </p:sp>
+      <p:sp>
+        <p:nvSpPr>
+          <p:cNvPr id="3" name="Content Placeholder 2"/>
+          <p:cNvSpPr>
+            <a:spLocks noGrp="1"/>
+          </p:cNvSpPr>
+          <p:nvPr>
+            <p:ph idx="1"/>
+          </p:nvPr>
+        </p:nvSpPr>
+        <p:spPr/>
+        <p:txBody>
+          <a:bodyPr>
+            <a:normAutofit fontScale="62500" lnSpcReduction="20000"/>
+          </a:bodyPr>
+          <a:lstStyle/>
+          <a:p>
+            <a:pPr lvl="1">
+              <a:buFont typeface="Arial" panose="020B0604020202020204" pitchFamily="34" charset="0"/>
+              <a:buChar char="•"/>
+            </a:pPr>
+            <a:r>
+              <a:rPr lang="en-US" dirty="0" smtClean="0"/>
+              <a:t>Day </a:t>
+            </a:r>
+            <a:r>
+              <a:rPr lang="en-US" dirty="0" smtClean="0"/>
+              <a:t>13 </a:t>
+            </a:r>
+            <a:r>
+              <a:rPr lang="en-US" dirty="0" smtClean="0"/>
+              <a:t>Recap &amp; </a:t>
+            </a:r>
+            <a:r>
+              <a:rPr lang="en-US" dirty="0" err="1" smtClean="0"/>
+              <a:t>QnA</a:t>
+            </a:r>
+            <a:endParaRPr lang="en-US" dirty="0" smtClean="0"/>
+          </a:p>
+          <a:p>
+            <a:pPr lvl="1">
+              <a:buFont typeface="Arial" panose="020B0604020202020204" pitchFamily="34" charset="0"/>
+              <a:buChar char="•"/>
+            </a:pPr>
+            <a:endParaRPr lang="en-US" dirty="0" smtClean="0"/>
+          </a:p>
+          <a:p>
+            <a:pPr lvl="1">
+              <a:buFont typeface="Arial" panose="020B0604020202020204" pitchFamily="34" charset="0"/>
+              <a:buChar char="•"/>
+            </a:pPr>
+            <a:r>
+              <a:rPr lang="en-US" dirty="0" smtClean="0"/>
+              <a:t>Error Handling</a:t>
+            </a:r>
+          </a:p>
+          <a:p>
+            <a:pPr lvl="1">
+              <a:buFont typeface="Arial" panose="020B0604020202020204" pitchFamily="34" charset="0"/>
+              <a:buChar char="•"/>
+            </a:pPr>
+            <a:endParaRPr lang="en-US" dirty="0" smtClean="0"/>
+          </a:p>
+          <a:p>
+            <a:pPr lvl="2">
+              <a:buFont typeface="Wingdings" panose="05000000000000000000" pitchFamily="2" charset="2"/>
+              <a:buChar char="Ø"/>
+            </a:pPr>
+            <a:r>
+              <a:rPr lang="en-US" dirty="0" smtClean="0"/>
+              <a:t>Custom Error Handling Configuration</a:t>
+            </a:r>
+          </a:p>
+          <a:p>
+            <a:pPr lvl="2">
+              <a:buFont typeface="Wingdings" panose="05000000000000000000" pitchFamily="2" charset="2"/>
+              <a:buChar char="Ø"/>
+            </a:pPr>
+            <a:endParaRPr lang="en-US" dirty="0" smtClean="0"/>
+          </a:p>
+          <a:p>
+            <a:pPr lvl="2">
+              <a:buFont typeface="Wingdings" panose="05000000000000000000" pitchFamily="2" charset="2"/>
+              <a:buChar char="Ø"/>
+            </a:pPr>
+            <a:r>
+              <a:rPr lang="en-US" dirty="0" smtClean="0"/>
+              <a:t>Fixed Back off</a:t>
+            </a:r>
+          </a:p>
+          <a:p>
+            <a:pPr lvl="2">
+              <a:buFont typeface="Wingdings" panose="05000000000000000000" pitchFamily="2" charset="2"/>
+              <a:buChar char="Ø"/>
+            </a:pPr>
+            <a:endParaRPr lang="en-US" dirty="0"/>
+          </a:p>
+          <a:p>
+            <a:pPr lvl="2">
+              <a:buFont typeface="Wingdings" panose="05000000000000000000" pitchFamily="2" charset="2"/>
+              <a:buChar char="Ø"/>
+            </a:pPr>
+            <a:r>
+              <a:rPr lang="en-US" dirty="0" smtClean="0"/>
+              <a:t>Exponential </a:t>
+            </a:r>
+            <a:r>
+              <a:rPr lang="en-US" dirty="0"/>
+              <a:t>Back off</a:t>
+            </a:r>
+          </a:p>
+          <a:p>
+            <a:pPr lvl="1">
+              <a:buFont typeface="Wingdings" panose="05000000000000000000" pitchFamily="2" charset="2"/>
+              <a:buChar char="Ø"/>
+            </a:pPr>
+            <a:endParaRPr lang="en-US" dirty="0" smtClean="0"/>
+          </a:p>
+          <a:p>
+            <a:pPr lvl="2">
+              <a:buFont typeface="Wingdings" panose="05000000000000000000" pitchFamily="2" charset="2"/>
+              <a:buChar char="Ø"/>
+            </a:pPr>
+            <a:r>
+              <a:rPr lang="en-US" dirty="0" smtClean="0"/>
+              <a:t>T</a:t>
+            </a:r>
+            <a:r>
+              <a:rPr lang="en-US" dirty="0" smtClean="0"/>
+              <a:t>uning Retry Policy to ignore Exceptions which need not be retried</a:t>
+            </a:r>
+          </a:p>
+          <a:p>
+            <a:pPr lvl="2">
+              <a:buFont typeface="Wingdings" panose="05000000000000000000" pitchFamily="2" charset="2"/>
+              <a:buChar char="Ø"/>
+            </a:pPr>
+            <a:endParaRPr lang="en-US" dirty="0" smtClean="0"/>
+          </a:p>
+          <a:p>
+            <a:pPr lvl="2">
+              <a:buFont typeface="Wingdings" panose="05000000000000000000" pitchFamily="2" charset="2"/>
+              <a:buChar char="Ø"/>
+            </a:pPr>
+            <a:r>
+              <a:rPr lang="en-US" dirty="0"/>
+              <a:t>Plug in additional handling during Retries</a:t>
+            </a:r>
+            <a:endParaRPr lang="en-US" dirty="0"/>
+          </a:p>
+          <a:p>
+            <a:pPr marL="457200" lvl="1" indent="0">
+              <a:buNone/>
+            </a:pPr>
+            <a:endParaRPr lang="en-US" dirty="0" smtClean="0"/>
+          </a:p>
+          <a:p>
+            <a:pPr lvl="1">
+              <a:buFont typeface="Arial" panose="020B0604020202020204" pitchFamily="34" charset="0"/>
+              <a:buChar char="•"/>
+            </a:pPr>
+            <a:r>
+              <a:rPr lang="en-US" dirty="0" smtClean="0"/>
+              <a:t>Failure Handling Strategies</a:t>
+            </a:r>
+          </a:p>
+          <a:p>
+            <a:pPr lvl="1">
+              <a:buFont typeface="Arial" panose="020B0604020202020204" pitchFamily="34" charset="0"/>
+              <a:buChar char="•"/>
+            </a:pPr>
+            <a:endParaRPr lang="en-US" dirty="0" smtClean="0"/>
+          </a:p>
+          <a:p>
+            <a:pPr lvl="1">
+              <a:buFont typeface="Arial" panose="020B0604020202020204" pitchFamily="34" charset="0"/>
+              <a:buChar char="•"/>
+            </a:pPr>
+            <a:r>
+              <a:rPr lang="en-US" dirty="0" smtClean="0"/>
+              <a:t>DIY Exercise</a:t>
+            </a:r>
+          </a:p>
+          <a:p>
+            <a:pPr marL="457200" lvl="1" indent="0">
+              <a:buNone/>
+            </a:pPr>
+            <a:endParaRPr lang="en-US" dirty="0"/>
+          </a:p>
+        </p:txBody>
+      </p:sp>
+    </p:spTree>
+    <p:extLst>
+      <p:ext uri="{BB962C8B-B14F-4D97-AF65-F5344CB8AC3E}">
+        <p14:creationId xmlns:p14="http://schemas.microsoft.com/office/powerpoint/2010/main" val="1833312442"/>
+      </p:ext>
+    </p:extLst>
+  </p:cSld>
+  <p:clrMapOvr>
+    <a:masterClrMapping/>
+  </p:clrMapOvr>
+  <p:timing>
+    <p:tnLst>
+      <p:par>
+        <p:cTn id="1" dur="indefinite" restart="never" nodeType="tmRoot"/>
+      </p:par>
+    </p:tnLst>
+  </p:timing>
+</p:sld>
+</file>
+
+<file path=ppt/slides/slide62.xml><?xml version="1.0" encoding="utf-8"?>
+<p:sld xmlns:a="http://schemas.openxmlformats.org/drawingml/2006/main" xmlns:r="http://schemas.openxmlformats.org/officeDocument/2006/relationships" xmlns:p="http://schemas.openxmlformats.org/presentationml/2006/main">
+  <p:cSld>
+    <p:spTree>
+      <p:nvGrpSpPr>
+        <p:cNvPr id="1" name=""/>
+        <p:cNvGrpSpPr/>
+        <p:nvPr/>
+      </p:nvGrpSpPr>
+      <p:grpSpPr>
+        <a:xfrm>
+          <a:off x="0" y="0"/>
+          <a:ext cx="0" cy="0"/>
+          <a:chOff x="0" y="0"/>
+          <a:chExt cx="0" cy="0"/>
+        </a:xfrm>
+      </p:grpSpPr>
+      <p:sp>
+        <p:nvSpPr>
+          <p:cNvPr id="2" name="Title 1"/>
+          <p:cNvSpPr>
+            <a:spLocks noGrp="1"/>
+          </p:cNvSpPr>
+          <p:nvPr>
+            <p:ph type="title"/>
+          </p:nvPr>
+        </p:nvSpPr>
+        <p:spPr>
+          <a:xfrm>
+            <a:off x="-252536" y="274638"/>
+            <a:ext cx="9577064" cy="1143000"/>
+          </a:xfrm>
+        </p:spPr>
+        <p:txBody>
+          <a:bodyPr>
+            <a:noAutofit/>
+          </a:bodyPr>
+          <a:lstStyle/>
+          <a:p>
+            <a:pPr lvl="1" algn="ctr" rtl="0">
+              <a:spcBef>
+                <a:spcPct val="0"/>
+              </a:spcBef>
+            </a:pPr>
+            <a:r>
+              <a:rPr lang="en-US" sz="3600" dirty="0" smtClean="0"/>
+              <a:t>Error &amp; Fault Recovery Implementation Insights - </a:t>
+            </a:r>
+            <a:r>
+              <a:rPr lang="en-US" sz="3600" dirty="0" smtClean="0"/>
+              <a:t>Day </a:t>
+            </a:r>
+            <a:r>
+              <a:rPr lang="en-US" sz="3600" dirty="0" smtClean="0"/>
+              <a:t>14</a:t>
+            </a:r>
+            <a:endParaRPr lang="en-US" sz="3600" dirty="0"/>
+          </a:p>
+        </p:txBody>
+      </p:sp>
+      <p:sp>
+        <p:nvSpPr>
+          <p:cNvPr id="3" name="Content Placeholder 2"/>
+          <p:cNvSpPr>
+            <a:spLocks noGrp="1"/>
+          </p:cNvSpPr>
+          <p:nvPr>
+            <p:ph idx="1"/>
+          </p:nvPr>
+        </p:nvSpPr>
+        <p:spPr/>
+        <p:txBody>
+          <a:bodyPr>
+            <a:normAutofit/>
+          </a:bodyPr>
+          <a:lstStyle/>
+          <a:p>
+            <a:pPr marL="457200" lvl="1" indent="0">
+              <a:buNone/>
+            </a:pPr>
+            <a:r>
+              <a:rPr lang="en-US" dirty="0" smtClean="0"/>
+              <a:t>Refer </a:t>
+            </a:r>
+            <a:r>
+              <a:rPr lang="en-US" dirty="0" smtClean="0"/>
+              <a:t>draw.io</a:t>
+            </a:r>
+          </a:p>
+          <a:p>
+            <a:pPr marL="457200" lvl="1" indent="0">
+              <a:buNone/>
+            </a:pPr>
+            <a:endParaRPr lang="en-US" dirty="0"/>
+          </a:p>
+          <a:p>
+            <a:pPr marL="457200" lvl="1" indent="0">
+              <a:buNone/>
+            </a:pPr>
+            <a:r>
+              <a:rPr lang="en-US" dirty="0" smtClean="0"/>
+              <a:t>Reference:</a:t>
+            </a:r>
+          </a:p>
+          <a:p>
+            <a:pPr marL="457200" lvl="1" indent="0">
+              <a:buNone/>
+            </a:pPr>
+            <a:r>
+              <a:rPr lang="en-US" dirty="0">
+                <a:hlinkClick r:id="rId2"/>
+              </a:rPr>
+              <a:t>https://docs.spring.io/spring-kafka/reference/html/#</a:t>
+            </a:r>
+            <a:r>
+              <a:rPr lang="en-US" dirty="0" smtClean="0">
+                <a:hlinkClick r:id="rId2"/>
+              </a:rPr>
+              <a:t>dead-letters</a:t>
+            </a:r>
+            <a:endParaRPr lang="en-US" dirty="0" smtClean="0"/>
+          </a:p>
+          <a:p>
+            <a:pPr marL="457200" lvl="1" indent="0">
+              <a:buNone/>
+            </a:pPr>
+            <a:endParaRPr lang="en-US" dirty="0"/>
+          </a:p>
+        </p:txBody>
+      </p:sp>
+    </p:spTree>
+    <p:extLst>
+      <p:ext uri="{BB962C8B-B14F-4D97-AF65-F5344CB8AC3E}">
+        <p14:creationId xmlns:p14="http://schemas.microsoft.com/office/powerpoint/2010/main" val="3722537722"/>
+      </p:ext>
+    </p:extLst>
+  </p:cSld>
+  <p:clrMapOvr>
+    <a:masterClrMapping/>
+  </p:clrMapOvr>
+  <p:timing>
+    <p:tnLst>
+      <p:par>
+        <p:cTn id="1" dur="indefinite" restart="never" nodeType="tmRoot"/>
+      </p:par>
+    </p:tnLst>
+  </p:timing>
+</p:sld>
+</file>
+
+<file path=ppt/slides/slide63.xml><?xml version="1.0" encoding="utf-8"?>
+<p:sld xmlns:a="http://schemas.openxmlformats.org/drawingml/2006/main" xmlns:r="http://schemas.openxmlformats.org/officeDocument/2006/relationships" xmlns:p="http://schemas.openxmlformats.org/presentationml/2006/main">
+  <p:cSld>
+    <p:spTree>
+      <p:nvGrpSpPr>
+        <p:cNvPr id="1" name=""/>
+        <p:cNvGrpSpPr/>
+        <p:nvPr/>
+      </p:nvGrpSpPr>
+      <p:grpSpPr>
+        <a:xfrm>
+          <a:off x="0" y="0"/>
+          <a:ext cx="0" cy="0"/>
+          <a:chOff x="0" y="0"/>
+          <a:chExt cx="0" cy="0"/>
+        </a:xfrm>
+      </p:grpSpPr>
+      <p:sp>
+        <p:nvSpPr>
+          <p:cNvPr id="2" name="Title 1"/>
+          <p:cNvSpPr>
+            <a:spLocks noGrp="1"/>
+          </p:cNvSpPr>
+          <p:nvPr>
+            <p:ph type="title"/>
+          </p:nvPr>
+        </p:nvSpPr>
+        <p:spPr>
+          <a:xfrm>
+            <a:off x="-252536" y="274638"/>
+            <a:ext cx="9577064" cy="1143000"/>
+          </a:xfrm>
+        </p:spPr>
+        <p:txBody>
+          <a:bodyPr>
+            <a:noAutofit/>
+          </a:bodyPr>
+          <a:lstStyle/>
+          <a:p>
+            <a:pPr lvl="1" algn="ctr" rtl="0">
+              <a:spcBef>
+                <a:spcPct val="0"/>
+              </a:spcBef>
+            </a:pPr>
+            <a:r>
+              <a:rPr lang="en-US" sz="3200" dirty="0" smtClean="0"/>
+              <a:t>Failure Handling Strategies – </a:t>
+            </a:r>
+            <a:r>
+              <a:rPr lang="en-US" sz="3200" dirty="0" smtClean="0"/>
+              <a:t>Day </a:t>
+            </a:r>
+            <a:r>
+              <a:rPr lang="en-US" sz="3200" dirty="0" smtClean="0"/>
+              <a:t>14</a:t>
+            </a:r>
+            <a:endParaRPr lang="en-US" sz="3200" dirty="0"/>
+          </a:p>
+        </p:txBody>
+      </p:sp>
+      <p:sp>
+        <p:nvSpPr>
+          <p:cNvPr id="3" name="Content Placeholder 2"/>
+          <p:cNvSpPr>
+            <a:spLocks noGrp="1"/>
+          </p:cNvSpPr>
+          <p:nvPr>
+            <p:ph idx="1"/>
+          </p:nvPr>
+        </p:nvSpPr>
+        <p:spPr/>
+        <p:txBody>
+          <a:bodyPr>
+            <a:normAutofit/>
+          </a:bodyPr>
+          <a:lstStyle/>
+          <a:p>
+            <a:pPr lvl="1">
+              <a:buFont typeface="Wingdings" panose="05000000000000000000" pitchFamily="2" charset="2"/>
+              <a:buChar char="Ø"/>
+            </a:pPr>
+            <a:r>
+              <a:rPr lang="en-US" dirty="0" smtClean="0"/>
+              <a:t>Approach 1 : Retry the failed messages</a:t>
+            </a:r>
+          </a:p>
+          <a:p>
+            <a:pPr lvl="1">
+              <a:buFont typeface="Wingdings" panose="05000000000000000000" pitchFamily="2" charset="2"/>
+              <a:buChar char="Ø"/>
+            </a:pPr>
+            <a:endParaRPr lang="en-US" dirty="0" smtClean="0"/>
+          </a:p>
+          <a:p>
+            <a:pPr marL="457200" lvl="1" indent="0">
+              <a:buNone/>
+            </a:pPr>
+            <a:r>
+              <a:rPr lang="en-US" sz="2400" dirty="0" smtClean="0"/>
+              <a:t>Example: Dependent Services temporarily down</a:t>
+            </a:r>
+          </a:p>
+          <a:p>
+            <a:pPr marL="457200" lvl="1" indent="0">
+              <a:buNone/>
+            </a:pPr>
+            <a:endParaRPr lang="en-US" dirty="0" smtClean="0"/>
+          </a:p>
+          <a:p>
+            <a:pPr lvl="1">
+              <a:buFont typeface="Wingdings" panose="05000000000000000000" pitchFamily="2" charset="2"/>
+              <a:buChar char="Ø"/>
+            </a:pPr>
+            <a:endParaRPr lang="en-US" dirty="0" smtClean="0"/>
+          </a:p>
+          <a:p>
+            <a:pPr lvl="1">
+              <a:buFont typeface="Wingdings" panose="05000000000000000000" pitchFamily="2" charset="2"/>
+              <a:buChar char="Ø"/>
+            </a:pPr>
+            <a:r>
+              <a:rPr lang="en-US" dirty="0" smtClean="0"/>
+              <a:t>Approach 2: Discard  the Messages in a trackable way</a:t>
+            </a:r>
+          </a:p>
+          <a:p>
+            <a:pPr marL="457200" lvl="1" indent="0">
+              <a:buNone/>
+            </a:pPr>
+            <a:endParaRPr lang="en-US" sz="2400" dirty="0" smtClean="0"/>
+          </a:p>
+          <a:p>
+            <a:pPr marL="457200" lvl="1" indent="0">
+              <a:buNone/>
+            </a:pPr>
+            <a:r>
+              <a:rPr lang="en-US" sz="2400" dirty="0" smtClean="0"/>
+              <a:t>Example: Invalid payloads </a:t>
+            </a:r>
+            <a:endParaRPr lang="en-US" sz="2400" dirty="0"/>
+          </a:p>
+        </p:txBody>
+      </p:sp>
+    </p:spTree>
+    <p:extLst>
+      <p:ext uri="{BB962C8B-B14F-4D97-AF65-F5344CB8AC3E}">
+        <p14:creationId xmlns:p14="http://schemas.microsoft.com/office/powerpoint/2010/main" val="4124340696"/>
+      </p:ext>
+    </p:extLst>
+  </p:cSld>
+  <p:clrMapOvr>
+    <a:masterClrMapping/>
+  </p:clrMapOvr>
+  <p:timing>
+    <p:tnLst>
+      <p:par>
+        <p:cTn id="1" dur="indefinite" restart="never" nodeType="tmRoot"/>
+      </p:par>
+    </p:tnLst>
+  </p:timing>
+</p:sld>
+</file>
+
+<file path=ppt/slides/slide64.xml><?xml version="1.0" encoding="utf-8"?>
+<p:sld xmlns:a="http://schemas.openxmlformats.org/drawingml/2006/main" xmlns:r="http://schemas.openxmlformats.org/officeDocument/2006/relationships" xmlns:p="http://schemas.openxmlformats.org/presentationml/2006/main">
+  <p:cSld>
+    <p:spTree>
+      <p:nvGrpSpPr>
+        <p:cNvPr id="1" name=""/>
+        <p:cNvGrpSpPr/>
+        <p:nvPr/>
+      </p:nvGrpSpPr>
+      <p:grpSpPr>
+        <a:xfrm>
+          <a:off x="0" y="0"/>
+          <a:ext cx="0" cy="0"/>
+          <a:chOff x="0" y="0"/>
+          <a:chExt cx="0" cy="0"/>
+        </a:xfrm>
+      </p:grpSpPr>
+      <p:sp>
+        <p:nvSpPr>
+          <p:cNvPr id="2" name="Title 1"/>
+          <p:cNvSpPr>
+            <a:spLocks noGrp="1"/>
+          </p:cNvSpPr>
+          <p:nvPr>
+            <p:ph type="title"/>
+          </p:nvPr>
+        </p:nvSpPr>
+        <p:spPr/>
+        <p:txBody>
+          <a:bodyPr/>
+          <a:lstStyle/>
+          <a:p>
+            <a:r>
+              <a:rPr lang="en-US" dirty="0" smtClean="0"/>
+              <a:t>DIY Exercise - Day </a:t>
+            </a:r>
+            <a:r>
+              <a:rPr lang="en-US" dirty="0" smtClean="0"/>
+              <a:t>14</a:t>
+            </a:r>
+            <a:endParaRPr lang="en-US" dirty="0"/>
+          </a:p>
+        </p:txBody>
+      </p:sp>
+      <p:sp>
+        <p:nvSpPr>
+          <p:cNvPr id="3" name="Content Placeholder 2"/>
+          <p:cNvSpPr>
+            <a:spLocks noGrp="1"/>
+          </p:cNvSpPr>
+          <p:nvPr>
+            <p:ph idx="1"/>
+          </p:nvPr>
+        </p:nvSpPr>
+        <p:spPr>
+          <a:xfrm>
+            <a:off x="467544" y="1484784"/>
+            <a:ext cx="8229600" cy="4525963"/>
+          </a:xfrm>
+        </p:spPr>
+        <p:txBody>
+          <a:bodyPr>
+            <a:normAutofit/>
+          </a:bodyPr>
+          <a:lstStyle/>
+          <a:p>
+            <a:pPr marL="457200" lvl="1" indent="0">
+              <a:buNone/>
+            </a:pPr>
+            <a:endParaRPr lang="en-US" dirty="0" smtClean="0"/>
+          </a:p>
+          <a:p>
+            <a:pPr fontAlgn="ctr"/>
+            <a:r>
+              <a:rPr lang="en-US" dirty="0" smtClean="0"/>
+              <a:t>Implement the Retry service which reads from Retry topic and triggers the re-processing</a:t>
+            </a:r>
+          </a:p>
+          <a:p>
+            <a:pPr fontAlgn="ctr"/>
+            <a:endParaRPr lang="en-US" dirty="0" smtClean="0"/>
+          </a:p>
+          <a:p>
+            <a:pPr fontAlgn="ctr"/>
+            <a:r>
+              <a:rPr lang="en-US" dirty="0" smtClean="0"/>
+              <a:t>Re-establish the Error and failure recovery handling in producer with sufficient demos</a:t>
+            </a:r>
+            <a:endParaRPr lang="en-US" dirty="0" smtClean="0"/>
+          </a:p>
+          <a:p>
+            <a:pPr fontAlgn="ctr"/>
+            <a:endParaRPr lang="en-US" dirty="0" smtClean="0"/>
+          </a:p>
+          <a:p>
+            <a:pPr fontAlgn="ctr"/>
+            <a:r>
+              <a:rPr lang="en-US" dirty="0" smtClean="0"/>
+              <a:t>Save the messages in the DTL to H2 Database</a:t>
+            </a:r>
+            <a:endParaRPr lang="en-US" dirty="0" smtClean="0"/>
+          </a:p>
+          <a:p>
+            <a:pPr lvl="1">
+              <a:buFont typeface="Arial" panose="020B0604020202020204" pitchFamily="34" charset="0"/>
+              <a:buChar char="•"/>
+            </a:pPr>
+            <a:endParaRPr lang="en-US" dirty="0" smtClean="0"/>
+          </a:p>
+          <a:p>
+            <a:pPr marL="457200" lvl="1" indent="0">
+              <a:buNone/>
+            </a:pPr>
+            <a:endParaRPr lang="en-US" dirty="0" smtClean="0"/>
+          </a:p>
+          <a:p>
+            <a:pPr lvl="1">
+              <a:buFont typeface="Arial" panose="020B0604020202020204" pitchFamily="34" charset="0"/>
+              <a:buChar char="•"/>
+            </a:pPr>
+            <a:endParaRPr lang="en-US" dirty="0" smtClean="0"/>
+          </a:p>
+          <a:p>
+            <a:pPr lvl="1">
+              <a:buFont typeface="Arial" panose="020B0604020202020204" pitchFamily="34" charset="0"/>
+              <a:buChar char="•"/>
+            </a:pPr>
+            <a:endParaRPr lang="en-US" dirty="0" smtClean="0"/>
+          </a:p>
+          <a:p>
+            <a:pPr marL="457200" lvl="1" indent="0">
+              <a:buNone/>
+            </a:pPr>
+            <a:endParaRPr lang="en-US" dirty="0" smtClean="0"/>
+          </a:p>
+        </p:txBody>
+      </p:sp>
+    </p:spTree>
+    <p:extLst>
+      <p:ext uri="{BB962C8B-B14F-4D97-AF65-F5344CB8AC3E}">
+        <p14:creationId xmlns:p14="http://schemas.microsoft.com/office/powerpoint/2010/main" val="2222161315"/>
       </p:ext>
     </p:extLst>
   </p:cSld>

--- a/PPT/Kafka-Teaching-Flow.pptx
+++ b/PPT/Kafka-Teaching-Flow.pptx
@@ -69,6 +69,13 @@
     <p:sldId id="323" r:id="rId63"/>
     <p:sldId id="324" r:id="rId64"/>
     <p:sldId id="326" r:id="rId65"/>
+    <p:sldId id="327" r:id="rId66"/>
+    <p:sldId id="328" r:id="rId67"/>
+    <p:sldId id="330" r:id="rId68"/>
+    <p:sldId id="333" r:id="rId69"/>
+    <p:sldId id="332" r:id="rId70"/>
+    <p:sldId id="331" r:id="rId71"/>
+    <p:sldId id="329" r:id="rId72"/>
   </p:sldIdLst>
   <p:sldSz cx="9144000" cy="6858000" type="screen4x3"/>
   <p:notesSz cx="6858000" cy="9144000"/>
@@ -351,7 +358,7 @@
           <a:p>
             <a:fld id="{51149E06-0874-4241-ABF9-BAFA45916F2C}" type="datetimeFigureOut">
               <a:rPr lang="en-US" smtClean="0"/>
-              <a:t>3/8/2023</a:t>
+              <a:t>3/10/2023</a:t>
             </a:fld>
             <a:endParaRPr lang="en-US"/>
           </a:p>
@@ -521,7 +528,7 @@
           <a:p>
             <a:fld id="{51149E06-0874-4241-ABF9-BAFA45916F2C}" type="datetimeFigureOut">
               <a:rPr lang="en-US" smtClean="0"/>
-              <a:t>3/8/2023</a:t>
+              <a:t>3/10/2023</a:t>
             </a:fld>
             <a:endParaRPr lang="en-US"/>
           </a:p>
@@ -701,7 +708,7 @@
           <a:p>
             <a:fld id="{51149E06-0874-4241-ABF9-BAFA45916F2C}" type="datetimeFigureOut">
               <a:rPr lang="en-US" smtClean="0"/>
-              <a:t>3/8/2023</a:t>
+              <a:t>3/10/2023</a:t>
             </a:fld>
             <a:endParaRPr lang="en-US"/>
           </a:p>
@@ -871,7 +878,7 @@
           <a:p>
             <a:fld id="{51149E06-0874-4241-ABF9-BAFA45916F2C}" type="datetimeFigureOut">
               <a:rPr lang="en-US" smtClean="0"/>
-              <a:t>3/8/2023</a:t>
+              <a:t>3/10/2023</a:t>
             </a:fld>
             <a:endParaRPr lang="en-US"/>
           </a:p>
@@ -1117,7 +1124,7 @@
           <a:p>
             <a:fld id="{51149E06-0874-4241-ABF9-BAFA45916F2C}" type="datetimeFigureOut">
               <a:rPr lang="en-US" smtClean="0"/>
-              <a:t>3/8/2023</a:t>
+              <a:t>3/10/2023</a:t>
             </a:fld>
             <a:endParaRPr lang="en-US"/>
           </a:p>
@@ -1405,7 +1412,7 @@
           <a:p>
             <a:fld id="{51149E06-0874-4241-ABF9-BAFA45916F2C}" type="datetimeFigureOut">
               <a:rPr lang="en-US" smtClean="0"/>
-              <a:t>3/8/2023</a:t>
+              <a:t>3/10/2023</a:t>
             </a:fld>
             <a:endParaRPr lang="en-US"/>
           </a:p>
@@ -1827,7 +1834,7 @@
           <a:p>
             <a:fld id="{51149E06-0874-4241-ABF9-BAFA45916F2C}" type="datetimeFigureOut">
               <a:rPr lang="en-US" smtClean="0"/>
-              <a:t>3/8/2023</a:t>
+              <a:t>3/10/2023</a:t>
             </a:fld>
             <a:endParaRPr lang="en-US"/>
           </a:p>
@@ -1945,7 +1952,7 @@
           <a:p>
             <a:fld id="{51149E06-0874-4241-ABF9-BAFA45916F2C}" type="datetimeFigureOut">
               <a:rPr lang="en-US" smtClean="0"/>
-              <a:t>3/8/2023</a:t>
+              <a:t>3/10/2023</a:t>
             </a:fld>
             <a:endParaRPr lang="en-US"/>
           </a:p>
@@ -2040,7 +2047,7 @@
           <a:p>
             <a:fld id="{51149E06-0874-4241-ABF9-BAFA45916F2C}" type="datetimeFigureOut">
               <a:rPr lang="en-US" smtClean="0"/>
-              <a:t>3/8/2023</a:t>
+              <a:t>3/10/2023</a:t>
             </a:fld>
             <a:endParaRPr lang="en-US"/>
           </a:p>
@@ -2317,7 +2324,7 @@
           <a:p>
             <a:fld id="{51149E06-0874-4241-ABF9-BAFA45916F2C}" type="datetimeFigureOut">
               <a:rPr lang="en-US" smtClean="0"/>
-              <a:t>3/8/2023</a:t>
+              <a:t>3/10/2023</a:t>
             </a:fld>
             <a:endParaRPr lang="en-US"/>
           </a:p>
@@ -2570,7 +2577,7 @@
           <a:p>
             <a:fld id="{51149E06-0874-4241-ABF9-BAFA45916F2C}" type="datetimeFigureOut">
               <a:rPr lang="en-US" smtClean="0"/>
-              <a:t>3/8/2023</a:t>
+              <a:t>3/10/2023</a:t>
             </a:fld>
             <a:endParaRPr lang="en-US"/>
           </a:p>
@@ -2783,7 +2790,7 @@
           <a:p>
             <a:fld id="{51149E06-0874-4241-ABF9-BAFA45916F2C}" type="datetimeFigureOut">
               <a:rPr lang="en-US" smtClean="0"/>
-              <a:t>3/8/2023</a:t>
+              <a:t>3/10/2023</a:t>
             </a:fld>
             <a:endParaRPr lang="en-US"/>
           </a:p>
@@ -12413,11 +12420,7 @@
           <a:p>
             <a:r>
               <a:rPr lang="en-US" dirty="0" smtClean="0"/>
-              <a:t>Day </a:t>
-            </a:r>
-            <a:r>
-              <a:rPr lang="en-US" dirty="0" smtClean="0"/>
-              <a:t>14</a:t>
+              <a:t>Day 14</a:t>
             </a:r>
             <a:endParaRPr lang="en-US" dirty="0"/>
           </a:p>
@@ -12503,7 +12506,6 @@
               <a:rPr lang="en-US" dirty="0" smtClean="0"/>
               <a:t>Intro to Security</a:t>
             </a:r>
-            <a:endParaRPr lang="en-US" dirty="0" smtClean="0"/>
           </a:p>
           <a:p>
             <a:pPr lvl="1">
@@ -12578,11 +12580,7 @@
           <a:p>
             <a:r>
               <a:rPr lang="en-US" dirty="0" smtClean="0"/>
-              <a:t>Agenda - Day </a:t>
-            </a:r>
-            <a:r>
-              <a:rPr lang="en-US" dirty="0" smtClean="0"/>
-              <a:t>14</a:t>
+              <a:t>Agenda - Day 14</a:t>
             </a:r>
             <a:endParaRPr lang="en-US" dirty="0"/>
           </a:p>
@@ -12611,15 +12609,7 @@
             </a:pPr>
             <a:r>
               <a:rPr lang="en-US" dirty="0" smtClean="0"/>
-              <a:t>Day </a:t>
-            </a:r>
-            <a:r>
-              <a:rPr lang="en-US" dirty="0" smtClean="0"/>
-              <a:t>13 </a:t>
-            </a:r>
-            <a:r>
-              <a:rPr lang="en-US" dirty="0" smtClean="0"/>
-              <a:t>Recap &amp; </a:t>
+              <a:t>Day 13 Recap &amp; </a:t>
             </a:r>
             <a:r>
               <a:rPr lang="en-US" dirty="0" err="1" smtClean="0"/>
@@ -12713,11 +12703,7 @@
             </a:pPr>
             <a:r>
               <a:rPr lang="en-US" dirty="0" smtClean="0"/>
-              <a:t>T</a:t>
-            </a:r>
-            <a:r>
-              <a:rPr lang="en-US" dirty="0" smtClean="0"/>
-              <a:t>uning Retry Policy to ignore Exceptions which need not be retried</a:t>
+              <a:t>Tuning Retry Policy to ignore Exceptions which need not be retried</a:t>
             </a:r>
           </a:p>
           <a:p>
@@ -12736,7 +12722,6 @@
               <a:rPr lang="en-US" dirty="0"/>
               <a:t>Plug in additional handling during Retries</a:t>
             </a:r>
-            <a:endParaRPr lang="en-US" dirty="0"/>
           </a:p>
           <a:p>
             <a:pPr marL="457200" lvl="1" indent="0">
@@ -12845,15 +12830,7 @@
             </a:pPr>
             <a:r>
               <a:rPr lang="en-US" sz="3600" dirty="0" smtClean="0"/>
-              <a:t>Error &amp; Fault Recovery Implementation Insights - </a:t>
-            </a:r>
-            <a:r>
-              <a:rPr lang="en-US" sz="3600" dirty="0" smtClean="0"/>
-              <a:t>Day </a:t>
-            </a:r>
-            <a:r>
-              <a:rPr lang="en-US" sz="3600" dirty="0" smtClean="0"/>
-              <a:t>14</a:t>
+              <a:t>Error &amp; Fault Recovery Implementation Insights - Day 14</a:t>
             </a:r>
             <a:endParaRPr lang="en-US" sz="3600" dirty="0"/>
           </a:p>
@@ -12881,11 +12858,7 @@
             </a:pPr>
             <a:r>
               <a:rPr lang="en-US" dirty="0" smtClean="0"/>
-              <a:t>Refer </a:t>
-            </a:r>
-            <a:r>
-              <a:rPr lang="en-US" dirty="0" smtClean="0"/>
-              <a:t>draw.io</a:t>
+              <a:t>Refer draw.io</a:t>
             </a:r>
           </a:p>
           <a:p>
@@ -12995,15 +12968,7 @@
             </a:pPr>
             <a:r>
               <a:rPr lang="en-US" sz="3200" dirty="0" smtClean="0"/>
-              <a:t>Failure Handling Strategies – </a:t>
-            </a:r>
-            <a:r>
-              <a:rPr lang="en-US" sz="3200" dirty="0" smtClean="0"/>
-              <a:t>Day </a:t>
-            </a:r>
-            <a:r>
-              <a:rPr lang="en-US" sz="3200" dirty="0" smtClean="0"/>
-              <a:t>14</a:t>
+              <a:t>Failure Handling Strategies – Day 14</a:t>
             </a:r>
             <a:endParaRPr lang="en-US" sz="3200" dirty="0"/>
           </a:p>
@@ -13146,11 +13111,7 @@
           <a:p>
             <a:r>
               <a:rPr lang="en-US" dirty="0" smtClean="0"/>
-              <a:t>DIY Exercise - Day </a:t>
-            </a:r>
-            <a:r>
-              <a:rPr lang="en-US" dirty="0" smtClean="0"/>
-              <a:t>14</a:t>
+              <a:t>DIY Exercise - Day 14</a:t>
             </a:r>
             <a:endParaRPr lang="en-US" dirty="0"/>
           </a:p>
@@ -13174,7 +13135,7 @@
         </p:spPr>
         <p:txBody>
           <a:bodyPr>
-            <a:normAutofit/>
+            <a:normAutofit fontScale="92500" lnSpcReduction="20000"/>
           </a:bodyPr>
           <a:lstStyle/>
           <a:p>
@@ -13200,7 +13161,6 @@
               <a:rPr lang="en-US" dirty="0" smtClean="0"/>
               <a:t>Re-establish the Error and failure recovery handling in producer with sufficient demos</a:t>
             </a:r>
-            <a:endParaRPr lang="en-US" dirty="0" smtClean="0"/>
           </a:p>
           <a:p>
             <a:pPr fontAlgn="ctr"/>
@@ -13210,7 +13170,30 @@
             <a:pPr fontAlgn="ctr"/>
             <a:r>
               <a:rPr lang="en-US" dirty="0" smtClean="0"/>
-              <a:t>Save the messages in the DTL to H2 Database</a:t>
+              <a:t>Save the messages in the </a:t>
+            </a:r>
+            <a:r>
+              <a:rPr lang="en-US" dirty="0" smtClean="0"/>
+              <a:t>DLT </a:t>
+            </a:r>
+            <a:r>
+              <a:rPr lang="en-US" dirty="0" smtClean="0"/>
+              <a:t>to H2 </a:t>
+            </a:r>
+            <a:r>
+              <a:rPr lang="en-US" dirty="0" smtClean="0"/>
+              <a:t>Database</a:t>
+            </a:r>
+          </a:p>
+          <a:p>
+            <a:pPr fontAlgn="ctr"/>
+            <a:endParaRPr lang="en-US" dirty="0" smtClean="0"/>
+          </a:p>
+          <a:p>
+            <a:pPr fontAlgn="ctr"/>
+            <a:r>
+              <a:rPr lang="en-US" dirty="0" smtClean="0"/>
+              <a:t>Explore Transactions</a:t>
             </a:r>
             <a:endParaRPr lang="en-US" dirty="0" smtClean="0"/>
           </a:p>
@@ -13253,6 +13236,859 @@
     <p:extLst>
       <p:ext uri="{BB962C8B-B14F-4D97-AF65-F5344CB8AC3E}">
         <p14:creationId xmlns:p14="http://schemas.microsoft.com/office/powerpoint/2010/main" val="2222161315"/>
+      </p:ext>
+    </p:extLst>
+  </p:cSld>
+  <p:clrMapOvr>
+    <a:masterClrMapping/>
+  </p:clrMapOvr>
+  <p:timing>
+    <p:tnLst>
+      <p:par>
+        <p:cTn id="1" dur="indefinite" restart="never" nodeType="tmRoot"/>
+      </p:par>
+    </p:tnLst>
+  </p:timing>
+</p:sld>
+</file>
+
+<file path=ppt/slides/slide65.xml><?xml version="1.0" encoding="utf-8"?>
+<p:sld xmlns:a="http://schemas.openxmlformats.org/drawingml/2006/main" xmlns:r="http://schemas.openxmlformats.org/officeDocument/2006/relationships" xmlns:p="http://schemas.openxmlformats.org/presentationml/2006/main">
+  <p:cSld>
+    <p:spTree>
+      <p:nvGrpSpPr>
+        <p:cNvPr id="1" name=""/>
+        <p:cNvGrpSpPr/>
+        <p:nvPr/>
+      </p:nvGrpSpPr>
+      <p:grpSpPr>
+        <a:xfrm>
+          <a:off x="0" y="0"/>
+          <a:ext cx="0" cy="0"/>
+          <a:chOff x="0" y="0"/>
+          <a:chExt cx="0" cy="0"/>
+        </a:xfrm>
+      </p:grpSpPr>
+      <p:sp>
+        <p:nvSpPr>
+          <p:cNvPr id="2" name="Title 1"/>
+          <p:cNvSpPr>
+            <a:spLocks noGrp="1"/>
+          </p:cNvSpPr>
+          <p:nvPr>
+            <p:ph type="title"/>
+          </p:nvPr>
+        </p:nvSpPr>
+        <p:spPr/>
+        <p:txBody>
+          <a:bodyPr/>
+          <a:lstStyle/>
+          <a:p>
+            <a:r>
+              <a:rPr lang="en-US" dirty="0" smtClean="0"/>
+              <a:t>Day </a:t>
+            </a:r>
+            <a:r>
+              <a:rPr lang="en-US" dirty="0" smtClean="0"/>
+              <a:t>15, 16,17</a:t>
+            </a:r>
+            <a:endParaRPr lang="en-US" dirty="0"/>
+          </a:p>
+        </p:txBody>
+      </p:sp>
+      <p:sp>
+        <p:nvSpPr>
+          <p:cNvPr id="3" name="Content Placeholder 2"/>
+          <p:cNvSpPr>
+            <a:spLocks noGrp="1"/>
+          </p:cNvSpPr>
+          <p:nvPr>
+            <p:ph idx="1"/>
+          </p:nvPr>
+        </p:nvSpPr>
+        <p:spPr/>
+        <p:txBody>
+          <a:bodyPr>
+            <a:normAutofit/>
+          </a:bodyPr>
+          <a:lstStyle/>
+          <a:p>
+            <a:pPr marL="0" indent="0">
+              <a:buNone/>
+            </a:pPr>
+            <a:r>
+              <a:rPr lang="en-US" b="1" dirty="0" smtClean="0"/>
+              <a:t>Theme</a:t>
+            </a:r>
+          </a:p>
+          <a:p>
+            <a:pPr lvl="1"/>
+            <a:endParaRPr lang="en-US" dirty="0" smtClean="0"/>
+          </a:p>
+          <a:p>
+            <a:pPr marL="457200" lvl="1" indent="0">
+              <a:buNone/>
+            </a:pPr>
+            <a:endParaRPr lang="en-US" dirty="0"/>
+          </a:p>
+          <a:p>
+            <a:pPr lvl="1">
+              <a:buFont typeface="Arial" panose="020B0604020202020204" pitchFamily="34" charset="0"/>
+              <a:buChar char="•"/>
+            </a:pPr>
+            <a:r>
+              <a:rPr lang="en-US" dirty="0" smtClean="0"/>
+              <a:t>Securing Kafka Infrastructure</a:t>
+            </a:r>
+          </a:p>
+          <a:p>
+            <a:pPr lvl="1">
+              <a:buFont typeface="Arial" panose="020B0604020202020204" pitchFamily="34" charset="0"/>
+              <a:buChar char="•"/>
+            </a:pPr>
+            <a:endParaRPr lang="en-US" dirty="0" smtClean="0"/>
+          </a:p>
+          <a:p>
+            <a:pPr lvl="1">
+              <a:buFont typeface="Arial" panose="020B0604020202020204" pitchFamily="34" charset="0"/>
+              <a:buChar char="•"/>
+            </a:pPr>
+            <a:endParaRPr lang="en-US" dirty="0" smtClean="0"/>
+          </a:p>
+          <a:p>
+            <a:pPr marL="457200" lvl="1" indent="0">
+              <a:buNone/>
+            </a:pPr>
+            <a:endParaRPr lang="en-US" dirty="0" smtClean="0"/>
+          </a:p>
+          <a:p>
+            <a:pPr lvl="1"/>
+            <a:endParaRPr lang="en-US" dirty="0" smtClean="0"/>
+          </a:p>
+        </p:txBody>
+      </p:sp>
+    </p:spTree>
+    <p:extLst>
+      <p:ext uri="{BB962C8B-B14F-4D97-AF65-F5344CB8AC3E}">
+        <p14:creationId xmlns:p14="http://schemas.microsoft.com/office/powerpoint/2010/main" val="3332662428"/>
+      </p:ext>
+    </p:extLst>
+  </p:cSld>
+  <p:clrMapOvr>
+    <a:masterClrMapping/>
+  </p:clrMapOvr>
+  <p:timing>
+    <p:tnLst>
+      <p:par>
+        <p:cTn id="1" dur="indefinite" restart="never" nodeType="tmRoot"/>
+      </p:par>
+    </p:tnLst>
+  </p:timing>
+</p:sld>
+</file>
+
+<file path=ppt/slides/slide66.xml><?xml version="1.0" encoding="utf-8"?>
+<p:sld xmlns:a="http://schemas.openxmlformats.org/drawingml/2006/main" xmlns:r="http://schemas.openxmlformats.org/officeDocument/2006/relationships" xmlns:p="http://schemas.openxmlformats.org/presentationml/2006/main">
+  <p:cSld>
+    <p:spTree>
+      <p:nvGrpSpPr>
+        <p:cNvPr id="1" name=""/>
+        <p:cNvGrpSpPr/>
+        <p:nvPr/>
+      </p:nvGrpSpPr>
+      <p:grpSpPr>
+        <a:xfrm>
+          <a:off x="0" y="0"/>
+          <a:ext cx="0" cy="0"/>
+          <a:chOff x="0" y="0"/>
+          <a:chExt cx="0" cy="0"/>
+        </a:xfrm>
+      </p:grpSpPr>
+      <p:sp>
+        <p:nvSpPr>
+          <p:cNvPr id="2" name="Title 1"/>
+          <p:cNvSpPr>
+            <a:spLocks noGrp="1"/>
+          </p:cNvSpPr>
+          <p:nvPr>
+            <p:ph type="title"/>
+          </p:nvPr>
+        </p:nvSpPr>
+        <p:spPr/>
+        <p:txBody>
+          <a:bodyPr/>
+          <a:lstStyle/>
+          <a:p>
+            <a:r>
+              <a:rPr lang="en-US" dirty="0" smtClean="0"/>
+              <a:t>Agenda - Day </a:t>
+            </a:r>
+            <a:r>
+              <a:rPr lang="en-US" dirty="0" smtClean="0"/>
+              <a:t>15, 16,17</a:t>
+            </a:r>
+            <a:endParaRPr lang="en-US" dirty="0"/>
+          </a:p>
+        </p:txBody>
+      </p:sp>
+      <p:sp>
+        <p:nvSpPr>
+          <p:cNvPr id="3" name="Content Placeholder 2"/>
+          <p:cNvSpPr>
+            <a:spLocks noGrp="1"/>
+          </p:cNvSpPr>
+          <p:nvPr>
+            <p:ph idx="1"/>
+          </p:nvPr>
+        </p:nvSpPr>
+        <p:spPr/>
+        <p:txBody>
+          <a:bodyPr>
+            <a:normAutofit fontScale="92500" lnSpcReduction="20000"/>
+          </a:bodyPr>
+          <a:lstStyle/>
+          <a:p>
+            <a:pPr lvl="1">
+              <a:buFont typeface="Arial" panose="020B0604020202020204" pitchFamily="34" charset="0"/>
+              <a:buChar char="•"/>
+            </a:pPr>
+            <a:r>
+              <a:rPr lang="en-US" dirty="0" smtClean="0"/>
+              <a:t>Day 14  Recap &amp; </a:t>
+            </a:r>
+            <a:r>
+              <a:rPr lang="en-US" dirty="0" err="1" smtClean="0"/>
+              <a:t>QnA</a:t>
+            </a:r>
+            <a:endParaRPr lang="en-US" dirty="0" smtClean="0"/>
+          </a:p>
+          <a:p>
+            <a:pPr lvl="1">
+              <a:buFont typeface="Arial" panose="020B0604020202020204" pitchFamily="34" charset="0"/>
+              <a:buChar char="•"/>
+            </a:pPr>
+            <a:endParaRPr lang="en-US" dirty="0" smtClean="0"/>
+          </a:p>
+          <a:p>
+            <a:pPr lvl="1">
+              <a:buFont typeface="Arial" panose="020B0604020202020204" pitchFamily="34" charset="0"/>
+              <a:buChar char="•"/>
+            </a:pPr>
+            <a:r>
+              <a:rPr lang="en-US" dirty="0" smtClean="0"/>
+              <a:t>Security Requirements in Kafka</a:t>
+            </a:r>
+          </a:p>
+          <a:p>
+            <a:pPr lvl="1">
+              <a:buFont typeface="Arial" panose="020B0604020202020204" pitchFamily="34" charset="0"/>
+              <a:buChar char="•"/>
+            </a:pPr>
+            <a:endParaRPr lang="en-US" dirty="0" smtClean="0"/>
+          </a:p>
+          <a:p>
+            <a:pPr lvl="1">
+              <a:buFont typeface="Arial" panose="020B0604020202020204" pitchFamily="34" charset="0"/>
+              <a:buChar char="•"/>
+            </a:pPr>
+            <a:r>
+              <a:rPr lang="en-US" dirty="0" smtClean="0"/>
+              <a:t>Authentication and Authorization</a:t>
+            </a:r>
+            <a:endParaRPr lang="en-US" dirty="0"/>
+          </a:p>
+          <a:p>
+            <a:pPr lvl="1">
+              <a:buFont typeface="Arial" panose="020B0604020202020204" pitchFamily="34" charset="0"/>
+              <a:buChar char="•"/>
+            </a:pPr>
+            <a:endParaRPr lang="en-US" dirty="0" smtClean="0"/>
+          </a:p>
+          <a:p>
+            <a:pPr lvl="1">
+              <a:buFont typeface="Arial" panose="020B0604020202020204" pitchFamily="34" charset="0"/>
+              <a:buChar char="•"/>
+            </a:pPr>
+            <a:r>
+              <a:rPr lang="en-US" dirty="0" smtClean="0"/>
+              <a:t>SSL in Kafka Architecture</a:t>
+            </a:r>
+          </a:p>
+          <a:p>
+            <a:pPr lvl="1">
+              <a:buFont typeface="Arial" panose="020B0604020202020204" pitchFamily="34" charset="0"/>
+              <a:buChar char="•"/>
+            </a:pPr>
+            <a:endParaRPr lang="en-US" dirty="0" smtClean="0"/>
+          </a:p>
+          <a:p>
+            <a:pPr lvl="1">
+              <a:buFont typeface="Arial" panose="020B0604020202020204" pitchFamily="34" charset="0"/>
+              <a:buChar char="•"/>
+            </a:pPr>
+            <a:r>
+              <a:rPr lang="en-US" dirty="0" smtClean="0"/>
+              <a:t>Configure SSL in Server and Client</a:t>
+            </a:r>
+          </a:p>
+          <a:p>
+            <a:pPr lvl="1">
+              <a:buFont typeface="Arial" panose="020B0604020202020204" pitchFamily="34" charset="0"/>
+              <a:buChar char="•"/>
+            </a:pPr>
+            <a:endParaRPr lang="en-US" dirty="0" smtClean="0"/>
+          </a:p>
+          <a:p>
+            <a:pPr lvl="1">
+              <a:buFont typeface="Arial" panose="020B0604020202020204" pitchFamily="34" charset="0"/>
+              <a:buChar char="•"/>
+            </a:pPr>
+            <a:r>
+              <a:rPr lang="en-US" dirty="0" smtClean="0"/>
+              <a:t>DIY Exercises</a:t>
+            </a:r>
+          </a:p>
+        </p:txBody>
+      </p:sp>
+    </p:spTree>
+    <p:extLst>
+      <p:ext uri="{BB962C8B-B14F-4D97-AF65-F5344CB8AC3E}">
+        <p14:creationId xmlns:p14="http://schemas.microsoft.com/office/powerpoint/2010/main" val="407153651"/>
+      </p:ext>
+    </p:extLst>
+  </p:cSld>
+  <p:clrMapOvr>
+    <a:masterClrMapping/>
+  </p:clrMapOvr>
+  <p:timing>
+    <p:tnLst>
+      <p:par>
+        <p:cTn id="1" dur="indefinite" restart="never" nodeType="tmRoot"/>
+      </p:par>
+    </p:tnLst>
+  </p:timing>
+</p:sld>
+</file>
+
+<file path=ppt/slides/slide67.xml><?xml version="1.0" encoding="utf-8"?>
+<p:sld xmlns:a="http://schemas.openxmlformats.org/drawingml/2006/main" xmlns:r="http://schemas.openxmlformats.org/officeDocument/2006/relationships" xmlns:p="http://schemas.openxmlformats.org/presentationml/2006/main">
+  <p:cSld>
+    <p:spTree>
+      <p:nvGrpSpPr>
+        <p:cNvPr id="1" name=""/>
+        <p:cNvGrpSpPr/>
+        <p:nvPr/>
+      </p:nvGrpSpPr>
+      <p:grpSpPr>
+        <a:xfrm>
+          <a:off x="0" y="0"/>
+          <a:ext cx="0" cy="0"/>
+          <a:chOff x="0" y="0"/>
+          <a:chExt cx="0" cy="0"/>
+        </a:xfrm>
+      </p:grpSpPr>
+      <p:sp>
+        <p:nvSpPr>
+          <p:cNvPr id="2" name="Title 1"/>
+          <p:cNvSpPr>
+            <a:spLocks noGrp="1"/>
+          </p:cNvSpPr>
+          <p:nvPr>
+            <p:ph type="title"/>
+          </p:nvPr>
+        </p:nvSpPr>
+        <p:spPr/>
+        <p:txBody>
+          <a:bodyPr>
+            <a:noAutofit/>
+          </a:bodyPr>
+          <a:lstStyle/>
+          <a:p>
+            <a:pPr lvl="1" algn="ctr" rtl="0">
+              <a:spcBef>
+                <a:spcPct val="0"/>
+              </a:spcBef>
+            </a:pPr>
+            <a:r>
+              <a:rPr lang="en-US" sz="3200" dirty="0" smtClean="0"/>
+              <a:t>Encryption Authentication &amp; Authorization</a:t>
+            </a:r>
+            <a:r>
+              <a:rPr lang="en-US" sz="3200" dirty="0" smtClean="0"/>
+              <a:t/>
+            </a:r>
+            <a:br>
+              <a:rPr lang="en-US" sz="3200" dirty="0" smtClean="0"/>
+            </a:br>
+            <a:r>
+              <a:rPr lang="en-US" sz="3200" dirty="0" smtClean="0"/>
+              <a:t>- Day </a:t>
+            </a:r>
+            <a:r>
+              <a:rPr lang="en-US" sz="3200" dirty="0" smtClean="0"/>
+              <a:t>15,16,17</a:t>
+            </a:r>
+            <a:endParaRPr lang="en-US" sz="3200" dirty="0"/>
+          </a:p>
+        </p:txBody>
+      </p:sp>
+      <p:sp>
+        <p:nvSpPr>
+          <p:cNvPr id="3" name="Content Placeholder 2"/>
+          <p:cNvSpPr>
+            <a:spLocks noGrp="1"/>
+          </p:cNvSpPr>
+          <p:nvPr>
+            <p:ph idx="1"/>
+          </p:nvPr>
+        </p:nvSpPr>
+        <p:spPr/>
+        <p:txBody>
+          <a:bodyPr>
+            <a:normAutofit lnSpcReduction="10000"/>
+          </a:bodyPr>
+          <a:lstStyle/>
+          <a:p>
+            <a:pPr lvl="1">
+              <a:buFont typeface="Arial" panose="020B0604020202020204" pitchFamily="34" charset="0"/>
+              <a:buChar char="•"/>
+            </a:pPr>
+            <a:r>
+              <a:rPr lang="en-US" dirty="0" smtClean="0"/>
+              <a:t>Encryption</a:t>
+            </a:r>
+          </a:p>
+          <a:p>
+            <a:pPr marL="457200" lvl="1" indent="0">
+              <a:buNone/>
+            </a:pPr>
+            <a:r>
+              <a:rPr lang="en-US" sz="2000" dirty="0" smtClean="0"/>
+              <a:t>Converting a human readable plain text into incomprehensible text which is known a cipher text</a:t>
+            </a:r>
+          </a:p>
+          <a:p>
+            <a:pPr lvl="1">
+              <a:buFont typeface="Arial" panose="020B0604020202020204" pitchFamily="34" charset="0"/>
+              <a:buChar char="•"/>
+            </a:pPr>
+            <a:endParaRPr lang="en-US" dirty="0"/>
+          </a:p>
+          <a:p>
+            <a:pPr lvl="1">
+              <a:buFont typeface="Arial" panose="020B0604020202020204" pitchFamily="34" charset="0"/>
+              <a:buChar char="•"/>
+            </a:pPr>
+            <a:r>
+              <a:rPr lang="en-US" dirty="0" smtClean="0"/>
+              <a:t>Authentication</a:t>
+            </a:r>
+          </a:p>
+          <a:p>
+            <a:pPr marL="457200" lvl="1" indent="0">
+              <a:buNone/>
+            </a:pPr>
+            <a:r>
+              <a:rPr lang="en-US" sz="2000" dirty="0"/>
+              <a:t>Authentication is the process of proving the identity (of Client to Server and vice versa)</a:t>
+            </a:r>
+          </a:p>
+          <a:p>
+            <a:pPr lvl="1">
+              <a:buFont typeface="Arial" panose="020B0604020202020204" pitchFamily="34" charset="0"/>
+              <a:buChar char="•"/>
+            </a:pPr>
+            <a:endParaRPr lang="en-US" dirty="0" smtClean="0"/>
+          </a:p>
+          <a:p>
+            <a:pPr lvl="1">
+              <a:buFont typeface="Arial" panose="020B0604020202020204" pitchFamily="34" charset="0"/>
+              <a:buChar char="•"/>
+            </a:pPr>
+            <a:r>
+              <a:rPr lang="en-US" dirty="0" smtClean="0"/>
+              <a:t>Authorization</a:t>
+            </a:r>
+          </a:p>
+          <a:p>
+            <a:pPr marL="457200" lvl="1" indent="0">
+              <a:buNone/>
+            </a:pPr>
+            <a:r>
+              <a:rPr lang="en-US" sz="2100" dirty="0"/>
+              <a:t>Authorization is the process of defining the permissions to the Authenticated users, on the System in context</a:t>
+            </a:r>
+          </a:p>
+          <a:p>
+            <a:pPr lvl="1">
+              <a:buFont typeface="Arial" panose="020B0604020202020204" pitchFamily="34" charset="0"/>
+              <a:buChar char="•"/>
+            </a:pPr>
+            <a:endParaRPr lang="en-US" dirty="0" smtClean="0"/>
+          </a:p>
+          <a:p>
+            <a:pPr lvl="1">
+              <a:buFont typeface="Arial" panose="020B0604020202020204" pitchFamily="34" charset="0"/>
+              <a:buChar char="•"/>
+            </a:pPr>
+            <a:endParaRPr lang="en-US" dirty="0" smtClean="0"/>
+          </a:p>
+        </p:txBody>
+      </p:sp>
+    </p:spTree>
+    <p:extLst>
+      <p:ext uri="{BB962C8B-B14F-4D97-AF65-F5344CB8AC3E}">
+        <p14:creationId xmlns:p14="http://schemas.microsoft.com/office/powerpoint/2010/main" val="1670053484"/>
+      </p:ext>
+    </p:extLst>
+  </p:cSld>
+  <p:clrMapOvr>
+    <a:masterClrMapping/>
+  </p:clrMapOvr>
+  <p:timing>
+    <p:tnLst>
+      <p:par>
+        <p:cTn id="1" dur="indefinite" restart="never" nodeType="tmRoot"/>
+      </p:par>
+    </p:tnLst>
+  </p:timing>
+</p:sld>
+</file>
+
+<file path=ppt/slides/slide68.xml><?xml version="1.0" encoding="utf-8"?>
+<p:sld xmlns:a="http://schemas.openxmlformats.org/drawingml/2006/main" xmlns:r="http://schemas.openxmlformats.org/officeDocument/2006/relationships" xmlns:p="http://schemas.openxmlformats.org/presentationml/2006/main">
+  <p:cSld>
+    <p:spTree>
+      <p:nvGrpSpPr>
+        <p:cNvPr id="1" name=""/>
+        <p:cNvGrpSpPr/>
+        <p:nvPr/>
+      </p:nvGrpSpPr>
+      <p:grpSpPr>
+        <a:xfrm>
+          <a:off x="0" y="0"/>
+          <a:ext cx="0" cy="0"/>
+          <a:chOff x="0" y="0"/>
+          <a:chExt cx="0" cy="0"/>
+        </a:xfrm>
+      </p:grpSpPr>
+      <p:sp>
+        <p:nvSpPr>
+          <p:cNvPr id="2" name="Title 1"/>
+          <p:cNvSpPr>
+            <a:spLocks noGrp="1"/>
+          </p:cNvSpPr>
+          <p:nvPr>
+            <p:ph type="title"/>
+          </p:nvPr>
+        </p:nvSpPr>
+        <p:spPr/>
+        <p:txBody>
+          <a:bodyPr>
+            <a:noAutofit/>
+          </a:bodyPr>
+          <a:lstStyle/>
+          <a:p>
+            <a:pPr lvl="1" algn="ctr" rtl="0">
+              <a:spcBef>
+                <a:spcPct val="0"/>
+              </a:spcBef>
+            </a:pPr>
+            <a:r>
+              <a:rPr lang="en-US" sz="3200" dirty="0" smtClean="0"/>
+              <a:t>Kafka Security Protocols – </a:t>
+            </a:r>
+            <a:r>
+              <a:rPr lang="en-US" sz="3200" smtClean="0"/>
+              <a:t>Day 15,16,17</a:t>
+            </a:r>
+            <a:endParaRPr lang="en-US" sz="3200" dirty="0"/>
+          </a:p>
+        </p:txBody>
+      </p:sp>
+      <p:sp>
+        <p:nvSpPr>
+          <p:cNvPr id="3" name="Content Placeholder 2"/>
+          <p:cNvSpPr>
+            <a:spLocks noGrp="1"/>
+          </p:cNvSpPr>
+          <p:nvPr>
+            <p:ph idx="1"/>
+          </p:nvPr>
+        </p:nvSpPr>
+        <p:spPr/>
+        <p:txBody>
+          <a:bodyPr>
+            <a:normAutofit/>
+          </a:bodyPr>
+          <a:lstStyle/>
+          <a:p>
+            <a:pPr lvl="1">
+              <a:buFont typeface="Arial" panose="020B0604020202020204" pitchFamily="34" charset="0"/>
+              <a:buChar char="•"/>
+            </a:pPr>
+            <a:endParaRPr lang="en-US" dirty="0"/>
+          </a:p>
+          <a:p>
+            <a:pPr lvl="1">
+              <a:buFont typeface="Arial" panose="020B0604020202020204" pitchFamily="34" charset="0"/>
+              <a:buChar char="•"/>
+            </a:pPr>
+            <a:r>
+              <a:rPr lang="en-US" dirty="0" smtClean="0"/>
+              <a:t>SSL - </a:t>
+            </a:r>
+            <a:r>
+              <a:rPr lang="en-US" dirty="0" smtClean="0"/>
+              <a:t>Secured </a:t>
+            </a:r>
+            <a:r>
+              <a:rPr lang="en-US" dirty="0"/>
+              <a:t>Sockets Layer/TLS (Transport Layer </a:t>
+            </a:r>
+            <a:r>
+              <a:rPr lang="en-US" dirty="0" smtClean="0"/>
+              <a:t>Security)</a:t>
+            </a:r>
+            <a:endParaRPr lang="en-US" dirty="0"/>
+          </a:p>
+          <a:p>
+            <a:pPr lvl="1">
+              <a:buFont typeface="Arial" panose="020B0604020202020204" pitchFamily="34" charset="0"/>
+              <a:buChar char="•"/>
+            </a:pPr>
+            <a:endParaRPr lang="en-US" dirty="0"/>
+          </a:p>
+          <a:p>
+            <a:pPr lvl="1">
+              <a:buFont typeface="Arial" panose="020B0604020202020204" pitchFamily="34" charset="0"/>
+              <a:buChar char="•"/>
+            </a:pPr>
+            <a:r>
+              <a:rPr lang="en-US" dirty="0" smtClean="0"/>
+              <a:t>SASL</a:t>
+            </a:r>
+            <a:r>
+              <a:rPr lang="en-US" sz="2100" dirty="0" smtClean="0"/>
+              <a:t> - </a:t>
+            </a:r>
+            <a:r>
+              <a:rPr lang="en-US" dirty="0" smtClean="0"/>
+              <a:t>Simple Authentication and Security Layer</a:t>
+            </a:r>
+          </a:p>
+          <a:p>
+            <a:pPr lvl="1">
+              <a:buFont typeface="Arial" panose="020B0604020202020204" pitchFamily="34" charset="0"/>
+              <a:buChar char="•"/>
+            </a:pPr>
+            <a:endParaRPr lang="en-US" dirty="0"/>
+          </a:p>
+          <a:p>
+            <a:pPr marL="457200" lvl="1" indent="0">
+              <a:buNone/>
+            </a:pPr>
+            <a:r>
+              <a:rPr lang="en-US" dirty="0" smtClean="0"/>
+              <a:t>Refer Draw.io</a:t>
+            </a:r>
+            <a:endParaRPr lang="en-US" dirty="0" smtClean="0"/>
+          </a:p>
+          <a:p>
+            <a:pPr lvl="1">
+              <a:buFont typeface="Arial" panose="020B0604020202020204" pitchFamily="34" charset="0"/>
+              <a:buChar char="•"/>
+            </a:pPr>
+            <a:endParaRPr lang="en-US" dirty="0" smtClean="0"/>
+          </a:p>
+        </p:txBody>
+      </p:sp>
+    </p:spTree>
+    <p:extLst>
+      <p:ext uri="{BB962C8B-B14F-4D97-AF65-F5344CB8AC3E}">
+        <p14:creationId xmlns:p14="http://schemas.microsoft.com/office/powerpoint/2010/main" val="517835703"/>
+      </p:ext>
+    </p:extLst>
+  </p:cSld>
+  <p:clrMapOvr>
+    <a:masterClrMapping/>
+  </p:clrMapOvr>
+  <p:timing>
+    <p:tnLst>
+      <p:par>
+        <p:cTn id="1" dur="indefinite" restart="never" nodeType="tmRoot"/>
+      </p:par>
+    </p:tnLst>
+  </p:timing>
+</p:sld>
+</file>
+
+<file path=ppt/slides/slide69.xml><?xml version="1.0" encoding="utf-8"?>
+<p:sld xmlns:a="http://schemas.openxmlformats.org/drawingml/2006/main" xmlns:r="http://schemas.openxmlformats.org/officeDocument/2006/relationships" xmlns:p="http://schemas.openxmlformats.org/presentationml/2006/main">
+  <p:cSld>
+    <p:spTree>
+      <p:nvGrpSpPr>
+        <p:cNvPr id="1" name=""/>
+        <p:cNvGrpSpPr/>
+        <p:nvPr/>
+      </p:nvGrpSpPr>
+      <p:grpSpPr>
+        <a:xfrm>
+          <a:off x="0" y="0"/>
+          <a:ext cx="0" cy="0"/>
+          <a:chOff x="0" y="0"/>
+          <a:chExt cx="0" cy="0"/>
+        </a:xfrm>
+      </p:grpSpPr>
+      <p:sp>
+        <p:nvSpPr>
+          <p:cNvPr id="2" name="Title 1"/>
+          <p:cNvSpPr>
+            <a:spLocks noGrp="1"/>
+          </p:cNvSpPr>
+          <p:nvPr>
+            <p:ph type="title"/>
+          </p:nvPr>
+        </p:nvSpPr>
+        <p:spPr/>
+        <p:txBody>
+          <a:bodyPr>
+            <a:noAutofit/>
+          </a:bodyPr>
+          <a:lstStyle/>
+          <a:p>
+            <a:pPr lvl="1" algn="ctr" rtl="0">
+              <a:spcBef>
+                <a:spcPct val="0"/>
+              </a:spcBef>
+            </a:pPr>
+            <a:r>
+              <a:rPr lang="en-US" sz="3200" dirty="0" smtClean="0"/>
+              <a:t>SSL in Kafka Architecture</a:t>
+            </a:r>
+            <a:r>
+              <a:rPr lang="en-US" sz="3200" dirty="0"/>
+              <a:t> </a:t>
+            </a:r>
+            <a:r>
+              <a:rPr lang="en-US" sz="3200" dirty="0" smtClean="0"/>
+              <a:t>- </a:t>
+            </a:r>
+            <a:r>
+              <a:rPr lang="en-US" sz="3200" dirty="0" smtClean="0"/>
+              <a:t>Day 15</a:t>
+            </a:r>
+            <a:endParaRPr lang="en-US" sz="3200" dirty="0"/>
+          </a:p>
+        </p:txBody>
+      </p:sp>
+      <p:sp>
+        <p:nvSpPr>
+          <p:cNvPr id="3" name="Content Placeholder 2"/>
+          <p:cNvSpPr>
+            <a:spLocks noGrp="1"/>
+          </p:cNvSpPr>
+          <p:nvPr>
+            <p:ph idx="1"/>
+          </p:nvPr>
+        </p:nvSpPr>
+        <p:spPr/>
+        <p:txBody>
+          <a:bodyPr>
+            <a:normAutofit lnSpcReduction="10000"/>
+          </a:bodyPr>
+          <a:lstStyle/>
+          <a:p>
+            <a:pPr lvl="1">
+              <a:buFont typeface="Arial" panose="020B0604020202020204" pitchFamily="34" charset="0"/>
+              <a:buChar char="•"/>
+            </a:pPr>
+            <a:r>
+              <a:rPr lang="en-US" dirty="0" smtClean="0"/>
+              <a:t>Encryption</a:t>
+            </a:r>
+          </a:p>
+          <a:p>
+            <a:pPr marL="457200" lvl="1" indent="0">
+              <a:buNone/>
+            </a:pPr>
+            <a:r>
+              <a:rPr lang="en-US" sz="2000" dirty="0" smtClean="0"/>
+              <a:t>Converting a human readable plain text into incomprehensible text which is known a cipher text</a:t>
+            </a:r>
+          </a:p>
+          <a:p>
+            <a:pPr lvl="1">
+              <a:buFont typeface="Arial" panose="020B0604020202020204" pitchFamily="34" charset="0"/>
+              <a:buChar char="•"/>
+            </a:pPr>
+            <a:endParaRPr lang="en-US" dirty="0"/>
+          </a:p>
+          <a:p>
+            <a:pPr lvl="1">
+              <a:buFont typeface="Arial" panose="020B0604020202020204" pitchFamily="34" charset="0"/>
+              <a:buChar char="•"/>
+            </a:pPr>
+            <a:r>
+              <a:rPr lang="en-US" dirty="0" smtClean="0"/>
+              <a:t>Authentication</a:t>
+            </a:r>
+          </a:p>
+          <a:p>
+            <a:pPr marL="457200" lvl="1" indent="0">
+              <a:buNone/>
+            </a:pPr>
+            <a:r>
+              <a:rPr lang="en-US" sz="2000" dirty="0"/>
+              <a:t>Authentication is the process of proving the identity (of Client to Server and vice versa)</a:t>
+            </a:r>
+          </a:p>
+          <a:p>
+            <a:pPr lvl="1">
+              <a:buFont typeface="Arial" panose="020B0604020202020204" pitchFamily="34" charset="0"/>
+              <a:buChar char="•"/>
+            </a:pPr>
+            <a:endParaRPr lang="en-US" dirty="0" smtClean="0"/>
+          </a:p>
+          <a:p>
+            <a:pPr lvl="1">
+              <a:buFont typeface="Arial" panose="020B0604020202020204" pitchFamily="34" charset="0"/>
+              <a:buChar char="•"/>
+            </a:pPr>
+            <a:r>
+              <a:rPr lang="en-US" dirty="0" smtClean="0"/>
+              <a:t>Authorization</a:t>
+            </a:r>
+          </a:p>
+          <a:p>
+            <a:pPr marL="457200" lvl="1" indent="0">
+              <a:buNone/>
+            </a:pPr>
+            <a:r>
+              <a:rPr lang="en-US" sz="2100" dirty="0"/>
+              <a:t>Authorization is the process of defining the permissions to the Authenticated users, on the System in context</a:t>
+            </a:r>
+          </a:p>
+          <a:p>
+            <a:pPr lvl="1">
+              <a:buFont typeface="Arial" panose="020B0604020202020204" pitchFamily="34" charset="0"/>
+              <a:buChar char="•"/>
+            </a:pPr>
+            <a:endParaRPr lang="en-US" dirty="0" smtClean="0"/>
+          </a:p>
+          <a:p>
+            <a:pPr lvl="1">
+              <a:buFont typeface="Arial" panose="020B0604020202020204" pitchFamily="34" charset="0"/>
+              <a:buChar char="•"/>
+            </a:pPr>
+            <a:endParaRPr lang="en-US" dirty="0" smtClean="0"/>
+          </a:p>
+        </p:txBody>
+      </p:sp>
+    </p:spTree>
+    <p:extLst>
+      <p:ext uri="{BB962C8B-B14F-4D97-AF65-F5344CB8AC3E}">
+        <p14:creationId xmlns:p14="http://schemas.microsoft.com/office/powerpoint/2010/main" val="2312170629"/>
       </p:ext>
     </p:extLst>
   </p:cSld>
@@ -13379,6 +14215,388 @@
     <p:extLst>
       <p:ext uri="{BB962C8B-B14F-4D97-AF65-F5344CB8AC3E}">
         <p14:creationId xmlns:p14="http://schemas.microsoft.com/office/powerpoint/2010/main" val="3293312908"/>
+      </p:ext>
+    </p:extLst>
+  </p:cSld>
+  <p:clrMapOvr>
+    <a:masterClrMapping/>
+  </p:clrMapOvr>
+  <p:timing>
+    <p:tnLst>
+      <p:par>
+        <p:cTn id="1" dur="indefinite" restart="never" nodeType="tmRoot"/>
+      </p:par>
+    </p:tnLst>
+  </p:timing>
+</p:sld>
+</file>
+
+<file path=ppt/slides/slide70.xml><?xml version="1.0" encoding="utf-8"?>
+<p:sld xmlns:a="http://schemas.openxmlformats.org/drawingml/2006/main" xmlns:r="http://schemas.openxmlformats.org/officeDocument/2006/relationships" xmlns:p="http://schemas.openxmlformats.org/presentationml/2006/main">
+  <p:cSld>
+    <p:spTree>
+      <p:nvGrpSpPr>
+        <p:cNvPr id="1" name=""/>
+        <p:cNvGrpSpPr/>
+        <p:nvPr/>
+      </p:nvGrpSpPr>
+      <p:grpSpPr>
+        <a:xfrm>
+          <a:off x="0" y="0"/>
+          <a:ext cx="0" cy="0"/>
+          <a:chOff x="0" y="0"/>
+          <a:chExt cx="0" cy="0"/>
+        </a:xfrm>
+      </p:grpSpPr>
+      <p:sp>
+        <p:nvSpPr>
+          <p:cNvPr id="2" name="Title 1"/>
+          <p:cNvSpPr>
+            <a:spLocks noGrp="1"/>
+          </p:cNvSpPr>
+          <p:nvPr>
+            <p:ph type="title"/>
+          </p:nvPr>
+        </p:nvSpPr>
+        <p:spPr/>
+        <p:txBody>
+          <a:bodyPr>
+            <a:noAutofit/>
+          </a:bodyPr>
+          <a:lstStyle/>
+          <a:p>
+            <a:pPr lvl="1" algn="ctr" rtl="0">
+              <a:spcBef>
+                <a:spcPct val="0"/>
+              </a:spcBef>
+            </a:pPr>
+            <a:r>
+              <a:rPr lang="en-US" sz="3200" dirty="0" smtClean="0"/>
+              <a:t>Configure SSL in Server and Client</a:t>
+            </a:r>
+            <a:br>
+              <a:rPr lang="en-US" sz="3200" dirty="0" smtClean="0"/>
+            </a:br>
+            <a:r>
+              <a:rPr lang="en-US" sz="3200" dirty="0" smtClean="0"/>
+              <a:t>- Day 15</a:t>
+            </a:r>
+            <a:endParaRPr lang="en-US" sz="3200" dirty="0"/>
+          </a:p>
+        </p:txBody>
+      </p:sp>
+      <p:sp>
+        <p:nvSpPr>
+          <p:cNvPr id="3" name="Content Placeholder 2"/>
+          <p:cNvSpPr>
+            <a:spLocks noGrp="1"/>
+          </p:cNvSpPr>
+          <p:nvPr>
+            <p:ph idx="1"/>
+          </p:nvPr>
+        </p:nvSpPr>
+        <p:spPr/>
+        <p:txBody>
+          <a:bodyPr>
+            <a:normAutofit fontScale="55000" lnSpcReduction="20000"/>
+          </a:bodyPr>
+          <a:lstStyle/>
+          <a:p>
+            <a:pPr lvl="1">
+              <a:buFont typeface="Arial" panose="020B0604020202020204" pitchFamily="34" charset="0"/>
+              <a:buChar char="•"/>
+            </a:pPr>
+            <a:r>
+              <a:rPr lang="en-US" dirty="0" smtClean="0"/>
+              <a:t>Generate Server </a:t>
+            </a:r>
+            <a:r>
+              <a:rPr lang="en-US" dirty="0" err="1" smtClean="0"/>
+              <a:t>Keystore</a:t>
+            </a:r>
+            <a:endParaRPr lang="en-US" dirty="0" smtClean="0"/>
+          </a:p>
+          <a:p>
+            <a:pPr lvl="1">
+              <a:buFont typeface="Arial" panose="020B0604020202020204" pitchFamily="34" charset="0"/>
+              <a:buChar char="•"/>
+            </a:pPr>
+            <a:endParaRPr lang="en-US" dirty="0" smtClean="0"/>
+          </a:p>
+          <a:p>
+            <a:pPr lvl="1">
+              <a:buFont typeface="Arial" panose="020B0604020202020204" pitchFamily="34" charset="0"/>
+              <a:buChar char="•"/>
+            </a:pPr>
+            <a:r>
+              <a:rPr lang="en-US" dirty="0" smtClean="0"/>
+              <a:t>Setup Local CA</a:t>
+            </a:r>
+          </a:p>
+          <a:p>
+            <a:pPr lvl="1">
+              <a:buFont typeface="Arial" panose="020B0604020202020204" pitchFamily="34" charset="0"/>
+              <a:buChar char="•"/>
+            </a:pPr>
+            <a:endParaRPr lang="en-US" dirty="0" smtClean="0"/>
+          </a:p>
+          <a:p>
+            <a:pPr lvl="1">
+              <a:buFont typeface="Arial" panose="020B0604020202020204" pitchFamily="34" charset="0"/>
+              <a:buChar char="•"/>
+            </a:pPr>
+            <a:r>
+              <a:rPr lang="en-US" dirty="0" smtClean="0"/>
+              <a:t>Create CSR(Certificate Signing Request)</a:t>
+            </a:r>
+          </a:p>
+          <a:p>
+            <a:pPr lvl="1">
+              <a:buFont typeface="Arial" panose="020B0604020202020204" pitchFamily="34" charset="0"/>
+              <a:buChar char="•"/>
+            </a:pPr>
+            <a:endParaRPr lang="en-US" dirty="0" smtClean="0"/>
+          </a:p>
+          <a:p>
+            <a:pPr lvl="1">
+              <a:buFont typeface="Arial" panose="020B0604020202020204" pitchFamily="34" charset="0"/>
+              <a:buChar char="•"/>
+            </a:pPr>
+            <a:r>
+              <a:rPr lang="en-US" dirty="0" smtClean="0"/>
+              <a:t>Sign the Server Certificate by Local CA</a:t>
+            </a:r>
+          </a:p>
+          <a:p>
+            <a:pPr lvl="1">
+              <a:buFont typeface="Arial" panose="020B0604020202020204" pitchFamily="34" charset="0"/>
+              <a:buChar char="•"/>
+            </a:pPr>
+            <a:endParaRPr lang="en-US" dirty="0" smtClean="0"/>
+          </a:p>
+          <a:p>
+            <a:pPr lvl="1">
+              <a:buFont typeface="Arial" panose="020B0604020202020204" pitchFamily="34" charset="0"/>
+              <a:buChar char="•"/>
+            </a:pPr>
+            <a:r>
+              <a:rPr lang="en-US" dirty="0" smtClean="0"/>
+              <a:t>Add the signed Certificate to Server </a:t>
+            </a:r>
+            <a:r>
+              <a:rPr lang="en-US" dirty="0" err="1" smtClean="0"/>
+              <a:t>Keystore</a:t>
+            </a:r>
+            <a:endParaRPr lang="en-US" dirty="0" smtClean="0"/>
+          </a:p>
+          <a:p>
+            <a:pPr lvl="1">
+              <a:buFont typeface="Arial" panose="020B0604020202020204" pitchFamily="34" charset="0"/>
+              <a:buChar char="•"/>
+            </a:pPr>
+            <a:endParaRPr lang="en-US" dirty="0" smtClean="0"/>
+          </a:p>
+          <a:p>
+            <a:pPr lvl="1">
+              <a:buFont typeface="Arial" panose="020B0604020202020204" pitchFamily="34" charset="0"/>
+              <a:buChar char="•"/>
+            </a:pPr>
+            <a:r>
+              <a:rPr lang="en-US" dirty="0" smtClean="0"/>
+              <a:t>Configure Server Certificate on Kafka Server</a:t>
+            </a:r>
+          </a:p>
+          <a:p>
+            <a:pPr lvl="1">
+              <a:buFont typeface="Arial" panose="020B0604020202020204" pitchFamily="34" charset="0"/>
+              <a:buChar char="•"/>
+            </a:pPr>
+            <a:endParaRPr lang="en-US" dirty="0" smtClean="0"/>
+          </a:p>
+          <a:p>
+            <a:pPr lvl="1">
+              <a:buFont typeface="Arial" panose="020B0604020202020204" pitchFamily="34" charset="0"/>
+              <a:buChar char="•"/>
+            </a:pPr>
+            <a:r>
+              <a:rPr lang="en-US" dirty="0" smtClean="0"/>
+              <a:t>Create Client Trust store</a:t>
+            </a:r>
+          </a:p>
+          <a:p>
+            <a:pPr lvl="1">
+              <a:buFont typeface="Arial" panose="020B0604020202020204" pitchFamily="34" charset="0"/>
+              <a:buChar char="•"/>
+            </a:pPr>
+            <a:endParaRPr lang="en-US" dirty="0" smtClean="0"/>
+          </a:p>
+          <a:p>
+            <a:pPr lvl="1">
+              <a:buFont typeface="Arial" panose="020B0604020202020204" pitchFamily="34" charset="0"/>
+              <a:buChar char="•"/>
+            </a:pPr>
+            <a:r>
+              <a:rPr lang="en-US" dirty="0" smtClean="0"/>
+              <a:t>Add Root Signed Certificate to Client Trust Store</a:t>
+            </a:r>
+          </a:p>
+          <a:p>
+            <a:pPr lvl="1">
+              <a:buFont typeface="Arial" panose="020B0604020202020204" pitchFamily="34" charset="0"/>
+              <a:buChar char="•"/>
+            </a:pPr>
+            <a:endParaRPr lang="en-US" dirty="0" smtClean="0"/>
+          </a:p>
+          <a:p>
+            <a:pPr lvl="1">
+              <a:buFont typeface="Arial" panose="020B0604020202020204" pitchFamily="34" charset="0"/>
+              <a:buChar char="•"/>
+            </a:pPr>
+            <a:r>
+              <a:rPr lang="en-US" dirty="0" smtClean="0"/>
+              <a:t>Configure SSL on Kafka Clients</a:t>
+            </a:r>
+          </a:p>
+          <a:p>
+            <a:pPr lvl="1">
+              <a:buFont typeface="Arial" panose="020B0604020202020204" pitchFamily="34" charset="0"/>
+              <a:buChar char="•"/>
+            </a:pPr>
+            <a:endParaRPr lang="en-US" dirty="0" smtClean="0"/>
+          </a:p>
+        </p:txBody>
+      </p:sp>
+    </p:spTree>
+    <p:extLst>
+      <p:ext uri="{BB962C8B-B14F-4D97-AF65-F5344CB8AC3E}">
+        <p14:creationId xmlns:p14="http://schemas.microsoft.com/office/powerpoint/2010/main" val="2108534002"/>
+      </p:ext>
+    </p:extLst>
+  </p:cSld>
+  <p:clrMapOvr>
+    <a:masterClrMapping/>
+  </p:clrMapOvr>
+  <p:timing>
+    <p:tnLst>
+      <p:par>
+        <p:cTn id="1" dur="indefinite" restart="never" nodeType="tmRoot"/>
+      </p:par>
+    </p:tnLst>
+  </p:timing>
+</p:sld>
+</file>
+
+<file path=ppt/slides/slide71.xml><?xml version="1.0" encoding="utf-8"?>
+<p:sld xmlns:a="http://schemas.openxmlformats.org/drawingml/2006/main" xmlns:r="http://schemas.openxmlformats.org/officeDocument/2006/relationships" xmlns:p="http://schemas.openxmlformats.org/presentationml/2006/main">
+  <p:cSld>
+    <p:spTree>
+      <p:nvGrpSpPr>
+        <p:cNvPr id="1" name=""/>
+        <p:cNvGrpSpPr/>
+        <p:nvPr/>
+      </p:nvGrpSpPr>
+      <p:grpSpPr>
+        <a:xfrm>
+          <a:off x="0" y="0"/>
+          <a:ext cx="0" cy="0"/>
+          <a:chOff x="0" y="0"/>
+          <a:chExt cx="0" cy="0"/>
+        </a:xfrm>
+      </p:grpSpPr>
+      <p:sp>
+        <p:nvSpPr>
+          <p:cNvPr id="2" name="Title 1"/>
+          <p:cNvSpPr>
+            <a:spLocks noGrp="1"/>
+          </p:cNvSpPr>
+          <p:nvPr>
+            <p:ph type="title"/>
+          </p:nvPr>
+        </p:nvSpPr>
+        <p:spPr/>
+        <p:txBody>
+          <a:bodyPr/>
+          <a:lstStyle/>
+          <a:p>
+            <a:r>
+              <a:rPr lang="en-US" dirty="0" smtClean="0"/>
+              <a:t>DIY Exercise - Day 15</a:t>
+            </a:r>
+            <a:endParaRPr lang="en-US" dirty="0"/>
+          </a:p>
+        </p:txBody>
+      </p:sp>
+      <p:sp>
+        <p:nvSpPr>
+          <p:cNvPr id="3" name="Content Placeholder 2"/>
+          <p:cNvSpPr>
+            <a:spLocks noGrp="1"/>
+          </p:cNvSpPr>
+          <p:nvPr>
+            <p:ph idx="1"/>
+          </p:nvPr>
+        </p:nvSpPr>
+        <p:spPr/>
+        <p:txBody>
+          <a:bodyPr>
+            <a:normAutofit/>
+          </a:bodyPr>
+          <a:lstStyle/>
+          <a:p>
+            <a:pPr lvl="1">
+              <a:buFont typeface="Arial" panose="020B0604020202020204" pitchFamily="34" charset="0"/>
+              <a:buChar char="•"/>
+            </a:pPr>
+            <a:endParaRPr lang="en-US" dirty="0" smtClean="0"/>
+          </a:p>
+          <a:p>
+            <a:pPr lvl="1">
+              <a:buFont typeface="Arial" panose="020B0604020202020204" pitchFamily="34" charset="0"/>
+              <a:buChar char="•"/>
+            </a:pPr>
+            <a:endParaRPr lang="en-US" dirty="0"/>
+          </a:p>
+          <a:p>
+            <a:pPr lvl="1">
+              <a:buFont typeface="Arial" panose="020B0604020202020204" pitchFamily="34" charset="0"/>
+              <a:buChar char="•"/>
+            </a:pPr>
+            <a:r>
+              <a:rPr lang="en-US" dirty="0" smtClean="0"/>
+              <a:t>Configure 2 way SSL Encryption and Authentication on your System </a:t>
+            </a:r>
+          </a:p>
+          <a:p>
+            <a:pPr lvl="1">
+              <a:buFont typeface="Arial" panose="020B0604020202020204" pitchFamily="34" charset="0"/>
+              <a:buChar char="•"/>
+            </a:pPr>
+            <a:endParaRPr lang="en-US" dirty="0" smtClean="0"/>
+          </a:p>
+          <a:p>
+            <a:pPr lvl="1">
+              <a:buFont typeface="Arial" panose="020B0604020202020204" pitchFamily="34" charset="0"/>
+              <a:buChar char="•"/>
+            </a:pPr>
+            <a:r>
+              <a:rPr lang="en-US" dirty="0" smtClean="0"/>
+              <a:t>Configure 2 way SSL between Zookeeper and Kafka Servers</a:t>
+            </a:r>
+            <a:endParaRPr lang="en-US" dirty="0" smtClean="0"/>
+          </a:p>
+          <a:p>
+            <a:pPr lvl="1">
+              <a:buFont typeface="Arial" panose="020B0604020202020204" pitchFamily="34" charset="0"/>
+              <a:buChar char="•"/>
+            </a:pPr>
+            <a:endParaRPr lang="en-US" dirty="0" smtClean="0"/>
+          </a:p>
+        </p:txBody>
+      </p:sp>
+    </p:spTree>
+    <p:extLst>
+      <p:ext uri="{BB962C8B-B14F-4D97-AF65-F5344CB8AC3E}">
+        <p14:creationId xmlns:p14="http://schemas.microsoft.com/office/powerpoint/2010/main" val="549754311"/>
       </p:ext>
     </p:extLst>
   </p:cSld>

--- a/PPT/Kafka-Teaching-Flow.pptx
+++ b/PPT/Kafka-Teaching-Flow.pptx
@@ -75,7 +75,11 @@
     <p:sldId id="333" r:id="rId69"/>
     <p:sldId id="332" r:id="rId70"/>
     <p:sldId id="331" r:id="rId71"/>
-    <p:sldId id="329" r:id="rId72"/>
+    <p:sldId id="334" r:id="rId72"/>
+    <p:sldId id="335" r:id="rId73"/>
+    <p:sldId id="336" r:id="rId74"/>
+    <p:sldId id="337" r:id="rId75"/>
+    <p:sldId id="329" r:id="rId76"/>
   </p:sldIdLst>
   <p:sldSz cx="9144000" cy="6858000" type="screen4x3"/>
   <p:notesSz cx="6858000" cy="9144000"/>
@@ -358,7 +362,7 @@
           <a:p>
             <a:fld id="{51149E06-0874-4241-ABF9-BAFA45916F2C}" type="datetimeFigureOut">
               <a:rPr lang="en-US" smtClean="0"/>
-              <a:t>3/10/2023</a:t>
+              <a:t>3/14/2023</a:t>
             </a:fld>
             <a:endParaRPr lang="en-US"/>
           </a:p>
@@ -528,7 +532,7 @@
           <a:p>
             <a:fld id="{51149E06-0874-4241-ABF9-BAFA45916F2C}" type="datetimeFigureOut">
               <a:rPr lang="en-US" smtClean="0"/>
-              <a:t>3/10/2023</a:t>
+              <a:t>3/14/2023</a:t>
             </a:fld>
             <a:endParaRPr lang="en-US"/>
           </a:p>
@@ -708,7 +712,7 @@
           <a:p>
             <a:fld id="{51149E06-0874-4241-ABF9-BAFA45916F2C}" type="datetimeFigureOut">
               <a:rPr lang="en-US" smtClean="0"/>
-              <a:t>3/10/2023</a:t>
+              <a:t>3/14/2023</a:t>
             </a:fld>
             <a:endParaRPr lang="en-US"/>
           </a:p>
@@ -878,7 +882,7 @@
           <a:p>
             <a:fld id="{51149E06-0874-4241-ABF9-BAFA45916F2C}" type="datetimeFigureOut">
               <a:rPr lang="en-US" smtClean="0"/>
-              <a:t>3/10/2023</a:t>
+              <a:t>3/14/2023</a:t>
             </a:fld>
             <a:endParaRPr lang="en-US"/>
           </a:p>
@@ -1124,7 +1128,7 @@
           <a:p>
             <a:fld id="{51149E06-0874-4241-ABF9-BAFA45916F2C}" type="datetimeFigureOut">
               <a:rPr lang="en-US" smtClean="0"/>
-              <a:t>3/10/2023</a:t>
+              <a:t>3/14/2023</a:t>
             </a:fld>
             <a:endParaRPr lang="en-US"/>
           </a:p>
@@ -1412,7 +1416,7 @@
           <a:p>
             <a:fld id="{51149E06-0874-4241-ABF9-BAFA45916F2C}" type="datetimeFigureOut">
               <a:rPr lang="en-US" smtClean="0"/>
-              <a:t>3/10/2023</a:t>
+              <a:t>3/14/2023</a:t>
             </a:fld>
             <a:endParaRPr lang="en-US"/>
           </a:p>
@@ -1834,7 +1838,7 @@
           <a:p>
             <a:fld id="{51149E06-0874-4241-ABF9-BAFA45916F2C}" type="datetimeFigureOut">
               <a:rPr lang="en-US" smtClean="0"/>
-              <a:t>3/10/2023</a:t>
+              <a:t>3/14/2023</a:t>
             </a:fld>
             <a:endParaRPr lang="en-US"/>
           </a:p>
@@ -1952,7 +1956,7 @@
           <a:p>
             <a:fld id="{51149E06-0874-4241-ABF9-BAFA45916F2C}" type="datetimeFigureOut">
               <a:rPr lang="en-US" smtClean="0"/>
-              <a:t>3/10/2023</a:t>
+              <a:t>3/14/2023</a:t>
             </a:fld>
             <a:endParaRPr lang="en-US"/>
           </a:p>
@@ -2047,7 +2051,7 @@
           <a:p>
             <a:fld id="{51149E06-0874-4241-ABF9-BAFA45916F2C}" type="datetimeFigureOut">
               <a:rPr lang="en-US" smtClean="0"/>
-              <a:t>3/10/2023</a:t>
+              <a:t>3/14/2023</a:t>
             </a:fld>
             <a:endParaRPr lang="en-US"/>
           </a:p>
@@ -2324,7 +2328,7 @@
           <a:p>
             <a:fld id="{51149E06-0874-4241-ABF9-BAFA45916F2C}" type="datetimeFigureOut">
               <a:rPr lang="en-US" smtClean="0"/>
-              <a:t>3/10/2023</a:t>
+              <a:t>3/14/2023</a:t>
             </a:fld>
             <a:endParaRPr lang="en-US"/>
           </a:p>
@@ -2577,7 +2581,7 @@
           <a:p>
             <a:fld id="{51149E06-0874-4241-ABF9-BAFA45916F2C}" type="datetimeFigureOut">
               <a:rPr lang="en-US" smtClean="0"/>
-              <a:t>3/10/2023</a:t>
+              <a:t>3/14/2023</a:t>
             </a:fld>
             <a:endParaRPr lang="en-US"/>
           </a:p>
@@ -2790,7 +2794,7 @@
           <a:p>
             <a:fld id="{51149E06-0874-4241-ABF9-BAFA45916F2C}" type="datetimeFigureOut">
               <a:rPr lang="en-US" smtClean="0"/>
-              <a:t>3/10/2023</a:t>
+              <a:t>3/14/2023</a:t>
             </a:fld>
             <a:endParaRPr lang="en-US"/>
           </a:p>
@@ -13170,19 +13174,7 @@
             <a:pPr fontAlgn="ctr"/>
             <a:r>
               <a:rPr lang="en-US" dirty="0" smtClean="0"/>
-              <a:t>Save the messages in the </a:t>
-            </a:r>
-            <a:r>
-              <a:rPr lang="en-US" dirty="0" smtClean="0"/>
-              <a:t>DLT </a:t>
-            </a:r>
-            <a:r>
-              <a:rPr lang="en-US" dirty="0" smtClean="0"/>
-              <a:t>to H2 </a:t>
-            </a:r>
-            <a:r>
-              <a:rPr lang="en-US" dirty="0" smtClean="0"/>
-              <a:t>Database</a:t>
+              <a:t>Save the messages in the DLT to H2 Database</a:t>
             </a:r>
           </a:p>
           <a:p>
@@ -13195,7 +13187,6 @@
               <a:rPr lang="en-US" dirty="0" smtClean="0"/>
               <a:t>Explore Transactions</a:t>
             </a:r>
-            <a:endParaRPr lang="en-US" dirty="0" smtClean="0"/>
           </a:p>
           <a:p>
             <a:pPr lvl="1">
@@ -13286,11 +13277,7 @@
           <a:p>
             <a:r>
               <a:rPr lang="en-US" dirty="0" smtClean="0"/>
-              <a:t>Day </a:t>
-            </a:r>
-            <a:r>
-              <a:rPr lang="en-US" dirty="0" smtClean="0"/>
-              <a:t>15, 16,17</a:t>
+              <a:t>Day 15, 16,17</a:t>
             </a:r>
             <a:endParaRPr lang="en-US" dirty="0"/>
           </a:p>
@@ -13421,11 +13408,7 @@
           <a:p>
             <a:r>
               <a:rPr lang="en-US" dirty="0" smtClean="0"/>
-              <a:t>Agenda - Day </a:t>
-            </a:r>
-            <a:r>
-              <a:rPr lang="en-US" dirty="0" smtClean="0"/>
-              <a:t>15, 16,17</a:t>
+              <a:t>Agenda - Day 15, 16,17</a:t>
             </a:r>
             <a:endParaRPr lang="en-US" dirty="0"/>
           </a:p>
@@ -13613,20 +13596,12 @@
               <a:rPr lang="en-US" sz="3200" dirty="0" smtClean="0"/>
               <a:t>Encryption Authentication &amp; Authorization</a:t>
             </a:r>
-            <a:r>
-              <a:rPr lang="en-US" sz="3200" dirty="0" smtClean="0"/>
-              <a:t/>
-            </a:r>
             <a:br>
               <a:rPr lang="en-US" sz="3200" dirty="0" smtClean="0"/>
             </a:br>
             <a:r>
               <a:rPr lang="en-US" sz="3200" dirty="0" smtClean="0"/>
-              <a:t>- Day </a:t>
-            </a:r>
-            <a:r>
-              <a:rPr lang="en-US" sz="3200" dirty="0" smtClean="0"/>
-              <a:t>15,16,17</a:t>
+              <a:t>- Day 15,16,17</a:t>
             </a:r>
             <a:endParaRPr lang="en-US" sz="3200" dirty="0"/>
           </a:p>
@@ -13796,11 +13771,7 @@
             </a:pPr>
             <a:r>
               <a:rPr lang="en-US" sz="3200" dirty="0" smtClean="0"/>
-              <a:t>Kafka Security Protocols – </a:t>
-            </a:r>
-            <a:r>
-              <a:rPr lang="en-US" sz="3200" smtClean="0"/>
-              <a:t>Day 15,16,17</a:t>
+              <a:t>Kafka Security Protocols – Day 15,16,17</a:t>
             </a:r>
             <a:endParaRPr lang="en-US" sz="3200" dirty="0"/>
           </a:p>
@@ -13836,11 +13807,7 @@
             </a:pPr>
             <a:r>
               <a:rPr lang="en-US" dirty="0" smtClean="0"/>
-              <a:t>SSL - </a:t>
-            </a:r>
-            <a:r>
-              <a:rPr lang="en-US" dirty="0" smtClean="0"/>
-              <a:t>Secured </a:t>
+              <a:t>SSL - Secured </a:t>
             </a:r>
             <a:r>
               <a:rPr lang="en-US" dirty="0"/>
@@ -13892,7 +13859,6 @@
               <a:rPr lang="en-US" dirty="0" smtClean="0"/>
               <a:t>Refer Draw.io</a:t>
             </a:r>
-            <a:endParaRPr lang="en-US" dirty="0" smtClean="0"/>
           </a:p>
           <a:p>
             <a:pPr lvl="1">
@@ -13976,7 +13942,7 @@
             </a:r>
             <a:r>
               <a:rPr lang="en-US" sz="3200" dirty="0" smtClean="0"/>
-              <a:t>Day 15</a:t>
+              <a:t>Day 15,16,17</a:t>
             </a:r>
             <a:endParaRPr lang="en-US" sz="3200" dirty="0"/>
           </a:p>
@@ -14279,7 +14245,11 @@
             </a:br>
             <a:r>
               <a:rPr lang="en-US" sz="3200" dirty="0" smtClean="0"/>
-              <a:t>- Day 15</a:t>
+              <a:t>- </a:t>
+            </a:r>
+            <a:r>
+              <a:rPr lang="en-US" sz="3200" dirty="0" smtClean="0"/>
+              <a:t>Day 15,16,17</a:t>
             </a:r>
             <a:endParaRPr lang="en-US" sz="3200" dirty="0"/>
           </a:p>
@@ -14515,14 +14485,21 @@
         </p:nvSpPr>
         <p:spPr/>
         <p:txBody>
-          <a:bodyPr/>
-          <a:lstStyle/>
-          <a:p>
-            <a:r>
-              <a:rPr lang="en-US" dirty="0" smtClean="0"/>
-              <a:t>DIY Exercise - Day 15</a:t>
-            </a:r>
-            <a:endParaRPr lang="en-US" dirty="0"/>
+          <a:bodyPr>
+            <a:noAutofit/>
+          </a:bodyPr>
+          <a:lstStyle/>
+          <a:p>
+            <a:pPr lvl="1" algn="ctr" rtl="0">
+              <a:spcBef>
+                <a:spcPct val="0"/>
+              </a:spcBef>
+            </a:pPr>
+            <a:r>
+              <a:rPr lang="en-US" sz="3200" dirty="0" smtClean="0"/>
+              <a:t>SASL - Simple Authentication and Security Layer – Day 15,16,17 </a:t>
+            </a:r>
+            <a:endParaRPr lang="en-US" sz="3200" dirty="0"/>
           </a:p>
         </p:txBody>
       </p:sp>
@@ -14543,19 +14520,843 @@
           </a:bodyPr>
           <a:lstStyle/>
           <a:p>
-            <a:pPr lvl="1">
-              <a:buFont typeface="Arial" panose="020B0604020202020204" pitchFamily="34" charset="0"/>
-              <a:buChar char="•"/>
-            </a:pPr>
-            <a:endParaRPr lang="en-US" dirty="0" smtClean="0"/>
-          </a:p>
-          <a:p>
-            <a:pPr lvl="1">
-              <a:buFont typeface="Arial" panose="020B0604020202020204" pitchFamily="34" charset="0"/>
-              <a:buChar char="•"/>
-            </a:pPr>
+            <a:endParaRPr lang="en-US" sz="1800" dirty="0" smtClean="0"/>
+          </a:p>
+          <a:p>
+            <a:endParaRPr lang="en-US" sz="1800" dirty="0" smtClean="0"/>
+          </a:p>
+          <a:p>
+            <a:r>
+              <a:rPr lang="en-US" sz="1800" dirty="0" smtClean="0"/>
+              <a:t>SASL </a:t>
+            </a:r>
+            <a:r>
+              <a:rPr lang="en-US" sz="1800" dirty="0"/>
+              <a:t>(Simple Authentication Security Layer) is a framework that provides developers of applications and shared libraries with mechanisms for authentication, data integrity-checking, and encryption</a:t>
+            </a:r>
+            <a:r>
+              <a:rPr lang="en-US" sz="1800" dirty="0" smtClean="0"/>
+              <a:t>.</a:t>
+            </a:r>
+          </a:p>
+          <a:p>
+            <a:endParaRPr lang="en-US" sz="1800" dirty="0" smtClean="0"/>
+          </a:p>
+          <a:p>
+            <a:r>
+              <a:rPr lang="en-US" sz="1800" dirty="0" smtClean="0"/>
+              <a:t>Clients using  SSL Authentication, would need the Certificates deployment overhead. Thus a Simple mechanisms such as username/password, </a:t>
+            </a:r>
+            <a:r>
+              <a:rPr lang="en-US" sz="1800" dirty="0" err="1" smtClean="0"/>
+              <a:t>Oauth</a:t>
+            </a:r>
+            <a:r>
+              <a:rPr lang="en-US" sz="1800" dirty="0" smtClean="0"/>
+              <a:t> Tokens etc. can help solve the overhead of SSL. </a:t>
+            </a:r>
+          </a:p>
+          <a:p>
+            <a:endParaRPr lang="en-US" sz="1800" dirty="0"/>
+          </a:p>
+          <a:p>
+            <a:r>
+              <a:rPr lang="en-US" sz="1800" dirty="0" smtClean="0"/>
+              <a:t>SASL is the common framework in Kafka to implement such Authentication Mechanisms.</a:t>
+            </a:r>
+          </a:p>
+          <a:p>
+            <a:endParaRPr lang="en-US" sz="1800" dirty="0" smtClean="0"/>
+          </a:p>
+          <a:p>
+            <a:endParaRPr lang="en-US" dirty="0" smtClean="0"/>
+          </a:p>
+          <a:p>
+            <a:pPr lvl="1">
+              <a:buFont typeface="Arial" panose="020B0604020202020204" pitchFamily="34" charset="0"/>
+              <a:buChar char="•"/>
+            </a:pPr>
+            <a:endParaRPr lang="en-US" dirty="0" smtClean="0"/>
+          </a:p>
+        </p:txBody>
+      </p:sp>
+    </p:spTree>
+    <p:extLst>
+      <p:ext uri="{BB962C8B-B14F-4D97-AF65-F5344CB8AC3E}">
+        <p14:creationId xmlns:p14="http://schemas.microsoft.com/office/powerpoint/2010/main" val="3868211381"/>
+      </p:ext>
+    </p:extLst>
+  </p:cSld>
+  <p:clrMapOvr>
+    <a:masterClrMapping/>
+  </p:clrMapOvr>
+  <p:timing>
+    <p:tnLst>
+      <p:par>
+        <p:cTn id="1" dur="indefinite" restart="never" nodeType="tmRoot"/>
+      </p:par>
+    </p:tnLst>
+  </p:timing>
+</p:sld>
+</file>
+
+<file path=ppt/slides/slide72.xml><?xml version="1.0" encoding="utf-8"?>
+<p:sld xmlns:a="http://schemas.openxmlformats.org/drawingml/2006/main" xmlns:r="http://schemas.openxmlformats.org/officeDocument/2006/relationships" xmlns:p="http://schemas.openxmlformats.org/presentationml/2006/main">
+  <p:cSld>
+    <p:spTree>
+      <p:nvGrpSpPr>
+        <p:cNvPr id="1" name=""/>
+        <p:cNvGrpSpPr/>
+        <p:nvPr/>
+      </p:nvGrpSpPr>
+      <p:grpSpPr>
+        <a:xfrm>
+          <a:off x="0" y="0"/>
+          <a:ext cx="0" cy="0"/>
+          <a:chOff x="0" y="0"/>
+          <a:chExt cx="0" cy="0"/>
+        </a:xfrm>
+      </p:grpSpPr>
+      <p:sp>
+        <p:nvSpPr>
+          <p:cNvPr id="2" name="Title 1"/>
+          <p:cNvSpPr>
+            <a:spLocks noGrp="1"/>
+          </p:cNvSpPr>
+          <p:nvPr>
+            <p:ph type="title"/>
+          </p:nvPr>
+        </p:nvSpPr>
+        <p:spPr/>
+        <p:txBody>
+          <a:bodyPr>
+            <a:noAutofit/>
+          </a:bodyPr>
+          <a:lstStyle/>
+          <a:p>
+            <a:pPr lvl="1" algn="ctr" rtl="0">
+              <a:spcBef>
+                <a:spcPct val="0"/>
+              </a:spcBef>
+            </a:pPr>
+            <a:r>
+              <a:rPr lang="en-US" sz="3200" dirty="0" smtClean="0"/>
+              <a:t>SASL - Simple Authentication and Security Layer – Day 15,16,17 </a:t>
+            </a:r>
+            <a:endParaRPr lang="en-US" sz="3200" dirty="0"/>
+          </a:p>
+        </p:txBody>
+      </p:sp>
+      <p:sp>
+        <p:nvSpPr>
+          <p:cNvPr id="3" name="Content Placeholder 2"/>
+          <p:cNvSpPr>
+            <a:spLocks noGrp="1"/>
+          </p:cNvSpPr>
+          <p:nvPr>
+            <p:ph idx="1"/>
+          </p:nvPr>
+        </p:nvSpPr>
+        <p:spPr/>
+        <p:txBody>
+          <a:bodyPr>
+            <a:normAutofit fontScale="85000" lnSpcReduction="20000"/>
+          </a:bodyPr>
+          <a:lstStyle/>
+          <a:p>
+            <a:endParaRPr lang="en-US" sz="1800" dirty="0" smtClean="0"/>
+          </a:p>
+          <a:p>
+            <a:pPr marL="0" indent="0">
+              <a:buNone/>
+            </a:pPr>
+            <a:r>
+              <a:rPr lang="en-US" sz="1800" dirty="0" smtClean="0"/>
+              <a:t>SASL enables implementing following </a:t>
+            </a:r>
+            <a:r>
+              <a:rPr lang="en-US" sz="1800" dirty="0" err="1" smtClean="0"/>
+              <a:t>Auth</a:t>
+            </a:r>
+            <a:r>
+              <a:rPr lang="en-US" sz="1800" dirty="0" smtClean="0"/>
+              <a:t> mechanisms</a:t>
+            </a:r>
+          </a:p>
+          <a:p>
+            <a:endParaRPr lang="en-US" sz="1800" dirty="0" smtClean="0"/>
+          </a:p>
+          <a:p>
+            <a:pPr lvl="1"/>
+            <a:r>
+              <a:rPr lang="en-US" sz="1400" dirty="0" smtClean="0"/>
+              <a:t>GSSAPI (Generic Security Services Application Programming Interface)</a:t>
+            </a:r>
+          </a:p>
+          <a:p>
+            <a:pPr marL="457200" lvl="1" indent="0">
+              <a:buNone/>
+            </a:pPr>
+            <a:r>
+              <a:rPr lang="en-US" sz="1400" dirty="0" smtClean="0"/>
+              <a:t>	Uses Kerberos or Active Directory server for authentication</a:t>
+            </a:r>
+          </a:p>
+          <a:p>
+            <a:pPr lvl="1"/>
+            <a:endParaRPr lang="en-US" sz="1400" dirty="0" smtClean="0"/>
+          </a:p>
+          <a:p>
+            <a:pPr lvl="1"/>
+            <a:r>
+              <a:rPr lang="en-US" sz="1400" dirty="0" smtClean="0"/>
+              <a:t>OAUTHBEARER</a:t>
+            </a:r>
+          </a:p>
+          <a:p>
+            <a:pPr marL="457200" lvl="1" indent="0">
+              <a:buNone/>
+            </a:pPr>
+            <a:r>
+              <a:rPr lang="en-US" sz="1400" dirty="0" smtClean="0"/>
+              <a:t>	Enables </a:t>
+            </a:r>
+            <a:r>
+              <a:rPr lang="en-US" sz="1400" dirty="0"/>
+              <a:t>the use the OAuth 2 Authorization framework in a SASL </a:t>
+            </a:r>
+            <a:r>
+              <a:rPr lang="en-US" sz="1400" dirty="0" smtClean="0"/>
+              <a:t>context.</a:t>
+            </a:r>
+          </a:p>
+          <a:p>
+            <a:pPr marL="457200" lvl="1" indent="0">
+              <a:buNone/>
+            </a:pPr>
+            <a:endParaRPr lang="en-US" sz="1400" dirty="0" smtClean="0"/>
+          </a:p>
+          <a:p>
+            <a:pPr lvl="1"/>
+            <a:r>
+              <a:rPr lang="en-US" sz="1400" b="1" dirty="0"/>
+              <a:t>SCRAM </a:t>
+            </a:r>
+            <a:r>
+              <a:rPr lang="en-US" sz="1400" b="1" dirty="0" smtClean="0"/>
+              <a:t>(Salted Challenge Response Authentication Mechanism)</a:t>
+            </a:r>
+          </a:p>
+          <a:p>
+            <a:pPr marL="457200" lvl="1" indent="0">
+              <a:buNone/>
+            </a:pPr>
+            <a:r>
+              <a:rPr lang="en-US" sz="1400" b="1" dirty="0" smtClean="0"/>
+              <a:t>	Uses </a:t>
+            </a:r>
+            <a:r>
+              <a:rPr lang="en-US" sz="1400" b="1" dirty="0"/>
+              <a:t>usernames and passwords stored in </a:t>
+            </a:r>
+            <a:r>
+              <a:rPr lang="en-US" sz="1400" b="1" dirty="0" err="1"/>
+              <a:t>ZooKeeper</a:t>
+            </a:r>
+            <a:r>
+              <a:rPr lang="en-US" sz="1400" b="1" dirty="0"/>
+              <a:t>. Credentials are created during installation.</a:t>
+            </a:r>
+            <a:endParaRPr lang="en-US" sz="1400" b="1" dirty="0" smtClean="0"/>
+          </a:p>
+          <a:p>
+            <a:pPr lvl="1"/>
+            <a:endParaRPr lang="en-US" sz="1400" dirty="0" smtClean="0"/>
+          </a:p>
+          <a:p>
+            <a:pPr lvl="1"/>
+            <a:r>
+              <a:rPr lang="en-US" sz="1400" dirty="0" smtClean="0"/>
+              <a:t>PLAIN</a:t>
+            </a:r>
+          </a:p>
+          <a:p>
+            <a:pPr marL="457200" lvl="1" indent="0">
+              <a:buNone/>
+            </a:pPr>
+            <a:r>
+              <a:rPr lang="en-US" sz="1400" dirty="0" smtClean="0"/>
+              <a:t>	Uses </a:t>
+            </a:r>
+            <a:r>
+              <a:rPr lang="en-US" sz="1400" dirty="0"/>
+              <a:t>a simple username and password for authentication.</a:t>
+            </a:r>
+          </a:p>
+          <a:p>
+            <a:pPr lvl="1"/>
+            <a:endParaRPr lang="en-US" sz="1400" dirty="0" smtClean="0"/>
+          </a:p>
+          <a:p>
+            <a:pPr lvl="1"/>
+            <a:r>
+              <a:rPr lang="en-US" sz="1400" dirty="0" smtClean="0"/>
+              <a:t>Delegation</a:t>
+            </a:r>
+            <a:endParaRPr lang="en-US" sz="1400" dirty="0"/>
+          </a:p>
+          <a:p>
+            <a:pPr lvl="1"/>
+            <a:endParaRPr lang="en-US" sz="1400" dirty="0" smtClean="0"/>
+          </a:p>
+          <a:p>
+            <a:pPr lvl="1"/>
+            <a:r>
+              <a:rPr lang="en-US" sz="1400" dirty="0" smtClean="0"/>
+              <a:t>LDAP</a:t>
+            </a:r>
+          </a:p>
+          <a:p>
+            <a:pPr lvl="1"/>
+            <a:endParaRPr lang="en-US" sz="1400" dirty="0" smtClean="0"/>
+          </a:p>
+          <a:p>
+            <a:pPr marL="457200" lvl="1" indent="0">
+              <a:buNone/>
+            </a:pPr>
+            <a:r>
+              <a:rPr lang="en-US" sz="1400" dirty="0"/>
+              <a:t>Ref: </a:t>
+            </a:r>
+            <a:r>
+              <a:rPr lang="en-US" sz="1400" dirty="0">
+                <a:hlinkClick r:id="rId2"/>
+              </a:rPr>
+              <a:t>https://</a:t>
+            </a:r>
+            <a:r>
+              <a:rPr lang="en-US" sz="1400" dirty="0" smtClean="0">
+                <a:hlinkClick r:id="rId2"/>
+              </a:rPr>
+              <a:t>docs.confluent.io/platform/current/kafka/overview-authentication-methods.html#mtls</a:t>
+            </a:r>
+            <a:endParaRPr lang="en-US" sz="1400" dirty="0" smtClean="0"/>
+          </a:p>
+          <a:p>
+            <a:pPr marL="457200" lvl="1" indent="0">
+              <a:buNone/>
+            </a:pPr>
+            <a:r>
+              <a:rPr lang="en-US" sz="1400" dirty="0" smtClean="0">
+                <a:hlinkClick r:id="rId3"/>
+              </a:rPr>
+              <a:t>https</a:t>
+            </a:r>
+            <a:r>
+              <a:rPr lang="en-US" sz="1400" dirty="0">
+                <a:hlinkClick r:id="rId3"/>
+              </a:rPr>
+              <a:t>://kafka.apache.org/documentation/#</a:t>
+            </a:r>
+            <a:r>
+              <a:rPr lang="en-US" sz="1400" dirty="0" smtClean="0">
+                <a:hlinkClick r:id="rId3"/>
+              </a:rPr>
+              <a:t>security</a:t>
+            </a:r>
+            <a:endParaRPr lang="en-US" sz="1400" dirty="0" smtClean="0"/>
+          </a:p>
+          <a:p>
+            <a:pPr marL="457200" lvl="1" indent="0">
+              <a:buNone/>
+            </a:pPr>
+            <a:r>
+              <a:rPr lang="en-US" sz="1400" dirty="0"/>
+              <a:t> </a:t>
+            </a:r>
+            <a:endParaRPr lang="en-US" sz="1400" dirty="0" smtClean="0"/>
+          </a:p>
+          <a:p>
+            <a:pPr lvl="1"/>
+            <a:endParaRPr lang="en-US" sz="1400" dirty="0" smtClean="0"/>
+          </a:p>
+          <a:p>
+            <a:endParaRPr lang="en-US" sz="1800" dirty="0" smtClean="0"/>
+          </a:p>
+          <a:p>
+            <a:endParaRPr lang="en-US" dirty="0" smtClean="0"/>
+          </a:p>
+          <a:p>
+            <a:pPr lvl="1">
+              <a:buFont typeface="Arial" panose="020B0604020202020204" pitchFamily="34" charset="0"/>
+              <a:buChar char="•"/>
+            </a:pPr>
+            <a:endParaRPr lang="en-US" dirty="0" smtClean="0"/>
+          </a:p>
+        </p:txBody>
+      </p:sp>
+    </p:spTree>
+    <p:extLst>
+      <p:ext uri="{BB962C8B-B14F-4D97-AF65-F5344CB8AC3E}">
+        <p14:creationId xmlns:p14="http://schemas.microsoft.com/office/powerpoint/2010/main" val="4044770538"/>
+      </p:ext>
+    </p:extLst>
+  </p:cSld>
+  <p:clrMapOvr>
+    <a:masterClrMapping/>
+  </p:clrMapOvr>
+  <p:timing>
+    <p:tnLst>
+      <p:par>
+        <p:cTn id="1" dur="indefinite" restart="never" nodeType="tmRoot"/>
+      </p:par>
+    </p:tnLst>
+  </p:timing>
+</p:sld>
+</file>
+
+<file path=ppt/slides/slide73.xml><?xml version="1.0" encoding="utf-8"?>
+<p:sld xmlns:a="http://schemas.openxmlformats.org/drawingml/2006/main" xmlns:r="http://schemas.openxmlformats.org/officeDocument/2006/relationships" xmlns:p="http://schemas.openxmlformats.org/presentationml/2006/main">
+  <p:cSld>
+    <p:spTree>
+      <p:nvGrpSpPr>
+        <p:cNvPr id="1" name=""/>
+        <p:cNvGrpSpPr/>
+        <p:nvPr/>
+      </p:nvGrpSpPr>
+      <p:grpSpPr>
+        <a:xfrm>
+          <a:off x="0" y="0"/>
+          <a:ext cx="0" cy="0"/>
+          <a:chOff x="0" y="0"/>
+          <a:chExt cx="0" cy="0"/>
+        </a:xfrm>
+      </p:grpSpPr>
+      <p:sp>
+        <p:nvSpPr>
+          <p:cNvPr id="2" name="Title 1"/>
+          <p:cNvSpPr>
+            <a:spLocks noGrp="1"/>
+          </p:cNvSpPr>
+          <p:nvPr>
+            <p:ph type="title"/>
+          </p:nvPr>
+        </p:nvSpPr>
+        <p:spPr/>
+        <p:txBody>
+          <a:bodyPr>
+            <a:noAutofit/>
+          </a:bodyPr>
+          <a:lstStyle/>
+          <a:p>
+            <a:pPr lvl="1" algn="ctr" rtl="0">
+              <a:spcBef>
+                <a:spcPct val="0"/>
+              </a:spcBef>
+            </a:pPr>
+            <a:r>
+              <a:rPr lang="en-US" sz="3200" dirty="0" smtClean="0"/>
+              <a:t>SCRAM – Salted Challenge Response Authentication Mechanism – Day 15,16,17 </a:t>
+            </a:r>
+            <a:endParaRPr lang="en-US" sz="3200" dirty="0"/>
+          </a:p>
+        </p:txBody>
+      </p:sp>
+      <p:sp>
+        <p:nvSpPr>
+          <p:cNvPr id="3" name="Content Placeholder 2"/>
+          <p:cNvSpPr>
+            <a:spLocks noGrp="1"/>
+          </p:cNvSpPr>
+          <p:nvPr>
+            <p:ph idx="1"/>
+          </p:nvPr>
+        </p:nvSpPr>
+        <p:spPr/>
+        <p:txBody>
+          <a:bodyPr>
+            <a:normAutofit/>
+          </a:bodyPr>
+          <a:lstStyle/>
+          <a:p>
+            <a:endParaRPr lang="en-US" sz="1800" dirty="0" smtClean="0"/>
+          </a:p>
+          <a:p>
+            <a:pPr lvl="1"/>
+            <a:endParaRPr lang="en-US" sz="1400" dirty="0" smtClean="0"/>
+          </a:p>
+          <a:p>
+            <a:pPr lvl="1">
+              <a:buFont typeface="Wingdings" panose="05000000000000000000" pitchFamily="2" charset="2"/>
+              <a:buChar char="§"/>
+            </a:pPr>
+            <a:r>
+              <a:rPr lang="en-US" sz="1400" dirty="0"/>
+              <a:t>Salted Challenge Response Authentication Mechanism (SCRAM), or SASL/SCRAM, is a family of SASL mechanisms that addresses the security concerns with traditional mechanisms that perform username/password authentication like </a:t>
+            </a:r>
+            <a:r>
+              <a:rPr lang="en-US" sz="1400" dirty="0" smtClean="0"/>
+              <a:t>PLAIN.</a:t>
+            </a:r>
+          </a:p>
+          <a:p>
+            <a:pPr lvl="1">
+              <a:buFont typeface="Wingdings" panose="05000000000000000000" pitchFamily="2" charset="2"/>
+              <a:buChar char="§"/>
+            </a:pPr>
+            <a:endParaRPr lang="en-US" sz="1400" dirty="0"/>
+          </a:p>
+          <a:p>
+            <a:pPr lvl="1">
+              <a:buFont typeface="Wingdings" panose="05000000000000000000" pitchFamily="2" charset="2"/>
+              <a:buChar char="§"/>
+            </a:pPr>
+            <a:r>
+              <a:rPr lang="en-US" sz="1400" dirty="0" smtClean="0"/>
+              <a:t>Authentication of secrets/passwords is done securely by transmitting a computed hash</a:t>
+            </a:r>
+          </a:p>
+          <a:p>
+            <a:pPr lvl="1">
+              <a:buFont typeface="Wingdings" panose="05000000000000000000" pitchFamily="2" charset="2"/>
+              <a:buChar char="§"/>
+            </a:pPr>
+            <a:endParaRPr lang="en-US" sz="1400" dirty="0" smtClean="0"/>
+          </a:p>
+          <a:p>
+            <a:pPr lvl="1">
+              <a:buFont typeface="Wingdings" panose="05000000000000000000" pitchFamily="2" charset="2"/>
+              <a:buChar char="§"/>
+            </a:pPr>
+            <a:r>
+              <a:rPr lang="en-US" sz="1400" dirty="0" smtClean="0"/>
+              <a:t>The </a:t>
+            </a:r>
+            <a:r>
+              <a:rPr lang="en-US" sz="1400" dirty="0"/>
+              <a:t>SCRAM implementation in Kafka stores SCRAM credentials in </a:t>
+            </a:r>
+            <a:r>
+              <a:rPr lang="en-US" sz="1400" dirty="0" err="1" smtClean="0"/>
+              <a:t>ZooKeeper</a:t>
+            </a:r>
+            <a:r>
+              <a:rPr lang="en-US" sz="1400" dirty="0" smtClean="0"/>
+              <a:t>. </a:t>
+            </a:r>
+            <a:r>
+              <a:rPr lang="en-US" sz="1400" dirty="0"/>
+              <a:t>Because of this, you must create SCRAM credentials for users in </a:t>
+            </a:r>
+            <a:r>
+              <a:rPr lang="en-US" sz="1400" dirty="0" err="1"/>
+              <a:t>ZooKeeper</a:t>
+            </a:r>
+            <a:r>
+              <a:rPr lang="en-US" sz="1400" dirty="0" smtClean="0"/>
+              <a:t>.</a:t>
+            </a:r>
+          </a:p>
+          <a:p>
+            <a:pPr lvl="1">
+              <a:buFont typeface="Wingdings" panose="05000000000000000000" pitchFamily="2" charset="2"/>
+              <a:buChar char="§"/>
+            </a:pPr>
+            <a:endParaRPr lang="en-US" sz="1400" dirty="0"/>
+          </a:p>
+          <a:p>
+            <a:pPr lvl="1">
+              <a:buFont typeface="Wingdings" panose="05000000000000000000" pitchFamily="2" charset="2"/>
+              <a:buChar char="§"/>
+            </a:pPr>
+            <a:r>
+              <a:rPr lang="en-US" sz="1400" dirty="0" smtClean="0"/>
+              <a:t>Supported Hash functions are SHA 256 and SHA 252</a:t>
+            </a:r>
+          </a:p>
+          <a:p>
+            <a:pPr marL="457200" lvl="1" indent="0">
+              <a:buNone/>
+            </a:pPr>
+            <a:endParaRPr lang="en-US" sz="1400" dirty="0" smtClean="0"/>
+          </a:p>
+          <a:p>
+            <a:pPr marL="457200" lvl="1" indent="0">
+              <a:buNone/>
+            </a:pPr>
+            <a:endParaRPr lang="en-US" sz="1400" dirty="0" smtClean="0"/>
+          </a:p>
+          <a:p>
+            <a:pPr marL="457200" lvl="1" indent="0">
+              <a:buNone/>
+            </a:pPr>
+            <a:r>
+              <a:rPr lang="en-US" sz="1400" dirty="0" smtClean="0"/>
+              <a:t>Ref</a:t>
+            </a:r>
+            <a:r>
+              <a:rPr lang="en-US" sz="1400" dirty="0"/>
+              <a:t>: </a:t>
+            </a:r>
+            <a:r>
+              <a:rPr lang="en-US" sz="1400" dirty="0">
+                <a:hlinkClick r:id="rId2"/>
+              </a:rPr>
+              <a:t>https://</a:t>
+            </a:r>
+            <a:r>
+              <a:rPr lang="en-US" sz="1400" dirty="0" smtClean="0">
+                <a:hlinkClick r:id="rId2"/>
+              </a:rPr>
+              <a:t>docs.confluent.io/platform/current/kafka/authentication_sasl/authentication_sasl_scram.html#configuring-scram</a:t>
+            </a:r>
+            <a:endParaRPr lang="en-US" sz="1400" dirty="0" smtClean="0"/>
+          </a:p>
+          <a:p>
+            <a:pPr marL="457200" lvl="1" indent="0">
+              <a:buNone/>
+            </a:pPr>
+            <a:r>
+              <a:rPr lang="en-US" sz="1400" dirty="0" smtClean="0"/>
+              <a:t> </a:t>
+            </a:r>
+          </a:p>
+          <a:p>
+            <a:pPr marL="457200" lvl="1" indent="0">
+              <a:buNone/>
+            </a:pPr>
+            <a:endParaRPr lang="en-US" sz="1400" dirty="0" smtClean="0"/>
+          </a:p>
+          <a:p>
+            <a:pPr lvl="1"/>
+            <a:endParaRPr lang="en-US" sz="1400" dirty="0" smtClean="0"/>
+          </a:p>
+          <a:p>
+            <a:endParaRPr lang="en-US" sz="1800" dirty="0" smtClean="0"/>
+          </a:p>
+          <a:p>
+            <a:endParaRPr lang="en-US" dirty="0" smtClean="0"/>
+          </a:p>
+          <a:p>
+            <a:pPr lvl="1">
+              <a:buFont typeface="Arial" panose="020B0604020202020204" pitchFamily="34" charset="0"/>
+              <a:buChar char="•"/>
+            </a:pPr>
+            <a:endParaRPr lang="en-US" dirty="0" smtClean="0"/>
+          </a:p>
+        </p:txBody>
+      </p:sp>
+    </p:spTree>
+    <p:extLst>
+      <p:ext uri="{BB962C8B-B14F-4D97-AF65-F5344CB8AC3E}">
+        <p14:creationId xmlns:p14="http://schemas.microsoft.com/office/powerpoint/2010/main" val="2252494316"/>
+      </p:ext>
+    </p:extLst>
+  </p:cSld>
+  <p:clrMapOvr>
+    <a:masterClrMapping/>
+  </p:clrMapOvr>
+  <p:timing>
+    <p:tnLst>
+      <p:par>
+        <p:cTn id="1" dur="indefinite" restart="never" nodeType="tmRoot"/>
+      </p:par>
+    </p:tnLst>
+  </p:timing>
+</p:sld>
+</file>
+
+<file path=ppt/slides/slide74.xml><?xml version="1.0" encoding="utf-8"?>
+<p:sld xmlns:a="http://schemas.openxmlformats.org/drawingml/2006/main" xmlns:r="http://schemas.openxmlformats.org/officeDocument/2006/relationships" xmlns:p="http://schemas.openxmlformats.org/presentationml/2006/main">
+  <p:cSld>
+    <p:spTree>
+      <p:nvGrpSpPr>
+        <p:cNvPr id="1" name=""/>
+        <p:cNvGrpSpPr/>
+        <p:nvPr/>
+      </p:nvGrpSpPr>
+      <p:grpSpPr>
+        <a:xfrm>
+          <a:off x="0" y="0"/>
+          <a:ext cx="0" cy="0"/>
+          <a:chOff x="0" y="0"/>
+          <a:chExt cx="0" cy="0"/>
+        </a:xfrm>
+      </p:grpSpPr>
+      <p:sp>
+        <p:nvSpPr>
+          <p:cNvPr id="2" name="Title 1"/>
+          <p:cNvSpPr>
+            <a:spLocks noGrp="1"/>
+          </p:cNvSpPr>
+          <p:nvPr>
+            <p:ph type="title"/>
+          </p:nvPr>
+        </p:nvSpPr>
+        <p:spPr/>
+        <p:txBody>
+          <a:bodyPr>
+            <a:noAutofit/>
+          </a:bodyPr>
+          <a:lstStyle/>
+          <a:p>
+            <a:pPr lvl="1" algn="ctr" rtl="0">
+              <a:spcBef>
+                <a:spcPct val="0"/>
+              </a:spcBef>
+            </a:pPr>
+            <a:r>
+              <a:rPr lang="en-US" sz="3200" dirty="0" smtClean="0"/>
+              <a:t>Authorization – Day 15,16,17 </a:t>
+            </a:r>
+            <a:endParaRPr lang="en-US" sz="3200" dirty="0"/>
+          </a:p>
+        </p:txBody>
+      </p:sp>
+      <p:sp>
+        <p:nvSpPr>
+          <p:cNvPr id="3" name="Content Placeholder 2"/>
+          <p:cNvSpPr>
+            <a:spLocks noGrp="1"/>
+          </p:cNvSpPr>
+          <p:nvPr>
+            <p:ph idx="1"/>
+          </p:nvPr>
+        </p:nvSpPr>
+        <p:spPr/>
+        <p:txBody>
+          <a:bodyPr>
+            <a:normAutofit/>
+          </a:bodyPr>
+          <a:lstStyle/>
+          <a:p>
+            <a:endParaRPr lang="en-US" sz="1800" dirty="0" smtClean="0"/>
+          </a:p>
+          <a:p>
+            <a:pPr lvl="1"/>
+            <a:endParaRPr lang="en-US" sz="1400" dirty="0" smtClean="0"/>
+          </a:p>
+          <a:p>
+            <a:pPr marL="457200" lvl="1" indent="0">
+              <a:buNone/>
+            </a:pPr>
+            <a:r>
+              <a:rPr lang="en-US" sz="1400" dirty="0" smtClean="0"/>
+              <a:t>Draw.io </a:t>
+            </a:r>
+          </a:p>
+          <a:p>
+            <a:pPr marL="457200" lvl="1" indent="0">
+              <a:buNone/>
+            </a:pPr>
+            <a:endParaRPr lang="en-US" sz="1400" dirty="0" smtClean="0"/>
+          </a:p>
+          <a:p>
+            <a:pPr lvl="1"/>
+            <a:endParaRPr lang="en-US" sz="1400" dirty="0" smtClean="0"/>
+          </a:p>
+          <a:p>
+            <a:endParaRPr lang="en-US" sz="1800" dirty="0" smtClean="0"/>
+          </a:p>
+          <a:p>
+            <a:endParaRPr lang="en-US" dirty="0" smtClean="0"/>
+          </a:p>
+          <a:p>
+            <a:pPr lvl="1">
+              <a:buFont typeface="Arial" panose="020B0604020202020204" pitchFamily="34" charset="0"/>
+              <a:buChar char="•"/>
+            </a:pPr>
+            <a:endParaRPr lang="en-US" dirty="0" smtClean="0"/>
+          </a:p>
+        </p:txBody>
+      </p:sp>
+    </p:spTree>
+    <p:extLst>
+      <p:ext uri="{BB962C8B-B14F-4D97-AF65-F5344CB8AC3E}">
+        <p14:creationId xmlns:p14="http://schemas.microsoft.com/office/powerpoint/2010/main" val="1673072215"/>
+      </p:ext>
+    </p:extLst>
+  </p:cSld>
+  <p:clrMapOvr>
+    <a:masterClrMapping/>
+  </p:clrMapOvr>
+  <p:timing>
+    <p:tnLst>
+      <p:par>
+        <p:cTn id="1" dur="indefinite" restart="never" nodeType="tmRoot"/>
+      </p:par>
+    </p:tnLst>
+  </p:timing>
+</p:sld>
+</file>
+
+<file path=ppt/slides/slide75.xml><?xml version="1.0" encoding="utf-8"?>
+<p:sld xmlns:a="http://schemas.openxmlformats.org/drawingml/2006/main" xmlns:r="http://schemas.openxmlformats.org/officeDocument/2006/relationships" xmlns:p="http://schemas.openxmlformats.org/presentationml/2006/main">
+  <p:cSld>
+    <p:spTree>
+      <p:nvGrpSpPr>
+        <p:cNvPr id="1" name=""/>
+        <p:cNvGrpSpPr/>
+        <p:nvPr/>
+      </p:nvGrpSpPr>
+      <p:grpSpPr>
+        <a:xfrm>
+          <a:off x="0" y="0"/>
+          <a:ext cx="0" cy="0"/>
+          <a:chOff x="0" y="0"/>
+          <a:chExt cx="0" cy="0"/>
+        </a:xfrm>
+      </p:grpSpPr>
+      <p:sp>
+        <p:nvSpPr>
+          <p:cNvPr id="2" name="Title 1"/>
+          <p:cNvSpPr>
+            <a:spLocks noGrp="1"/>
+          </p:cNvSpPr>
+          <p:nvPr>
+            <p:ph type="title"/>
+          </p:nvPr>
+        </p:nvSpPr>
+        <p:spPr/>
+        <p:txBody>
+          <a:bodyPr/>
+          <a:lstStyle/>
+          <a:p>
+            <a:r>
+              <a:rPr lang="en-US" dirty="0" smtClean="0"/>
+              <a:t>DIY Exercise - Day </a:t>
+            </a:r>
+            <a:r>
+              <a:rPr lang="en-US" dirty="0" smtClean="0"/>
+              <a:t>15, 16, 17</a:t>
+            </a:r>
             <a:endParaRPr lang="en-US" dirty="0"/>
           </a:p>
+        </p:txBody>
+      </p:sp>
+      <p:sp>
+        <p:nvSpPr>
+          <p:cNvPr id="3" name="Content Placeholder 2"/>
+          <p:cNvSpPr>
+            <a:spLocks noGrp="1"/>
+          </p:cNvSpPr>
+          <p:nvPr>
+            <p:ph idx="1"/>
+          </p:nvPr>
+        </p:nvSpPr>
+        <p:spPr/>
+        <p:txBody>
+          <a:bodyPr>
+            <a:normAutofit/>
+          </a:bodyPr>
+          <a:lstStyle/>
+          <a:p>
+            <a:pPr lvl="1">
+              <a:buFont typeface="Arial" panose="020B0604020202020204" pitchFamily="34" charset="0"/>
+              <a:buChar char="•"/>
+            </a:pPr>
+            <a:endParaRPr lang="en-US" dirty="0"/>
+          </a:p>
           <a:p>
             <a:pPr lvl="1">
               <a:buFont typeface="Arial" panose="020B0604020202020204" pitchFamily="34" charset="0"/>
@@ -14580,7 +15381,28 @@
             </a:pPr>
             <a:r>
               <a:rPr lang="en-US" dirty="0" smtClean="0"/>
-              <a:t>Configure 2 way SSL between Zookeeper and Kafka Servers</a:t>
+              <a:t>Configure 2 way SSL between Zookeeper and Kafka </a:t>
+            </a:r>
+            <a:r>
+              <a:rPr lang="en-US" dirty="0" smtClean="0"/>
+              <a:t>Servers</a:t>
+            </a:r>
+          </a:p>
+          <a:p>
+            <a:pPr lvl="1">
+              <a:buFont typeface="Arial" panose="020B0604020202020204" pitchFamily="34" charset="0"/>
+              <a:buChar char="•"/>
+            </a:pPr>
+            <a:endParaRPr lang="en-US" dirty="0" smtClean="0"/>
+          </a:p>
+          <a:p>
+            <a:pPr lvl="1">
+              <a:buFont typeface="Arial" panose="020B0604020202020204" pitchFamily="34" charset="0"/>
+              <a:buChar char="•"/>
+            </a:pPr>
+            <a:r>
+              <a:rPr lang="en-US" dirty="0" smtClean="0"/>
+              <a:t>Setup WSL and setup Kafka deployment and setup SASL based topology</a:t>
             </a:r>
             <a:endParaRPr lang="en-US" dirty="0" smtClean="0"/>
           </a:p>

--- a/PPT/Kafka-Teaching-Flow.pptx
+++ b/PPT/Kafka-Teaching-Flow.pptx
@@ -80,6 +80,12 @@
     <p:sldId id="336" r:id="rId74"/>
     <p:sldId id="337" r:id="rId75"/>
     <p:sldId id="329" r:id="rId76"/>
+    <p:sldId id="338" r:id="rId77"/>
+    <p:sldId id="339" r:id="rId78"/>
+    <p:sldId id="340" r:id="rId79"/>
+    <p:sldId id="341" r:id="rId80"/>
+    <p:sldId id="342" r:id="rId81"/>
+    <p:sldId id="343" r:id="rId82"/>
   </p:sldIdLst>
   <p:sldSz cx="9144000" cy="6858000" type="screen4x3"/>
   <p:notesSz cx="6858000" cy="9144000"/>
@@ -362,7 +368,7 @@
           <a:p>
             <a:fld id="{51149E06-0874-4241-ABF9-BAFA45916F2C}" type="datetimeFigureOut">
               <a:rPr lang="en-US" smtClean="0"/>
-              <a:t>3/14/2023</a:t>
+              <a:t>3/21/2023</a:t>
             </a:fld>
             <a:endParaRPr lang="en-US"/>
           </a:p>
@@ -532,7 +538,7 @@
           <a:p>
             <a:fld id="{51149E06-0874-4241-ABF9-BAFA45916F2C}" type="datetimeFigureOut">
               <a:rPr lang="en-US" smtClean="0"/>
-              <a:t>3/14/2023</a:t>
+              <a:t>3/21/2023</a:t>
             </a:fld>
             <a:endParaRPr lang="en-US"/>
           </a:p>
@@ -712,7 +718,7 @@
           <a:p>
             <a:fld id="{51149E06-0874-4241-ABF9-BAFA45916F2C}" type="datetimeFigureOut">
               <a:rPr lang="en-US" smtClean="0"/>
-              <a:t>3/14/2023</a:t>
+              <a:t>3/21/2023</a:t>
             </a:fld>
             <a:endParaRPr lang="en-US"/>
           </a:p>
@@ -882,7 +888,7 @@
           <a:p>
             <a:fld id="{51149E06-0874-4241-ABF9-BAFA45916F2C}" type="datetimeFigureOut">
               <a:rPr lang="en-US" smtClean="0"/>
-              <a:t>3/14/2023</a:t>
+              <a:t>3/21/2023</a:t>
             </a:fld>
             <a:endParaRPr lang="en-US"/>
           </a:p>
@@ -1128,7 +1134,7 @@
           <a:p>
             <a:fld id="{51149E06-0874-4241-ABF9-BAFA45916F2C}" type="datetimeFigureOut">
               <a:rPr lang="en-US" smtClean="0"/>
-              <a:t>3/14/2023</a:t>
+              <a:t>3/21/2023</a:t>
             </a:fld>
             <a:endParaRPr lang="en-US"/>
           </a:p>
@@ -1416,7 +1422,7 @@
           <a:p>
             <a:fld id="{51149E06-0874-4241-ABF9-BAFA45916F2C}" type="datetimeFigureOut">
               <a:rPr lang="en-US" smtClean="0"/>
-              <a:t>3/14/2023</a:t>
+              <a:t>3/21/2023</a:t>
             </a:fld>
             <a:endParaRPr lang="en-US"/>
           </a:p>
@@ -1838,7 +1844,7 @@
           <a:p>
             <a:fld id="{51149E06-0874-4241-ABF9-BAFA45916F2C}" type="datetimeFigureOut">
               <a:rPr lang="en-US" smtClean="0"/>
-              <a:t>3/14/2023</a:t>
+              <a:t>3/21/2023</a:t>
             </a:fld>
             <a:endParaRPr lang="en-US"/>
           </a:p>
@@ -1956,7 +1962,7 @@
           <a:p>
             <a:fld id="{51149E06-0874-4241-ABF9-BAFA45916F2C}" type="datetimeFigureOut">
               <a:rPr lang="en-US" smtClean="0"/>
-              <a:t>3/14/2023</a:t>
+              <a:t>3/21/2023</a:t>
             </a:fld>
             <a:endParaRPr lang="en-US"/>
           </a:p>
@@ -2051,7 +2057,7 @@
           <a:p>
             <a:fld id="{51149E06-0874-4241-ABF9-BAFA45916F2C}" type="datetimeFigureOut">
               <a:rPr lang="en-US" smtClean="0"/>
-              <a:t>3/14/2023</a:t>
+              <a:t>3/21/2023</a:t>
             </a:fld>
             <a:endParaRPr lang="en-US"/>
           </a:p>
@@ -2328,7 +2334,7 @@
           <a:p>
             <a:fld id="{51149E06-0874-4241-ABF9-BAFA45916F2C}" type="datetimeFigureOut">
               <a:rPr lang="en-US" smtClean="0"/>
-              <a:t>3/14/2023</a:t>
+              <a:t>3/21/2023</a:t>
             </a:fld>
             <a:endParaRPr lang="en-US"/>
           </a:p>
@@ -2581,7 +2587,7 @@
           <a:p>
             <a:fld id="{51149E06-0874-4241-ABF9-BAFA45916F2C}" type="datetimeFigureOut">
               <a:rPr lang="en-US" smtClean="0"/>
-              <a:t>3/14/2023</a:t>
+              <a:t>3/21/2023</a:t>
             </a:fld>
             <a:endParaRPr lang="en-US"/>
           </a:p>
@@ -2794,7 +2800,7 @@
           <a:p>
             <a:fld id="{51149E06-0874-4241-ABF9-BAFA45916F2C}" type="datetimeFigureOut">
               <a:rPr lang="en-US" smtClean="0"/>
-              <a:t>3/14/2023</a:t>
+              <a:t>3/21/2023</a:t>
             </a:fld>
             <a:endParaRPr lang="en-US"/>
           </a:p>
@@ -13938,11 +13944,7 @@
             </a:r>
             <a:r>
               <a:rPr lang="en-US" sz="3200" dirty="0" smtClean="0"/>
-              <a:t>- </a:t>
-            </a:r>
-            <a:r>
-              <a:rPr lang="en-US" sz="3200" dirty="0" smtClean="0"/>
-              <a:t>Day 15,16,17</a:t>
+              <a:t>- Day 15,16,17</a:t>
             </a:r>
             <a:endParaRPr lang="en-US" sz="3200" dirty="0"/>
           </a:p>
@@ -14245,11 +14247,7 @@
             </a:br>
             <a:r>
               <a:rPr lang="en-US" sz="3200" dirty="0" smtClean="0"/>
-              <a:t>- </a:t>
-            </a:r>
-            <a:r>
-              <a:rPr lang="en-US" sz="3200" dirty="0" smtClean="0"/>
-              <a:t>Day 15,16,17</a:t>
+              <a:t>- Day 15,16,17</a:t>
             </a:r>
             <a:endParaRPr lang="en-US" sz="3200" dirty="0"/>
           </a:p>
@@ -15324,11 +15322,7 @@
           <a:p>
             <a:r>
               <a:rPr lang="en-US" dirty="0" smtClean="0"/>
-              <a:t>DIY Exercise - Day </a:t>
-            </a:r>
-            <a:r>
-              <a:rPr lang="en-US" dirty="0" smtClean="0"/>
-              <a:t>15, 16, 17</a:t>
+              <a:t>DIY Exercise - Day 15, 16, 17</a:t>
             </a:r>
             <a:endParaRPr lang="en-US" dirty="0"/>
           </a:p>
@@ -15381,11 +15375,7 @@
             </a:pPr>
             <a:r>
               <a:rPr lang="en-US" dirty="0" smtClean="0"/>
-              <a:t>Configure 2 way SSL between Zookeeper and Kafka </a:t>
-            </a:r>
-            <a:r>
-              <a:rPr lang="en-US" dirty="0" smtClean="0"/>
-              <a:t>Servers</a:t>
+              <a:t>Configure 2 way SSL between Zookeeper and Kafka Servers</a:t>
             </a:r>
           </a:p>
           <a:p>
@@ -15404,7 +15394,6 @@
               <a:rPr lang="en-US" dirty="0" smtClean="0"/>
               <a:t>Setup WSL and setup Kafka deployment and setup SASL based topology</a:t>
             </a:r>
-            <a:endParaRPr lang="en-US" dirty="0" smtClean="0"/>
           </a:p>
           <a:p>
             <a:pPr lvl="1">
@@ -15419,6 +15408,712 @@
     <p:extLst>
       <p:ext uri="{BB962C8B-B14F-4D97-AF65-F5344CB8AC3E}">
         <p14:creationId xmlns:p14="http://schemas.microsoft.com/office/powerpoint/2010/main" val="549754311"/>
+      </p:ext>
+    </p:extLst>
+  </p:cSld>
+  <p:clrMapOvr>
+    <a:masterClrMapping/>
+  </p:clrMapOvr>
+  <p:timing>
+    <p:tnLst>
+      <p:par>
+        <p:cTn id="1" dur="indefinite" restart="never" nodeType="tmRoot"/>
+      </p:par>
+    </p:tnLst>
+  </p:timing>
+</p:sld>
+</file>
+
+<file path=ppt/slides/slide76.xml><?xml version="1.0" encoding="utf-8"?>
+<p:sld xmlns:a="http://schemas.openxmlformats.org/drawingml/2006/main" xmlns:r="http://schemas.openxmlformats.org/officeDocument/2006/relationships" xmlns:p="http://schemas.openxmlformats.org/presentationml/2006/main">
+  <p:cSld>
+    <p:spTree>
+      <p:nvGrpSpPr>
+        <p:cNvPr id="1" name=""/>
+        <p:cNvGrpSpPr/>
+        <p:nvPr/>
+      </p:nvGrpSpPr>
+      <p:grpSpPr>
+        <a:xfrm>
+          <a:off x="0" y="0"/>
+          <a:ext cx="0" cy="0"/>
+          <a:chOff x="0" y="0"/>
+          <a:chExt cx="0" cy="0"/>
+        </a:xfrm>
+      </p:grpSpPr>
+      <p:sp>
+        <p:nvSpPr>
+          <p:cNvPr id="2" name="Title 1"/>
+          <p:cNvSpPr>
+            <a:spLocks noGrp="1"/>
+          </p:cNvSpPr>
+          <p:nvPr>
+            <p:ph type="title"/>
+          </p:nvPr>
+        </p:nvSpPr>
+        <p:spPr/>
+        <p:txBody>
+          <a:bodyPr/>
+          <a:lstStyle/>
+          <a:p>
+            <a:r>
+              <a:rPr lang="en-US" dirty="0" smtClean="0"/>
+              <a:t>Day </a:t>
+            </a:r>
+            <a:r>
+              <a:rPr lang="en-US" dirty="0" smtClean="0"/>
+              <a:t>18</a:t>
+            </a:r>
+            <a:endParaRPr lang="en-US" dirty="0"/>
+          </a:p>
+        </p:txBody>
+      </p:sp>
+      <p:sp>
+        <p:nvSpPr>
+          <p:cNvPr id="3" name="Content Placeholder 2"/>
+          <p:cNvSpPr>
+            <a:spLocks noGrp="1"/>
+          </p:cNvSpPr>
+          <p:nvPr>
+            <p:ph idx="1"/>
+          </p:nvPr>
+        </p:nvSpPr>
+        <p:spPr/>
+        <p:txBody>
+          <a:bodyPr>
+            <a:normAutofit/>
+          </a:bodyPr>
+          <a:lstStyle/>
+          <a:p>
+            <a:pPr marL="0" indent="0">
+              <a:buNone/>
+            </a:pPr>
+            <a:r>
+              <a:rPr lang="en-US" b="1" dirty="0" smtClean="0"/>
+              <a:t>Theme</a:t>
+            </a:r>
+          </a:p>
+          <a:p>
+            <a:pPr lvl="1"/>
+            <a:endParaRPr lang="en-US" dirty="0" smtClean="0"/>
+          </a:p>
+          <a:p>
+            <a:pPr marL="457200" lvl="1" indent="0">
+              <a:buNone/>
+            </a:pPr>
+            <a:endParaRPr lang="en-US" dirty="0"/>
+          </a:p>
+          <a:p>
+            <a:pPr lvl="1">
+              <a:buFont typeface="Arial" panose="020B0604020202020204" pitchFamily="34" charset="0"/>
+              <a:buChar char="•"/>
+            </a:pPr>
+            <a:r>
+              <a:rPr lang="en-US" dirty="0" smtClean="0"/>
+              <a:t>Handling Data Streams from Kafka Topics</a:t>
+            </a:r>
+            <a:endParaRPr lang="en-US" dirty="0" smtClean="0"/>
+          </a:p>
+          <a:p>
+            <a:pPr lvl="1">
+              <a:buFont typeface="Arial" panose="020B0604020202020204" pitchFamily="34" charset="0"/>
+              <a:buChar char="•"/>
+            </a:pPr>
+            <a:endParaRPr lang="en-US" dirty="0" smtClean="0"/>
+          </a:p>
+          <a:p>
+            <a:pPr lvl="1">
+              <a:buFont typeface="Arial" panose="020B0604020202020204" pitchFamily="34" charset="0"/>
+              <a:buChar char="•"/>
+            </a:pPr>
+            <a:endParaRPr lang="en-US" dirty="0" smtClean="0"/>
+          </a:p>
+          <a:p>
+            <a:pPr marL="457200" lvl="1" indent="0">
+              <a:buNone/>
+            </a:pPr>
+            <a:endParaRPr lang="en-US" dirty="0" smtClean="0"/>
+          </a:p>
+          <a:p>
+            <a:pPr lvl="1"/>
+            <a:endParaRPr lang="en-US" dirty="0" smtClean="0"/>
+          </a:p>
+        </p:txBody>
+      </p:sp>
+    </p:spTree>
+    <p:extLst>
+      <p:ext uri="{BB962C8B-B14F-4D97-AF65-F5344CB8AC3E}">
+        <p14:creationId xmlns:p14="http://schemas.microsoft.com/office/powerpoint/2010/main" val="152729484"/>
+      </p:ext>
+    </p:extLst>
+  </p:cSld>
+  <p:clrMapOvr>
+    <a:masterClrMapping/>
+  </p:clrMapOvr>
+  <p:timing>
+    <p:tnLst>
+      <p:par>
+        <p:cTn id="1" dur="indefinite" restart="never" nodeType="tmRoot"/>
+      </p:par>
+    </p:tnLst>
+  </p:timing>
+</p:sld>
+</file>
+
+<file path=ppt/slides/slide77.xml><?xml version="1.0" encoding="utf-8"?>
+<p:sld xmlns:a="http://schemas.openxmlformats.org/drawingml/2006/main" xmlns:r="http://schemas.openxmlformats.org/officeDocument/2006/relationships" xmlns:p="http://schemas.openxmlformats.org/presentationml/2006/main">
+  <p:cSld>
+    <p:spTree>
+      <p:nvGrpSpPr>
+        <p:cNvPr id="1" name=""/>
+        <p:cNvGrpSpPr/>
+        <p:nvPr/>
+      </p:nvGrpSpPr>
+      <p:grpSpPr>
+        <a:xfrm>
+          <a:off x="0" y="0"/>
+          <a:ext cx="0" cy="0"/>
+          <a:chOff x="0" y="0"/>
+          <a:chExt cx="0" cy="0"/>
+        </a:xfrm>
+      </p:grpSpPr>
+      <p:sp>
+        <p:nvSpPr>
+          <p:cNvPr id="2" name="Title 1"/>
+          <p:cNvSpPr>
+            <a:spLocks noGrp="1"/>
+          </p:cNvSpPr>
+          <p:nvPr>
+            <p:ph type="title"/>
+          </p:nvPr>
+        </p:nvSpPr>
+        <p:spPr/>
+        <p:txBody>
+          <a:bodyPr/>
+          <a:lstStyle/>
+          <a:p>
+            <a:r>
+              <a:rPr lang="en-US" dirty="0" smtClean="0"/>
+              <a:t>Agenda - Day </a:t>
+            </a:r>
+            <a:r>
+              <a:rPr lang="en-US" dirty="0" smtClean="0"/>
+              <a:t>18</a:t>
+            </a:r>
+            <a:endParaRPr lang="en-US" dirty="0"/>
+          </a:p>
+        </p:txBody>
+      </p:sp>
+      <p:sp>
+        <p:nvSpPr>
+          <p:cNvPr id="3" name="Content Placeholder 2"/>
+          <p:cNvSpPr>
+            <a:spLocks noGrp="1"/>
+          </p:cNvSpPr>
+          <p:nvPr>
+            <p:ph idx="1"/>
+          </p:nvPr>
+        </p:nvSpPr>
+        <p:spPr/>
+        <p:txBody>
+          <a:bodyPr>
+            <a:normAutofit fontScale="85000" lnSpcReduction="20000"/>
+          </a:bodyPr>
+          <a:lstStyle/>
+          <a:p>
+            <a:pPr lvl="1">
+              <a:buFont typeface="Arial" panose="020B0604020202020204" pitchFamily="34" charset="0"/>
+              <a:buChar char="•"/>
+            </a:pPr>
+            <a:endParaRPr lang="en-US" dirty="0" smtClean="0"/>
+          </a:p>
+          <a:p>
+            <a:pPr lvl="1">
+              <a:buFont typeface="Arial" panose="020B0604020202020204" pitchFamily="34" charset="0"/>
+              <a:buChar char="•"/>
+            </a:pPr>
+            <a:r>
+              <a:rPr lang="en-US" dirty="0"/>
+              <a:t>Day </a:t>
+            </a:r>
+            <a:r>
+              <a:rPr lang="en-US" dirty="0" smtClean="0"/>
+              <a:t>15, 16, 17  </a:t>
+            </a:r>
+            <a:r>
+              <a:rPr lang="en-US" dirty="0"/>
+              <a:t>Recap &amp; </a:t>
+            </a:r>
+            <a:r>
+              <a:rPr lang="en-US" dirty="0" err="1"/>
+              <a:t>QnA</a:t>
+            </a:r>
+            <a:endParaRPr lang="en-US" dirty="0"/>
+          </a:p>
+          <a:p>
+            <a:pPr lvl="1">
+              <a:buFont typeface="Arial" panose="020B0604020202020204" pitchFamily="34" charset="0"/>
+              <a:buChar char="•"/>
+            </a:pPr>
+            <a:endParaRPr lang="en-US" dirty="0" smtClean="0"/>
+          </a:p>
+          <a:p>
+            <a:pPr lvl="1">
+              <a:buFont typeface="Arial" panose="020B0604020202020204" pitchFamily="34" charset="0"/>
+              <a:buChar char="•"/>
+            </a:pPr>
+            <a:r>
+              <a:rPr lang="en-US" dirty="0" smtClean="0"/>
+              <a:t>Kafka Streams – Introduction</a:t>
+            </a:r>
+          </a:p>
+          <a:p>
+            <a:pPr lvl="1">
+              <a:buFont typeface="Arial" panose="020B0604020202020204" pitchFamily="34" charset="0"/>
+              <a:buChar char="•"/>
+            </a:pPr>
+            <a:endParaRPr lang="en-US" dirty="0" smtClean="0"/>
+          </a:p>
+          <a:p>
+            <a:pPr lvl="1">
+              <a:buFont typeface="Arial" panose="020B0604020202020204" pitchFamily="34" charset="0"/>
+              <a:buChar char="•"/>
+            </a:pPr>
+            <a:r>
+              <a:rPr lang="en-US" dirty="0" smtClean="0"/>
+              <a:t>Streaming Frameworks</a:t>
+            </a:r>
+          </a:p>
+          <a:p>
+            <a:pPr lvl="1">
+              <a:buFont typeface="Arial" panose="020B0604020202020204" pitchFamily="34" charset="0"/>
+              <a:buChar char="•"/>
+            </a:pPr>
+            <a:endParaRPr lang="en-US" dirty="0"/>
+          </a:p>
+          <a:p>
+            <a:pPr lvl="1">
+              <a:buFont typeface="Arial" panose="020B0604020202020204" pitchFamily="34" charset="0"/>
+              <a:buChar char="•"/>
+            </a:pPr>
+            <a:r>
+              <a:rPr lang="en-US" dirty="0" smtClean="0"/>
+              <a:t>Kafka Streaming Concepts</a:t>
+            </a:r>
+            <a:endParaRPr lang="en-US" dirty="0" smtClean="0"/>
+          </a:p>
+          <a:p>
+            <a:pPr lvl="1">
+              <a:buFont typeface="Arial" panose="020B0604020202020204" pitchFamily="34" charset="0"/>
+              <a:buChar char="•"/>
+            </a:pPr>
+            <a:endParaRPr lang="en-US" dirty="0" smtClean="0"/>
+          </a:p>
+          <a:p>
+            <a:pPr lvl="1">
+              <a:buFont typeface="Arial" panose="020B0604020202020204" pitchFamily="34" charset="0"/>
+              <a:buChar char="•"/>
+            </a:pPr>
+            <a:r>
+              <a:rPr lang="en-US" dirty="0" smtClean="0"/>
+              <a:t>End-to-End Kafka Streaming Application</a:t>
+            </a:r>
+          </a:p>
+          <a:p>
+            <a:pPr lvl="2"/>
+            <a:endParaRPr lang="en-US" dirty="0" smtClean="0"/>
+          </a:p>
+          <a:p>
+            <a:pPr lvl="1">
+              <a:buFont typeface="Arial" panose="020B0604020202020204" pitchFamily="34" charset="0"/>
+              <a:buChar char="•"/>
+            </a:pPr>
+            <a:r>
+              <a:rPr lang="en-US" dirty="0" smtClean="0"/>
+              <a:t>Kafka Streaming Architecture</a:t>
+            </a:r>
+            <a:endParaRPr lang="en-US" dirty="0" smtClean="0"/>
+          </a:p>
+        </p:txBody>
+      </p:sp>
+    </p:spTree>
+    <p:extLst>
+      <p:ext uri="{BB962C8B-B14F-4D97-AF65-F5344CB8AC3E}">
+        <p14:creationId xmlns:p14="http://schemas.microsoft.com/office/powerpoint/2010/main" val="3778348586"/>
+      </p:ext>
+    </p:extLst>
+  </p:cSld>
+  <p:clrMapOvr>
+    <a:masterClrMapping/>
+  </p:clrMapOvr>
+  <p:timing>
+    <p:tnLst>
+      <p:par>
+        <p:cTn id="1" dur="indefinite" restart="never" nodeType="tmRoot"/>
+      </p:par>
+    </p:tnLst>
+  </p:timing>
+</p:sld>
+</file>
+
+<file path=ppt/slides/slide78.xml><?xml version="1.0" encoding="utf-8"?>
+<p:sld xmlns:a="http://schemas.openxmlformats.org/drawingml/2006/main" xmlns:r="http://schemas.openxmlformats.org/officeDocument/2006/relationships" xmlns:p="http://schemas.openxmlformats.org/presentationml/2006/main">
+  <p:cSld>
+    <p:spTree>
+      <p:nvGrpSpPr>
+        <p:cNvPr id="1" name=""/>
+        <p:cNvGrpSpPr/>
+        <p:nvPr/>
+      </p:nvGrpSpPr>
+      <p:grpSpPr>
+        <a:xfrm>
+          <a:off x="0" y="0"/>
+          <a:ext cx="0" cy="0"/>
+          <a:chOff x="0" y="0"/>
+          <a:chExt cx="0" cy="0"/>
+        </a:xfrm>
+      </p:grpSpPr>
+      <p:sp>
+        <p:nvSpPr>
+          <p:cNvPr id="2" name="Title 1"/>
+          <p:cNvSpPr>
+            <a:spLocks noGrp="1"/>
+          </p:cNvSpPr>
+          <p:nvPr>
+            <p:ph type="title"/>
+          </p:nvPr>
+        </p:nvSpPr>
+        <p:spPr/>
+        <p:txBody>
+          <a:bodyPr>
+            <a:noAutofit/>
+          </a:bodyPr>
+          <a:lstStyle/>
+          <a:p>
+            <a:pPr lvl="1" algn="ctr" rtl="0">
+              <a:spcBef>
+                <a:spcPct val="0"/>
+              </a:spcBef>
+            </a:pPr>
+            <a:r>
+              <a:rPr lang="en-US" sz="3600" dirty="0" smtClean="0"/>
+              <a:t>Kafka Streams – Introduction - </a:t>
+            </a:r>
+            <a:r>
+              <a:rPr lang="en-US" sz="3600" dirty="0" smtClean="0"/>
+              <a:t>Day </a:t>
+            </a:r>
+            <a:r>
+              <a:rPr lang="en-US" sz="3600" dirty="0" smtClean="0"/>
+              <a:t>18</a:t>
+            </a:r>
+            <a:endParaRPr lang="en-US" sz="3600" dirty="0"/>
+          </a:p>
+        </p:txBody>
+      </p:sp>
+      <p:sp>
+        <p:nvSpPr>
+          <p:cNvPr id="3" name="Content Placeholder 2"/>
+          <p:cNvSpPr>
+            <a:spLocks noGrp="1"/>
+          </p:cNvSpPr>
+          <p:nvPr>
+            <p:ph idx="1"/>
+          </p:nvPr>
+        </p:nvSpPr>
+        <p:spPr/>
+        <p:txBody>
+          <a:bodyPr>
+            <a:normAutofit fontScale="92500" lnSpcReduction="20000"/>
+          </a:bodyPr>
+          <a:lstStyle/>
+          <a:p>
+            <a:pPr lvl="1">
+              <a:buFont typeface="Arial" panose="020B0604020202020204" pitchFamily="34" charset="0"/>
+              <a:buChar char="•"/>
+            </a:pPr>
+            <a:r>
+              <a:rPr lang="en-US" dirty="0" smtClean="0"/>
+              <a:t>Data Processing and transformation library within Kafka SDK</a:t>
+            </a:r>
+          </a:p>
+          <a:p>
+            <a:pPr lvl="1">
+              <a:buFont typeface="Arial" panose="020B0604020202020204" pitchFamily="34" charset="0"/>
+              <a:buChar char="•"/>
+            </a:pPr>
+            <a:endParaRPr lang="en-US" dirty="0" smtClean="0"/>
+          </a:p>
+          <a:p>
+            <a:pPr lvl="1">
+              <a:buFont typeface="Arial" panose="020B0604020202020204" pitchFamily="34" charset="0"/>
+              <a:buChar char="•"/>
+            </a:pPr>
+            <a:r>
+              <a:rPr lang="en-US" dirty="0" smtClean="0"/>
+              <a:t>Standard Java Application</a:t>
+            </a:r>
+          </a:p>
+          <a:p>
+            <a:pPr lvl="1">
+              <a:buFont typeface="Arial" panose="020B0604020202020204" pitchFamily="34" charset="0"/>
+              <a:buChar char="•"/>
+            </a:pPr>
+            <a:endParaRPr lang="en-US" dirty="0" smtClean="0"/>
+          </a:p>
+          <a:p>
+            <a:pPr lvl="1">
+              <a:buFont typeface="Arial" panose="020B0604020202020204" pitchFamily="34" charset="0"/>
+              <a:buChar char="•"/>
+            </a:pPr>
+            <a:r>
+              <a:rPr lang="en-US" dirty="0" smtClean="0"/>
+              <a:t>Highly Scalable, elastic, fault tolerant</a:t>
+            </a:r>
+          </a:p>
+          <a:p>
+            <a:pPr lvl="1">
+              <a:buFont typeface="Arial" panose="020B0604020202020204" pitchFamily="34" charset="0"/>
+              <a:buChar char="•"/>
+            </a:pPr>
+            <a:endParaRPr lang="en-US" dirty="0" smtClean="0"/>
+          </a:p>
+          <a:p>
+            <a:pPr lvl="1">
+              <a:buFont typeface="Arial" panose="020B0604020202020204" pitchFamily="34" charset="0"/>
+              <a:buChar char="•"/>
+            </a:pPr>
+            <a:r>
+              <a:rPr lang="en-US" dirty="0" smtClean="0"/>
+              <a:t>Exactly Ones Capability</a:t>
+            </a:r>
+          </a:p>
+          <a:p>
+            <a:pPr lvl="1">
+              <a:buFont typeface="Arial" panose="020B0604020202020204" pitchFamily="34" charset="0"/>
+              <a:buChar char="•"/>
+            </a:pPr>
+            <a:endParaRPr lang="en-US" dirty="0" smtClean="0"/>
+          </a:p>
+          <a:p>
+            <a:pPr lvl="1">
+              <a:buFont typeface="Arial" panose="020B0604020202020204" pitchFamily="34" charset="0"/>
+              <a:buChar char="•"/>
+            </a:pPr>
+            <a:r>
+              <a:rPr lang="en-US" dirty="0" smtClean="0"/>
+              <a:t>One Record at a time Processing. True streaming and not Batching</a:t>
+            </a:r>
+            <a:endParaRPr lang="en-US" dirty="0" smtClean="0"/>
+          </a:p>
+        </p:txBody>
+      </p:sp>
+    </p:spTree>
+    <p:extLst>
+      <p:ext uri="{BB962C8B-B14F-4D97-AF65-F5344CB8AC3E}">
+        <p14:creationId xmlns:p14="http://schemas.microsoft.com/office/powerpoint/2010/main" val="2161747199"/>
+      </p:ext>
+    </p:extLst>
+  </p:cSld>
+  <p:clrMapOvr>
+    <a:masterClrMapping/>
+  </p:clrMapOvr>
+  <p:timing>
+    <p:tnLst>
+      <p:par>
+        <p:cTn id="1" dur="indefinite" restart="never" nodeType="tmRoot"/>
+      </p:par>
+    </p:tnLst>
+  </p:timing>
+</p:sld>
+</file>
+
+<file path=ppt/slides/slide79.xml><?xml version="1.0" encoding="utf-8"?>
+<p:sld xmlns:a="http://schemas.openxmlformats.org/drawingml/2006/main" xmlns:r="http://schemas.openxmlformats.org/officeDocument/2006/relationships" xmlns:p="http://schemas.openxmlformats.org/presentationml/2006/main">
+  <p:cSld>
+    <p:spTree>
+      <p:nvGrpSpPr>
+        <p:cNvPr id="1" name=""/>
+        <p:cNvGrpSpPr/>
+        <p:nvPr/>
+      </p:nvGrpSpPr>
+      <p:grpSpPr>
+        <a:xfrm>
+          <a:off x="0" y="0"/>
+          <a:ext cx="0" cy="0"/>
+          <a:chOff x="0" y="0"/>
+          <a:chExt cx="0" cy="0"/>
+        </a:xfrm>
+      </p:grpSpPr>
+      <p:sp>
+        <p:nvSpPr>
+          <p:cNvPr id="2" name="Title 1"/>
+          <p:cNvSpPr>
+            <a:spLocks noGrp="1"/>
+          </p:cNvSpPr>
+          <p:nvPr>
+            <p:ph type="title"/>
+          </p:nvPr>
+        </p:nvSpPr>
+        <p:spPr/>
+        <p:txBody>
+          <a:bodyPr>
+            <a:noAutofit/>
+          </a:bodyPr>
+          <a:lstStyle/>
+          <a:p>
+            <a:pPr lvl="1" algn="ctr" rtl="0">
+              <a:spcBef>
+                <a:spcPct val="0"/>
+              </a:spcBef>
+            </a:pPr>
+            <a:r>
+              <a:rPr lang="en-US" sz="3600" dirty="0" smtClean="0"/>
+              <a:t>Streaming Frameworks - </a:t>
+            </a:r>
+            <a:r>
+              <a:rPr lang="en-US" sz="3600" dirty="0" smtClean="0"/>
+              <a:t>Day </a:t>
+            </a:r>
+            <a:r>
+              <a:rPr lang="en-US" sz="3600" dirty="0" smtClean="0"/>
+              <a:t>18</a:t>
+            </a:r>
+            <a:endParaRPr lang="en-US" sz="3600" dirty="0"/>
+          </a:p>
+        </p:txBody>
+      </p:sp>
+      <p:sp>
+        <p:nvSpPr>
+          <p:cNvPr id="3" name="Content Placeholder 2"/>
+          <p:cNvSpPr>
+            <a:spLocks noGrp="1"/>
+          </p:cNvSpPr>
+          <p:nvPr>
+            <p:ph idx="1"/>
+          </p:nvPr>
+        </p:nvSpPr>
+        <p:spPr/>
+        <p:txBody>
+          <a:bodyPr>
+            <a:normAutofit fontScale="92500" lnSpcReduction="10000"/>
+          </a:bodyPr>
+          <a:lstStyle/>
+          <a:p>
+            <a:pPr lvl="1">
+              <a:buFont typeface="Arial" panose="020B0604020202020204" pitchFamily="34" charset="0"/>
+              <a:buChar char="•"/>
+            </a:pPr>
+            <a:r>
+              <a:rPr lang="en-US" dirty="0" smtClean="0"/>
+              <a:t>Other Streaming Frameworks – </a:t>
+            </a:r>
+            <a:r>
+              <a:rPr lang="en-US" dirty="0" err="1" smtClean="0"/>
+              <a:t>Flink</a:t>
+            </a:r>
+            <a:r>
+              <a:rPr lang="en-US" dirty="0" smtClean="0"/>
+              <a:t>, Storm, Spark etc.,</a:t>
+            </a:r>
+          </a:p>
+          <a:p>
+            <a:pPr lvl="1">
+              <a:buFont typeface="Arial" panose="020B0604020202020204" pitchFamily="34" charset="0"/>
+              <a:buChar char="•"/>
+            </a:pPr>
+            <a:endParaRPr lang="en-US" dirty="0" smtClean="0"/>
+          </a:p>
+          <a:p>
+            <a:pPr lvl="1">
+              <a:buFont typeface="Arial" panose="020B0604020202020204" pitchFamily="34" charset="0"/>
+              <a:buChar char="•"/>
+            </a:pPr>
+            <a:r>
+              <a:rPr lang="en-US" dirty="0" smtClean="0"/>
+              <a:t>Micro batching vs per </a:t>
+            </a:r>
+            <a:r>
+              <a:rPr lang="en-US" dirty="0"/>
+              <a:t>D</a:t>
+            </a:r>
+            <a:r>
+              <a:rPr lang="en-US" dirty="0" smtClean="0"/>
+              <a:t>ata </a:t>
+            </a:r>
+            <a:r>
+              <a:rPr lang="en-US" dirty="0" smtClean="0"/>
+              <a:t>S</a:t>
+            </a:r>
+            <a:r>
+              <a:rPr lang="en-US" dirty="0" smtClean="0"/>
+              <a:t>treaming</a:t>
+            </a:r>
+          </a:p>
+          <a:p>
+            <a:pPr lvl="1">
+              <a:buFont typeface="Arial" panose="020B0604020202020204" pitchFamily="34" charset="0"/>
+              <a:buChar char="•"/>
+            </a:pPr>
+            <a:endParaRPr lang="en-US" dirty="0"/>
+          </a:p>
+          <a:p>
+            <a:pPr lvl="1">
+              <a:buFont typeface="Arial" panose="020B0604020202020204" pitchFamily="34" charset="0"/>
+              <a:buChar char="•"/>
+            </a:pPr>
+            <a:r>
+              <a:rPr lang="en-US" dirty="0" smtClean="0"/>
+              <a:t>Cluster versus No Cluster</a:t>
+            </a:r>
+          </a:p>
+          <a:p>
+            <a:pPr lvl="1">
+              <a:buFont typeface="Arial" panose="020B0604020202020204" pitchFamily="34" charset="0"/>
+              <a:buChar char="•"/>
+            </a:pPr>
+            <a:endParaRPr lang="en-US" dirty="0" smtClean="0"/>
+          </a:p>
+          <a:p>
+            <a:pPr lvl="1">
+              <a:buFont typeface="Arial" panose="020B0604020202020204" pitchFamily="34" charset="0"/>
+              <a:buChar char="•"/>
+            </a:pPr>
+            <a:r>
+              <a:rPr lang="en-US" dirty="0" smtClean="0"/>
+              <a:t>Scaling easily (No Configuration needed)</a:t>
+            </a:r>
+          </a:p>
+          <a:p>
+            <a:pPr lvl="1">
+              <a:buFont typeface="Arial" panose="020B0604020202020204" pitchFamily="34" charset="0"/>
+              <a:buChar char="•"/>
+            </a:pPr>
+            <a:endParaRPr lang="en-US" dirty="0" smtClean="0"/>
+          </a:p>
+          <a:p>
+            <a:pPr lvl="1">
+              <a:buFont typeface="Arial" panose="020B0604020202020204" pitchFamily="34" charset="0"/>
+              <a:buChar char="•"/>
+            </a:pPr>
+            <a:r>
+              <a:rPr lang="en-US" dirty="0" smtClean="0"/>
+              <a:t>Exactly Ones vs At least Ones</a:t>
+            </a:r>
+          </a:p>
+          <a:p>
+            <a:pPr lvl="1">
+              <a:buFont typeface="Arial" panose="020B0604020202020204" pitchFamily="34" charset="0"/>
+              <a:buChar char="•"/>
+            </a:pPr>
+            <a:endParaRPr lang="en-US" dirty="0" smtClean="0"/>
+          </a:p>
+        </p:txBody>
+      </p:sp>
+    </p:spTree>
+    <p:extLst>
+      <p:ext uri="{BB962C8B-B14F-4D97-AF65-F5344CB8AC3E}">
+        <p14:creationId xmlns:p14="http://schemas.microsoft.com/office/powerpoint/2010/main" val="3008349822"/>
       </p:ext>
     </p:extLst>
   </p:cSld>
@@ -15604,6 +16299,383 @@
     <p:extLst>
       <p:ext uri="{BB962C8B-B14F-4D97-AF65-F5344CB8AC3E}">
         <p14:creationId xmlns:p14="http://schemas.microsoft.com/office/powerpoint/2010/main" val="3037516435"/>
+      </p:ext>
+    </p:extLst>
+  </p:cSld>
+  <p:clrMapOvr>
+    <a:masterClrMapping/>
+  </p:clrMapOvr>
+  <p:timing>
+    <p:tnLst>
+      <p:par>
+        <p:cTn id="1" dur="indefinite" restart="never" nodeType="tmRoot"/>
+      </p:par>
+    </p:tnLst>
+  </p:timing>
+</p:sld>
+</file>
+
+<file path=ppt/slides/slide80.xml><?xml version="1.0" encoding="utf-8"?>
+<p:sld xmlns:a="http://schemas.openxmlformats.org/drawingml/2006/main" xmlns:r="http://schemas.openxmlformats.org/officeDocument/2006/relationships" xmlns:p="http://schemas.openxmlformats.org/presentationml/2006/main">
+  <p:cSld>
+    <p:spTree>
+      <p:nvGrpSpPr>
+        <p:cNvPr id="1" name=""/>
+        <p:cNvGrpSpPr/>
+        <p:nvPr/>
+      </p:nvGrpSpPr>
+      <p:grpSpPr>
+        <a:xfrm>
+          <a:off x="0" y="0"/>
+          <a:ext cx="0" cy="0"/>
+          <a:chOff x="0" y="0"/>
+          <a:chExt cx="0" cy="0"/>
+        </a:xfrm>
+      </p:grpSpPr>
+      <p:sp>
+        <p:nvSpPr>
+          <p:cNvPr id="2" name="Title 1"/>
+          <p:cNvSpPr>
+            <a:spLocks noGrp="1"/>
+          </p:cNvSpPr>
+          <p:nvPr>
+            <p:ph type="title"/>
+          </p:nvPr>
+        </p:nvSpPr>
+        <p:spPr/>
+        <p:txBody>
+          <a:bodyPr>
+            <a:noAutofit/>
+          </a:bodyPr>
+          <a:lstStyle/>
+          <a:p>
+            <a:pPr lvl="1" algn="ctr" rtl="0">
+              <a:spcBef>
+                <a:spcPct val="0"/>
+              </a:spcBef>
+            </a:pPr>
+            <a:r>
+              <a:rPr lang="en-US" sz="3600" dirty="0" smtClean="0"/>
+              <a:t>Kafka Streaming Concepts – Day 18</a:t>
+            </a:r>
+            <a:endParaRPr lang="en-US" sz="3600" dirty="0"/>
+          </a:p>
+        </p:txBody>
+      </p:sp>
+      <p:sp>
+        <p:nvSpPr>
+          <p:cNvPr id="4" name="TextBox 3"/>
+          <p:cNvSpPr txBox="1"/>
+          <p:nvPr/>
+        </p:nvSpPr>
+        <p:spPr>
+          <a:xfrm>
+            <a:off x="899592" y="1763524"/>
+            <a:ext cx="3600400" cy="4524315"/>
+          </a:xfrm>
+          <a:prstGeom prst="rect">
+            <a:avLst/>
+          </a:prstGeom>
+          <a:noFill/>
+        </p:spPr>
+        <p:txBody>
+          <a:bodyPr wrap="square" rtlCol="0">
+            <a:spAutoFit/>
+          </a:bodyPr>
+          <a:lstStyle/>
+          <a:p>
+            <a:r>
+              <a:rPr lang="en-US" b="1" dirty="0" smtClean="0"/>
+              <a:t>Stream</a:t>
+            </a:r>
+          </a:p>
+          <a:p>
+            <a:r>
+              <a:rPr lang="en-US" dirty="0" smtClean="0"/>
+              <a:t>Is a sequence of immutable data records that is ordered, can be replayed, and is fault tolerant </a:t>
+            </a:r>
+          </a:p>
+          <a:p>
+            <a:endParaRPr lang="en-US" dirty="0" smtClean="0"/>
+          </a:p>
+          <a:p>
+            <a:endParaRPr lang="en-US" dirty="0"/>
+          </a:p>
+          <a:p>
+            <a:r>
+              <a:rPr lang="en-US" b="1" dirty="0" smtClean="0"/>
+              <a:t>Processors</a:t>
+            </a:r>
+          </a:p>
+          <a:p>
+            <a:r>
+              <a:rPr lang="en-US" dirty="0"/>
+              <a:t>Is a Node </a:t>
+            </a:r>
+            <a:r>
+              <a:rPr lang="en-US" dirty="0" smtClean="0"/>
+              <a:t>in the processor topology (graph). It transforms incoming streams record by record and may create a new stream from it.</a:t>
+            </a:r>
+          </a:p>
+          <a:p>
+            <a:endParaRPr lang="en-US" dirty="0"/>
+          </a:p>
+          <a:p>
+            <a:r>
+              <a:rPr lang="en-US" b="1" dirty="0" smtClean="0"/>
+              <a:t>Topology</a:t>
+            </a:r>
+          </a:p>
+          <a:p>
+            <a:r>
+              <a:rPr lang="en-US" dirty="0" smtClean="0"/>
+              <a:t>Is a graph of processors chained together by streams</a:t>
+            </a:r>
+            <a:endParaRPr lang="en-US" dirty="0"/>
+          </a:p>
+          <a:p>
+            <a:endParaRPr lang="en-US" dirty="0"/>
+          </a:p>
+        </p:txBody>
+      </p:sp>
+      <p:pic>
+        <p:nvPicPr>
+          <p:cNvPr id="1028" name="Picture 4"/>
+          <p:cNvPicPr>
+            <a:picLocks noChangeAspect="1" noChangeArrowheads="1"/>
+          </p:cNvPicPr>
+          <p:nvPr/>
+        </p:nvPicPr>
+        <p:blipFill>
+          <a:blip r:embed="rId2">
+            <a:extLst>
+              <a:ext uri="{28A0092B-C50C-407E-A947-70E740481C1C}">
+                <a14:useLocalDpi xmlns:a14="http://schemas.microsoft.com/office/drawing/2010/main" val="0"/>
+              </a:ext>
+            </a:extLst>
+          </a:blip>
+          <a:srcRect/>
+          <a:stretch>
+            <a:fillRect/>
+          </a:stretch>
+        </p:blipFill>
+        <p:spPr bwMode="auto">
+          <a:xfrm>
+            <a:off x="4499992" y="1484784"/>
+            <a:ext cx="4083546" cy="4850492"/>
+          </a:xfrm>
+          <a:prstGeom prst="rect">
+            <a:avLst/>
+          </a:prstGeom>
+          <a:noFill/>
+          <a:ln>
+            <a:noFill/>
+          </a:ln>
+          <a:extLst>
+            <a:ext uri="{909E8E84-426E-40DD-AFC4-6F175D3DCCD1}">
+              <a14:hiddenFill xmlns:a14="http://schemas.microsoft.com/office/drawing/2010/main">
+                <a:solidFill>
+                  <a:schemeClr val="accent1"/>
+                </a:solidFill>
+              </a14:hiddenFill>
+            </a:ext>
+            <a:ext uri="{91240B29-F687-4F45-9708-019B960494DF}">
+              <a14:hiddenLine xmlns:a14="http://schemas.microsoft.com/office/drawing/2010/main" w="9525">
+                <a:solidFill>
+                  <a:schemeClr val="tx1"/>
+                </a:solidFill>
+                <a:miter lim="800000"/>
+                <a:headEnd/>
+                <a:tailEnd/>
+              </a14:hiddenLine>
+            </a:ext>
+          </a:extLst>
+        </p:spPr>
+      </p:pic>
+    </p:spTree>
+    <p:extLst>
+      <p:ext uri="{BB962C8B-B14F-4D97-AF65-F5344CB8AC3E}">
+        <p14:creationId xmlns:p14="http://schemas.microsoft.com/office/powerpoint/2010/main" val="3328676338"/>
+      </p:ext>
+    </p:extLst>
+  </p:cSld>
+  <p:clrMapOvr>
+    <a:masterClrMapping/>
+  </p:clrMapOvr>
+  <p:timing>
+    <p:tnLst>
+      <p:par>
+        <p:cTn id="1" dur="indefinite" restart="never" nodeType="tmRoot"/>
+      </p:par>
+    </p:tnLst>
+  </p:timing>
+</p:sld>
+</file>
+
+<file path=ppt/slides/slide81.xml><?xml version="1.0" encoding="utf-8"?>
+<p:sld xmlns:a="http://schemas.openxmlformats.org/drawingml/2006/main" xmlns:r="http://schemas.openxmlformats.org/officeDocument/2006/relationships" xmlns:p="http://schemas.openxmlformats.org/presentationml/2006/main">
+  <p:cSld>
+    <p:spTree>
+      <p:nvGrpSpPr>
+        <p:cNvPr id="1" name=""/>
+        <p:cNvGrpSpPr/>
+        <p:nvPr/>
+      </p:nvGrpSpPr>
+      <p:grpSpPr>
+        <a:xfrm>
+          <a:off x="0" y="0"/>
+          <a:ext cx="0" cy="0"/>
+          <a:chOff x="0" y="0"/>
+          <a:chExt cx="0" cy="0"/>
+        </a:xfrm>
+      </p:grpSpPr>
+      <p:sp>
+        <p:nvSpPr>
+          <p:cNvPr id="2" name="Title 1"/>
+          <p:cNvSpPr>
+            <a:spLocks noGrp="1"/>
+          </p:cNvSpPr>
+          <p:nvPr>
+            <p:ph type="title"/>
+          </p:nvPr>
+        </p:nvSpPr>
+        <p:spPr/>
+        <p:txBody>
+          <a:bodyPr>
+            <a:noAutofit/>
+          </a:bodyPr>
+          <a:lstStyle/>
+          <a:p>
+            <a:pPr lvl="1" algn="ctr" rtl="0">
+              <a:spcBef>
+                <a:spcPct val="0"/>
+              </a:spcBef>
+            </a:pPr>
+            <a:r>
+              <a:rPr lang="en-US" sz="3600" dirty="0" smtClean="0"/>
+              <a:t>Kafka Streaming Concepts… – Day 18</a:t>
+            </a:r>
+            <a:endParaRPr lang="en-US" sz="3600" dirty="0"/>
+          </a:p>
+        </p:txBody>
+      </p:sp>
+      <p:sp>
+        <p:nvSpPr>
+          <p:cNvPr id="4" name="TextBox 3"/>
+          <p:cNvSpPr txBox="1"/>
+          <p:nvPr/>
+        </p:nvSpPr>
+        <p:spPr>
+          <a:xfrm>
+            <a:off x="899592" y="1763524"/>
+            <a:ext cx="3600400" cy="4524315"/>
+          </a:xfrm>
+          <a:prstGeom prst="rect">
+            <a:avLst/>
+          </a:prstGeom>
+          <a:noFill/>
+        </p:spPr>
+        <p:txBody>
+          <a:bodyPr wrap="square" rtlCol="0">
+            <a:spAutoFit/>
+          </a:bodyPr>
+          <a:lstStyle/>
+          <a:p>
+            <a:r>
+              <a:rPr lang="en-US" b="1" dirty="0" smtClean="0"/>
+              <a:t>Source Processor</a:t>
+            </a:r>
+          </a:p>
+          <a:p>
+            <a:r>
+              <a:rPr lang="en-US" dirty="0" smtClean="0"/>
+              <a:t>Is Special Processor that takes its data directly from a Kafka Topic. It has no predecessor Processor in a Topology and does not transform data. It however generates a Stream.</a:t>
+            </a:r>
+          </a:p>
+          <a:p>
+            <a:endParaRPr lang="en-US" dirty="0" smtClean="0"/>
+          </a:p>
+          <a:p>
+            <a:endParaRPr lang="en-US" dirty="0"/>
+          </a:p>
+          <a:p>
+            <a:r>
+              <a:rPr lang="en-US" b="1" dirty="0" smtClean="0"/>
+              <a:t>Sink Processor</a:t>
+            </a:r>
+          </a:p>
+          <a:p>
+            <a:r>
+              <a:rPr lang="en-US" dirty="0" smtClean="0"/>
+              <a:t>Is the Special Processor that does not have successors in a Topology. It sends the Stream data to the Kafka Topic directly.</a:t>
+            </a:r>
+          </a:p>
+          <a:p>
+            <a:endParaRPr lang="en-US" dirty="0"/>
+          </a:p>
+          <a:p>
+            <a:endParaRPr lang="en-US" dirty="0"/>
+          </a:p>
+        </p:txBody>
+      </p:sp>
+      <p:pic>
+        <p:nvPicPr>
+          <p:cNvPr id="2050" name="Picture 2"/>
+          <p:cNvPicPr>
+            <a:picLocks noChangeAspect="1" noChangeArrowheads="1"/>
+          </p:cNvPicPr>
+          <p:nvPr/>
+        </p:nvPicPr>
+        <p:blipFill>
+          <a:blip r:embed="rId2">
+            <a:extLst>
+              <a:ext uri="{28A0092B-C50C-407E-A947-70E740481C1C}">
+                <a14:useLocalDpi xmlns:a14="http://schemas.microsoft.com/office/drawing/2010/main" val="0"/>
+              </a:ext>
+            </a:extLst>
+          </a:blip>
+          <a:srcRect/>
+          <a:stretch>
+            <a:fillRect/>
+          </a:stretch>
+        </p:blipFill>
+        <p:spPr bwMode="auto">
+          <a:xfrm>
+            <a:off x="4427985" y="1556793"/>
+            <a:ext cx="4176463" cy="4464496"/>
+          </a:xfrm>
+          <a:prstGeom prst="rect">
+            <a:avLst/>
+          </a:prstGeom>
+          <a:noFill/>
+          <a:ln>
+            <a:noFill/>
+          </a:ln>
+          <a:extLst>
+            <a:ext uri="{909E8E84-426E-40DD-AFC4-6F175D3DCCD1}">
+              <a14:hiddenFill xmlns:a14="http://schemas.microsoft.com/office/drawing/2010/main">
+                <a:solidFill>
+                  <a:schemeClr val="accent1"/>
+                </a:solidFill>
+              </a14:hiddenFill>
+            </a:ext>
+            <a:ext uri="{91240B29-F687-4F45-9708-019B960494DF}">
+              <a14:hiddenLine xmlns:a14="http://schemas.microsoft.com/office/drawing/2010/main" w="9525">
+                <a:solidFill>
+                  <a:schemeClr val="tx1"/>
+                </a:solidFill>
+                <a:miter lim="800000"/>
+                <a:headEnd/>
+                <a:tailEnd/>
+              </a14:hiddenLine>
+            </a:ext>
+          </a:extLst>
+        </p:spPr>
+      </p:pic>
+    </p:spTree>
+    <p:extLst>
+      <p:ext uri="{BB962C8B-B14F-4D97-AF65-F5344CB8AC3E}">
+        <p14:creationId xmlns:p14="http://schemas.microsoft.com/office/powerpoint/2010/main" val="3560049508"/>
       </p:ext>
     </p:extLst>
   </p:cSld>

--- a/PPT/Kafka-Teaching-Flow.pptx
+++ b/PPT/Kafka-Teaching-Flow.pptx
@@ -86,6 +86,13 @@
     <p:sldId id="341" r:id="rId80"/>
     <p:sldId id="342" r:id="rId81"/>
     <p:sldId id="343" r:id="rId82"/>
+    <p:sldId id="344" r:id="rId83"/>
+    <p:sldId id="345" r:id="rId84"/>
+    <p:sldId id="346" r:id="rId85"/>
+    <p:sldId id="347" r:id="rId86"/>
+    <p:sldId id="348" r:id="rId87"/>
+    <p:sldId id="349" r:id="rId88"/>
+    <p:sldId id="350" r:id="rId89"/>
   </p:sldIdLst>
   <p:sldSz cx="9144000" cy="6858000" type="screen4x3"/>
   <p:notesSz cx="6858000" cy="9144000"/>
@@ -15458,11 +15465,7 @@
           <a:p>
             <a:r>
               <a:rPr lang="en-US" dirty="0" smtClean="0"/>
-              <a:t>Day </a:t>
-            </a:r>
-            <a:r>
-              <a:rPr lang="en-US" dirty="0" smtClean="0"/>
-              <a:t>18</a:t>
+              <a:t>Day 18</a:t>
             </a:r>
             <a:endParaRPr lang="en-US" dirty="0"/>
           </a:p>
@@ -15512,7 +15515,6 @@
               <a:rPr lang="en-US" dirty="0" smtClean="0"/>
               <a:t>Handling Data Streams from Kafka Topics</a:t>
             </a:r>
-            <a:endParaRPr lang="en-US" dirty="0" smtClean="0"/>
           </a:p>
           <a:p>
             <a:pPr lvl="1">
@@ -15594,11 +15596,7 @@
           <a:p>
             <a:r>
               <a:rPr lang="en-US" dirty="0" smtClean="0"/>
-              <a:t>Agenda - Day </a:t>
-            </a:r>
-            <a:r>
-              <a:rPr lang="en-US" dirty="0" smtClean="0"/>
-              <a:t>18</a:t>
+              <a:t>Agenda - Day 18</a:t>
             </a:r>
             <a:endParaRPr lang="en-US" dirty="0"/>
           </a:p>
@@ -15617,7 +15615,7 @@
         <p:spPr/>
         <p:txBody>
           <a:bodyPr>
-            <a:normAutofit fontScale="85000" lnSpcReduction="20000"/>
+            <a:normAutofit fontScale="92500" lnSpcReduction="10000"/>
           </a:bodyPr>
           <a:lstStyle/>
           <a:p>
@@ -15700,7 +15698,6 @@
               <a:rPr lang="en-US" dirty="0" smtClean="0"/>
               <a:t>Kafka Streaming Concepts</a:t>
             </a:r>
-            <a:endParaRPr lang="en-US" dirty="0" smtClean="0"/>
           </a:p>
           <a:p>
             <a:pPr lvl="1">
@@ -15721,17 +15718,6 @@
           </a:p>
           <a:p>
             <a:pPr lvl="2"/>
-            <a:endParaRPr lang="en-US" dirty="0" smtClean="0"/>
-          </a:p>
-          <a:p>
-            <a:pPr lvl="1">
-              <a:buFont typeface="Arial" panose="020B0604020202020204" pitchFamily="34" charset="0"/>
-              <a:buChar char="•"/>
-            </a:pPr>
-            <a:r>
-              <a:rPr lang="en-US" dirty="0" smtClean="0"/>
-              <a:t>Kafka Streaming Architecture</a:t>
-            </a:r>
             <a:endParaRPr lang="en-US" dirty="0" smtClean="0"/>
           </a:p>
         </p:txBody>
@@ -15797,15 +15783,7 @@
             </a:pPr>
             <a:r>
               <a:rPr lang="en-US" sz="3600" dirty="0" smtClean="0"/>
-              <a:t>Kafka Streams – Introduction - </a:t>
-            </a:r>
-            <a:r>
-              <a:rPr lang="en-US" sz="3600" dirty="0" smtClean="0"/>
-              <a:t>Day </a:t>
-            </a:r>
-            <a:r>
-              <a:rPr lang="en-US" sz="3600" dirty="0" smtClean="0"/>
-              <a:t>18</a:t>
+              <a:t>Kafka Streams – Introduction - Day 18</a:t>
             </a:r>
             <a:endParaRPr lang="en-US" sz="3600" dirty="0"/>
           </a:p>
@@ -15904,7 +15882,6 @@
               <a:rPr lang="en-US" dirty="0" smtClean="0"/>
               <a:t>One Record at a time Processing. True streaming and not Batching</a:t>
             </a:r>
-            <a:endParaRPr lang="en-US" dirty="0" smtClean="0"/>
           </a:p>
         </p:txBody>
       </p:sp>
@@ -15969,15 +15946,7 @@
             </a:pPr>
             <a:r>
               <a:rPr lang="en-US" sz="3600" dirty="0" smtClean="0"/>
-              <a:t>Streaming Frameworks - </a:t>
-            </a:r>
-            <a:r>
-              <a:rPr lang="en-US" sz="3600" dirty="0" smtClean="0"/>
-              <a:t>Day </a:t>
-            </a:r>
-            <a:r>
-              <a:rPr lang="en-US" sz="3600" dirty="0" smtClean="0"/>
-              <a:t>18</a:t>
+              <a:t>Streaming Frameworks - Day 18</a:t>
             </a:r>
             <a:endParaRPr lang="en-US" sz="3600" dirty="0"/>
           </a:p>
@@ -16039,15 +16008,7 @@
             </a:r>
             <a:r>
               <a:rPr lang="en-US" dirty="0" smtClean="0"/>
-              <a:t>ata </a:t>
-            </a:r>
-            <a:r>
-              <a:rPr lang="en-US" dirty="0" smtClean="0"/>
-              <a:t>S</a:t>
-            </a:r>
-            <a:r>
-              <a:rPr lang="en-US" dirty="0" smtClean="0"/>
-              <a:t>treaming</a:t>
+              <a:t>ata Streaming</a:t>
             </a:r>
           </a:p>
           <a:p>
@@ -16620,7 +16581,7 @@
       </p:sp>
       <p:pic>
         <p:nvPicPr>
-          <p:cNvPr id="2050" name="Picture 2"/>
+          <p:cNvPr id="1026" name="Picture 2"/>
           <p:cNvPicPr>
             <a:picLocks noChangeAspect="1" noChangeArrowheads="1"/>
           </p:cNvPicPr>
@@ -16641,8 +16602,8 @@
         </p:blipFill>
         <p:spPr bwMode="auto">
           <a:xfrm>
-            <a:off x="4427985" y="1556793"/>
-            <a:ext cx="4176463" cy="4464496"/>
+            <a:off x="4283968" y="1484784"/>
+            <a:ext cx="4610274" cy="5154856"/>
           </a:xfrm>
           <a:prstGeom prst="rect">
             <a:avLst/>
@@ -16676,6 +16637,1597 @@
     <p:extLst>
       <p:ext uri="{BB962C8B-B14F-4D97-AF65-F5344CB8AC3E}">
         <p14:creationId xmlns:p14="http://schemas.microsoft.com/office/powerpoint/2010/main" val="3560049508"/>
+      </p:ext>
+    </p:extLst>
+  </p:cSld>
+  <p:clrMapOvr>
+    <a:masterClrMapping/>
+  </p:clrMapOvr>
+  <p:timing>
+    <p:tnLst>
+      <p:par>
+        <p:cTn id="1" dur="indefinite" restart="never" nodeType="tmRoot"/>
+      </p:par>
+    </p:tnLst>
+  </p:timing>
+</p:sld>
+</file>
+
+<file path=ppt/slides/slide82.xml><?xml version="1.0" encoding="utf-8"?>
+<p:sld xmlns:a="http://schemas.openxmlformats.org/drawingml/2006/main" xmlns:r="http://schemas.openxmlformats.org/officeDocument/2006/relationships" xmlns:p="http://schemas.openxmlformats.org/presentationml/2006/main">
+  <p:cSld>
+    <p:spTree>
+      <p:nvGrpSpPr>
+        <p:cNvPr id="1" name=""/>
+        <p:cNvGrpSpPr/>
+        <p:nvPr/>
+      </p:nvGrpSpPr>
+      <p:grpSpPr>
+        <a:xfrm>
+          <a:off x="0" y="0"/>
+          <a:ext cx="0" cy="0"/>
+          <a:chOff x="0" y="0"/>
+          <a:chExt cx="0" cy="0"/>
+        </a:xfrm>
+      </p:grpSpPr>
+      <p:sp>
+        <p:nvSpPr>
+          <p:cNvPr id="2" name="Title 1"/>
+          <p:cNvSpPr>
+            <a:spLocks noGrp="1"/>
+          </p:cNvSpPr>
+          <p:nvPr>
+            <p:ph type="title"/>
+          </p:nvPr>
+        </p:nvSpPr>
+        <p:spPr/>
+        <p:txBody>
+          <a:bodyPr/>
+          <a:lstStyle/>
+          <a:p>
+            <a:r>
+              <a:rPr lang="en-US" dirty="0" smtClean="0"/>
+              <a:t>Day </a:t>
+            </a:r>
+            <a:r>
+              <a:rPr lang="en-US" dirty="0" smtClean="0"/>
+              <a:t>19</a:t>
+            </a:r>
+            <a:endParaRPr lang="en-US" dirty="0"/>
+          </a:p>
+        </p:txBody>
+      </p:sp>
+      <p:sp>
+        <p:nvSpPr>
+          <p:cNvPr id="3" name="Content Placeholder 2"/>
+          <p:cNvSpPr>
+            <a:spLocks noGrp="1"/>
+          </p:cNvSpPr>
+          <p:nvPr>
+            <p:ph idx="1"/>
+          </p:nvPr>
+        </p:nvSpPr>
+        <p:spPr/>
+        <p:txBody>
+          <a:bodyPr>
+            <a:normAutofit/>
+          </a:bodyPr>
+          <a:lstStyle/>
+          <a:p>
+            <a:pPr marL="0" indent="0">
+              <a:buNone/>
+            </a:pPr>
+            <a:r>
+              <a:rPr lang="en-US" b="1" dirty="0" smtClean="0"/>
+              <a:t>Theme</a:t>
+            </a:r>
+          </a:p>
+          <a:p>
+            <a:pPr lvl="1"/>
+            <a:endParaRPr lang="en-US" dirty="0" smtClean="0"/>
+          </a:p>
+          <a:p>
+            <a:pPr marL="457200" lvl="1" indent="0">
+              <a:buNone/>
+            </a:pPr>
+            <a:endParaRPr lang="en-US" dirty="0"/>
+          </a:p>
+          <a:p>
+            <a:pPr lvl="1">
+              <a:buFont typeface="Arial" panose="020B0604020202020204" pitchFamily="34" charset="0"/>
+              <a:buChar char="•"/>
+            </a:pPr>
+            <a:r>
+              <a:rPr lang="en-US" dirty="0" smtClean="0"/>
+              <a:t>Kafka Streams Architecture and DSL (Domain Specific Language)</a:t>
+            </a:r>
+            <a:endParaRPr lang="en-US" dirty="0" smtClean="0"/>
+          </a:p>
+          <a:p>
+            <a:pPr lvl="1">
+              <a:buFont typeface="Arial" panose="020B0604020202020204" pitchFamily="34" charset="0"/>
+              <a:buChar char="•"/>
+            </a:pPr>
+            <a:endParaRPr lang="en-US" dirty="0" smtClean="0"/>
+          </a:p>
+          <a:p>
+            <a:pPr lvl="1">
+              <a:buFont typeface="Arial" panose="020B0604020202020204" pitchFamily="34" charset="0"/>
+              <a:buChar char="•"/>
+            </a:pPr>
+            <a:endParaRPr lang="en-US" dirty="0" smtClean="0"/>
+          </a:p>
+          <a:p>
+            <a:pPr marL="457200" lvl="1" indent="0">
+              <a:buNone/>
+            </a:pPr>
+            <a:endParaRPr lang="en-US" dirty="0" smtClean="0"/>
+          </a:p>
+          <a:p>
+            <a:pPr lvl="1"/>
+            <a:endParaRPr lang="en-US" dirty="0" smtClean="0"/>
+          </a:p>
+        </p:txBody>
+      </p:sp>
+    </p:spTree>
+    <p:extLst>
+      <p:ext uri="{BB962C8B-B14F-4D97-AF65-F5344CB8AC3E}">
+        <p14:creationId xmlns:p14="http://schemas.microsoft.com/office/powerpoint/2010/main" val="3136989568"/>
+      </p:ext>
+    </p:extLst>
+  </p:cSld>
+  <p:clrMapOvr>
+    <a:masterClrMapping/>
+  </p:clrMapOvr>
+  <p:timing>
+    <p:tnLst>
+      <p:par>
+        <p:cTn id="1" dur="indefinite" restart="never" nodeType="tmRoot"/>
+      </p:par>
+    </p:tnLst>
+  </p:timing>
+</p:sld>
+</file>
+
+<file path=ppt/slides/slide83.xml><?xml version="1.0" encoding="utf-8"?>
+<p:sld xmlns:a="http://schemas.openxmlformats.org/drawingml/2006/main" xmlns:r="http://schemas.openxmlformats.org/officeDocument/2006/relationships" xmlns:p="http://schemas.openxmlformats.org/presentationml/2006/main">
+  <p:cSld>
+    <p:spTree>
+      <p:nvGrpSpPr>
+        <p:cNvPr id="1" name=""/>
+        <p:cNvGrpSpPr/>
+        <p:nvPr/>
+      </p:nvGrpSpPr>
+      <p:grpSpPr>
+        <a:xfrm>
+          <a:off x="0" y="0"/>
+          <a:ext cx="0" cy="0"/>
+          <a:chOff x="0" y="0"/>
+          <a:chExt cx="0" cy="0"/>
+        </a:xfrm>
+      </p:grpSpPr>
+      <p:sp>
+        <p:nvSpPr>
+          <p:cNvPr id="2" name="Title 1"/>
+          <p:cNvSpPr>
+            <a:spLocks noGrp="1"/>
+          </p:cNvSpPr>
+          <p:nvPr>
+            <p:ph type="title"/>
+          </p:nvPr>
+        </p:nvSpPr>
+        <p:spPr/>
+        <p:txBody>
+          <a:bodyPr/>
+          <a:lstStyle/>
+          <a:p>
+            <a:r>
+              <a:rPr lang="en-US" dirty="0" smtClean="0"/>
+              <a:t>Agenda - Day </a:t>
+            </a:r>
+            <a:r>
+              <a:rPr lang="en-US" dirty="0" smtClean="0"/>
+              <a:t>19</a:t>
+            </a:r>
+            <a:endParaRPr lang="en-US" dirty="0"/>
+          </a:p>
+        </p:txBody>
+      </p:sp>
+      <p:sp>
+        <p:nvSpPr>
+          <p:cNvPr id="3" name="Content Placeholder 2"/>
+          <p:cNvSpPr>
+            <a:spLocks noGrp="1"/>
+          </p:cNvSpPr>
+          <p:nvPr>
+            <p:ph idx="1"/>
+          </p:nvPr>
+        </p:nvSpPr>
+        <p:spPr/>
+        <p:txBody>
+          <a:bodyPr>
+            <a:normAutofit/>
+          </a:bodyPr>
+          <a:lstStyle/>
+          <a:p>
+            <a:pPr lvl="1">
+              <a:buFont typeface="Arial" panose="020B0604020202020204" pitchFamily="34" charset="0"/>
+              <a:buChar char="•"/>
+            </a:pPr>
+            <a:endParaRPr lang="en-US" dirty="0" smtClean="0"/>
+          </a:p>
+          <a:p>
+            <a:pPr lvl="1">
+              <a:buFont typeface="Arial" panose="020B0604020202020204" pitchFamily="34" charset="0"/>
+              <a:buChar char="•"/>
+            </a:pPr>
+            <a:r>
+              <a:rPr lang="en-US" dirty="0"/>
+              <a:t>Day </a:t>
+            </a:r>
+            <a:r>
+              <a:rPr lang="en-US" dirty="0" smtClean="0"/>
+              <a:t>18 Recap </a:t>
+            </a:r>
+            <a:r>
+              <a:rPr lang="en-US" dirty="0"/>
+              <a:t>&amp; </a:t>
+            </a:r>
+            <a:r>
+              <a:rPr lang="en-US" dirty="0" err="1"/>
+              <a:t>QnA</a:t>
+            </a:r>
+            <a:endParaRPr lang="en-US" dirty="0"/>
+          </a:p>
+          <a:p>
+            <a:pPr lvl="1">
+              <a:buFont typeface="Arial" panose="020B0604020202020204" pitchFamily="34" charset="0"/>
+              <a:buChar char="•"/>
+            </a:pPr>
+            <a:endParaRPr lang="en-US" dirty="0" smtClean="0"/>
+          </a:p>
+          <a:p>
+            <a:pPr lvl="1">
+              <a:buFont typeface="Arial" panose="020B0604020202020204" pitchFamily="34" charset="0"/>
+              <a:buChar char="•"/>
+            </a:pPr>
+            <a:r>
+              <a:rPr lang="en-US" dirty="0" smtClean="0"/>
+              <a:t>Kafka Streams </a:t>
+            </a:r>
+            <a:r>
+              <a:rPr lang="en-US" dirty="0" smtClean="0"/>
+              <a:t>Architecture</a:t>
+            </a:r>
+          </a:p>
+          <a:p>
+            <a:pPr lvl="1">
+              <a:buFont typeface="Arial" panose="020B0604020202020204" pitchFamily="34" charset="0"/>
+              <a:buChar char="•"/>
+            </a:pPr>
+            <a:endParaRPr lang="en-US" dirty="0"/>
+          </a:p>
+          <a:p>
+            <a:pPr lvl="1">
+              <a:buFont typeface="Arial" panose="020B0604020202020204" pitchFamily="34" charset="0"/>
+              <a:buChar char="•"/>
+            </a:pPr>
+            <a:r>
+              <a:rPr lang="en-US" dirty="0" smtClean="0"/>
+              <a:t>DSL (Domain Specific Language)</a:t>
+            </a:r>
+          </a:p>
+          <a:p>
+            <a:pPr lvl="1">
+              <a:buFont typeface="Arial" panose="020B0604020202020204" pitchFamily="34" charset="0"/>
+              <a:buChar char="•"/>
+            </a:pPr>
+            <a:endParaRPr lang="en-US" dirty="0" smtClean="0"/>
+          </a:p>
+          <a:p>
+            <a:pPr lvl="1">
+              <a:buFont typeface="Arial" panose="020B0604020202020204" pitchFamily="34" charset="0"/>
+              <a:buChar char="•"/>
+            </a:pPr>
+            <a:r>
+              <a:rPr lang="en-US" dirty="0" smtClean="0"/>
+              <a:t>Word Count Kafka Streams Application</a:t>
+            </a:r>
+          </a:p>
+          <a:p>
+            <a:pPr lvl="1">
+              <a:buFont typeface="Arial" panose="020B0604020202020204" pitchFamily="34" charset="0"/>
+              <a:buChar char="•"/>
+            </a:pPr>
+            <a:endParaRPr lang="en-US" dirty="0" smtClean="0"/>
+          </a:p>
+        </p:txBody>
+      </p:sp>
+    </p:spTree>
+    <p:extLst>
+      <p:ext uri="{BB962C8B-B14F-4D97-AF65-F5344CB8AC3E}">
+        <p14:creationId xmlns:p14="http://schemas.microsoft.com/office/powerpoint/2010/main" val="1644731843"/>
+      </p:ext>
+    </p:extLst>
+  </p:cSld>
+  <p:clrMapOvr>
+    <a:masterClrMapping/>
+  </p:clrMapOvr>
+  <p:timing>
+    <p:tnLst>
+      <p:par>
+        <p:cTn id="1" dur="indefinite" restart="never" nodeType="tmRoot"/>
+      </p:par>
+    </p:tnLst>
+  </p:timing>
+</p:sld>
+</file>
+
+<file path=ppt/slides/slide84.xml><?xml version="1.0" encoding="utf-8"?>
+<p:sld xmlns:a="http://schemas.openxmlformats.org/drawingml/2006/main" xmlns:r="http://schemas.openxmlformats.org/officeDocument/2006/relationships" xmlns:p="http://schemas.openxmlformats.org/presentationml/2006/main">
+  <p:cSld>
+    <p:spTree>
+      <p:nvGrpSpPr>
+        <p:cNvPr id="1" name=""/>
+        <p:cNvGrpSpPr/>
+        <p:nvPr/>
+      </p:nvGrpSpPr>
+      <p:grpSpPr>
+        <a:xfrm>
+          <a:off x="0" y="0"/>
+          <a:ext cx="0" cy="0"/>
+          <a:chOff x="0" y="0"/>
+          <a:chExt cx="0" cy="0"/>
+        </a:xfrm>
+      </p:grpSpPr>
+      <p:sp>
+        <p:nvSpPr>
+          <p:cNvPr id="2" name="Title 1"/>
+          <p:cNvSpPr>
+            <a:spLocks noGrp="1"/>
+          </p:cNvSpPr>
+          <p:nvPr>
+            <p:ph type="title"/>
+          </p:nvPr>
+        </p:nvSpPr>
+        <p:spPr/>
+        <p:txBody>
+          <a:bodyPr>
+            <a:noAutofit/>
+          </a:bodyPr>
+          <a:lstStyle/>
+          <a:p>
+            <a:pPr lvl="1" algn="ctr" rtl="0">
+              <a:spcBef>
+                <a:spcPct val="0"/>
+              </a:spcBef>
+            </a:pPr>
+            <a:r>
+              <a:rPr lang="en-US" sz="3200" dirty="0" smtClean="0"/>
+              <a:t>Kafka Streams Architecture</a:t>
+            </a:r>
+            <a:r>
+              <a:rPr lang="en-US" sz="3200" dirty="0"/>
+              <a:t> </a:t>
+            </a:r>
+            <a:r>
+              <a:rPr lang="en-US" sz="3200" dirty="0" smtClean="0"/>
+              <a:t>- </a:t>
+            </a:r>
+            <a:r>
+              <a:rPr lang="en-US" sz="3200" dirty="0" smtClean="0"/>
+              <a:t>Day </a:t>
+            </a:r>
+            <a:r>
+              <a:rPr lang="en-US" sz="3200" dirty="0" smtClean="0"/>
+              <a:t>19</a:t>
+            </a:r>
+            <a:endParaRPr lang="en-US" sz="3200" dirty="0"/>
+          </a:p>
+        </p:txBody>
+      </p:sp>
+      <p:pic>
+        <p:nvPicPr>
+          <p:cNvPr id="2050" name="Picture 2"/>
+          <p:cNvPicPr>
+            <a:picLocks noChangeAspect="1" noChangeArrowheads="1"/>
+          </p:cNvPicPr>
+          <p:nvPr/>
+        </p:nvPicPr>
+        <p:blipFill>
+          <a:blip r:embed="rId2">
+            <a:extLst>
+              <a:ext uri="{28A0092B-C50C-407E-A947-70E740481C1C}">
+                <a14:useLocalDpi xmlns:a14="http://schemas.microsoft.com/office/drawing/2010/main" val="0"/>
+              </a:ext>
+            </a:extLst>
+          </a:blip>
+          <a:srcRect/>
+          <a:stretch>
+            <a:fillRect/>
+          </a:stretch>
+        </p:blipFill>
+        <p:spPr bwMode="auto">
+          <a:xfrm>
+            <a:off x="328613" y="1200150"/>
+            <a:ext cx="8486775" cy="4457700"/>
+          </a:xfrm>
+          <a:prstGeom prst="rect">
+            <a:avLst/>
+          </a:prstGeom>
+          <a:noFill/>
+          <a:ln>
+            <a:noFill/>
+          </a:ln>
+          <a:extLst>
+            <a:ext uri="{909E8E84-426E-40DD-AFC4-6F175D3DCCD1}">
+              <a14:hiddenFill xmlns:a14="http://schemas.microsoft.com/office/drawing/2010/main">
+                <a:solidFill>
+                  <a:schemeClr val="accent1"/>
+                </a:solidFill>
+              </a14:hiddenFill>
+            </a:ext>
+            <a:ext uri="{91240B29-F687-4F45-9708-019B960494DF}">
+              <a14:hiddenLine xmlns:a14="http://schemas.microsoft.com/office/drawing/2010/main" w="9525">
+                <a:solidFill>
+                  <a:schemeClr val="tx1"/>
+                </a:solidFill>
+                <a:miter lim="800000"/>
+                <a:headEnd/>
+                <a:tailEnd/>
+              </a14:hiddenLine>
+            </a:ext>
+          </a:extLst>
+        </p:spPr>
+      </p:pic>
+    </p:spTree>
+    <p:extLst>
+      <p:ext uri="{BB962C8B-B14F-4D97-AF65-F5344CB8AC3E}">
+        <p14:creationId xmlns:p14="http://schemas.microsoft.com/office/powerpoint/2010/main" val="2888338553"/>
+      </p:ext>
+    </p:extLst>
+  </p:cSld>
+  <p:clrMapOvr>
+    <a:masterClrMapping/>
+  </p:clrMapOvr>
+  <p:timing>
+    <p:tnLst>
+      <p:par>
+        <p:cTn id="1" dur="indefinite" restart="never" nodeType="tmRoot"/>
+      </p:par>
+    </p:tnLst>
+  </p:timing>
+</p:sld>
+</file>
+
+<file path=ppt/slides/slide85.xml><?xml version="1.0" encoding="utf-8"?>
+<p:sld xmlns:a="http://schemas.openxmlformats.org/drawingml/2006/main" xmlns:r="http://schemas.openxmlformats.org/officeDocument/2006/relationships" xmlns:p="http://schemas.openxmlformats.org/presentationml/2006/main">
+  <p:cSld>
+    <p:spTree>
+      <p:nvGrpSpPr>
+        <p:cNvPr id="1" name=""/>
+        <p:cNvGrpSpPr/>
+        <p:nvPr/>
+      </p:nvGrpSpPr>
+      <p:grpSpPr>
+        <a:xfrm>
+          <a:off x="0" y="0"/>
+          <a:ext cx="0" cy="0"/>
+          <a:chOff x="0" y="0"/>
+          <a:chExt cx="0" cy="0"/>
+        </a:xfrm>
+      </p:grpSpPr>
+      <p:sp>
+        <p:nvSpPr>
+          <p:cNvPr id="2" name="Title 1"/>
+          <p:cNvSpPr>
+            <a:spLocks noGrp="1"/>
+          </p:cNvSpPr>
+          <p:nvPr>
+            <p:ph type="title"/>
+          </p:nvPr>
+        </p:nvSpPr>
+        <p:spPr/>
+        <p:txBody>
+          <a:bodyPr/>
+          <a:lstStyle/>
+          <a:p>
+            <a:r>
+              <a:rPr lang="en-US" dirty="0" smtClean="0"/>
+              <a:t>DSL - </a:t>
+            </a:r>
+            <a:r>
+              <a:rPr lang="en-US" dirty="0" smtClean="0"/>
+              <a:t>Day </a:t>
+            </a:r>
+            <a:r>
+              <a:rPr lang="en-US" dirty="0" smtClean="0"/>
+              <a:t>19</a:t>
+            </a:r>
+            <a:endParaRPr lang="en-US" dirty="0"/>
+          </a:p>
+        </p:txBody>
+      </p:sp>
+      <p:sp>
+        <p:nvSpPr>
+          <p:cNvPr id="3" name="Content Placeholder 2"/>
+          <p:cNvSpPr>
+            <a:spLocks noGrp="1"/>
+          </p:cNvSpPr>
+          <p:nvPr>
+            <p:ph idx="1"/>
+          </p:nvPr>
+        </p:nvSpPr>
+        <p:spPr>
+          <a:xfrm>
+            <a:off x="323528" y="1124744"/>
+            <a:ext cx="8229600" cy="4525963"/>
+          </a:xfrm>
+        </p:spPr>
+        <p:txBody>
+          <a:bodyPr>
+            <a:normAutofit fontScale="92500" lnSpcReduction="20000"/>
+          </a:bodyPr>
+          <a:lstStyle/>
+          <a:p>
+            <a:pPr marL="457200" lvl="1" indent="0">
+              <a:buNone/>
+            </a:pPr>
+            <a:endParaRPr lang="en-US" dirty="0"/>
+          </a:p>
+          <a:p>
+            <a:pPr lvl="1">
+              <a:buFont typeface="Wingdings" panose="05000000000000000000" pitchFamily="2" charset="2"/>
+              <a:buChar char="§"/>
+            </a:pPr>
+            <a:r>
+              <a:rPr lang="en-US" sz="1600" dirty="0" smtClean="0"/>
+              <a:t>The </a:t>
+            </a:r>
+            <a:r>
+              <a:rPr lang="en-US" sz="1600" dirty="0"/>
+              <a:t>Kafka Streams DSL (Domain Specific Language) is built on top of the Streams Processor API. Most data processing operations can be expressed in just a few lines of DSL code</a:t>
+            </a:r>
+            <a:r>
+              <a:rPr lang="en-US" sz="1600" dirty="0" smtClean="0"/>
+              <a:t>. </a:t>
+            </a:r>
+          </a:p>
+          <a:p>
+            <a:pPr lvl="1">
+              <a:buFont typeface="Wingdings" panose="05000000000000000000" pitchFamily="2" charset="2"/>
+              <a:buChar char="§"/>
+            </a:pPr>
+            <a:endParaRPr lang="en-US" sz="1600" dirty="0" smtClean="0"/>
+          </a:p>
+          <a:p>
+            <a:pPr lvl="1">
+              <a:buFont typeface="Wingdings" panose="05000000000000000000" pitchFamily="2" charset="2"/>
+              <a:buChar char="§"/>
+            </a:pPr>
+            <a:r>
+              <a:rPr lang="en-US" sz="1600" dirty="0" smtClean="0"/>
+              <a:t>DSL supports</a:t>
+            </a:r>
+          </a:p>
+          <a:p>
+            <a:pPr lvl="1">
+              <a:buFont typeface="Wingdings" panose="05000000000000000000" pitchFamily="2" charset="2"/>
+              <a:buChar char="§"/>
+            </a:pPr>
+            <a:endParaRPr lang="en-US" sz="1600" dirty="0" smtClean="0"/>
+          </a:p>
+          <a:p>
+            <a:pPr lvl="2">
+              <a:buFont typeface="Wingdings" panose="05000000000000000000" pitchFamily="2" charset="2"/>
+              <a:buChar char="Ø"/>
+            </a:pPr>
+            <a:r>
+              <a:rPr lang="en-US" sz="1600" dirty="0" smtClean="0"/>
+              <a:t>Build-In Abstractions for Streams and Tables in the form </a:t>
+            </a:r>
+          </a:p>
+          <a:p>
+            <a:pPr lvl="2">
+              <a:buFont typeface="Wingdings" panose="05000000000000000000" pitchFamily="2" charset="2"/>
+              <a:buChar char="§"/>
+            </a:pPr>
+            <a:endParaRPr lang="en-US" sz="1200" dirty="0" smtClean="0"/>
+          </a:p>
+          <a:p>
+            <a:pPr lvl="3">
+              <a:buFont typeface="Arial" panose="020B0604020202020204" pitchFamily="34" charset="0"/>
+              <a:buChar char="•"/>
+            </a:pPr>
+            <a:r>
+              <a:rPr lang="en-US" sz="1200" dirty="0" err="1" smtClean="0"/>
+              <a:t>KStreams</a:t>
+            </a:r>
+            <a:r>
+              <a:rPr lang="en-US" sz="1200" dirty="0" smtClean="0"/>
+              <a:t> </a:t>
+            </a:r>
+          </a:p>
+          <a:p>
+            <a:pPr lvl="3">
+              <a:buFont typeface="Arial" panose="020B0604020202020204" pitchFamily="34" charset="0"/>
+              <a:buChar char="•"/>
+            </a:pPr>
+            <a:endParaRPr lang="en-US" sz="1200" dirty="0" smtClean="0"/>
+          </a:p>
+          <a:p>
+            <a:pPr lvl="3">
+              <a:buFont typeface="Arial" panose="020B0604020202020204" pitchFamily="34" charset="0"/>
+              <a:buChar char="•"/>
+            </a:pPr>
+            <a:r>
+              <a:rPr lang="en-US" sz="1200" dirty="0" err="1" smtClean="0"/>
+              <a:t>Ktables</a:t>
+            </a:r>
+            <a:endParaRPr lang="en-US" sz="1200" dirty="0" smtClean="0"/>
+          </a:p>
+          <a:p>
+            <a:pPr lvl="3">
+              <a:buFont typeface="Arial" panose="020B0604020202020204" pitchFamily="34" charset="0"/>
+              <a:buChar char="•"/>
+            </a:pPr>
+            <a:endParaRPr lang="en-US" sz="1200" dirty="0" smtClean="0"/>
+          </a:p>
+          <a:p>
+            <a:pPr lvl="3">
+              <a:buFont typeface="Arial" panose="020B0604020202020204" pitchFamily="34" charset="0"/>
+              <a:buChar char="•"/>
+            </a:pPr>
+            <a:r>
+              <a:rPr lang="en-US" sz="1200" dirty="0" err="1" smtClean="0"/>
+              <a:t>GlobalKTable</a:t>
+            </a:r>
+            <a:endParaRPr lang="en-US" sz="1200" dirty="0" smtClean="0"/>
+          </a:p>
+          <a:p>
+            <a:pPr lvl="3">
+              <a:buFont typeface="Arial" panose="020B0604020202020204" pitchFamily="34" charset="0"/>
+              <a:buChar char="•"/>
+            </a:pPr>
+            <a:endParaRPr lang="en-US" sz="800" dirty="0" smtClean="0"/>
+          </a:p>
+          <a:p>
+            <a:pPr lvl="2">
+              <a:buFont typeface="Wingdings" panose="05000000000000000000" pitchFamily="2" charset="2"/>
+              <a:buChar char="Ø"/>
+            </a:pPr>
+            <a:r>
+              <a:rPr lang="en-US" sz="1600" dirty="0" smtClean="0"/>
+              <a:t>Declarative Functional Style Programing for</a:t>
+            </a:r>
+          </a:p>
+          <a:p>
+            <a:pPr lvl="2">
+              <a:buFont typeface="Wingdings" panose="05000000000000000000" pitchFamily="2" charset="2"/>
+              <a:buChar char="§"/>
+            </a:pPr>
+            <a:endParaRPr lang="en-US" sz="1200" dirty="0" smtClean="0"/>
+          </a:p>
+          <a:p>
+            <a:pPr lvl="3">
+              <a:buFont typeface="Wingdings" panose="05000000000000000000" pitchFamily="2" charset="2"/>
+              <a:buChar char="§"/>
+            </a:pPr>
+            <a:r>
+              <a:rPr lang="en-US" sz="1200" dirty="0" smtClean="0"/>
+              <a:t>Stateless Transformations e.g. map and filter</a:t>
+            </a:r>
+          </a:p>
+          <a:p>
+            <a:pPr lvl="3">
+              <a:buFont typeface="Wingdings" panose="05000000000000000000" pitchFamily="2" charset="2"/>
+              <a:buChar char="§"/>
+            </a:pPr>
+            <a:endParaRPr lang="en-US" sz="1200" dirty="0" smtClean="0"/>
+          </a:p>
+          <a:p>
+            <a:pPr lvl="3">
+              <a:buFont typeface="Wingdings" panose="05000000000000000000" pitchFamily="2" charset="2"/>
+              <a:buChar char="§"/>
+            </a:pPr>
+            <a:r>
+              <a:rPr lang="en-US" sz="1200" dirty="0" smtClean="0"/>
+              <a:t>Stateful Transformations such as Aggregations (e.g. count and reduce) &amp; Joins (e.g. </a:t>
+            </a:r>
+            <a:r>
+              <a:rPr lang="en-US" sz="1200" dirty="0" err="1" smtClean="0"/>
+              <a:t>leftjoin</a:t>
+            </a:r>
+            <a:r>
+              <a:rPr lang="en-US" sz="1200" dirty="0" smtClean="0"/>
+              <a:t>)</a:t>
+            </a:r>
+          </a:p>
+          <a:p>
+            <a:pPr lvl="3">
+              <a:buFont typeface="Wingdings" panose="05000000000000000000" pitchFamily="2" charset="2"/>
+              <a:buChar char="§"/>
+            </a:pPr>
+            <a:endParaRPr lang="en-US" sz="1200" dirty="0" smtClean="0"/>
+          </a:p>
+          <a:p>
+            <a:pPr lvl="3">
+              <a:buFont typeface="Wingdings" panose="05000000000000000000" pitchFamily="2" charset="2"/>
+              <a:buChar char="§"/>
+            </a:pPr>
+            <a:r>
+              <a:rPr lang="en-US" sz="1200" dirty="0" smtClean="0"/>
+              <a:t>Windowing (e.g. session windowing)</a:t>
+            </a:r>
+          </a:p>
+          <a:p>
+            <a:pPr lvl="3">
+              <a:buFont typeface="Wingdings" panose="05000000000000000000" pitchFamily="2" charset="2"/>
+              <a:buChar char="§"/>
+            </a:pPr>
+            <a:endParaRPr lang="en-US" sz="800" dirty="0" smtClean="0"/>
+          </a:p>
+          <a:p>
+            <a:pPr lvl="3">
+              <a:buFont typeface="Wingdings" panose="05000000000000000000" pitchFamily="2" charset="2"/>
+              <a:buChar char="§"/>
+            </a:pPr>
+            <a:endParaRPr lang="en-US" sz="800" dirty="0" smtClean="0"/>
+          </a:p>
+          <a:p>
+            <a:pPr lvl="1">
+              <a:buFont typeface="Wingdings" panose="05000000000000000000" pitchFamily="2" charset="2"/>
+              <a:buChar char="§"/>
+            </a:pPr>
+            <a:r>
+              <a:rPr lang="en-US" sz="1600" dirty="0" smtClean="0"/>
+              <a:t>Topologies are defined using DSL</a:t>
+            </a:r>
+          </a:p>
+          <a:p>
+            <a:pPr marL="1371600" lvl="3" indent="0">
+              <a:buNone/>
+            </a:pPr>
+            <a:endParaRPr lang="en-US" sz="800" dirty="0" smtClean="0"/>
+          </a:p>
+          <a:p>
+            <a:pPr lvl="2">
+              <a:buFont typeface="Wingdings" panose="05000000000000000000" pitchFamily="2" charset="2"/>
+              <a:buChar char="§"/>
+            </a:pPr>
+            <a:endParaRPr lang="en-US" sz="1200" dirty="0" smtClean="0"/>
+          </a:p>
+          <a:p>
+            <a:pPr marL="457200" lvl="1" indent="0">
+              <a:buNone/>
+            </a:pPr>
+            <a:endParaRPr lang="en-US" sz="1600" dirty="0"/>
+          </a:p>
+          <a:p>
+            <a:pPr marL="457200" lvl="1" indent="0">
+              <a:buNone/>
+            </a:pPr>
+            <a:endParaRPr lang="en-US" sz="1600" dirty="0" smtClean="0"/>
+          </a:p>
+        </p:txBody>
+      </p:sp>
+    </p:spTree>
+    <p:extLst>
+      <p:ext uri="{BB962C8B-B14F-4D97-AF65-F5344CB8AC3E}">
+        <p14:creationId xmlns:p14="http://schemas.microsoft.com/office/powerpoint/2010/main" val="1935084393"/>
+      </p:ext>
+    </p:extLst>
+  </p:cSld>
+  <p:clrMapOvr>
+    <a:masterClrMapping/>
+  </p:clrMapOvr>
+  <p:timing>
+    <p:tnLst>
+      <p:par>
+        <p:cTn id="1" dur="indefinite" restart="never" nodeType="tmRoot"/>
+      </p:par>
+    </p:tnLst>
+  </p:timing>
+</p:sld>
+</file>
+
+<file path=ppt/slides/slide86.xml><?xml version="1.0" encoding="utf-8"?>
+<p:sld xmlns:a="http://schemas.openxmlformats.org/drawingml/2006/main" xmlns:r="http://schemas.openxmlformats.org/officeDocument/2006/relationships" xmlns:p="http://schemas.openxmlformats.org/presentationml/2006/main">
+  <p:cSld>
+    <p:spTree>
+      <p:nvGrpSpPr>
+        <p:cNvPr id="1" name=""/>
+        <p:cNvGrpSpPr/>
+        <p:nvPr/>
+      </p:nvGrpSpPr>
+      <p:grpSpPr>
+        <a:xfrm>
+          <a:off x="0" y="0"/>
+          <a:ext cx="0" cy="0"/>
+          <a:chOff x="0" y="0"/>
+          <a:chExt cx="0" cy="0"/>
+        </a:xfrm>
+      </p:grpSpPr>
+      <p:sp>
+        <p:nvSpPr>
+          <p:cNvPr id="2" name="Title 1"/>
+          <p:cNvSpPr>
+            <a:spLocks noGrp="1"/>
+          </p:cNvSpPr>
+          <p:nvPr>
+            <p:ph type="title"/>
+          </p:nvPr>
+        </p:nvSpPr>
+        <p:spPr/>
+        <p:txBody>
+          <a:bodyPr>
+            <a:normAutofit fontScale="90000"/>
+          </a:bodyPr>
+          <a:lstStyle/>
+          <a:p>
+            <a:r>
+              <a:rPr lang="en-US" dirty="0" smtClean="0"/>
+              <a:t>Word Count Streaming App - </a:t>
+            </a:r>
+            <a:r>
+              <a:rPr lang="en-US" dirty="0" smtClean="0"/>
+              <a:t>Day </a:t>
+            </a:r>
+            <a:r>
+              <a:rPr lang="en-US" dirty="0" smtClean="0"/>
+              <a:t>19</a:t>
+            </a:r>
+            <a:endParaRPr lang="en-US" dirty="0"/>
+          </a:p>
+        </p:txBody>
+      </p:sp>
+      <p:sp>
+        <p:nvSpPr>
+          <p:cNvPr id="3" name="Content Placeholder 2"/>
+          <p:cNvSpPr>
+            <a:spLocks noGrp="1"/>
+          </p:cNvSpPr>
+          <p:nvPr>
+            <p:ph idx="1"/>
+          </p:nvPr>
+        </p:nvSpPr>
+        <p:spPr>
+          <a:xfrm>
+            <a:off x="323528" y="1124744"/>
+            <a:ext cx="8229600" cy="4525963"/>
+          </a:xfrm>
+        </p:spPr>
+        <p:txBody>
+          <a:bodyPr>
+            <a:normAutofit/>
+          </a:bodyPr>
+          <a:lstStyle/>
+          <a:p>
+            <a:pPr marL="457200" lvl="1" indent="0">
+              <a:buNone/>
+            </a:pPr>
+            <a:endParaRPr lang="en-US" dirty="0"/>
+          </a:p>
+          <a:p>
+            <a:pPr marL="457200" lvl="1" indent="0">
+              <a:buNone/>
+            </a:pPr>
+            <a:r>
+              <a:rPr lang="en-US" sz="1600" dirty="0" smtClean="0"/>
+              <a:t>Demo &amp; Draw.io</a:t>
+            </a:r>
+          </a:p>
+          <a:p>
+            <a:pPr marL="1371600" lvl="3" indent="0">
+              <a:buNone/>
+            </a:pPr>
+            <a:endParaRPr lang="en-US" sz="800" dirty="0" smtClean="0"/>
+          </a:p>
+          <a:p>
+            <a:pPr lvl="2">
+              <a:buFont typeface="Wingdings" panose="05000000000000000000" pitchFamily="2" charset="2"/>
+              <a:buChar char="§"/>
+            </a:pPr>
+            <a:endParaRPr lang="en-US" sz="1200" dirty="0" smtClean="0"/>
+          </a:p>
+          <a:p>
+            <a:pPr marL="457200" lvl="1" indent="0">
+              <a:buNone/>
+            </a:pPr>
+            <a:endParaRPr lang="en-US" sz="1600" dirty="0"/>
+          </a:p>
+          <a:p>
+            <a:pPr marL="457200" lvl="1" indent="0">
+              <a:buNone/>
+            </a:pPr>
+            <a:endParaRPr lang="en-US" sz="1600" dirty="0" smtClean="0"/>
+          </a:p>
+        </p:txBody>
+      </p:sp>
+    </p:spTree>
+    <p:extLst>
+      <p:ext uri="{BB962C8B-B14F-4D97-AF65-F5344CB8AC3E}">
+        <p14:creationId xmlns:p14="http://schemas.microsoft.com/office/powerpoint/2010/main" val="3673756565"/>
+      </p:ext>
+    </p:extLst>
+  </p:cSld>
+  <p:clrMapOvr>
+    <a:masterClrMapping/>
+  </p:clrMapOvr>
+  <p:timing>
+    <p:tnLst>
+      <p:par>
+        <p:cTn id="1" dur="indefinite" restart="never" nodeType="tmRoot"/>
+      </p:par>
+    </p:tnLst>
+  </p:timing>
+</p:sld>
+</file>
+
+<file path=ppt/slides/slide87.xml><?xml version="1.0" encoding="utf-8"?>
+<p:sld xmlns:a="http://schemas.openxmlformats.org/drawingml/2006/main" xmlns:r="http://schemas.openxmlformats.org/officeDocument/2006/relationships" xmlns:p="http://schemas.openxmlformats.org/presentationml/2006/main">
+  <p:cSld>
+    <p:spTree>
+      <p:nvGrpSpPr>
+        <p:cNvPr id="1" name=""/>
+        <p:cNvGrpSpPr/>
+        <p:nvPr/>
+      </p:nvGrpSpPr>
+      <p:grpSpPr>
+        <a:xfrm>
+          <a:off x="0" y="0"/>
+          <a:ext cx="0" cy="0"/>
+          <a:chOff x="0" y="0"/>
+          <a:chExt cx="0" cy="0"/>
+        </a:xfrm>
+      </p:grpSpPr>
+      <p:sp>
+        <p:nvSpPr>
+          <p:cNvPr id="2" name="Title 1"/>
+          <p:cNvSpPr>
+            <a:spLocks noGrp="1"/>
+          </p:cNvSpPr>
+          <p:nvPr>
+            <p:ph type="title"/>
+          </p:nvPr>
+        </p:nvSpPr>
+        <p:spPr/>
+        <p:txBody>
+          <a:bodyPr>
+            <a:normAutofit/>
+          </a:bodyPr>
+          <a:lstStyle/>
+          <a:p>
+            <a:r>
+              <a:rPr lang="en-US" dirty="0" smtClean="0"/>
+              <a:t>DIY Exercise - </a:t>
+            </a:r>
+            <a:r>
+              <a:rPr lang="en-US" dirty="0" smtClean="0"/>
+              <a:t>Day </a:t>
+            </a:r>
+            <a:r>
+              <a:rPr lang="en-US" dirty="0" smtClean="0"/>
+              <a:t>19</a:t>
+            </a:r>
+            <a:endParaRPr lang="en-US" dirty="0"/>
+          </a:p>
+        </p:txBody>
+      </p:sp>
+      <p:sp>
+        <p:nvSpPr>
+          <p:cNvPr id="3" name="Content Placeholder 2"/>
+          <p:cNvSpPr>
+            <a:spLocks noGrp="1"/>
+          </p:cNvSpPr>
+          <p:nvPr>
+            <p:ph idx="1"/>
+          </p:nvPr>
+        </p:nvSpPr>
+        <p:spPr>
+          <a:xfrm>
+            <a:off x="323528" y="1124744"/>
+            <a:ext cx="8229600" cy="5184576"/>
+          </a:xfrm>
+        </p:spPr>
+        <p:txBody>
+          <a:bodyPr>
+            <a:normAutofit fontScale="92500" lnSpcReduction="10000"/>
+          </a:bodyPr>
+          <a:lstStyle/>
+          <a:p>
+            <a:pPr marL="457200" lvl="1" indent="0">
+              <a:buNone/>
+            </a:pPr>
+            <a:endParaRPr lang="en-US" dirty="0"/>
+          </a:p>
+          <a:p>
+            <a:pPr lvl="1">
+              <a:buFont typeface="Wingdings" panose="05000000000000000000" pitchFamily="2" charset="2"/>
+              <a:buChar char="§"/>
+            </a:pPr>
+            <a:endParaRPr lang="en-US" sz="1600" dirty="0" smtClean="0"/>
+          </a:p>
+          <a:p>
+            <a:pPr lvl="1">
+              <a:buFont typeface="Wingdings" panose="05000000000000000000" pitchFamily="2" charset="2"/>
+              <a:buChar char="§"/>
+            </a:pPr>
+            <a:r>
+              <a:rPr lang="en-US" sz="1600" dirty="0" smtClean="0"/>
+              <a:t>Demonstrate the scaling of the Streaming Application </a:t>
+            </a:r>
+          </a:p>
+          <a:p>
+            <a:pPr lvl="1">
+              <a:buFont typeface="Wingdings" panose="05000000000000000000" pitchFamily="2" charset="2"/>
+              <a:buChar char="§"/>
+            </a:pPr>
+            <a:endParaRPr lang="en-US" sz="1600" dirty="0" smtClean="0"/>
+          </a:p>
+          <a:p>
+            <a:pPr lvl="1">
+              <a:buFont typeface="Wingdings" panose="05000000000000000000" pitchFamily="2" charset="2"/>
+              <a:buChar char="§"/>
+            </a:pPr>
+            <a:endParaRPr lang="en-US" sz="1600" dirty="0" smtClean="0"/>
+          </a:p>
+          <a:p>
+            <a:pPr lvl="1">
+              <a:buFont typeface="Wingdings" panose="05000000000000000000" pitchFamily="2" charset="2"/>
+              <a:buChar char="§"/>
+            </a:pPr>
+            <a:r>
+              <a:rPr lang="en-US" sz="1600" dirty="0" smtClean="0"/>
+              <a:t>Demonstrate Fault tolerance and Offset commit behavior  </a:t>
+            </a:r>
+          </a:p>
+          <a:p>
+            <a:pPr lvl="1">
+              <a:buFont typeface="Wingdings" panose="05000000000000000000" pitchFamily="2" charset="2"/>
+              <a:buChar char="§"/>
+            </a:pPr>
+            <a:endParaRPr lang="en-US" sz="1600" dirty="0" smtClean="0"/>
+          </a:p>
+          <a:p>
+            <a:pPr lvl="1">
+              <a:buFont typeface="Wingdings" panose="05000000000000000000" pitchFamily="2" charset="2"/>
+              <a:buChar char="§"/>
+            </a:pPr>
+            <a:endParaRPr lang="en-US" sz="1600" dirty="0" smtClean="0"/>
+          </a:p>
+          <a:p>
+            <a:pPr lvl="1">
+              <a:buFont typeface="Wingdings" panose="05000000000000000000" pitchFamily="2" charset="2"/>
+              <a:buChar char="§"/>
+            </a:pPr>
+            <a:r>
+              <a:rPr lang="en-US" sz="1600" dirty="0"/>
+              <a:t>Create a Streaming Application </a:t>
+            </a:r>
+            <a:r>
+              <a:rPr lang="en-US" sz="1600" dirty="0" smtClean="0"/>
+              <a:t>which does following:</a:t>
+            </a:r>
+          </a:p>
+          <a:p>
+            <a:pPr lvl="1">
+              <a:buFont typeface="Wingdings" panose="05000000000000000000" pitchFamily="2" charset="2"/>
+              <a:buChar char="§"/>
+            </a:pPr>
+            <a:endParaRPr lang="en-US" sz="1600" dirty="0" smtClean="0"/>
+          </a:p>
+          <a:p>
+            <a:pPr lvl="2">
+              <a:buFont typeface="Wingdings" panose="05000000000000000000" pitchFamily="2" charset="2"/>
+              <a:buChar char="§"/>
+            </a:pPr>
+            <a:r>
+              <a:rPr lang="en-US" sz="1400" dirty="0"/>
+              <a:t>S</a:t>
+            </a:r>
+            <a:r>
+              <a:rPr lang="en-US" sz="1400" dirty="0" smtClean="0"/>
+              <a:t>tream </a:t>
+            </a:r>
+            <a:r>
+              <a:rPr lang="en-US" sz="1400" dirty="0"/>
+              <a:t>all log messages but filter out only Errors to a destination </a:t>
+            </a:r>
+            <a:r>
+              <a:rPr lang="en-US" sz="1400" dirty="0" smtClean="0"/>
+              <a:t>topic</a:t>
+            </a:r>
+          </a:p>
+          <a:p>
+            <a:pPr lvl="2">
+              <a:buFont typeface="Wingdings" panose="05000000000000000000" pitchFamily="2" charset="2"/>
+              <a:buChar char="§"/>
+            </a:pPr>
+            <a:endParaRPr lang="en-US" sz="1400" dirty="0" smtClean="0"/>
+          </a:p>
+          <a:p>
+            <a:pPr lvl="2">
+              <a:buFont typeface="Wingdings" panose="05000000000000000000" pitchFamily="2" charset="2"/>
+              <a:buChar char="§"/>
+            </a:pPr>
+            <a:r>
+              <a:rPr lang="en-US" sz="1400" dirty="0" smtClean="0"/>
+              <a:t>Accepts data for favorite color for each User, filters records whose Users like RED, GREEN, BLUE only. Ones filtered generate a final count against each RGB color </a:t>
+            </a:r>
+          </a:p>
+          <a:p>
+            <a:pPr marL="914400" lvl="2" indent="0">
+              <a:buNone/>
+            </a:pPr>
+            <a:r>
+              <a:rPr lang="en-US" sz="1400" dirty="0"/>
+              <a:t> </a:t>
+            </a:r>
+            <a:r>
+              <a:rPr lang="en-US" sz="1400" dirty="0" smtClean="0"/>
+              <a:t>     Note: Updates are possible, in such case only consider the new value</a:t>
+            </a:r>
+          </a:p>
+          <a:p>
+            <a:pPr marL="914400" lvl="2" indent="0">
+              <a:buNone/>
+            </a:pPr>
+            <a:endParaRPr lang="en-US" sz="1400" dirty="0" smtClean="0"/>
+          </a:p>
+          <a:p>
+            <a:pPr marL="914400" lvl="2" indent="0">
+              <a:buNone/>
+            </a:pPr>
+            <a:endParaRPr lang="en-US" sz="1400" dirty="0" smtClean="0"/>
+          </a:p>
+          <a:p>
+            <a:pPr marL="914400" lvl="2" indent="0">
+              <a:buNone/>
+            </a:pPr>
+            <a:endParaRPr lang="en-US" sz="1400" dirty="0"/>
+          </a:p>
+          <a:p>
+            <a:pPr marL="914400" lvl="2" indent="0">
+              <a:buNone/>
+            </a:pPr>
+            <a:endParaRPr lang="en-US" sz="1400" dirty="0" smtClean="0"/>
+          </a:p>
+          <a:p>
+            <a:pPr marL="1371600" lvl="3" indent="0">
+              <a:buNone/>
+            </a:pPr>
+            <a:r>
+              <a:rPr lang="en-US" sz="1000" dirty="0" smtClean="0"/>
+              <a:t>						</a:t>
+            </a:r>
+          </a:p>
+          <a:p>
+            <a:pPr lvl="3">
+              <a:buFont typeface="Wingdings" panose="05000000000000000000" pitchFamily="2" charset="2"/>
+              <a:buChar char="§"/>
+            </a:pPr>
+            <a:endParaRPr lang="en-US" sz="1000" dirty="0"/>
+          </a:p>
+          <a:p>
+            <a:pPr lvl="1">
+              <a:buFont typeface="Wingdings" panose="05000000000000000000" pitchFamily="2" charset="2"/>
+              <a:buChar char="§"/>
+            </a:pPr>
+            <a:endParaRPr lang="en-US" sz="1600" dirty="0"/>
+          </a:p>
+          <a:p>
+            <a:pPr lvl="1">
+              <a:buFont typeface="Wingdings" panose="05000000000000000000" pitchFamily="2" charset="2"/>
+              <a:buChar char="§"/>
+            </a:pPr>
+            <a:endParaRPr lang="en-US" sz="1600" dirty="0" smtClean="0"/>
+          </a:p>
+          <a:p>
+            <a:pPr marL="1371600" lvl="3" indent="0">
+              <a:buNone/>
+            </a:pPr>
+            <a:endParaRPr lang="en-US" sz="800" dirty="0" smtClean="0"/>
+          </a:p>
+          <a:p>
+            <a:pPr lvl="2">
+              <a:buFont typeface="Wingdings" panose="05000000000000000000" pitchFamily="2" charset="2"/>
+              <a:buChar char="§"/>
+            </a:pPr>
+            <a:endParaRPr lang="en-US" sz="1200" dirty="0" smtClean="0"/>
+          </a:p>
+          <a:p>
+            <a:pPr marL="457200" lvl="1" indent="0">
+              <a:buNone/>
+            </a:pPr>
+            <a:endParaRPr lang="en-US" sz="1600" dirty="0"/>
+          </a:p>
+          <a:p>
+            <a:pPr marL="457200" lvl="1" indent="0">
+              <a:buNone/>
+            </a:pPr>
+            <a:endParaRPr lang="en-US" sz="1600" dirty="0" smtClean="0"/>
+          </a:p>
+        </p:txBody>
+      </p:sp>
+      <p:graphicFrame>
+        <p:nvGraphicFramePr>
+          <p:cNvPr id="4" name="Table 3"/>
+          <p:cNvGraphicFramePr>
+            <a:graphicFrameLocks noGrp="1"/>
+          </p:cNvGraphicFramePr>
+          <p:nvPr>
+            <p:extLst>
+              <p:ext uri="{D42A27DB-BD31-4B8C-83A1-F6EECF244321}">
+                <p14:modId xmlns:p14="http://schemas.microsoft.com/office/powerpoint/2010/main" val="1789756549"/>
+              </p:ext>
+            </p:extLst>
+          </p:nvPr>
+        </p:nvGraphicFramePr>
+        <p:xfrm>
+          <a:off x="2267744" y="5085184"/>
+          <a:ext cx="2399928" cy="1371600"/>
+        </p:xfrm>
+        <a:graphic>
+          <a:graphicData uri="http://schemas.openxmlformats.org/drawingml/2006/table">
+            <a:tbl>
+              <a:tblPr firstRow="1" bandRow="1">
+                <a:tableStyleId>{5C22544A-7EE6-4342-B048-85BDC9FD1C3A}</a:tableStyleId>
+              </a:tblPr>
+              <a:tblGrid>
+                <a:gridCol w="1199964"/>
+                <a:gridCol w="1199964"/>
+              </a:tblGrid>
+              <a:tr h="290944">
+                <a:tc>
+                  <a:txBody>
+                    <a:bodyPr/>
+                    <a:lstStyle/>
+                    <a:p>
+                      <a:r>
+                        <a:rPr lang="en-US" dirty="0" smtClean="0"/>
+                        <a:t>Input</a:t>
+                      </a:r>
+                      <a:endParaRPr lang="en-US" dirty="0"/>
+                    </a:p>
+                  </a:txBody>
+                  <a:tcPr/>
+                </a:tc>
+                <a:tc>
+                  <a:txBody>
+                    <a:bodyPr/>
+                    <a:lstStyle/>
+                    <a:p>
+                      <a:r>
+                        <a:rPr lang="en-US" dirty="0" smtClean="0"/>
+                        <a:t>Output</a:t>
+                      </a:r>
+                      <a:endParaRPr lang="en-US" dirty="0"/>
+                    </a:p>
+                  </a:txBody>
+                  <a:tcPr/>
+                </a:tc>
+              </a:tr>
+              <a:tr h="290944">
+                <a:tc>
+                  <a:txBody>
+                    <a:bodyPr/>
+                    <a:lstStyle/>
+                    <a:p>
+                      <a:r>
+                        <a:rPr lang="en-US" sz="1200" dirty="0" err="1" smtClean="0"/>
+                        <a:t>Punit</a:t>
+                      </a:r>
+                      <a:r>
+                        <a:rPr lang="en-US" sz="1200" dirty="0" smtClean="0"/>
+                        <a:t>,</a:t>
+                      </a:r>
+                      <a:r>
+                        <a:rPr lang="en-US" sz="1200" baseline="0" dirty="0" smtClean="0"/>
+                        <a:t> Red</a:t>
+                      </a:r>
+                      <a:endParaRPr lang="en-US" sz="1800" baseline="0" dirty="0" smtClean="0"/>
+                    </a:p>
+                    <a:p>
+                      <a:r>
+                        <a:rPr lang="en-US" sz="1200" baseline="0" dirty="0" err="1" smtClean="0"/>
+                        <a:t>Anshul</a:t>
+                      </a:r>
+                      <a:r>
+                        <a:rPr lang="en-US" sz="1200" baseline="0" dirty="0" smtClean="0"/>
+                        <a:t>, Blue</a:t>
+                      </a:r>
+                    </a:p>
+                    <a:p>
+                      <a:r>
+                        <a:rPr lang="en-US" sz="1200" baseline="0" dirty="0" err="1" smtClean="0"/>
+                        <a:t>Sreedhar</a:t>
+                      </a:r>
+                      <a:r>
+                        <a:rPr lang="en-US" sz="1200" baseline="0" dirty="0" smtClean="0"/>
+                        <a:t>, </a:t>
+                      </a:r>
+                      <a:r>
+                        <a:rPr lang="en-US" sz="1200" baseline="0" dirty="0" err="1" smtClean="0"/>
+                        <a:t>Voilet</a:t>
+                      </a:r>
+                      <a:endParaRPr lang="en-US" sz="1200" baseline="0" dirty="0" smtClean="0"/>
+                    </a:p>
+                    <a:p>
+                      <a:r>
+                        <a:rPr lang="en-US" sz="1200" baseline="0" dirty="0" err="1" smtClean="0"/>
+                        <a:t>Punit</a:t>
+                      </a:r>
+                      <a:r>
+                        <a:rPr lang="en-US" sz="1200" baseline="0" dirty="0" smtClean="0"/>
+                        <a:t>, Green</a:t>
+                      </a:r>
+                    </a:p>
+                    <a:p>
+                      <a:r>
+                        <a:rPr lang="en-US" sz="1200" baseline="0" dirty="0" err="1" smtClean="0"/>
+                        <a:t>Bhaskar</a:t>
+                      </a:r>
+                      <a:r>
+                        <a:rPr lang="en-US" sz="1200" baseline="0" dirty="0" smtClean="0"/>
+                        <a:t>, Green</a:t>
+                      </a:r>
+                    </a:p>
+                  </a:txBody>
+                  <a:tcPr/>
+                </a:tc>
+                <a:tc>
+                  <a:txBody>
+                    <a:bodyPr/>
+                    <a:lstStyle/>
+                    <a:p>
+                      <a:r>
+                        <a:rPr lang="en-US" sz="1200" dirty="0" smtClean="0"/>
+                        <a:t>Red</a:t>
+                      </a:r>
+                      <a:r>
+                        <a:rPr lang="en-US" sz="1200" baseline="0" dirty="0" smtClean="0"/>
+                        <a:t>,0</a:t>
+                      </a:r>
+                    </a:p>
+                    <a:p>
+                      <a:r>
+                        <a:rPr lang="en-US" sz="1200" baseline="0" dirty="0" smtClean="0"/>
+                        <a:t>Blue,1</a:t>
+                      </a:r>
+                    </a:p>
+                    <a:p>
+                      <a:r>
+                        <a:rPr lang="en-US" sz="1200" baseline="0" dirty="0" smtClean="0"/>
+                        <a:t>Green, 2</a:t>
+                      </a:r>
+                    </a:p>
+                  </a:txBody>
+                  <a:tcPr/>
+                </a:tc>
+              </a:tr>
+            </a:tbl>
+          </a:graphicData>
+        </a:graphic>
+      </p:graphicFrame>
+    </p:spTree>
+    <p:extLst>
+      <p:ext uri="{BB962C8B-B14F-4D97-AF65-F5344CB8AC3E}">
+        <p14:creationId xmlns:p14="http://schemas.microsoft.com/office/powerpoint/2010/main" val="1745074874"/>
+      </p:ext>
+    </p:extLst>
+  </p:cSld>
+  <p:clrMapOvr>
+    <a:masterClrMapping/>
+  </p:clrMapOvr>
+  <p:timing>
+    <p:tnLst>
+      <p:par>
+        <p:cTn id="1" dur="indefinite" restart="never" nodeType="tmRoot"/>
+      </p:par>
+    </p:tnLst>
+  </p:timing>
+</p:sld>
+</file>
+
+<file path=ppt/slides/slide88.xml><?xml version="1.0" encoding="utf-8"?>
+<p:sld xmlns:a="http://schemas.openxmlformats.org/drawingml/2006/main" xmlns:r="http://schemas.openxmlformats.org/officeDocument/2006/relationships" xmlns:p="http://schemas.openxmlformats.org/presentationml/2006/main">
+  <p:cSld>
+    <p:spTree>
+      <p:nvGrpSpPr>
+        <p:cNvPr id="1" name=""/>
+        <p:cNvGrpSpPr/>
+        <p:nvPr/>
+      </p:nvGrpSpPr>
+      <p:grpSpPr>
+        <a:xfrm>
+          <a:off x="0" y="0"/>
+          <a:ext cx="0" cy="0"/>
+          <a:chOff x="0" y="0"/>
+          <a:chExt cx="0" cy="0"/>
+        </a:xfrm>
+      </p:grpSpPr>
+      <p:sp>
+        <p:nvSpPr>
+          <p:cNvPr id="2" name="Title 1"/>
+          <p:cNvSpPr>
+            <a:spLocks noGrp="1"/>
+          </p:cNvSpPr>
+          <p:nvPr>
+            <p:ph type="title"/>
+          </p:nvPr>
+        </p:nvSpPr>
+        <p:spPr/>
+        <p:txBody>
+          <a:bodyPr/>
+          <a:lstStyle/>
+          <a:p>
+            <a:r>
+              <a:rPr lang="en-US" dirty="0" smtClean="0"/>
+              <a:t>DSL Stateless </a:t>
+            </a:r>
+            <a:r>
+              <a:rPr lang="en-US" dirty="0" smtClean="0"/>
+              <a:t>Processing - </a:t>
+            </a:r>
+            <a:r>
+              <a:rPr lang="en-US" dirty="0" smtClean="0"/>
+              <a:t>Day 20</a:t>
+            </a:r>
+            <a:endParaRPr lang="en-US" dirty="0"/>
+          </a:p>
+        </p:txBody>
+      </p:sp>
+      <p:sp>
+        <p:nvSpPr>
+          <p:cNvPr id="3" name="Content Placeholder 2"/>
+          <p:cNvSpPr>
+            <a:spLocks noGrp="1"/>
+          </p:cNvSpPr>
+          <p:nvPr>
+            <p:ph idx="1"/>
+          </p:nvPr>
+        </p:nvSpPr>
+        <p:spPr>
+          <a:xfrm>
+            <a:off x="323528" y="1124744"/>
+            <a:ext cx="8229600" cy="4525963"/>
+          </a:xfrm>
+        </p:spPr>
+        <p:txBody>
+          <a:bodyPr>
+            <a:normAutofit/>
+          </a:bodyPr>
+          <a:lstStyle/>
+          <a:p>
+            <a:pPr marL="457200" lvl="1" indent="0">
+              <a:buNone/>
+            </a:pPr>
+            <a:endParaRPr lang="en-US" dirty="0"/>
+          </a:p>
+          <a:p>
+            <a:pPr lvl="1">
+              <a:buFont typeface="Wingdings" panose="05000000000000000000" pitchFamily="2" charset="2"/>
+              <a:buChar char="§"/>
+            </a:pPr>
+            <a:r>
+              <a:rPr lang="en-US" sz="1600" dirty="0" err="1" smtClean="0"/>
+              <a:t>KStream</a:t>
+            </a:r>
+            <a:r>
+              <a:rPr lang="en-US" sz="1600" dirty="0" smtClean="0"/>
+              <a:t> &amp; </a:t>
+            </a:r>
+            <a:r>
+              <a:rPr lang="en-US" sz="1600" dirty="0" err="1" smtClean="0"/>
+              <a:t>KTable</a:t>
+            </a:r>
+            <a:endParaRPr lang="en-US" sz="1200" dirty="0" smtClean="0"/>
+          </a:p>
+          <a:p>
+            <a:pPr lvl="1">
+              <a:buFont typeface="Wingdings" panose="05000000000000000000" pitchFamily="2" charset="2"/>
+              <a:buChar char="§"/>
+            </a:pPr>
+            <a:r>
+              <a:rPr lang="en-US" sz="1600" dirty="0" err="1" smtClean="0"/>
+              <a:t>mapValues</a:t>
+            </a:r>
+            <a:r>
+              <a:rPr lang="en-US" sz="1600" dirty="0" smtClean="0"/>
+              <a:t>/map</a:t>
+            </a:r>
+          </a:p>
+          <a:p>
+            <a:pPr lvl="1">
+              <a:buFont typeface="Wingdings" panose="05000000000000000000" pitchFamily="2" charset="2"/>
+              <a:buChar char="§"/>
+            </a:pPr>
+            <a:r>
+              <a:rPr lang="en-US" sz="1600" dirty="0" smtClean="0"/>
+              <a:t>filter/</a:t>
+            </a:r>
+            <a:r>
+              <a:rPr lang="en-US" sz="1600" dirty="0" err="1" smtClean="0"/>
+              <a:t>filterNot</a:t>
+            </a:r>
+            <a:endParaRPr lang="en-US" sz="1600" dirty="0" smtClean="0"/>
+          </a:p>
+          <a:p>
+            <a:pPr lvl="1">
+              <a:buFont typeface="Wingdings" panose="05000000000000000000" pitchFamily="2" charset="2"/>
+              <a:buChar char="§"/>
+            </a:pPr>
+            <a:r>
+              <a:rPr lang="en-US" sz="1600" dirty="0" err="1" smtClean="0"/>
+              <a:t>flatMap</a:t>
+            </a:r>
+            <a:r>
+              <a:rPr lang="en-US" sz="1600" dirty="0" smtClean="0"/>
+              <a:t>/</a:t>
+            </a:r>
+            <a:r>
+              <a:rPr lang="en-US" sz="1600" dirty="0" err="1" smtClean="0"/>
+              <a:t>flatMapValues</a:t>
+            </a:r>
+            <a:endParaRPr lang="en-US" sz="1600" dirty="0" smtClean="0"/>
+          </a:p>
+          <a:p>
+            <a:pPr lvl="1">
+              <a:buFont typeface="Wingdings" panose="05000000000000000000" pitchFamily="2" charset="2"/>
+              <a:buChar char="§"/>
+            </a:pPr>
+            <a:r>
+              <a:rPr lang="en-US" sz="1600" dirty="0" err="1" smtClean="0"/>
+              <a:t>selectKey</a:t>
+            </a:r>
+            <a:endParaRPr lang="en-US" sz="1600" dirty="0" smtClean="0"/>
+          </a:p>
+          <a:p>
+            <a:pPr lvl="1">
+              <a:buFont typeface="Wingdings" panose="05000000000000000000" pitchFamily="2" charset="2"/>
+              <a:buChar char="§"/>
+            </a:pPr>
+            <a:endParaRPr lang="en-US" sz="1600" dirty="0" smtClean="0"/>
+          </a:p>
+          <a:p>
+            <a:pPr lvl="1">
+              <a:buFont typeface="Wingdings" panose="05000000000000000000" pitchFamily="2" charset="2"/>
+              <a:buChar char="§"/>
+            </a:pPr>
+            <a:endParaRPr lang="en-US" sz="1600" dirty="0" smtClean="0"/>
+          </a:p>
+          <a:p>
+            <a:pPr marL="1371600" lvl="3" indent="0">
+              <a:buNone/>
+            </a:pPr>
+            <a:endParaRPr lang="en-US" sz="800" dirty="0" smtClean="0"/>
+          </a:p>
+          <a:p>
+            <a:pPr lvl="2">
+              <a:buFont typeface="Wingdings" panose="05000000000000000000" pitchFamily="2" charset="2"/>
+              <a:buChar char="§"/>
+            </a:pPr>
+            <a:endParaRPr lang="en-US" sz="1200" dirty="0" smtClean="0"/>
+          </a:p>
+          <a:p>
+            <a:pPr marL="457200" lvl="1" indent="0">
+              <a:buNone/>
+            </a:pPr>
+            <a:endParaRPr lang="en-US" sz="1600" dirty="0"/>
+          </a:p>
+          <a:p>
+            <a:pPr marL="457200" lvl="1" indent="0">
+              <a:buNone/>
+            </a:pPr>
+            <a:endParaRPr lang="en-US" sz="1600" dirty="0" smtClean="0"/>
+          </a:p>
+        </p:txBody>
+      </p:sp>
+    </p:spTree>
+    <p:extLst>
+      <p:ext uri="{BB962C8B-B14F-4D97-AF65-F5344CB8AC3E}">
+        <p14:creationId xmlns:p14="http://schemas.microsoft.com/office/powerpoint/2010/main" val="407744568"/>
       </p:ext>
     </p:extLst>
   </p:cSld>

--- a/PPT/Kafka-Teaching-Flow.pptx
+++ b/PPT/Kafka-Teaching-Flow.pptx
@@ -92,7 +92,13 @@
     <p:sldId id="347" r:id="rId86"/>
     <p:sldId id="348" r:id="rId87"/>
     <p:sldId id="349" r:id="rId88"/>
-    <p:sldId id="350" r:id="rId89"/>
+    <p:sldId id="352" r:id="rId89"/>
+    <p:sldId id="354" r:id="rId90"/>
+    <p:sldId id="355" r:id="rId91"/>
+    <p:sldId id="351" r:id="rId92"/>
+    <p:sldId id="350" r:id="rId93"/>
+    <p:sldId id="356" r:id="rId94"/>
+    <p:sldId id="357" r:id="rId95"/>
   </p:sldIdLst>
   <p:sldSz cx="9144000" cy="6858000" type="screen4x3"/>
   <p:notesSz cx="6858000" cy="9144000"/>
@@ -375,7 +381,7 @@
           <a:p>
             <a:fld id="{51149E06-0874-4241-ABF9-BAFA45916F2C}" type="datetimeFigureOut">
               <a:rPr lang="en-US" smtClean="0"/>
-              <a:t>3/21/2023</a:t>
+              <a:t>3/22/2023</a:t>
             </a:fld>
             <a:endParaRPr lang="en-US"/>
           </a:p>
@@ -545,7 +551,7 @@
           <a:p>
             <a:fld id="{51149E06-0874-4241-ABF9-BAFA45916F2C}" type="datetimeFigureOut">
               <a:rPr lang="en-US" smtClean="0"/>
-              <a:t>3/21/2023</a:t>
+              <a:t>3/22/2023</a:t>
             </a:fld>
             <a:endParaRPr lang="en-US"/>
           </a:p>
@@ -725,7 +731,7 @@
           <a:p>
             <a:fld id="{51149E06-0874-4241-ABF9-BAFA45916F2C}" type="datetimeFigureOut">
               <a:rPr lang="en-US" smtClean="0"/>
-              <a:t>3/21/2023</a:t>
+              <a:t>3/22/2023</a:t>
             </a:fld>
             <a:endParaRPr lang="en-US"/>
           </a:p>
@@ -895,7 +901,7 @@
           <a:p>
             <a:fld id="{51149E06-0874-4241-ABF9-BAFA45916F2C}" type="datetimeFigureOut">
               <a:rPr lang="en-US" smtClean="0"/>
-              <a:t>3/21/2023</a:t>
+              <a:t>3/22/2023</a:t>
             </a:fld>
             <a:endParaRPr lang="en-US"/>
           </a:p>
@@ -1141,7 +1147,7 @@
           <a:p>
             <a:fld id="{51149E06-0874-4241-ABF9-BAFA45916F2C}" type="datetimeFigureOut">
               <a:rPr lang="en-US" smtClean="0"/>
-              <a:t>3/21/2023</a:t>
+              <a:t>3/22/2023</a:t>
             </a:fld>
             <a:endParaRPr lang="en-US"/>
           </a:p>
@@ -1429,7 +1435,7 @@
           <a:p>
             <a:fld id="{51149E06-0874-4241-ABF9-BAFA45916F2C}" type="datetimeFigureOut">
               <a:rPr lang="en-US" smtClean="0"/>
-              <a:t>3/21/2023</a:t>
+              <a:t>3/22/2023</a:t>
             </a:fld>
             <a:endParaRPr lang="en-US"/>
           </a:p>
@@ -1851,7 +1857,7 @@
           <a:p>
             <a:fld id="{51149E06-0874-4241-ABF9-BAFA45916F2C}" type="datetimeFigureOut">
               <a:rPr lang="en-US" smtClean="0"/>
-              <a:t>3/21/2023</a:t>
+              <a:t>3/22/2023</a:t>
             </a:fld>
             <a:endParaRPr lang="en-US"/>
           </a:p>
@@ -1969,7 +1975,7 @@
           <a:p>
             <a:fld id="{51149E06-0874-4241-ABF9-BAFA45916F2C}" type="datetimeFigureOut">
               <a:rPr lang="en-US" smtClean="0"/>
-              <a:t>3/21/2023</a:t>
+              <a:t>3/22/2023</a:t>
             </a:fld>
             <a:endParaRPr lang="en-US"/>
           </a:p>
@@ -2064,7 +2070,7 @@
           <a:p>
             <a:fld id="{51149E06-0874-4241-ABF9-BAFA45916F2C}" type="datetimeFigureOut">
               <a:rPr lang="en-US" smtClean="0"/>
-              <a:t>3/21/2023</a:t>
+              <a:t>3/22/2023</a:t>
             </a:fld>
             <a:endParaRPr lang="en-US"/>
           </a:p>
@@ -2341,7 +2347,7 @@
           <a:p>
             <a:fld id="{51149E06-0874-4241-ABF9-BAFA45916F2C}" type="datetimeFigureOut">
               <a:rPr lang="en-US" smtClean="0"/>
-              <a:t>3/21/2023</a:t>
+              <a:t>3/22/2023</a:t>
             </a:fld>
             <a:endParaRPr lang="en-US"/>
           </a:p>
@@ -2594,7 +2600,7 @@
           <a:p>
             <a:fld id="{51149E06-0874-4241-ABF9-BAFA45916F2C}" type="datetimeFigureOut">
               <a:rPr lang="en-US" smtClean="0"/>
-              <a:t>3/21/2023</a:t>
+              <a:t>3/22/2023</a:t>
             </a:fld>
             <a:endParaRPr lang="en-US"/>
           </a:p>
@@ -2807,7 +2813,7 @@
           <a:p>
             <a:fld id="{51149E06-0874-4241-ABF9-BAFA45916F2C}" type="datetimeFigureOut">
               <a:rPr lang="en-US" smtClean="0"/>
-              <a:t>3/21/2023</a:t>
+              <a:t>3/22/2023</a:t>
             </a:fld>
             <a:endParaRPr lang="en-US"/>
           </a:p>
@@ -16687,11 +16693,7 @@
           <a:p>
             <a:r>
               <a:rPr lang="en-US" dirty="0" smtClean="0"/>
-              <a:t>Day </a:t>
-            </a:r>
-            <a:r>
-              <a:rPr lang="en-US" dirty="0" smtClean="0"/>
-              <a:t>19</a:t>
+              <a:t>Day 19</a:t>
             </a:r>
             <a:endParaRPr lang="en-US" dirty="0"/>
           </a:p>
@@ -16741,7 +16743,6 @@
               <a:rPr lang="en-US" dirty="0" smtClean="0"/>
               <a:t>Kafka Streams Architecture and DSL (Domain Specific Language)</a:t>
             </a:r>
-            <a:endParaRPr lang="en-US" dirty="0" smtClean="0"/>
           </a:p>
           <a:p>
             <a:pPr lvl="1">
@@ -16823,11 +16824,7 @@
           <a:p>
             <a:r>
               <a:rPr lang="en-US" dirty="0" smtClean="0"/>
-              <a:t>Agenda - Day </a:t>
-            </a:r>
-            <a:r>
-              <a:rPr lang="en-US" dirty="0" smtClean="0"/>
-              <a:t>19</a:t>
+              <a:t>Agenda - Day 19</a:t>
             </a:r>
             <a:endParaRPr lang="en-US" dirty="0"/>
           </a:p>
@@ -16893,11 +16890,7 @@
             </a:pPr>
             <a:r>
               <a:rPr lang="en-US" dirty="0" smtClean="0"/>
-              <a:t>Kafka Streams </a:t>
-            </a:r>
-            <a:r>
-              <a:rPr lang="en-US" dirty="0" smtClean="0"/>
-              <a:t>Architecture</a:t>
+              <a:t>Kafka Streams Architecture</a:t>
             </a:r>
           </a:p>
           <a:p>
@@ -17012,15 +17005,7 @@
             </a:r>
             <a:r>
               <a:rPr lang="en-US" sz="3200" dirty="0" smtClean="0"/>
-              <a:t>- </a:t>
-            </a:r>
-            <a:r>
-              <a:rPr lang="en-US" sz="3200" dirty="0" smtClean="0"/>
-              <a:t>Day </a:t>
-            </a:r>
-            <a:r>
-              <a:rPr lang="en-US" sz="3200" dirty="0" smtClean="0"/>
-              <a:t>19</a:t>
+              <a:t>- Day 19</a:t>
             </a:r>
             <a:endParaRPr lang="en-US" sz="3200" dirty="0"/>
           </a:p>
@@ -17134,15 +17119,7 @@
           <a:p>
             <a:r>
               <a:rPr lang="en-US" dirty="0" smtClean="0"/>
-              <a:t>DSL - </a:t>
-            </a:r>
-            <a:r>
-              <a:rPr lang="en-US" dirty="0" smtClean="0"/>
-              <a:t>Day </a:t>
-            </a:r>
-            <a:r>
-              <a:rPr lang="en-US" dirty="0" smtClean="0"/>
-              <a:t>19</a:t>
+              <a:t>DSL - Day 19</a:t>
             </a:r>
             <a:endParaRPr lang="en-US" dirty="0"/>
           </a:p>
@@ -17467,15 +17444,7 @@
           <a:p>
             <a:r>
               <a:rPr lang="en-US" dirty="0" smtClean="0"/>
-              <a:t>Word Count Streaming App - </a:t>
-            </a:r>
-            <a:r>
-              <a:rPr lang="en-US" dirty="0" smtClean="0"/>
-              <a:t>Day </a:t>
-            </a:r>
-            <a:r>
-              <a:rPr lang="en-US" dirty="0" smtClean="0"/>
-              <a:t>19</a:t>
+              <a:t>Word Count Streaming App - Day 19</a:t>
             </a:r>
             <a:endParaRPr lang="en-US" dirty="0"/>
           </a:p>
@@ -17600,15 +17569,7 @@
           <a:p>
             <a:r>
               <a:rPr lang="en-US" dirty="0" smtClean="0"/>
-              <a:t>DIY Exercise - </a:t>
-            </a:r>
-            <a:r>
-              <a:rPr lang="en-US" dirty="0" smtClean="0"/>
-              <a:t>Day </a:t>
-            </a:r>
-            <a:r>
-              <a:rPr lang="en-US" dirty="0" smtClean="0"/>
-              <a:t>19</a:t>
+              <a:t>DIY Exercise - Day 19</a:t>
             </a:r>
             <a:endParaRPr lang="en-US" dirty="0"/>
           </a:p>
@@ -17859,7 +17820,7 @@
           <p:nvPr>
             <p:extLst>
               <p:ext uri="{D42A27DB-BD31-4B8C-83A1-F6EECF244321}">
-                <p14:modId xmlns:p14="http://schemas.microsoft.com/office/powerpoint/2010/main" val="1789756549"/>
+                <p14:modId xmlns:p14="http://schemas.microsoft.com/office/powerpoint/2010/main" val="358507466"/>
               </p:ext>
             </p:extLst>
           </p:nvPr>
@@ -17989,6 +17950,7 @@
                         <a:rPr lang="en-US" sz="1200" baseline="0" dirty="0" smtClean="0"/>
                         <a:t>,0</a:t>
                       </a:r>
+                      <a:endParaRPr lang="en-US" sz="1200" baseline="0" dirty="0" smtClean="0"/>
                     </a:p>
                     <a:p>
                       <a:r>
@@ -17999,8 +17961,13 @@
                     <a:p>
                       <a:r>
                         <a:rPr lang="en-US" sz="1200" baseline="0" dirty="0" smtClean="0"/>
-                        <a:t>Green, 2</a:t>
+                        <a:t>Green, </a:t>
                       </a:r>
+                      <a:r>
+                        <a:rPr lang="en-US" sz="1200" baseline="0" dirty="0" smtClean="0"/>
+                        <a:t>2</a:t>
+                      </a:r>
+                      <a:endParaRPr lang="en-US" sz="1200" baseline="0" dirty="0" smtClean="0"/>
                     </a:p>
                   </a:txBody>
                   <a:tcPr/>
@@ -18064,15 +18031,11 @@
           <a:p>
             <a:r>
               <a:rPr lang="en-US" dirty="0" smtClean="0"/>
-              <a:t>DSL Stateless </a:t>
-            </a:r>
-            <a:r>
-              <a:rPr lang="en-US" dirty="0" smtClean="0"/>
-              <a:t>Processing - </a:t>
-            </a:r>
-            <a:r>
-              <a:rPr lang="en-US" dirty="0" smtClean="0"/>
-              <a:t>Day 20</a:t>
+              <a:t>Day </a:t>
+            </a:r>
+            <a:r>
+              <a:rPr lang="en-US" dirty="0" smtClean="0"/>
+              <a:t>20</a:t>
             </a:r>
             <a:endParaRPr lang="en-US" dirty="0"/>
           </a:p>
@@ -18088,18 +18051,26 @@
             <p:ph idx="1"/>
           </p:nvPr>
         </p:nvSpPr>
-        <p:spPr>
-          <a:xfrm>
-            <a:off x="323528" y="1124744"/>
-            <a:ext cx="8229600" cy="4525963"/>
-          </a:xfrm>
-        </p:spPr>
+        <p:spPr/>
         <p:txBody>
           <a:bodyPr>
             <a:normAutofit/>
           </a:bodyPr>
           <a:lstStyle/>
           <a:p>
+            <a:pPr marL="0" indent="0">
+              <a:buNone/>
+            </a:pPr>
+            <a:r>
+              <a:rPr lang="en-US" b="1" dirty="0" smtClean="0"/>
+              <a:t>Theme</a:t>
+            </a:r>
+          </a:p>
+          <a:p>
+            <a:pPr lvl="1"/>
+            <a:endParaRPr lang="en-US" dirty="0" smtClean="0"/>
+          </a:p>
+          <a:p>
             <a:pPr marL="457200" lvl="1" indent="0">
               <a:buNone/>
             </a:pPr>
@@ -18107,127 +18078,253 @@
           </a:p>
           <a:p>
             <a:pPr lvl="1">
-              <a:buFont typeface="Wingdings" panose="05000000000000000000" pitchFamily="2" charset="2"/>
-              <a:buChar char="§"/>
-            </a:pPr>
-            <a:r>
-              <a:rPr lang="en-US" sz="1600" dirty="0" err="1" smtClean="0"/>
-              <a:t>KStream</a:t>
-            </a:r>
-            <a:r>
-              <a:rPr lang="en-US" sz="1600" dirty="0" smtClean="0"/>
-              <a:t> &amp; </a:t>
-            </a:r>
-            <a:r>
-              <a:rPr lang="en-US" sz="1600" dirty="0" err="1" smtClean="0"/>
-              <a:t>KTable</a:t>
-            </a:r>
-            <a:endParaRPr lang="en-US" sz="1200" dirty="0" smtClean="0"/>
-          </a:p>
-          <a:p>
-            <a:pPr lvl="1">
-              <a:buFont typeface="Wingdings" panose="05000000000000000000" pitchFamily="2" charset="2"/>
-              <a:buChar char="§"/>
-            </a:pPr>
-            <a:r>
-              <a:rPr lang="en-US" sz="1600" dirty="0" err="1" smtClean="0"/>
-              <a:t>mapValues</a:t>
-            </a:r>
-            <a:r>
-              <a:rPr lang="en-US" sz="1600" dirty="0" smtClean="0"/>
-              <a:t>/map</a:t>
-            </a:r>
-          </a:p>
-          <a:p>
-            <a:pPr lvl="1">
-              <a:buFont typeface="Wingdings" panose="05000000000000000000" pitchFamily="2" charset="2"/>
-              <a:buChar char="§"/>
-            </a:pPr>
-            <a:r>
-              <a:rPr lang="en-US" sz="1600" dirty="0" smtClean="0"/>
-              <a:t>filter/</a:t>
-            </a:r>
-            <a:r>
-              <a:rPr lang="en-US" sz="1600" dirty="0" err="1" smtClean="0"/>
-              <a:t>filterNot</a:t>
-            </a:r>
-            <a:endParaRPr lang="en-US" sz="1600" dirty="0" smtClean="0"/>
-          </a:p>
-          <a:p>
-            <a:pPr lvl="1">
-              <a:buFont typeface="Wingdings" panose="05000000000000000000" pitchFamily="2" charset="2"/>
-              <a:buChar char="§"/>
-            </a:pPr>
-            <a:r>
-              <a:rPr lang="en-US" sz="1600" dirty="0" err="1" smtClean="0"/>
-              <a:t>flatMap</a:t>
-            </a:r>
-            <a:r>
-              <a:rPr lang="en-US" sz="1600" dirty="0" smtClean="0"/>
-              <a:t>/</a:t>
-            </a:r>
-            <a:r>
-              <a:rPr lang="en-US" sz="1600" dirty="0" err="1" smtClean="0"/>
-              <a:t>flatMapValues</a:t>
-            </a:r>
-            <a:endParaRPr lang="en-US" sz="1600" dirty="0" smtClean="0"/>
-          </a:p>
-          <a:p>
-            <a:pPr lvl="1">
-              <a:buFont typeface="Wingdings" panose="05000000000000000000" pitchFamily="2" charset="2"/>
-              <a:buChar char="§"/>
-            </a:pPr>
-            <a:r>
-              <a:rPr lang="en-US" sz="1600" dirty="0" err="1" smtClean="0"/>
-              <a:t>selectKey</a:t>
-            </a:r>
-            <a:endParaRPr lang="en-US" sz="1600" dirty="0" smtClean="0"/>
-          </a:p>
-          <a:p>
-            <a:pPr lvl="1">
-              <a:buFont typeface="Wingdings" panose="05000000000000000000" pitchFamily="2" charset="2"/>
-              <a:buChar char="§"/>
-            </a:pPr>
-            <a:endParaRPr lang="en-US" sz="1600" dirty="0" smtClean="0"/>
-          </a:p>
-          <a:p>
-            <a:pPr lvl="1">
-              <a:buFont typeface="Wingdings" panose="05000000000000000000" pitchFamily="2" charset="2"/>
-              <a:buChar char="§"/>
-            </a:pPr>
-            <a:endParaRPr lang="en-US" sz="1600" dirty="0" smtClean="0"/>
-          </a:p>
-          <a:p>
-            <a:pPr marL="1371600" lvl="3" indent="0">
-              <a:buNone/>
-            </a:pPr>
-            <a:endParaRPr lang="en-US" sz="800" dirty="0" smtClean="0"/>
-          </a:p>
-          <a:p>
-            <a:pPr lvl="2">
-              <a:buFont typeface="Wingdings" panose="05000000000000000000" pitchFamily="2" charset="2"/>
-              <a:buChar char="§"/>
-            </a:pPr>
-            <a:endParaRPr lang="en-US" sz="1200" dirty="0" smtClean="0"/>
+              <a:buFont typeface="Arial" panose="020B0604020202020204" pitchFamily="34" charset="0"/>
+              <a:buChar char="•"/>
+            </a:pPr>
+            <a:r>
+              <a:rPr lang="en-US" dirty="0" smtClean="0"/>
+              <a:t>Few More Streaming Application Examples</a:t>
+            </a:r>
+          </a:p>
+          <a:p>
+            <a:pPr lvl="1">
+              <a:buFont typeface="Arial" panose="020B0604020202020204" pitchFamily="34" charset="0"/>
+              <a:buChar char="•"/>
+            </a:pPr>
+            <a:r>
+              <a:rPr lang="en-US" dirty="0" smtClean="0"/>
+              <a:t>Deeper Understand DSL </a:t>
+            </a:r>
+            <a:endParaRPr lang="en-US" dirty="0" smtClean="0"/>
+          </a:p>
+          <a:p>
+            <a:pPr lvl="1">
+              <a:buFont typeface="Arial" panose="020B0604020202020204" pitchFamily="34" charset="0"/>
+              <a:buChar char="•"/>
+            </a:pPr>
+            <a:endParaRPr lang="en-US" dirty="0" smtClean="0"/>
+          </a:p>
+          <a:p>
+            <a:pPr lvl="1">
+              <a:buFont typeface="Arial" panose="020B0604020202020204" pitchFamily="34" charset="0"/>
+              <a:buChar char="•"/>
+            </a:pPr>
+            <a:endParaRPr lang="en-US" dirty="0" smtClean="0"/>
           </a:p>
           <a:p>
             <a:pPr marL="457200" lvl="1" indent="0">
               <a:buNone/>
             </a:pPr>
-            <a:endParaRPr lang="en-US" sz="1600" dirty="0"/>
-          </a:p>
-          <a:p>
-            <a:pPr marL="457200" lvl="1" indent="0">
-              <a:buNone/>
-            </a:pPr>
-            <a:endParaRPr lang="en-US" sz="1600" dirty="0" smtClean="0"/>
+            <a:endParaRPr lang="en-US" dirty="0" smtClean="0"/>
+          </a:p>
+          <a:p>
+            <a:pPr lvl="1"/>
+            <a:endParaRPr lang="en-US" dirty="0" smtClean="0"/>
           </a:p>
         </p:txBody>
       </p:sp>
     </p:spTree>
     <p:extLst>
       <p:ext uri="{BB962C8B-B14F-4D97-AF65-F5344CB8AC3E}">
-        <p14:creationId xmlns:p14="http://schemas.microsoft.com/office/powerpoint/2010/main" val="407744568"/>
+        <p14:creationId xmlns:p14="http://schemas.microsoft.com/office/powerpoint/2010/main" val="687136625"/>
+      </p:ext>
+    </p:extLst>
+  </p:cSld>
+  <p:clrMapOvr>
+    <a:masterClrMapping/>
+  </p:clrMapOvr>
+  <p:timing>
+    <p:tnLst>
+      <p:par>
+        <p:cTn id="1" dur="indefinite" restart="never" nodeType="tmRoot"/>
+      </p:par>
+    </p:tnLst>
+  </p:timing>
+</p:sld>
+</file>
+
+<file path=ppt/slides/slide89.xml><?xml version="1.0" encoding="utf-8"?>
+<p:sld xmlns:a="http://schemas.openxmlformats.org/drawingml/2006/main" xmlns:r="http://schemas.openxmlformats.org/officeDocument/2006/relationships" xmlns:p="http://schemas.openxmlformats.org/presentationml/2006/main">
+  <p:cSld>
+    <p:spTree>
+      <p:nvGrpSpPr>
+        <p:cNvPr id="1" name=""/>
+        <p:cNvGrpSpPr/>
+        <p:nvPr/>
+      </p:nvGrpSpPr>
+      <p:grpSpPr>
+        <a:xfrm>
+          <a:off x="0" y="0"/>
+          <a:ext cx="0" cy="0"/>
+          <a:chOff x="0" y="0"/>
+          <a:chExt cx="0" cy="0"/>
+        </a:xfrm>
+      </p:grpSpPr>
+      <p:sp>
+        <p:nvSpPr>
+          <p:cNvPr id="2" name="Title 1"/>
+          <p:cNvSpPr>
+            <a:spLocks noGrp="1"/>
+          </p:cNvSpPr>
+          <p:nvPr>
+            <p:ph type="title"/>
+          </p:nvPr>
+        </p:nvSpPr>
+        <p:spPr/>
+        <p:txBody>
+          <a:bodyPr/>
+          <a:lstStyle/>
+          <a:p>
+            <a:r>
+              <a:rPr lang="en-US" dirty="0" smtClean="0"/>
+              <a:t>Agenda - Day </a:t>
+            </a:r>
+            <a:r>
+              <a:rPr lang="en-US" dirty="0" smtClean="0"/>
+              <a:t>20</a:t>
+            </a:r>
+            <a:endParaRPr lang="en-US" dirty="0"/>
+          </a:p>
+        </p:txBody>
+      </p:sp>
+      <p:sp>
+        <p:nvSpPr>
+          <p:cNvPr id="3" name="Content Placeholder 2"/>
+          <p:cNvSpPr>
+            <a:spLocks noGrp="1"/>
+          </p:cNvSpPr>
+          <p:nvPr>
+            <p:ph idx="1"/>
+          </p:nvPr>
+        </p:nvSpPr>
+        <p:spPr/>
+        <p:txBody>
+          <a:bodyPr>
+            <a:normAutofit fontScale="92500" lnSpcReduction="10000"/>
+          </a:bodyPr>
+          <a:lstStyle/>
+          <a:p>
+            <a:pPr lvl="1">
+              <a:buFont typeface="Arial" panose="020B0604020202020204" pitchFamily="34" charset="0"/>
+              <a:buChar char="•"/>
+            </a:pPr>
+            <a:endParaRPr lang="en-US" dirty="0" smtClean="0"/>
+          </a:p>
+          <a:p>
+            <a:pPr lvl="1">
+              <a:buFont typeface="Arial" panose="020B0604020202020204" pitchFamily="34" charset="0"/>
+              <a:buChar char="•"/>
+            </a:pPr>
+            <a:r>
+              <a:rPr lang="en-US" dirty="0"/>
+              <a:t>Day </a:t>
+            </a:r>
+            <a:r>
+              <a:rPr lang="en-US" dirty="0" smtClean="0"/>
+              <a:t>19 Recap </a:t>
+            </a:r>
+            <a:r>
+              <a:rPr lang="en-US" dirty="0"/>
+              <a:t>&amp; </a:t>
+            </a:r>
+            <a:r>
+              <a:rPr lang="en-US" dirty="0" err="1"/>
+              <a:t>QnA</a:t>
+            </a:r>
+            <a:endParaRPr lang="en-US" dirty="0"/>
+          </a:p>
+          <a:p>
+            <a:pPr lvl="1">
+              <a:buFont typeface="Arial" panose="020B0604020202020204" pitchFamily="34" charset="0"/>
+              <a:buChar char="•"/>
+            </a:pPr>
+            <a:endParaRPr lang="en-US" dirty="0" smtClean="0"/>
+          </a:p>
+          <a:p>
+            <a:pPr lvl="1">
+              <a:buFont typeface="Arial" panose="020B0604020202020204" pitchFamily="34" charset="0"/>
+              <a:buChar char="•"/>
+            </a:pPr>
+            <a:r>
+              <a:rPr lang="en-US" dirty="0" smtClean="0"/>
+              <a:t>Few More Streaming Applications</a:t>
+            </a:r>
+            <a:endParaRPr lang="en-US" dirty="0" smtClean="0"/>
+          </a:p>
+          <a:p>
+            <a:pPr lvl="1">
+              <a:buFont typeface="Arial" panose="020B0604020202020204" pitchFamily="34" charset="0"/>
+              <a:buChar char="•"/>
+            </a:pPr>
+            <a:endParaRPr lang="en-US" dirty="0"/>
+          </a:p>
+          <a:p>
+            <a:pPr lvl="1">
+              <a:buFont typeface="Arial" panose="020B0604020202020204" pitchFamily="34" charset="0"/>
+              <a:buChar char="•"/>
+            </a:pPr>
+            <a:r>
+              <a:rPr lang="en-US" dirty="0" err="1" smtClean="0"/>
+              <a:t>KStreams</a:t>
+            </a:r>
+            <a:r>
+              <a:rPr lang="en-US" dirty="0" smtClean="0"/>
+              <a:t> vs </a:t>
+            </a:r>
+            <a:r>
+              <a:rPr lang="en-US" dirty="0" err="1" smtClean="0"/>
+              <a:t>Ktables</a:t>
+            </a:r>
+            <a:endParaRPr lang="en-US" dirty="0" smtClean="0"/>
+          </a:p>
+          <a:p>
+            <a:pPr lvl="1">
+              <a:buFont typeface="Arial" panose="020B0604020202020204" pitchFamily="34" charset="0"/>
+              <a:buChar char="•"/>
+            </a:pPr>
+            <a:endParaRPr lang="en-US" dirty="0" smtClean="0"/>
+          </a:p>
+          <a:p>
+            <a:pPr lvl="1">
+              <a:buFont typeface="Arial" panose="020B0604020202020204" pitchFamily="34" charset="0"/>
+              <a:buChar char="•"/>
+            </a:pPr>
+            <a:r>
+              <a:rPr lang="en-US" dirty="0" err="1" smtClean="0"/>
+              <a:t>KTables</a:t>
+            </a:r>
+            <a:endParaRPr lang="en-US" dirty="0" smtClean="0"/>
+          </a:p>
+          <a:p>
+            <a:pPr lvl="1">
+              <a:buFont typeface="Arial" panose="020B0604020202020204" pitchFamily="34" charset="0"/>
+              <a:buChar char="•"/>
+            </a:pPr>
+            <a:endParaRPr lang="en-US" dirty="0" smtClean="0"/>
+          </a:p>
+          <a:p>
+            <a:pPr lvl="1">
+              <a:buFont typeface="Arial" panose="020B0604020202020204" pitchFamily="34" charset="0"/>
+              <a:buChar char="•"/>
+            </a:pPr>
+            <a:r>
+              <a:rPr lang="en-US" dirty="0" smtClean="0"/>
+              <a:t>DSL Processors</a:t>
+            </a:r>
+            <a:endParaRPr lang="en-US" dirty="0" smtClean="0"/>
+          </a:p>
+          <a:p>
+            <a:pPr marL="457200" lvl="1" indent="0">
+              <a:buNone/>
+            </a:pPr>
+            <a:endParaRPr lang="en-US" dirty="0" smtClean="0"/>
+          </a:p>
+        </p:txBody>
+      </p:sp>
+    </p:spTree>
+    <p:extLst>
+      <p:ext uri="{BB962C8B-B14F-4D97-AF65-F5344CB8AC3E}">
+        <p14:creationId xmlns:p14="http://schemas.microsoft.com/office/powerpoint/2010/main" val="2688591658"/>
       </p:ext>
     </p:extLst>
   </p:cSld>
@@ -18316,6 +18413,2291 @@
     <p:extLst>
       <p:ext uri="{BB962C8B-B14F-4D97-AF65-F5344CB8AC3E}">
         <p14:creationId xmlns:p14="http://schemas.microsoft.com/office/powerpoint/2010/main" val="498536547"/>
+      </p:ext>
+    </p:extLst>
+  </p:cSld>
+  <p:clrMapOvr>
+    <a:masterClrMapping/>
+  </p:clrMapOvr>
+  <p:timing>
+    <p:tnLst>
+      <p:par>
+        <p:cTn id="1" dur="indefinite" restart="never" nodeType="tmRoot"/>
+      </p:par>
+    </p:tnLst>
+  </p:timing>
+</p:sld>
+</file>
+
+<file path=ppt/slides/slide90.xml><?xml version="1.0" encoding="utf-8"?>
+<p:sld xmlns:a="http://schemas.openxmlformats.org/drawingml/2006/main" xmlns:r="http://schemas.openxmlformats.org/officeDocument/2006/relationships" xmlns:p="http://schemas.openxmlformats.org/presentationml/2006/main">
+  <p:cSld>
+    <p:spTree>
+      <p:nvGrpSpPr>
+        <p:cNvPr id="1" name=""/>
+        <p:cNvGrpSpPr/>
+        <p:nvPr/>
+      </p:nvGrpSpPr>
+      <p:grpSpPr>
+        <a:xfrm>
+          <a:off x="0" y="0"/>
+          <a:ext cx="0" cy="0"/>
+          <a:chOff x="0" y="0"/>
+          <a:chExt cx="0" cy="0"/>
+        </a:xfrm>
+      </p:grpSpPr>
+      <p:sp>
+        <p:nvSpPr>
+          <p:cNvPr id="2" name="Title 1"/>
+          <p:cNvSpPr>
+            <a:spLocks noGrp="1"/>
+          </p:cNvSpPr>
+          <p:nvPr>
+            <p:ph type="title"/>
+          </p:nvPr>
+        </p:nvSpPr>
+        <p:spPr/>
+        <p:txBody>
+          <a:bodyPr/>
+          <a:lstStyle/>
+          <a:p>
+            <a:r>
+              <a:rPr lang="en-US" dirty="0" smtClean="0"/>
+              <a:t>DSL </a:t>
+            </a:r>
+            <a:r>
+              <a:rPr lang="en-US" dirty="0" err="1" smtClean="0"/>
+              <a:t>Ktable</a:t>
+            </a:r>
+            <a:r>
+              <a:rPr lang="en-US" dirty="0" smtClean="0"/>
+              <a:t> &amp; </a:t>
+            </a:r>
+            <a:r>
+              <a:rPr lang="en-US" dirty="0" err="1" smtClean="0"/>
+              <a:t>KStream</a:t>
+            </a:r>
+            <a:r>
+              <a:rPr lang="en-US" dirty="0" smtClean="0"/>
+              <a:t> - </a:t>
+            </a:r>
+            <a:r>
+              <a:rPr lang="en-US" dirty="0" smtClean="0"/>
+              <a:t>Day 20</a:t>
+            </a:r>
+            <a:endParaRPr lang="en-US" dirty="0"/>
+          </a:p>
+        </p:txBody>
+      </p:sp>
+      <p:sp>
+        <p:nvSpPr>
+          <p:cNvPr id="3" name="Content Placeholder 2"/>
+          <p:cNvSpPr>
+            <a:spLocks noGrp="1"/>
+          </p:cNvSpPr>
+          <p:nvPr>
+            <p:ph idx="1"/>
+          </p:nvPr>
+        </p:nvSpPr>
+        <p:spPr>
+          <a:xfrm>
+            <a:off x="323528" y="1124744"/>
+            <a:ext cx="8229600" cy="4525963"/>
+          </a:xfrm>
+        </p:spPr>
+        <p:txBody>
+          <a:bodyPr>
+            <a:normAutofit/>
+          </a:bodyPr>
+          <a:lstStyle/>
+          <a:p>
+            <a:pPr marL="457200" lvl="1" indent="0">
+              <a:buNone/>
+            </a:pPr>
+            <a:endParaRPr lang="en-US" dirty="0"/>
+          </a:p>
+          <a:p>
+            <a:pPr marL="457200" lvl="1" indent="0">
+              <a:buNone/>
+            </a:pPr>
+            <a:r>
+              <a:rPr lang="en-US" sz="1600" dirty="0" smtClean="0"/>
+              <a:t>Refer Draw.io</a:t>
+            </a:r>
+            <a:endParaRPr lang="en-US" sz="1600" dirty="0" smtClean="0"/>
+          </a:p>
+          <a:p>
+            <a:pPr lvl="1">
+              <a:buFont typeface="Wingdings" panose="05000000000000000000" pitchFamily="2" charset="2"/>
+              <a:buChar char="§"/>
+            </a:pPr>
+            <a:endParaRPr lang="en-US" sz="1600" dirty="0" smtClean="0"/>
+          </a:p>
+          <a:p>
+            <a:pPr lvl="1">
+              <a:buFont typeface="Wingdings" panose="05000000000000000000" pitchFamily="2" charset="2"/>
+              <a:buChar char="§"/>
+            </a:pPr>
+            <a:endParaRPr lang="en-US" sz="1600" dirty="0" smtClean="0"/>
+          </a:p>
+          <a:p>
+            <a:pPr marL="1371600" lvl="3" indent="0">
+              <a:buNone/>
+            </a:pPr>
+            <a:endParaRPr lang="en-US" sz="800" dirty="0" smtClean="0"/>
+          </a:p>
+          <a:p>
+            <a:pPr lvl="2">
+              <a:buFont typeface="Wingdings" panose="05000000000000000000" pitchFamily="2" charset="2"/>
+              <a:buChar char="§"/>
+            </a:pPr>
+            <a:endParaRPr lang="en-US" sz="1200" dirty="0" smtClean="0"/>
+          </a:p>
+          <a:p>
+            <a:pPr marL="457200" lvl="1" indent="0">
+              <a:buNone/>
+            </a:pPr>
+            <a:endParaRPr lang="en-US" sz="1600" dirty="0"/>
+          </a:p>
+          <a:p>
+            <a:pPr marL="457200" lvl="1" indent="0">
+              <a:buNone/>
+            </a:pPr>
+            <a:endParaRPr lang="en-US" sz="1600" dirty="0" smtClean="0"/>
+          </a:p>
+        </p:txBody>
+      </p:sp>
+    </p:spTree>
+    <p:extLst>
+      <p:ext uri="{BB962C8B-B14F-4D97-AF65-F5344CB8AC3E}">
+        <p14:creationId xmlns:p14="http://schemas.microsoft.com/office/powerpoint/2010/main" val="2160340078"/>
+      </p:ext>
+    </p:extLst>
+  </p:cSld>
+  <p:clrMapOvr>
+    <a:masterClrMapping/>
+  </p:clrMapOvr>
+  <p:timing>
+    <p:tnLst>
+      <p:par>
+        <p:cTn id="1" dur="indefinite" restart="never" nodeType="tmRoot"/>
+      </p:par>
+    </p:tnLst>
+  </p:timing>
+</p:sld>
+</file>
+
+<file path=ppt/slides/slide91.xml><?xml version="1.0" encoding="utf-8"?>
+<p:sld xmlns:a="http://schemas.openxmlformats.org/drawingml/2006/main" xmlns:r="http://schemas.openxmlformats.org/officeDocument/2006/relationships" xmlns:p="http://schemas.openxmlformats.org/presentationml/2006/main">
+  <p:cSld>
+    <p:spTree>
+      <p:nvGrpSpPr>
+        <p:cNvPr id="1" name=""/>
+        <p:cNvGrpSpPr/>
+        <p:nvPr/>
+      </p:nvGrpSpPr>
+      <p:grpSpPr>
+        <a:xfrm>
+          <a:off x="0" y="0"/>
+          <a:ext cx="0" cy="0"/>
+          <a:chOff x="0" y="0"/>
+          <a:chExt cx="0" cy="0"/>
+        </a:xfrm>
+      </p:grpSpPr>
+      <p:sp>
+        <p:nvSpPr>
+          <p:cNvPr id="2" name="Title 1"/>
+          <p:cNvSpPr>
+            <a:spLocks noGrp="1"/>
+          </p:cNvSpPr>
+          <p:nvPr>
+            <p:ph type="title"/>
+          </p:nvPr>
+        </p:nvSpPr>
+        <p:spPr/>
+        <p:txBody>
+          <a:bodyPr/>
+          <a:lstStyle/>
+          <a:p>
+            <a:r>
+              <a:rPr lang="en-US" dirty="0" smtClean="0"/>
+              <a:t>DSL </a:t>
+            </a:r>
+            <a:r>
+              <a:rPr lang="en-US" dirty="0" err="1" smtClean="0"/>
+              <a:t>KTable</a:t>
+            </a:r>
+            <a:r>
+              <a:rPr lang="en-US" dirty="0" smtClean="0"/>
+              <a:t> - </a:t>
+            </a:r>
+            <a:r>
+              <a:rPr lang="en-US" dirty="0" smtClean="0"/>
+              <a:t>Day 20</a:t>
+            </a:r>
+            <a:endParaRPr lang="en-US" dirty="0"/>
+          </a:p>
+        </p:txBody>
+      </p:sp>
+      <p:sp>
+        <p:nvSpPr>
+          <p:cNvPr id="3" name="Content Placeholder 2"/>
+          <p:cNvSpPr>
+            <a:spLocks noGrp="1"/>
+          </p:cNvSpPr>
+          <p:nvPr>
+            <p:ph idx="1"/>
+          </p:nvPr>
+        </p:nvSpPr>
+        <p:spPr>
+          <a:xfrm>
+            <a:off x="323528" y="1124744"/>
+            <a:ext cx="8229600" cy="4525963"/>
+          </a:xfrm>
+        </p:spPr>
+        <p:txBody>
+          <a:bodyPr>
+            <a:normAutofit/>
+          </a:bodyPr>
+          <a:lstStyle/>
+          <a:p>
+            <a:pPr marL="457200" lvl="1" indent="0">
+              <a:buNone/>
+            </a:pPr>
+            <a:endParaRPr lang="en-US" dirty="0"/>
+          </a:p>
+          <a:p>
+            <a:pPr lvl="1">
+              <a:buFont typeface="Wingdings" panose="05000000000000000000" pitchFamily="2" charset="2"/>
+              <a:buChar char="§"/>
+            </a:pPr>
+            <a:endParaRPr lang="en-US" sz="1600" dirty="0" smtClean="0"/>
+          </a:p>
+          <a:p>
+            <a:pPr lvl="1">
+              <a:buFont typeface="Wingdings" panose="05000000000000000000" pitchFamily="2" charset="2"/>
+              <a:buChar char="§"/>
+            </a:pPr>
+            <a:r>
+              <a:rPr lang="en-US" sz="1600" dirty="0" err="1" smtClean="0"/>
+              <a:t>Upserts</a:t>
+            </a:r>
+            <a:r>
+              <a:rPr lang="en-US" sz="1600" dirty="0" smtClean="0"/>
+              <a:t> (With A Demo)</a:t>
+            </a:r>
+          </a:p>
+          <a:p>
+            <a:pPr lvl="1">
+              <a:buFont typeface="Wingdings" panose="05000000000000000000" pitchFamily="2" charset="2"/>
+              <a:buChar char="§"/>
+            </a:pPr>
+            <a:endParaRPr lang="en-US" sz="1600" dirty="0" smtClean="0"/>
+          </a:p>
+          <a:p>
+            <a:pPr lvl="1">
+              <a:buFont typeface="Wingdings" panose="05000000000000000000" pitchFamily="2" charset="2"/>
+              <a:buChar char="§"/>
+            </a:pPr>
+            <a:endParaRPr lang="en-US" sz="1600" dirty="0" smtClean="0"/>
+          </a:p>
+          <a:p>
+            <a:pPr lvl="1">
+              <a:buFont typeface="Wingdings" panose="05000000000000000000" pitchFamily="2" charset="2"/>
+              <a:buChar char="§"/>
+            </a:pPr>
+            <a:r>
+              <a:rPr lang="en-US" sz="1600" dirty="0" smtClean="0"/>
+              <a:t>Repartitioning - Keys selection and its impact on </a:t>
+            </a:r>
+            <a:r>
+              <a:rPr lang="en-US" sz="1600" dirty="0" err="1" smtClean="0"/>
+              <a:t>Stateful</a:t>
+            </a:r>
+            <a:r>
+              <a:rPr lang="en-US" sz="1600" dirty="0" smtClean="0"/>
+              <a:t> Operations like Count</a:t>
+            </a:r>
+          </a:p>
+          <a:p>
+            <a:pPr lvl="1">
+              <a:buFont typeface="Wingdings" panose="05000000000000000000" pitchFamily="2" charset="2"/>
+              <a:buChar char="§"/>
+            </a:pPr>
+            <a:endParaRPr lang="en-US" sz="1600" dirty="0" smtClean="0"/>
+          </a:p>
+          <a:p>
+            <a:pPr lvl="1">
+              <a:buFont typeface="Wingdings" panose="05000000000000000000" pitchFamily="2" charset="2"/>
+              <a:buChar char="§"/>
+            </a:pPr>
+            <a:endParaRPr lang="en-US" sz="1600" dirty="0" smtClean="0"/>
+          </a:p>
+          <a:p>
+            <a:pPr lvl="1">
+              <a:buFont typeface="Wingdings" panose="05000000000000000000" pitchFamily="2" charset="2"/>
+              <a:buChar char="§"/>
+            </a:pPr>
+            <a:r>
+              <a:rPr lang="en-US" sz="1600" dirty="0" smtClean="0"/>
+              <a:t>Changelog – State Stores Fault Tolerance</a:t>
+            </a:r>
+          </a:p>
+          <a:p>
+            <a:pPr lvl="1">
+              <a:buFont typeface="Wingdings" panose="05000000000000000000" pitchFamily="2" charset="2"/>
+              <a:buChar char="§"/>
+            </a:pPr>
+            <a:endParaRPr lang="en-US" sz="1600" dirty="0" smtClean="0"/>
+          </a:p>
+          <a:p>
+            <a:pPr lvl="1">
+              <a:buFont typeface="Wingdings" panose="05000000000000000000" pitchFamily="2" charset="2"/>
+              <a:buChar char="§"/>
+            </a:pPr>
+            <a:endParaRPr lang="en-US" sz="1600" dirty="0"/>
+          </a:p>
+          <a:p>
+            <a:pPr lvl="1">
+              <a:buFont typeface="Wingdings" panose="05000000000000000000" pitchFamily="2" charset="2"/>
+              <a:buChar char="§"/>
+            </a:pPr>
+            <a:r>
+              <a:rPr lang="en-US" sz="1600" dirty="0" smtClean="0"/>
+              <a:t>Table Cache &amp; Emit rates</a:t>
+            </a:r>
+          </a:p>
+          <a:p>
+            <a:pPr lvl="1">
+              <a:buFont typeface="Wingdings" panose="05000000000000000000" pitchFamily="2" charset="2"/>
+              <a:buChar char="§"/>
+            </a:pPr>
+            <a:endParaRPr lang="en-US" sz="1600" dirty="0" smtClean="0"/>
+          </a:p>
+          <a:p>
+            <a:pPr marL="457200" lvl="1" indent="0">
+              <a:buNone/>
+            </a:pPr>
+            <a:endParaRPr lang="en-US" sz="1600" dirty="0" smtClean="0"/>
+          </a:p>
+          <a:p>
+            <a:pPr lvl="1">
+              <a:buFont typeface="Wingdings" panose="05000000000000000000" pitchFamily="2" charset="2"/>
+              <a:buChar char="§"/>
+            </a:pPr>
+            <a:endParaRPr lang="en-US" sz="1600" dirty="0" smtClean="0"/>
+          </a:p>
+          <a:p>
+            <a:pPr lvl="1">
+              <a:buFont typeface="Wingdings" panose="05000000000000000000" pitchFamily="2" charset="2"/>
+              <a:buChar char="§"/>
+            </a:pPr>
+            <a:endParaRPr lang="en-US" sz="1600" dirty="0" smtClean="0"/>
+          </a:p>
+          <a:p>
+            <a:pPr lvl="1">
+              <a:buFontTx/>
+              <a:buChar char="-"/>
+            </a:pPr>
+            <a:endParaRPr lang="en-US" sz="1600" dirty="0" smtClean="0"/>
+          </a:p>
+          <a:p>
+            <a:pPr lvl="1">
+              <a:buFont typeface="Wingdings" panose="05000000000000000000" pitchFamily="2" charset="2"/>
+              <a:buChar char="§"/>
+            </a:pPr>
+            <a:endParaRPr lang="en-US" sz="1600" dirty="0" smtClean="0"/>
+          </a:p>
+          <a:p>
+            <a:pPr lvl="1">
+              <a:buFont typeface="Wingdings" panose="05000000000000000000" pitchFamily="2" charset="2"/>
+              <a:buChar char="§"/>
+            </a:pPr>
+            <a:endParaRPr lang="en-US" sz="1600" dirty="0" smtClean="0"/>
+          </a:p>
+          <a:p>
+            <a:pPr marL="1371600" lvl="3" indent="0">
+              <a:buNone/>
+            </a:pPr>
+            <a:endParaRPr lang="en-US" sz="800" dirty="0" smtClean="0"/>
+          </a:p>
+          <a:p>
+            <a:pPr lvl="2">
+              <a:buFont typeface="Wingdings" panose="05000000000000000000" pitchFamily="2" charset="2"/>
+              <a:buChar char="§"/>
+            </a:pPr>
+            <a:endParaRPr lang="en-US" sz="1200" dirty="0" smtClean="0"/>
+          </a:p>
+          <a:p>
+            <a:pPr marL="457200" lvl="1" indent="0">
+              <a:buNone/>
+            </a:pPr>
+            <a:endParaRPr lang="en-US" sz="1600" dirty="0"/>
+          </a:p>
+          <a:p>
+            <a:pPr marL="457200" lvl="1" indent="0">
+              <a:buNone/>
+            </a:pPr>
+            <a:endParaRPr lang="en-US" sz="1600" dirty="0" smtClean="0"/>
+          </a:p>
+        </p:txBody>
+      </p:sp>
+    </p:spTree>
+    <p:extLst>
+      <p:ext uri="{BB962C8B-B14F-4D97-AF65-F5344CB8AC3E}">
+        <p14:creationId xmlns:p14="http://schemas.microsoft.com/office/powerpoint/2010/main" val="3299701317"/>
+      </p:ext>
+    </p:extLst>
+  </p:cSld>
+  <p:clrMapOvr>
+    <a:masterClrMapping/>
+  </p:clrMapOvr>
+  <p:timing>
+    <p:tnLst>
+      <p:par>
+        <p:cTn id="1" dur="indefinite" restart="never" nodeType="tmRoot"/>
+      </p:par>
+    </p:tnLst>
+  </p:timing>
+</p:sld>
+</file>
+
+<file path=ppt/slides/slide92.xml><?xml version="1.0" encoding="utf-8"?>
+<p:sld xmlns:a="http://schemas.openxmlformats.org/drawingml/2006/main" xmlns:r="http://schemas.openxmlformats.org/officeDocument/2006/relationships" xmlns:p="http://schemas.openxmlformats.org/presentationml/2006/main">
+  <p:cSld>
+    <p:spTree>
+      <p:nvGrpSpPr>
+        <p:cNvPr id="1" name=""/>
+        <p:cNvGrpSpPr/>
+        <p:nvPr/>
+      </p:nvGrpSpPr>
+      <p:grpSpPr>
+        <a:xfrm>
+          <a:off x="0" y="0"/>
+          <a:ext cx="0" cy="0"/>
+          <a:chOff x="0" y="0"/>
+          <a:chExt cx="0" cy="0"/>
+        </a:xfrm>
+      </p:grpSpPr>
+      <p:sp>
+        <p:nvSpPr>
+          <p:cNvPr id="2" name="Title 1"/>
+          <p:cNvSpPr>
+            <a:spLocks noGrp="1"/>
+          </p:cNvSpPr>
+          <p:nvPr>
+            <p:ph type="title"/>
+          </p:nvPr>
+        </p:nvSpPr>
+        <p:spPr/>
+        <p:txBody>
+          <a:bodyPr/>
+          <a:lstStyle/>
+          <a:p>
+            <a:r>
+              <a:rPr lang="en-US" dirty="0" smtClean="0"/>
+              <a:t>DSL Stateless </a:t>
+            </a:r>
+            <a:r>
+              <a:rPr lang="en-US" dirty="0" smtClean="0"/>
+              <a:t>Processors- </a:t>
+            </a:r>
+            <a:r>
+              <a:rPr lang="en-US" dirty="0" smtClean="0"/>
+              <a:t>Day 20</a:t>
+            </a:r>
+            <a:endParaRPr lang="en-US" dirty="0"/>
+          </a:p>
+        </p:txBody>
+      </p:sp>
+      <p:sp>
+        <p:nvSpPr>
+          <p:cNvPr id="3" name="Content Placeholder 2"/>
+          <p:cNvSpPr>
+            <a:spLocks noGrp="1"/>
+          </p:cNvSpPr>
+          <p:nvPr>
+            <p:ph idx="1"/>
+          </p:nvPr>
+        </p:nvSpPr>
+        <p:spPr>
+          <a:xfrm>
+            <a:off x="323528" y="1124744"/>
+            <a:ext cx="8229600" cy="4525963"/>
+          </a:xfrm>
+        </p:spPr>
+        <p:txBody>
+          <a:bodyPr>
+            <a:normAutofit/>
+          </a:bodyPr>
+          <a:lstStyle/>
+          <a:p>
+            <a:pPr marL="457200" lvl="1" indent="0">
+              <a:buNone/>
+            </a:pPr>
+            <a:endParaRPr lang="en-US" dirty="0"/>
+          </a:p>
+          <a:p>
+            <a:pPr lvl="1">
+              <a:buFont typeface="Wingdings" panose="05000000000000000000" pitchFamily="2" charset="2"/>
+              <a:buChar char="§"/>
+            </a:pPr>
+            <a:r>
+              <a:rPr lang="en-US" sz="1600" dirty="0" err="1" smtClean="0"/>
+              <a:t>mapValues</a:t>
+            </a:r>
+            <a:r>
+              <a:rPr lang="en-US" sz="1600" dirty="0" smtClean="0"/>
+              <a:t>/map</a:t>
+            </a:r>
+          </a:p>
+          <a:p>
+            <a:pPr marL="457200" lvl="1" indent="0">
+              <a:buNone/>
+            </a:pPr>
+            <a:r>
+              <a:rPr lang="en-US" sz="1600" dirty="0"/>
+              <a:t>	</a:t>
+            </a:r>
+            <a:r>
+              <a:rPr lang="en-US" sz="1600" dirty="0" smtClean="0"/>
+              <a:t>Transforms the data from one form to other based on processing logic</a:t>
+            </a:r>
+          </a:p>
+          <a:p>
+            <a:pPr marL="457200" lvl="1" indent="0">
+              <a:buNone/>
+            </a:pPr>
+            <a:endParaRPr lang="en-US" sz="1600" dirty="0" smtClean="0"/>
+          </a:p>
+          <a:p>
+            <a:pPr marL="457200" lvl="1" indent="0">
+              <a:buNone/>
+            </a:pPr>
+            <a:endParaRPr lang="en-US" sz="1600" dirty="0" smtClean="0"/>
+          </a:p>
+          <a:p>
+            <a:pPr lvl="1">
+              <a:buFont typeface="Wingdings" panose="05000000000000000000" pitchFamily="2" charset="2"/>
+              <a:buChar char="§"/>
+            </a:pPr>
+            <a:endParaRPr lang="en-US" sz="1600" dirty="0" smtClean="0"/>
+          </a:p>
+          <a:p>
+            <a:pPr lvl="1">
+              <a:buFont typeface="Wingdings" panose="05000000000000000000" pitchFamily="2" charset="2"/>
+              <a:buChar char="§"/>
+            </a:pPr>
+            <a:endParaRPr lang="en-US" sz="1600" dirty="0" smtClean="0"/>
+          </a:p>
+          <a:p>
+            <a:pPr lvl="1">
+              <a:buFont typeface="Wingdings" panose="05000000000000000000" pitchFamily="2" charset="2"/>
+              <a:buChar char="§"/>
+            </a:pPr>
+            <a:endParaRPr lang="en-US" sz="1600" dirty="0"/>
+          </a:p>
+          <a:p>
+            <a:pPr lvl="1">
+              <a:buFont typeface="Wingdings" panose="05000000000000000000" pitchFamily="2" charset="2"/>
+              <a:buChar char="§"/>
+            </a:pPr>
+            <a:endParaRPr lang="en-US" sz="1600" dirty="0" smtClean="0"/>
+          </a:p>
+          <a:p>
+            <a:pPr lvl="1">
+              <a:buFont typeface="Wingdings" panose="05000000000000000000" pitchFamily="2" charset="2"/>
+              <a:buChar char="§"/>
+            </a:pPr>
+            <a:endParaRPr lang="en-US" sz="1600" dirty="0"/>
+          </a:p>
+          <a:p>
+            <a:pPr lvl="1">
+              <a:buFont typeface="Wingdings" panose="05000000000000000000" pitchFamily="2" charset="2"/>
+              <a:buChar char="§"/>
+            </a:pPr>
+            <a:r>
+              <a:rPr lang="en-US" sz="1600" dirty="0" err="1" smtClean="0"/>
+              <a:t>flatMap</a:t>
+            </a:r>
+            <a:r>
+              <a:rPr lang="en-US" sz="1600" dirty="0" smtClean="0"/>
+              <a:t>/</a:t>
+            </a:r>
+            <a:r>
+              <a:rPr lang="en-US" sz="1600" dirty="0" err="1" smtClean="0"/>
+              <a:t>flatmapValues</a:t>
+            </a:r>
+            <a:endParaRPr lang="en-US" sz="1600" dirty="0" smtClean="0"/>
+          </a:p>
+          <a:p>
+            <a:pPr marL="457200" lvl="1" indent="0">
+              <a:buNone/>
+            </a:pPr>
+            <a:r>
+              <a:rPr lang="en-US" sz="1600" dirty="0" smtClean="0"/>
+              <a:t>     Takes one record and produces zero, one or more record</a:t>
+            </a:r>
+          </a:p>
+          <a:p>
+            <a:pPr marL="457200" lvl="1" indent="0">
+              <a:buNone/>
+            </a:pPr>
+            <a:endParaRPr lang="en-US" sz="1600" dirty="0" smtClean="0"/>
+          </a:p>
+          <a:p>
+            <a:pPr marL="457200" lvl="1" indent="0">
+              <a:buNone/>
+            </a:pPr>
+            <a:endParaRPr lang="en-US" sz="1600" dirty="0" smtClean="0"/>
+          </a:p>
+          <a:p>
+            <a:pPr lvl="1">
+              <a:buFont typeface="Wingdings" panose="05000000000000000000" pitchFamily="2" charset="2"/>
+              <a:buChar char="§"/>
+            </a:pPr>
+            <a:endParaRPr lang="en-US" sz="1600" dirty="0" smtClean="0"/>
+          </a:p>
+          <a:p>
+            <a:pPr lvl="1">
+              <a:buFont typeface="Wingdings" panose="05000000000000000000" pitchFamily="2" charset="2"/>
+              <a:buChar char="§"/>
+            </a:pPr>
+            <a:endParaRPr lang="en-US" sz="1600" dirty="0" smtClean="0"/>
+          </a:p>
+          <a:p>
+            <a:pPr lvl="1">
+              <a:buFont typeface="Wingdings" panose="05000000000000000000" pitchFamily="2" charset="2"/>
+              <a:buChar char="§"/>
+            </a:pPr>
+            <a:endParaRPr lang="en-US" sz="1600" dirty="0" smtClean="0"/>
+          </a:p>
+          <a:p>
+            <a:pPr lvl="1">
+              <a:buFont typeface="Wingdings" panose="05000000000000000000" pitchFamily="2" charset="2"/>
+              <a:buChar char="§"/>
+            </a:pPr>
+            <a:endParaRPr lang="en-US" sz="1600" dirty="0" smtClean="0"/>
+          </a:p>
+          <a:p>
+            <a:pPr marL="1371600" lvl="3" indent="0">
+              <a:buNone/>
+            </a:pPr>
+            <a:endParaRPr lang="en-US" sz="800" dirty="0" smtClean="0"/>
+          </a:p>
+          <a:p>
+            <a:pPr lvl="2">
+              <a:buFont typeface="Wingdings" panose="05000000000000000000" pitchFamily="2" charset="2"/>
+              <a:buChar char="§"/>
+            </a:pPr>
+            <a:endParaRPr lang="en-US" sz="1200" dirty="0" smtClean="0"/>
+          </a:p>
+          <a:p>
+            <a:pPr marL="457200" lvl="1" indent="0">
+              <a:buNone/>
+            </a:pPr>
+            <a:endParaRPr lang="en-US" sz="1600" dirty="0"/>
+          </a:p>
+          <a:p>
+            <a:pPr marL="457200" lvl="1" indent="0">
+              <a:buNone/>
+            </a:pPr>
+            <a:endParaRPr lang="en-US" sz="1600" dirty="0" smtClean="0"/>
+          </a:p>
+        </p:txBody>
+      </p:sp>
+      <p:graphicFrame>
+        <p:nvGraphicFramePr>
+          <p:cNvPr id="4" name="Table 3"/>
+          <p:cNvGraphicFramePr>
+            <a:graphicFrameLocks noGrp="1"/>
+          </p:cNvGraphicFramePr>
+          <p:nvPr>
+            <p:extLst>
+              <p:ext uri="{D42A27DB-BD31-4B8C-83A1-F6EECF244321}">
+                <p14:modId xmlns:p14="http://schemas.microsoft.com/office/powerpoint/2010/main" val="423531399"/>
+              </p:ext>
+            </p:extLst>
+          </p:nvPr>
+        </p:nvGraphicFramePr>
+        <p:xfrm>
+          <a:off x="971600" y="2348880"/>
+          <a:ext cx="7632848" cy="1727200"/>
+        </p:xfrm>
+        <a:graphic>
+          <a:graphicData uri="http://schemas.openxmlformats.org/drawingml/2006/table">
+            <a:tbl>
+              <a:tblPr firstRow="1" bandRow="1">
+                <a:tableStyleId>{5C22544A-7EE6-4342-B048-85BDC9FD1C3A}</a:tableStyleId>
+              </a:tblPr>
+              <a:tblGrid>
+                <a:gridCol w="3816424"/>
+                <a:gridCol w="3816424"/>
+              </a:tblGrid>
+              <a:tr h="370840">
+                <a:tc>
+                  <a:txBody>
+                    <a:bodyPr/>
+                    <a:lstStyle/>
+                    <a:p>
+                      <a:r>
+                        <a:rPr lang="en-US" dirty="0" smtClean="0"/>
+                        <a:t>map</a:t>
+                      </a:r>
+                      <a:endParaRPr lang="en-US" dirty="0"/>
+                    </a:p>
+                  </a:txBody>
+                  <a:tcPr/>
+                </a:tc>
+                <a:tc>
+                  <a:txBody>
+                    <a:bodyPr/>
+                    <a:lstStyle/>
+                    <a:p>
+                      <a:r>
+                        <a:rPr lang="en-US" dirty="0" err="1" smtClean="0"/>
+                        <a:t>mapValues</a:t>
+                      </a:r>
+                      <a:endParaRPr lang="en-US" dirty="0"/>
+                    </a:p>
+                  </a:txBody>
+                  <a:tcPr/>
+                </a:tc>
+              </a:tr>
+              <a:tr h="370840">
+                <a:tc>
+                  <a:txBody>
+                    <a:bodyPr/>
+                    <a:lstStyle/>
+                    <a:p>
+                      <a:pPr marL="285750" indent="-285750">
+                        <a:buFontTx/>
+                        <a:buChar char="-"/>
+                      </a:pPr>
+                      <a:r>
+                        <a:rPr lang="en-US" sz="1100" dirty="0" smtClean="0"/>
+                        <a:t>Affects both key and value</a:t>
+                      </a:r>
+                    </a:p>
+                    <a:p>
+                      <a:pPr marL="285750" indent="-285750">
+                        <a:buFontTx/>
+                        <a:buChar char="-"/>
+                      </a:pPr>
+                      <a:r>
+                        <a:rPr lang="en-US" sz="1100" dirty="0" smtClean="0"/>
+                        <a:t>Triggers a Repartition</a:t>
+                      </a:r>
+                    </a:p>
+                    <a:p>
+                      <a:pPr marL="285750" indent="-285750">
+                        <a:buFontTx/>
+                        <a:buChar char="-"/>
+                      </a:pPr>
+                      <a:r>
+                        <a:rPr lang="en-US" sz="1100" dirty="0" smtClean="0"/>
+                        <a:t>For </a:t>
+                      </a:r>
+                      <a:r>
+                        <a:rPr lang="en-US" sz="1100" dirty="0" err="1" smtClean="0"/>
+                        <a:t>KStreams</a:t>
+                      </a:r>
+                      <a:r>
+                        <a:rPr lang="en-US" sz="1100" baseline="0" dirty="0" smtClean="0"/>
+                        <a:t> only</a:t>
+                      </a:r>
+                      <a:endParaRPr lang="en-US" sz="1100" dirty="0"/>
+                    </a:p>
+                  </a:txBody>
+                  <a:tcPr/>
+                </a:tc>
+                <a:tc>
+                  <a:txBody>
+                    <a:bodyPr/>
+                    <a:lstStyle/>
+                    <a:p>
+                      <a:pPr marL="285750" indent="-285750">
+                        <a:buFontTx/>
+                        <a:buChar char="-"/>
+                      </a:pPr>
+                      <a:r>
+                        <a:rPr lang="en-US" sz="1100" dirty="0" smtClean="0"/>
+                        <a:t>Only Effects Values</a:t>
+                      </a:r>
+                    </a:p>
+                    <a:p>
+                      <a:pPr marL="285750" indent="-285750">
+                        <a:buFontTx/>
+                        <a:buChar char="-"/>
+                      </a:pPr>
+                      <a:r>
+                        <a:rPr lang="en-US" sz="1100" dirty="0" smtClean="0"/>
+                        <a:t>Does not change keys</a:t>
+                      </a:r>
+                    </a:p>
+                    <a:p>
+                      <a:pPr marL="285750" indent="-285750">
+                        <a:buFontTx/>
+                        <a:buChar char="-"/>
+                      </a:pPr>
+                      <a:r>
+                        <a:rPr lang="en-US" sz="1100" dirty="0" smtClean="0"/>
+                        <a:t>Does</a:t>
+                      </a:r>
+                      <a:r>
+                        <a:rPr lang="en-US" sz="1100" baseline="0" dirty="0" smtClean="0"/>
+                        <a:t> not trigger repartition</a:t>
+                      </a:r>
+                    </a:p>
+                    <a:p>
+                      <a:pPr marL="285750" indent="-285750">
+                        <a:buFontTx/>
+                        <a:buChar char="-"/>
+                      </a:pPr>
+                      <a:r>
+                        <a:rPr lang="en-US" sz="1100" baseline="0" dirty="0" smtClean="0"/>
+                        <a:t>For </a:t>
+                      </a:r>
+                      <a:r>
+                        <a:rPr lang="en-US" sz="1100" baseline="0" dirty="0" err="1" smtClean="0"/>
+                        <a:t>KStreams</a:t>
+                      </a:r>
+                      <a:r>
+                        <a:rPr lang="en-US" sz="1100" baseline="0" dirty="0" smtClean="0"/>
+                        <a:t> and </a:t>
+                      </a:r>
+                      <a:r>
+                        <a:rPr lang="en-US" sz="1100" baseline="0" dirty="0" err="1" smtClean="0"/>
+                        <a:t>KTables</a:t>
+                      </a:r>
+                      <a:endParaRPr lang="en-US" sz="1100" dirty="0"/>
+                    </a:p>
+                  </a:txBody>
+                  <a:tcPr/>
+                </a:tc>
+              </a:tr>
+              <a:tr h="370840">
+                <a:tc>
+                  <a:txBody>
+                    <a:bodyPr/>
+                    <a:lstStyle/>
+                    <a:p>
+                      <a:pPr marL="0" marR="0" indent="0" algn="l" defTabSz="914400" rtl="0" eaLnBrk="1" fontAlgn="auto" latinLnBrk="0" hangingPunct="1">
+                        <a:lnSpc>
+                          <a:spcPct val="100000"/>
+                        </a:lnSpc>
+                        <a:spcBef>
+                          <a:spcPts val="0"/>
+                        </a:spcBef>
+                        <a:spcAft>
+                          <a:spcPts val="0"/>
+                        </a:spcAft>
+                        <a:buClrTx/>
+                        <a:buSzTx/>
+                        <a:buFontTx/>
+                        <a:buNone/>
+                        <a:tabLst/>
+                        <a:defRPr/>
+                      </a:pPr>
+                      <a:r>
+                        <a:rPr lang="en-US" sz="1100" kern="1200" dirty="0" smtClean="0">
+                          <a:solidFill>
+                            <a:schemeClr val="dk1"/>
+                          </a:solidFill>
+                          <a:effectLst/>
+                          <a:latin typeface="+mn-lt"/>
+                          <a:ea typeface="+mn-ea"/>
+                          <a:cs typeface="+mn-cs"/>
+                        </a:rPr>
+                        <a:t>&lt;VR&gt; </a:t>
+                      </a:r>
+                      <a:r>
+                        <a:rPr lang="en-US" sz="1100" kern="1200" dirty="0" err="1" smtClean="0">
+                          <a:solidFill>
+                            <a:schemeClr val="dk1"/>
+                          </a:solidFill>
+                          <a:effectLst/>
+                          <a:latin typeface="+mn-lt"/>
+                          <a:ea typeface="+mn-ea"/>
+                          <a:cs typeface="+mn-cs"/>
+                        </a:rPr>
+                        <a:t>KStream</a:t>
+                      </a:r>
+                      <a:r>
+                        <a:rPr lang="en-US" sz="1100" kern="1200" dirty="0" smtClean="0">
+                          <a:solidFill>
+                            <a:schemeClr val="dk1"/>
+                          </a:solidFill>
+                          <a:effectLst/>
+                          <a:latin typeface="+mn-lt"/>
+                          <a:ea typeface="+mn-ea"/>
+                          <a:cs typeface="+mn-cs"/>
+                        </a:rPr>
+                        <a:t>&lt;K, VR&gt; </a:t>
+                      </a:r>
+                      <a:r>
+                        <a:rPr lang="en-US" sz="1100" kern="1200" dirty="0" err="1" smtClean="0">
+                          <a:solidFill>
+                            <a:schemeClr val="dk1"/>
+                          </a:solidFill>
+                          <a:effectLst/>
+                          <a:latin typeface="+mn-lt"/>
+                          <a:ea typeface="+mn-ea"/>
+                          <a:cs typeface="+mn-cs"/>
+                        </a:rPr>
+                        <a:t>mapValues</a:t>
+                      </a:r>
+                      <a:r>
+                        <a:rPr lang="en-US" sz="1100" kern="1200" dirty="0" smtClean="0">
+                          <a:solidFill>
+                            <a:schemeClr val="dk1"/>
+                          </a:solidFill>
+                          <a:effectLst/>
+                          <a:latin typeface="+mn-lt"/>
+                          <a:ea typeface="+mn-ea"/>
+                          <a:cs typeface="+mn-cs"/>
+                        </a:rPr>
+                        <a:t>(final </a:t>
+                      </a:r>
+                      <a:r>
+                        <a:rPr lang="en-US" sz="1100" kern="1200" dirty="0" err="1" smtClean="0">
+                          <a:solidFill>
+                            <a:schemeClr val="dk1"/>
+                          </a:solidFill>
+                          <a:effectLst/>
+                          <a:latin typeface="+mn-lt"/>
+                          <a:ea typeface="+mn-ea"/>
+                          <a:cs typeface="+mn-cs"/>
+                        </a:rPr>
+                        <a:t>ValueMapper</a:t>
+                      </a:r>
+                      <a:r>
+                        <a:rPr lang="en-US" sz="1100" kern="1200" dirty="0" smtClean="0">
+                          <a:solidFill>
+                            <a:schemeClr val="dk1"/>
+                          </a:solidFill>
+                          <a:effectLst/>
+                          <a:latin typeface="+mn-lt"/>
+                          <a:ea typeface="+mn-ea"/>
+                          <a:cs typeface="+mn-cs"/>
+                        </a:rPr>
+                        <a:t>&lt;? super V, ? extends VR&gt; mapper);</a:t>
+                      </a:r>
+                    </a:p>
+                    <a:p>
+                      <a:pPr marL="0" indent="0">
+                        <a:buFontTx/>
+                        <a:buNone/>
+                      </a:pPr>
+                      <a:endParaRPr lang="en-US" sz="1100" dirty="0"/>
+                    </a:p>
+                  </a:txBody>
+                  <a:tcPr/>
+                </a:tc>
+                <a:tc>
+                  <a:txBody>
+                    <a:bodyPr/>
+                    <a:lstStyle/>
+                    <a:p>
+                      <a:pPr marL="0" indent="0">
+                        <a:buFontTx/>
+                        <a:buNone/>
+                      </a:pPr>
+                      <a:r>
+                        <a:rPr lang="en-US" sz="1100" dirty="0" smtClean="0"/>
+                        <a:t>&lt;KR, VR&gt; </a:t>
+                      </a:r>
+                      <a:r>
+                        <a:rPr lang="en-US" sz="1100" dirty="0" err="1" smtClean="0"/>
+                        <a:t>KStream</a:t>
+                      </a:r>
+                      <a:r>
+                        <a:rPr lang="en-US" sz="1100" dirty="0" smtClean="0"/>
+                        <a:t>&lt;KR, VR&gt; map(     </a:t>
+                      </a:r>
+                      <a:r>
+                        <a:rPr lang="en-US" sz="1100" dirty="0" err="1" smtClean="0"/>
+                        <a:t>KeyValueMapper</a:t>
+                      </a:r>
+                      <a:r>
+                        <a:rPr lang="en-US" sz="1100" dirty="0" smtClean="0"/>
+                        <a:t>&lt;? super K, ? super V, ? extends </a:t>
+                      </a:r>
+                      <a:r>
+                        <a:rPr lang="en-US" sz="1100" dirty="0" err="1" smtClean="0"/>
+                        <a:t>KeyValue</a:t>
+                      </a:r>
+                      <a:r>
+                        <a:rPr lang="en-US" sz="1100" dirty="0" smtClean="0"/>
+                        <a:t>&lt;? extends KR, ? extends VR&gt;&gt; mapper )</a:t>
+                      </a:r>
+                      <a:endParaRPr lang="en-US" sz="1100" dirty="0"/>
+                    </a:p>
+                  </a:txBody>
+                  <a:tcPr/>
+                </a:tc>
+              </a:tr>
+            </a:tbl>
+          </a:graphicData>
+        </a:graphic>
+      </p:graphicFrame>
+      <p:graphicFrame>
+        <p:nvGraphicFramePr>
+          <p:cNvPr id="5" name="Table 4"/>
+          <p:cNvGraphicFramePr>
+            <a:graphicFrameLocks noGrp="1"/>
+          </p:cNvGraphicFramePr>
+          <p:nvPr>
+            <p:extLst>
+              <p:ext uri="{D42A27DB-BD31-4B8C-83A1-F6EECF244321}">
+                <p14:modId xmlns:p14="http://schemas.microsoft.com/office/powerpoint/2010/main" val="1672462988"/>
+              </p:ext>
+            </p:extLst>
+          </p:nvPr>
+        </p:nvGraphicFramePr>
+        <p:xfrm>
+          <a:off x="683568" y="4869160"/>
+          <a:ext cx="7632848" cy="1727200"/>
+        </p:xfrm>
+        <a:graphic>
+          <a:graphicData uri="http://schemas.openxmlformats.org/drawingml/2006/table">
+            <a:tbl>
+              <a:tblPr firstRow="1" bandRow="1">
+                <a:tableStyleId>{5C22544A-7EE6-4342-B048-85BDC9FD1C3A}</a:tableStyleId>
+              </a:tblPr>
+              <a:tblGrid>
+                <a:gridCol w="3816424"/>
+                <a:gridCol w="3816424"/>
+              </a:tblGrid>
+              <a:tr h="370840">
+                <a:tc>
+                  <a:txBody>
+                    <a:bodyPr/>
+                    <a:lstStyle/>
+                    <a:p>
+                      <a:r>
+                        <a:rPr lang="en-US" dirty="0" err="1" smtClean="0"/>
+                        <a:t>flat</a:t>
+                      </a:r>
+                      <a:r>
+                        <a:rPr lang="en-US" baseline="0" dirty="0" err="1" smtClean="0"/>
+                        <a:t>M</a:t>
+                      </a:r>
+                      <a:r>
+                        <a:rPr lang="en-US" dirty="0" err="1" smtClean="0"/>
+                        <a:t>ap</a:t>
+                      </a:r>
+                      <a:endParaRPr lang="en-US" dirty="0"/>
+                    </a:p>
+                  </a:txBody>
+                  <a:tcPr/>
+                </a:tc>
+                <a:tc>
+                  <a:txBody>
+                    <a:bodyPr/>
+                    <a:lstStyle/>
+                    <a:p>
+                      <a:r>
+                        <a:rPr lang="en-US" dirty="0" err="1" smtClean="0"/>
+                        <a:t>flatMapValues</a:t>
+                      </a:r>
+                      <a:endParaRPr lang="en-US" dirty="0"/>
+                    </a:p>
+                  </a:txBody>
+                  <a:tcPr/>
+                </a:tc>
+              </a:tr>
+              <a:tr h="370840">
+                <a:tc>
+                  <a:txBody>
+                    <a:bodyPr/>
+                    <a:lstStyle/>
+                    <a:p>
+                      <a:pPr marL="285750" indent="-285750">
+                        <a:buFontTx/>
+                        <a:buChar char="-"/>
+                      </a:pPr>
+                      <a:r>
+                        <a:rPr lang="en-US" sz="1100" dirty="0" smtClean="0"/>
+                        <a:t>Changes key</a:t>
+                      </a:r>
+                    </a:p>
+                    <a:p>
+                      <a:pPr marL="285750" indent="-285750">
+                        <a:buFontTx/>
+                        <a:buChar char="-"/>
+                      </a:pPr>
+                      <a:r>
+                        <a:rPr lang="en-US" sz="1100" dirty="0" smtClean="0"/>
+                        <a:t>Triggers a Repartition</a:t>
+                      </a:r>
+                    </a:p>
+                    <a:p>
+                      <a:pPr marL="285750" indent="-285750">
+                        <a:buFontTx/>
+                        <a:buChar char="-"/>
+                      </a:pPr>
+                      <a:r>
+                        <a:rPr lang="en-US" sz="1100" dirty="0" smtClean="0"/>
+                        <a:t>For </a:t>
+                      </a:r>
+                      <a:r>
+                        <a:rPr lang="en-US" sz="1100" dirty="0" err="1" smtClean="0"/>
+                        <a:t>KStreams</a:t>
+                      </a:r>
+                      <a:r>
+                        <a:rPr lang="en-US" sz="1100" baseline="0" dirty="0" smtClean="0"/>
+                        <a:t> only</a:t>
+                      </a:r>
+                      <a:endParaRPr lang="en-US" sz="1100" dirty="0"/>
+                    </a:p>
+                  </a:txBody>
+                  <a:tcPr/>
+                </a:tc>
+                <a:tc>
+                  <a:txBody>
+                    <a:bodyPr/>
+                    <a:lstStyle/>
+                    <a:p>
+                      <a:pPr marL="285750" indent="-285750">
+                        <a:buFontTx/>
+                        <a:buChar char="-"/>
+                      </a:pPr>
+                      <a:r>
+                        <a:rPr lang="en-US" sz="1100" dirty="0" smtClean="0"/>
+                        <a:t>Only Effects Values</a:t>
+                      </a:r>
+                    </a:p>
+                    <a:p>
+                      <a:pPr marL="285750" indent="-285750">
+                        <a:buFontTx/>
+                        <a:buChar char="-"/>
+                      </a:pPr>
+                      <a:r>
+                        <a:rPr lang="en-US" sz="1100" dirty="0" smtClean="0"/>
+                        <a:t>Does not change keys</a:t>
+                      </a:r>
+                    </a:p>
+                    <a:p>
+                      <a:pPr marL="285750" indent="-285750">
+                        <a:buFontTx/>
+                        <a:buChar char="-"/>
+                      </a:pPr>
+                      <a:r>
+                        <a:rPr lang="en-US" sz="1100" dirty="0" smtClean="0"/>
+                        <a:t>Does</a:t>
+                      </a:r>
+                      <a:r>
+                        <a:rPr lang="en-US" sz="1100" baseline="0" dirty="0" smtClean="0"/>
+                        <a:t> not trigger repartition</a:t>
+                      </a:r>
+                    </a:p>
+                    <a:p>
+                      <a:pPr marL="285750" indent="-285750">
+                        <a:buFontTx/>
+                        <a:buChar char="-"/>
+                      </a:pPr>
+                      <a:r>
+                        <a:rPr lang="en-US" sz="1100" baseline="0" dirty="0" smtClean="0"/>
+                        <a:t>For </a:t>
+                      </a:r>
+                      <a:r>
+                        <a:rPr lang="en-US" sz="1100" baseline="0" dirty="0" err="1" smtClean="0"/>
+                        <a:t>KStreams</a:t>
+                      </a:r>
+                      <a:endParaRPr lang="en-US" sz="1100" dirty="0"/>
+                    </a:p>
+                  </a:txBody>
+                  <a:tcPr/>
+                </a:tc>
+              </a:tr>
+              <a:tr h="370840">
+                <a:tc>
+                  <a:txBody>
+                    <a:bodyPr/>
+                    <a:lstStyle/>
+                    <a:p>
+                      <a:pPr marL="0" marR="0" indent="0" algn="l" defTabSz="914400" rtl="0" eaLnBrk="1" fontAlgn="auto" latinLnBrk="0" hangingPunct="1">
+                        <a:lnSpc>
+                          <a:spcPct val="100000"/>
+                        </a:lnSpc>
+                        <a:spcBef>
+                          <a:spcPts val="0"/>
+                        </a:spcBef>
+                        <a:spcAft>
+                          <a:spcPts val="0"/>
+                        </a:spcAft>
+                        <a:buClrTx/>
+                        <a:buSzTx/>
+                        <a:buFontTx/>
+                        <a:buNone/>
+                        <a:tabLst/>
+                        <a:defRPr/>
+                      </a:pPr>
+                      <a:r>
+                        <a:rPr lang="en-US" sz="1100" kern="1200" dirty="0" smtClean="0">
+                          <a:solidFill>
+                            <a:schemeClr val="dk1"/>
+                          </a:solidFill>
+                          <a:effectLst/>
+                          <a:latin typeface="+mn-lt"/>
+                          <a:ea typeface="+mn-ea"/>
+                          <a:cs typeface="+mn-cs"/>
+                        </a:rPr>
+                        <a:t>&lt;KR, VR&gt; </a:t>
+                      </a:r>
+                      <a:r>
+                        <a:rPr lang="en-US" sz="1100" kern="1200" dirty="0" err="1" smtClean="0">
+                          <a:solidFill>
+                            <a:schemeClr val="dk1"/>
+                          </a:solidFill>
+                          <a:effectLst/>
+                          <a:latin typeface="+mn-lt"/>
+                          <a:ea typeface="+mn-ea"/>
+                          <a:cs typeface="+mn-cs"/>
+                        </a:rPr>
+                        <a:t>KStream</a:t>
+                      </a:r>
+                      <a:r>
+                        <a:rPr lang="en-US" sz="1100" kern="1200" dirty="0" smtClean="0">
+                          <a:solidFill>
+                            <a:schemeClr val="dk1"/>
+                          </a:solidFill>
+                          <a:effectLst/>
+                          <a:latin typeface="+mn-lt"/>
+                          <a:ea typeface="+mn-ea"/>
+                          <a:cs typeface="+mn-cs"/>
+                        </a:rPr>
+                        <a:t>&lt;KR, VR&gt; </a:t>
+                      </a:r>
+                      <a:r>
+                        <a:rPr lang="en-US" sz="1100" kern="1200" dirty="0" err="1" smtClean="0">
+                          <a:solidFill>
+                            <a:schemeClr val="dk1"/>
+                          </a:solidFill>
+                          <a:effectLst/>
+                          <a:latin typeface="+mn-lt"/>
+                          <a:ea typeface="+mn-ea"/>
+                          <a:cs typeface="+mn-cs"/>
+                        </a:rPr>
+                        <a:t>flatMap</a:t>
+                      </a:r>
+                      <a:r>
+                        <a:rPr lang="en-US" sz="1100" kern="1200" dirty="0" smtClean="0">
+                          <a:solidFill>
+                            <a:schemeClr val="dk1"/>
+                          </a:solidFill>
+                          <a:effectLst/>
+                          <a:latin typeface="+mn-lt"/>
+                          <a:ea typeface="+mn-ea"/>
+                          <a:cs typeface="+mn-cs"/>
+                        </a:rPr>
+                        <a:t>(final </a:t>
+                      </a:r>
+                      <a:r>
+                        <a:rPr lang="en-US" sz="1100" kern="1200" dirty="0" err="1" smtClean="0">
+                          <a:solidFill>
+                            <a:schemeClr val="dk1"/>
+                          </a:solidFill>
+                          <a:effectLst/>
+                          <a:latin typeface="+mn-lt"/>
+                          <a:ea typeface="+mn-ea"/>
+                          <a:cs typeface="+mn-cs"/>
+                        </a:rPr>
+                        <a:t>KeyValueMapper</a:t>
+                      </a:r>
+                      <a:r>
+                        <a:rPr lang="en-US" sz="1100" kern="1200" dirty="0" smtClean="0">
+                          <a:solidFill>
+                            <a:schemeClr val="dk1"/>
+                          </a:solidFill>
+                          <a:effectLst/>
+                          <a:latin typeface="+mn-lt"/>
+                          <a:ea typeface="+mn-ea"/>
+                          <a:cs typeface="+mn-cs"/>
+                        </a:rPr>
+                        <a:t>&lt;? super K, ? super V, ? extends </a:t>
+                      </a:r>
+                      <a:r>
+                        <a:rPr lang="en-US" sz="1100" kern="1200" dirty="0" err="1" smtClean="0">
+                          <a:solidFill>
+                            <a:schemeClr val="dk1"/>
+                          </a:solidFill>
+                          <a:effectLst/>
+                          <a:latin typeface="+mn-lt"/>
+                          <a:ea typeface="+mn-ea"/>
+                          <a:cs typeface="+mn-cs"/>
+                        </a:rPr>
+                        <a:t>Iterable</a:t>
+                      </a:r>
+                      <a:r>
+                        <a:rPr lang="en-US" sz="1100" kern="1200" dirty="0" smtClean="0">
+                          <a:solidFill>
+                            <a:schemeClr val="dk1"/>
+                          </a:solidFill>
+                          <a:effectLst/>
+                          <a:latin typeface="+mn-lt"/>
+                          <a:ea typeface="+mn-ea"/>
+                          <a:cs typeface="+mn-cs"/>
+                        </a:rPr>
+                        <a:t>&lt;? extends </a:t>
+                      </a:r>
+                      <a:r>
+                        <a:rPr lang="en-US" sz="1100" kern="1200" dirty="0" err="1" smtClean="0">
+                          <a:solidFill>
+                            <a:schemeClr val="dk1"/>
+                          </a:solidFill>
+                          <a:effectLst/>
+                          <a:latin typeface="+mn-lt"/>
+                          <a:ea typeface="+mn-ea"/>
+                          <a:cs typeface="+mn-cs"/>
+                        </a:rPr>
+                        <a:t>KeyValue</a:t>
+                      </a:r>
+                      <a:r>
+                        <a:rPr lang="en-US" sz="1100" kern="1200" dirty="0" smtClean="0">
+                          <a:solidFill>
+                            <a:schemeClr val="dk1"/>
+                          </a:solidFill>
+                          <a:effectLst/>
+                          <a:latin typeface="+mn-lt"/>
+                          <a:ea typeface="+mn-ea"/>
+                          <a:cs typeface="+mn-cs"/>
+                        </a:rPr>
+                        <a:t>&lt;? extends KR, ? extends VR&gt;&gt;&gt; mapper);</a:t>
+                      </a:r>
+                      <a:endParaRPr lang="en-US" sz="1100" dirty="0"/>
+                    </a:p>
+                  </a:txBody>
+                  <a:tcPr/>
+                </a:tc>
+                <a:tc>
+                  <a:txBody>
+                    <a:bodyPr/>
+                    <a:lstStyle/>
+                    <a:p>
+                      <a:pPr marL="0" indent="0">
+                        <a:buFontTx/>
+                        <a:buNone/>
+                      </a:pPr>
+                      <a:r>
+                        <a:rPr lang="en-US" sz="1100" kern="1200" dirty="0" smtClean="0">
+                          <a:solidFill>
+                            <a:schemeClr val="dk1"/>
+                          </a:solidFill>
+                          <a:effectLst/>
+                          <a:latin typeface="+mn-lt"/>
+                          <a:ea typeface="+mn-ea"/>
+                          <a:cs typeface="+mn-cs"/>
+                        </a:rPr>
+                        <a:t>&lt;VR&gt; </a:t>
+                      </a:r>
+                      <a:r>
+                        <a:rPr lang="en-US" sz="1100" kern="1200" dirty="0" err="1" smtClean="0">
+                          <a:solidFill>
+                            <a:schemeClr val="dk1"/>
+                          </a:solidFill>
+                          <a:effectLst/>
+                          <a:latin typeface="+mn-lt"/>
+                          <a:ea typeface="+mn-ea"/>
+                          <a:cs typeface="+mn-cs"/>
+                        </a:rPr>
+                        <a:t>KStream</a:t>
+                      </a:r>
+                      <a:r>
+                        <a:rPr lang="en-US" sz="1100" kern="1200" dirty="0" smtClean="0">
+                          <a:solidFill>
+                            <a:schemeClr val="dk1"/>
+                          </a:solidFill>
+                          <a:effectLst/>
+                          <a:latin typeface="+mn-lt"/>
+                          <a:ea typeface="+mn-ea"/>
+                          <a:cs typeface="+mn-cs"/>
+                        </a:rPr>
+                        <a:t>&lt;K, VR&gt; </a:t>
+                      </a:r>
+                      <a:r>
+                        <a:rPr lang="en-US" sz="1100" kern="1200" dirty="0" err="1" smtClean="0">
+                          <a:solidFill>
+                            <a:schemeClr val="dk1"/>
+                          </a:solidFill>
+                          <a:effectLst/>
+                          <a:latin typeface="+mn-lt"/>
+                          <a:ea typeface="+mn-ea"/>
+                          <a:cs typeface="+mn-cs"/>
+                        </a:rPr>
+                        <a:t>flatMapValues</a:t>
+                      </a:r>
+                      <a:r>
+                        <a:rPr lang="en-US" sz="1100" kern="1200" dirty="0" smtClean="0">
+                          <a:solidFill>
+                            <a:schemeClr val="dk1"/>
+                          </a:solidFill>
+                          <a:effectLst/>
+                          <a:latin typeface="+mn-lt"/>
+                          <a:ea typeface="+mn-ea"/>
+                          <a:cs typeface="+mn-cs"/>
+                        </a:rPr>
+                        <a:t>(final </a:t>
+                      </a:r>
+                      <a:r>
+                        <a:rPr lang="en-US" sz="1100" kern="1200" dirty="0" err="1" smtClean="0">
+                          <a:solidFill>
+                            <a:schemeClr val="dk1"/>
+                          </a:solidFill>
+                          <a:effectLst/>
+                          <a:latin typeface="+mn-lt"/>
+                          <a:ea typeface="+mn-ea"/>
+                          <a:cs typeface="+mn-cs"/>
+                        </a:rPr>
+                        <a:t>ValueMapper</a:t>
+                      </a:r>
+                      <a:r>
+                        <a:rPr lang="en-US" sz="1100" kern="1200" dirty="0" smtClean="0">
+                          <a:solidFill>
+                            <a:schemeClr val="dk1"/>
+                          </a:solidFill>
+                          <a:effectLst/>
+                          <a:latin typeface="+mn-lt"/>
+                          <a:ea typeface="+mn-ea"/>
+                          <a:cs typeface="+mn-cs"/>
+                        </a:rPr>
+                        <a:t>&lt;? super V, ? extends </a:t>
+                      </a:r>
+                      <a:r>
+                        <a:rPr lang="en-US" sz="1100" kern="1200" dirty="0" err="1" smtClean="0">
+                          <a:solidFill>
+                            <a:schemeClr val="dk1"/>
+                          </a:solidFill>
+                          <a:effectLst/>
+                          <a:latin typeface="+mn-lt"/>
+                          <a:ea typeface="+mn-ea"/>
+                          <a:cs typeface="+mn-cs"/>
+                        </a:rPr>
+                        <a:t>Iterable</a:t>
+                      </a:r>
+                      <a:r>
+                        <a:rPr lang="en-US" sz="1100" kern="1200" dirty="0" smtClean="0">
+                          <a:solidFill>
+                            <a:schemeClr val="dk1"/>
+                          </a:solidFill>
+                          <a:effectLst/>
+                          <a:latin typeface="+mn-lt"/>
+                          <a:ea typeface="+mn-ea"/>
+                          <a:cs typeface="+mn-cs"/>
+                        </a:rPr>
+                        <a:t>&lt;? extends VR&gt;&gt; mapper);</a:t>
+                      </a:r>
+                      <a:endParaRPr lang="en-US" sz="1100" dirty="0"/>
+                    </a:p>
+                  </a:txBody>
+                  <a:tcPr/>
+                </a:tc>
+              </a:tr>
+            </a:tbl>
+          </a:graphicData>
+        </a:graphic>
+      </p:graphicFrame>
+    </p:spTree>
+    <p:extLst>
+      <p:ext uri="{BB962C8B-B14F-4D97-AF65-F5344CB8AC3E}">
+        <p14:creationId xmlns:p14="http://schemas.microsoft.com/office/powerpoint/2010/main" val="407744568"/>
+      </p:ext>
+    </p:extLst>
+  </p:cSld>
+  <p:clrMapOvr>
+    <a:masterClrMapping/>
+  </p:clrMapOvr>
+  <p:timing>
+    <p:tnLst>
+      <p:par>
+        <p:cTn id="1" dur="indefinite" restart="never" nodeType="tmRoot"/>
+      </p:par>
+    </p:tnLst>
+  </p:timing>
+</p:sld>
+</file>
+
+<file path=ppt/slides/slide93.xml><?xml version="1.0" encoding="utf-8"?>
+<p:sld xmlns:a="http://schemas.openxmlformats.org/drawingml/2006/main" xmlns:r="http://schemas.openxmlformats.org/officeDocument/2006/relationships" xmlns:p="http://schemas.openxmlformats.org/presentationml/2006/main">
+  <p:cSld>
+    <p:spTree>
+      <p:nvGrpSpPr>
+        <p:cNvPr id="1" name=""/>
+        <p:cNvGrpSpPr/>
+        <p:nvPr/>
+      </p:nvGrpSpPr>
+      <p:grpSpPr>
+        <a:xfrm>
+          <a:off x="0" y="0"/>
+          <a:ext cx="0" cy="0"/>
+          <a:chOff x="0" y="0"/>
+          <a:chExt cx="0" cy="0"/>
+        </a:xfrm>
+      </p:grpSpPr>
+      <p:sp>
+        <p:nvSpPr>
+          <p:cNvPr id="2" name="Title 1"/>
+          <p:cNvSpPr>
+            <a:spLocks noGrp="1"/>
+          </p:cNvSpPr>
+          <p:nvPr>
+            <p:ph type="title"/>
+          </p:nvPr>
+        </p:nvSpPr>
+        <p:spPr/>
+        <p:txBody>
+          <a:bodyPr/>
+          <a:lstStyle/>
+          <a:p>
+            <a:r>
+              <a:rPr lang="en-US" dirty="0" smtClean="0"/>
+              <a:t>DSL Stateless </a:t>
+            </a:r>
+            <a:r>
+              <a:rPr lang="en-US" dirty="0" smtClean="0"/>
+              <a:t>Processors… - </a:t>
+            </a:r>
+            <a:r>
+              <a:rPr lang="en-US" dirty="0" smtClean="0"/>
+              <a:t>Day 20</a:t>
+            </a:r>
+            <a:endParaRPr lang="en-US" dirty="0"/>
+          </a:p>
+        </p:txBody>
+      </p:sp>
+      <p:sp>
+        <p:nvSpPr>
+          <p:cNvPr id="3" name="Content Placeholder 2"/>
+          <p:cNvSpPr>
+            <a:spLocks noGrp="1"/>
+          </p:cNvSpPr>
+          <p:nvPr>
+            <p:ph idx="1"/>
+          </p:nvPr>
+        </p:nvSpPr>
+        <p:spPr>
+          <a:xfrm>
+            <a:off x="323528" y="1124744"/>
+            <a:ext cx="8229600" cy="4525963"/>
+          </a:xfrm>
+        </p:spPr>
+        <p:txBody>
+          <a:bodyPr>
+            <a:normAutofit/>
+          </a:bodyPr>
+          <a:lstStyle/>
+          <a:p>
+            <a:pPr marL="457200" lvl="1" indent="0">
+              <a:buNone/>
+            </a:pPr>
+            <a:endParaRPr lang="en-US" dirty="0"/>
+          </a:p>
+          <a:p>
+            <a:pPr lvl="1">
+              <a:buFont typeface="Wingdings" panose="05000000000000000000" pitchFamily="2" charset="2"/>
+              <a:buChar char="§"/>
+            </a:pPr>
+            <a:r>
+              <a:rPr lang="en-US" sz="1600" dirty="0"/>
+              <a:t>filter/</a:t>
+            </a:r>
+            <a:r>
+              <a:rPr lang="en-US" sz="1600" dirty="0" err="1"/>
+              <a:t>filterNot</a:t>
+            </a:r>
+            <a:endParaRPr lang="en-US" sz="1600" dirty="0"/>
+          </a:p>
+          <a:p>
+            <a:pPr marL="457200" lvl="1" indent="0">
+              <a:buNone/>
+            </a:pPr>
+            <a:r>
+              <a:rPr lang="en-US" sz="1600" dirty="0"/>
+              <a:t>	</a:t>
+            </a:r>
+            <a:r>
+              <a:rPr lang="en-US" sz="1600" dirty="0" smtClean="0"/>
+              <a:t>Takes one record and produce zero or one record</a:t>
+            </a:r>
+          </a:p>
+          <a:p>
+            <a:pPr marL="457200" lvl="1" indent="0">
+              <a:buNone/>
+            </a:pPr>
+            <a:endParaRPr lang="en-US" sz="1600" dirty="0" smtClean="0"/>
+          </a:p>
+          <a:p>
+            <a:pPr marL="457200" lvl="1" indent="0">
+              <a:buNone/>
+            </a:pPr>
+            <a:endParaRPr lang="en-US" sz="1600" dirty="0" smtClean="0"/>
+          </a:p>
+          <a:p>
+            <a:pPr lvl="1">
+              <a:buFont typeface="Wingdings" panose="05000000000000000000" pitchFamily="2" charset="2"/>
+              <a:buChar char="§"/>
+            </a:pPr>
+            <a:endParaRPr lang="en-US" sz="1600" dirty="0" smtClean="0"/>
+          </a:p>
+          <a:p>
+            <a:pPr lvl="1">
+              <a:buFont typeface="Wingdings" panose="05000000000000000000" pitchFamily="2" charset="2"/>
+              <a:buChar char="§"/>
+            </a:pPr>
+            <a:endParaRPr lang="en-US" sz="1600" dirty="0" smtClean="0"/>
+          </a:p>
+          <a:p>
+            <a:pPr lvl="1">
+              <a:buFont typeface="Wingdings" panose="05000000000000000000" pitchFamily="2" charset="2"/>
+              <a:buChar char="§"/>
+            </a:pPr>
+            <a:endParaRPr lang="en-US" sz="1600" dirty="0"/>
+          </a:p>
+          <a:p>
+            <a:pPr lvl="1">
+              <a:buFont typeface="Wingdings" panose="05000000000000000000" pitchFamily="2" charset="2"/>
+              <a:buChar char="§"/>
+            </a:pPr>
+            <a:endParaRPr lang="en-US" sz="1600" dirty="0" smtClean="0"/>
+          </a:p>
+          <a:p>
+            <a:pPr lvl="1">
+              <a:buFont typeface="Wingdings" panose="05000000000000000000" pitchFamily="2" charset="2"/>
+              <a:buChar char="§"/>
+            </a:pPr>
+            <a:endParaRPr lang="en-US" sz="1600" dirty="0"/>
+          </a:p>
+          <a:p>
+            <a:pPr lvl="1">
+              <a:buFont typeface="Wingdings" panose="05000000000000000000" pitchFamily="2" charset="2"/>
+              <a:buChar char="§"/>
+            </a:pPr>
+            <a:r>
+              <a:rPr lang="en-US" sz="1600" dirty="0" err="1" smtClean="0"/>
+              <a:t>selectKey</a:t>
+            </a:r>
+            <a:endParaRPr lang="en-US" sz="1600" dirty="0" smtClean="0"/>
+          </a:p>
+          <a:p>
+            <a:pPr marL="457200" lvl="1" indent="0">
+              <a:buNone/>
+            </a:pPr>
+            <a:r>
+              <a:rPr lang="en-US" sz="1600" dirty="0" smtClean="0"/>
+              <a:t>Assigns a new key to the record</a:t>
+            </a:r>
+            <a:endParaRPr lang="en-US" sz="1600" dirty="0" smtClean="0"/>
+          </a:p>
+          <a:p>
+            <a:pPr lvl="1">
+              <a:buFont typeface="Wingdings" panose="05000000000000000000" pitchFamily="2" charset="2"/>
+              <a:buChar char="§"/>
+            </a:pPr>
+            <a:endParaRPr lang="en-US" sz="1600" dirty="0" smtClean="0"/>
+          </a:p>
+          <a:p>
+            <a:pPr lvl="1">
+              <a:buFont typeface="Wingdings" panose="05000000000000000000" pitchFamily="2" charset="2"/>
+              <a:buChar char="§"/>
+            </a:pPr>
+            <a:endParaRPr lang="en-US" sz="1600" dirty="0" smtClean="0"/>
+          </a:p>
+          <a:p>
+            <a:pPr lvl="1">
+              <a:buFont typeface="Wingdings" panose="05000000000000000000" pitchFamily="2" charset="2"/>
+              <a:buChar char="§"/>
+            </a:pPr>
+            <a:endParaRPr lang="en-US" sz="1600" dirty="0" smtClean="0"/>
+          </a:p>
+          <a:p>
+            <a:pPr marL="1371600" lvl="3" indent="0">
+              <a:buNone/>
+            </a:pPr>
+            <a:endParaRPr lang="en-US" sz="800" dirty="0" smtClean="0"/>
+          </a:p>
+          <a:p>
+            <a:pPr lvl="2">
+              <a:buFont typeface="Wingdings" panose="05000000000000000000" pitchFamily="2" charset="2"/>
+              <a:buChar char="§"/>
+            </a:pPr>
+            <a:endParaRPr lang="en-US" sz="1200" dirty="0" smtClean="0"/>
+          </a:p>
+          <a:p>
+            <a:pPr marL="457200" lvl="1" indent="0">
+              <a:buNone/>
+            </a:pPr>
+            <a:endParaRPr lang="en-US" sz="1600" dirty="0"/>
+          </a:p>
+          <a:p>
+            <a:pPr marL="457200" lvl="1" indent="0">
+              <a:buNone/>
+            </a:pPr>
+            <a:endParaRPr lang="en-US" sz="1600" dirty="0" smtClean="0"/>
+          </a:p>
+        </p:txBody>
+      </p:sp>
+      <p:graphicFrame>
+        <p:nvGraphicFramePr>
+          <p:cNvPr id="4" name="Table 3"/>
+          <p:cNvGraphicFramePr>
+            <a:graphicFrameLocks noGrp="1"/>
+          </p:cNvGraphicFramePr>
+          <p:nvPr>
+            <p:extLst>
+              <p:ext uri="{D42A27DB-BD31-4B8C-83A1-F6EECF244321}">
+                <p14:modId xmlns:p14="http://schemas.microsoft.com/office/powerpoint/2010/main" val="3091341494"/>
+              </p:ext>
+            </p:extLst>
+          </p:nvPr>
+        </p:nvGraphicFramePr>
+        <p:xfrm>
+          <a:off x="971600" y="2276872"/>
+          <a:ext cx="7632848" cy="1559560"/>
+        </p:xfrm>
+        <a:graphic>
+          <a:graphicData uri="http://schemas.openxmlformats.org/drawingml/2006/table">
+            <a:tbl>
+              <a:tblPr firstRow="1" bandRow="1">
+                <a:tableStyleId>{5C22544A-7EE6-4342-B048-85BDC9FD1C3A}</a:tableStyleId>
+              </a:tblPr>
+              <a:tblGrid>
+                <a:gridCol w="3816424"/>
+                <a:gridCol w="3816424"/>
+              </a:tblGrid>
+              <a:tr h="370840">
+                <a:tc>
+                  <a:txBody>
+                    <a:bodyPr/>
+                    <a:lstStyle/>
+                    <a:p>
+                      <a:r>
+                        <a:rPr lang="en-US" dirty="0" smtClean="0"/>
+                        <a:t>filter</a:t>
+                      </a:r>
+                      <a:endParaRPr lang="en-US" dirty="0"/>
+                    </a:p>
+                  </a:txBody>
+                  <a:tcPr/>
+                </a:tc>
+                <a:tc>
+                  <a:txBody>
+                    <a:bodyPr/>
+                    <a:lstStyle/>
+                    <a:p>
+                      <a:r>
+                        <a:rPr lang="en-US" dirty="0" err="1" smtClean="0"/>
+                        <a:t>filterNot</a:t>
+                      </a:r>
+                      <a:endParaRPr lang="en-US" dirty="0"/>
+                    </a:p>
+                  </a:txBody>
+                  <a:tcPr/>
+                </a:tc>
+              </a:tr>
+              <a:tr h="370840">
+                <a:tc>
+                  <a:txBody>
+                    <a:bodyPr/>
+                    <a:lstStyle/>
+                    <a:p>
+                      <a:pPr marL="285750" indent="-285750">
+                        <a:buFontTx/>
+                        <a:buChar char="-"/>
+                      </a:pPr>
+                      <a:r>
+                        <a:rPr lang="en-US" sz="1100" dirty="0" smtClean="0"/>
+                        <a:t>Does not change key/value</a:t>
+                      </a:r>
+                    </a:p>
+                    <a:p>
+                      <a:pPr marL="285750" indent="-285750">
+                        <a:buFontTx/>
+                        <a:buChar char="-"/>
+                      </a:pPr>
+                      <a:r>
+                        <a:rPr lang="en-US" sz="1100" dirty="0" smtClean="0"/>
+                        <a:t>Does not Triggers a Repartition</a:t>
+                      </a:r>
+                    </a:p>
+                    <a:p>
+                      <a:pPr marL="285750" indent="-285750">
+                        <a:buFontTx/>
+                        <a:buChar char="-"/>
+                      </a:pPr>
+                      <a:r>
+                        <a:rPr lang="en-US" sz="1100" dirty="0" smtClean="0"/>
+                        <a:t>For </a:t>
+                      </a:r>
+                      <a:r>
+                        <a:rPr lang="en-US" sz="1100" dirty="0" err="1" smtClean="0"/>
+                        <a:t>KStreams</a:t>
+                      </a:r>
+                      <a:r>
+                        <a:rPr lang="en-US" sz="1100" baseline="0" dirty="0" smtClean="0"/>
+                        <a:t> and </a:t>
+                      </a:r>
+                      <a:r>
+                        <a:rPr lang="en-US" sz="1100" baseline="0" dirty="0" err="1" smtClean="0"/>
+                        <a:t>KTables</a:t>
+                      </a:r>
+                      <a:endParaRPr lang="en-US" sz="1100" dirty="0"/>
+                    </a:p>
+                  </a:txBody>
+                  <a:tcPr/>
+                </a:tc>
+                <a:tc>
+                  <a:txBody>
+                    <a:bodyPr/>
+                    <a:lstStyle/>
+                    <a:p>
+                      <a:pPr marL="0" indent="0">
+                        <a:buFontTx/>
+                        <a:buNone/>
+                      </a:pPr>
+                      <a:r>
+                        <a:rPr lang="en-US" sz="1100" dirty="0" smtClean="0"/>
+                        <a:t>Inverse</a:t>
+                      </a:r>
+                      <a:r>
+                        <a:rPr lang="en-US" sz="1100" baseline="0" dirty="0" smtClean="0"/>
+                        <a:t> of filter</a:t>
+                      </a:r>
+                      <a:endParaRPr lang="en-US" sz="1100" dirty="0"/>
+                    </a:p>
+                  </a:txBody>
+                  <a:tcPr/>
+                </a:tc>
+              </a:tr>
+              <a:tr h="370840">
+                <a:tc>
+                  <a:txBody>
+                    <a:bodyPr/>
+                    <a:lstStyle/>
+                    <a:p>
+                      <a:pPr marL="0" marR="0" indent="0" algn="l" defTabSz="914400" rtl="0" eaLnBrk="1" fontAlgn="auto" latinLnBrk="0" hangingPunct="1">
+                        <a:lnSpc>
+                          <a:spcPct val="100000"/>
+                        </a:lnSpc>
+                        <a:spcBef>
+                          <a:spcPts val="0"/>
+                        </a:spcBef>
+                        <a:spcAft>
+                          <a:spcPts val="0"/>
+                        </a:spcAft>
+                        <a:buClrTx/>
+                        <a:buSzTx/>
+                        <a:buFontTx/>
+                        <a:buNone/>
+                        <a:tabLst/>
+                        <a:defRPr/>
+                      </a:pPr>
+                      <a:r>
+                        <a:rPr lang="en-US" sz="1100" kern="1200" dirty="0" smtClean="0">
+                          <a:solidFill>
+                            <a:schemeClr val="dk1"/>
+                          </a:solidFill>
+                          <a:effectLst/>
+                          <a:latin typeface="+mn-lt"/>
+                          <a:ea typeface="+mn-ea"/>
+                          <a:cs typeface="+mn-cs"/>
+                        </a:rPr>
+                        <a:t>public abstract </a:t>
+                      </a:r>
+                      <a:r>
+                        <a:rPr lang="en-US" sz="1100" kern="1200" dirty="0" err="1" smtClean="0">
+                          <a:solidFill>
+                            <a:schemeClr val="dk1"/>
+                          </a:solidFill>
+                          <a:effectLst/>
+                          <a:latin typeface="+mn-lt"/>
+                          <a:ea typeface="+mn-ea"/>
+                          <a:cs typeface="+mn-cs"/>
+                        </a:rPr>
+                        <a:t>KStream</a:t>
+                      </a:r>
+                      <a:r>
+                        <a:rPr lang="en-US" sz="1100" kern="1200" dirty="0" smtClean="0">
+                          <a:solidFill>
+                            <a:schemeClr val="dk1"/>
+                          </a:solidFill>
+                          <a:effectLst/>
+                          <a:latin typeface="+mn-lt"/>
+                          <a:ea typeface="+mn-ea"/>
+                          <a:cs typeface="+mn-cs"/>
+                        </a:rPr>
+                        <a:t>&lt;K, V&gt; filter(     </a:t>
+                      </a:r>
+                      <a:r>
+                        <a:rPr lang="en-US" sz="1100" kern="1200" dirty="0" err="1" smtClean="0">
+                          <a:solidFill>
+                            <a:schemeClr val="dk1"/>
+                          </a:solidFill>
+                          <a:effectLst/>
+                          <a:latin typeface="+mn-lt"/>
+                          <a:ea typeface="+mn-ea"/>
+                          <a:cs typeface="+mn-cs"/>
+                        </a:rPr>
+                        <a:t>org.apache.kafka.streams.kstream.Predicate</a:t>
+                      </a:r>
+                      <a:r>
+                        <a:rPr lang="en-US" sz="1100" kern="1200" dirty="0" smtClean="0">
+                          <a:solidFill>
+                            <a:schemeClr val="dk1"/>
+                          </a:solidFill>
+                          <a:effectLst/>
+                          <a:latin typeface="+mn-lt"/>
+                          <a:ea typeface="+mn-ea"/>
+                          <a:cs typeface="+mn-cs"/>
+                        </a:rPr>
+                        <a:t>&lt;? super K, ? super V&gt; predicate )</a:t>
+                      </a:r>
+                      <a:endParaRPr lang="en-US" sz="1100" dirty="0"/>
+                    </a:p>
+                  </a:txBody>
+                  <a:tcPr/>
+                </a:tc>
+                <a:tc>
+                  <a:txBody>
+                    <a:bodyPr/>
+                    <a:lstStyle/>
+                    <a:p>
+                      <a:pPr marL="0" indent="0">
+                        <a:buFontTx/>
+                        <a:buNone/>
+                      </a:pPr>
+                      <a:r>
+                        <a:rPr lang="en-US" sz="1100" dirty="0" smtClean="0"/>
+                        <a:t>public abstract </a:t>
+                      </a:r>
+                      <a:r>
+                        <a:rPr lang="en-US" sz="1100" dirty="0" err="1" smtClean="0"/>
+                        <a:t>KStream</a:t>
+                      </a:r>
+                      <a:r>
+                        <a:rPr lang="en-US" sz="1100" dirty="0" smtClean="0"/>
+                        <a:t>&lt;K, V&gt; </a:t>
+                      </a:r>
+                      <a:r>
+                        <a:rPr lang="en-US" sz="1100" dirty="0" err="1" smtClean="0"/>
+                        <a:t>filterNot</a:t>
+                      </a:r>
+                      <a:r>
+                        <a:rPr lang="en-US" sz="1100" dirty="0" smtClean="0"/>
+                        <a:t>(     </a:t>
+                      </a:r>
+                      <a:r>
+                        <a:rPr lang="en-US" sz="1100" dirty="0" err="1" smtClean="0"/>
+                        <a:t>org.apache.kafka.streams.kstream.Predicate</a:t>
+                      </a:r>
+                      <a:r>
+                        <a:rPr lang="en-US" sz="1100" dirty="0" smtClean="0"/>
+                        <a:t>&lt;? super K, ? super V&gt; predicate )</a:t>
+                      </a:r>
+                      <a:endParaRPr lang="en-US" sz="1100" dirty="0"/>
+                    </a:p>
+                  </a:txBody>
+                  <a:tcPr/>
+                </a:tc>
+              </a:tr>
+            </a:tbl>
+          </a:graphicData>
+        </a:graphic>
+      </p:graphicFrame>
+      <p:graphicFrame>
+        <p:nvGraphicFramePr>
+          <p:cNvPr id="5" name="Table 4"/>
+          <p:cNvGraphicFramePr>
+            <a:graphicFrameLocks noGrp="1"/>
+          </p:cNvGraphicFramePr>
+          <p:nvPr>
+            <p:extLst>
+              <p:ext uri="{D42A27DB-BD31-4B8C-83A1-F6EECF244321}">
+                <p14:modId xmlns:p14="http://schemas.microsoft.com/office/powerpoint/2010/main" val="2948896010"/>
+              </p:ext>
+            </p:extLst>
+          </p:nvPr>
+        </p:nvGraphicFramePr>
+        <p:xfrm>
+          <a:off x="1187624" y="5157192"/>
+          <a:ext cx="6096000" cy="1330960"/>
+        </p:xfrm>
+        <a:graphic>
+          <a:graphicData uri="http://schemas.openxmlformats.org/drawingml/2006/table">
+            <a:tbl>
+              <a:tblPr firstRow="1" bandRow="1">
+                <a:tableStyleId>{5C22544A-7EE6-4342-B048-85BDC9FD1C3A}</a:tableStyleId>
+              </a:tblPr>
+              <a:tblGrid>
+                <a:gridCol w="6096000"/>
+              </a:tblGrid>
+              <a:tr h="370840">
+                <a:tc>
+                  <a:txBody>
+                    <a:bodyPr/>
+                    <a:lstStyle/>
+                    <a:p>
+                      <a:r>
+                        <a:rPr lang="en-US" dirty="0" err="1" smtClean="0"/>
+                        <a:t>selectKey</a:t>
+                      </a:r>
+                      <a:endParaRPr lang="en-US" dirty="0"/>
+                    </a:p>
+                  </a:txBody>
+                  <a:tcPr/>
+                </a:tc>
+              </a:tr>
+              <a:tr h="370840">
+                <a:tc>
+                  <a:txBody>
+                    <a:bodyPr/>
+                    <a:lstStyle/>
+                    <a:p>
+                      <a:pPr marL="285750" indent="-285750">
+                        <a:buFontTx/>
+                        <a:buChar char="-"/>
+                      </a:pPr>
+                      <a:r>
+                        <a:rPr lang="en-US" sz="1100" baseline="0" dirty="0" smtClean="0"/>
+                        <a:t>Marks data for repartitioning</a:t>
+                      </a:r>
+                    </a:p>
+                    <a:p>
+                      <a:pPr marL="285750" indent="-285750">
+                        <a:buFontTx/>
+                        <a:buChar char="-"/>
+                      </a:pPr>
+                      <a:r>
+                        <a:rPr lang="en-US" sz="1100" baseline="0" dirty="0" smtClean="0"/>
+                        <a:t>Best practice is to isolate that transformation to know exactly where the partitioning helps</a:t>
+                      </a:r>
+                      <a:endParaRPr lang="en-US" sz="1100" dirty="0"/>
+                    </a:p>
+                  </a:txBody>
+                  <a:tcPr/>
+                </a:tc>
+              </a:tr>
+              <a:tr h="370840">
+                <a:tc>
+                  <a:txBody>
+                    <a:bodyPr/>
+                    <a:lstStyle/>
+                    <a:p>
+                      <a:pPr marL="0" marR="0" indent="0" algn="l" defTabSz="914400" rtl="0" eaLnBrk="1" fontAlgn="auto" latinLnBrk="0" hangingPunct="1">
+                        <a:lnSpc>
+                          <a:spcPct val="100000"/>
+                        </a:lnSpc>
+                        <a:spcBef>
+                          <a:spcPts val="0"/>
+                        </a:spcBef>
+                        <a:spcAft>
+                          <a:spcPts val="0"/>
+                        </a:spcAft>
+                        <a:buClrTx/>
+                        <a:buSzTx/>
+                        <a:buFontTx/>
+                        <a:buNone/>
+                        <a:tabLst/>
+                        <a:defRPr/>
+                      </a:pPr>
+                      <a:r>
+                        <a:rPr lang="en-US" sz="1100" kern="1200" dirty="0" smtClean="0">
+                          <a:solidFill>
+                            <a:schemeClr val="dk1"/>
+                          </a:solidFill>
+                          <a:effectLst/>
+                          <a:latin typeface="+mn-lt"/>
+                          <a:ea typeface="+mn-ea"/>
+                          <a:cs typeface="+mn-cs"/>
+                        </a:rPr>
+                        <a:t>&lt;KR&gt; </a:t>
+                      </a:r>
+                      <a:r>
+                        <a:rPr lang="en-US" sz="1100" kern="1200" dirty="0" err="1" smtClean="0">
+                          <a:solidFill>
+                            <a:schemeClr val="dk1"/>
+                          </a:solidFill>
+                          <a:effectLst/>
+                          <a:latin typeface="+mn-lt"/>
+                          <a:ea typeface="+mn-ea"/>
+                          <a:cs typeface="+mn-cs"/>
+                        </a:rPr>
+                        <a:t>KStream</a:t>
+                      </a:r>
+                      <a:r>
+                        <a:rPr lang="en-US" sz="1100" kern="1200" dirty="0" smtClean="0">
+                          <a:solidFill>
+                            <a:schemeClr val="dk1"/>
+                          </a:solidFill>
+                          <a:effectLst/>
+                          <a:latin typeface="+mn-lt"/>
+                          <a:ea typeface="+mn-ea"/>
+                          <a:cs typeface="+mn-cs"/>
+                        </a:rPr>
+                        <a:t>&lt;KR, V&gt; </a:t>
+                      </a:r>
+                      <a:r>
+                        <a:rPr lang="en-US" sz="1100" kern="1200" dirty="0" err="1" smtClean="0">
+                          <a:solidFill>
+                            <a:schemeClr val="dk1"/>
+                          </a:solidFill>
+                          <a:effectLst/>
+                          <a:latin typeface="+mn-lt"/>
+                          <a:ea typeface="+mn-ea"/>
+                          <a:cs typeface="+mn-cs"/>
+                        </a:rPr>
+                        <a:t>selectKey</a:t>
+                      </a:r>
+                      <a:r>
+                        <a:rPr lang="en-US" sz="1100" kern="1200" dirty="0" smtClean="0">
+                          <a:solidFill>
+                            <a:schemeClr val="dk1"/>
+                          </a:solidFill>
+                          <a:effectLst/>
+                          <a:latin typeface="+mn-lt"/>
+                          <a:ea typeface="+mn-ea"/>
+                          <a:cs typeface="+mn-cs"/>
+                        </a:rPr>
+                        <a:t>(final </a:t>
+                      </a:r>
+                      <a:r>
+                        <a:rPr lang="en-US" sz="1100" kern="1200" dirty="0" err="1" smtClean="0">
+                          <a:solidFill>
+                            <a:schemeClr val="dk1"/>
+                          </a:solidFill>
+                          <a:effectLst/>
+                          <a:latin typeface="+mn-lt"/>
+                          <a:ea typeface="+mn-ea"/>
+                          <a:cs typeface="+mn-cs"/>
+                        </a:rPr>
+                        <a:t>KeyValueMapper</a:t>
+                      </a:r>
+                      <a:r>
+                        <a:rPr lang="en-US" sz="1100" kern="1200" dirty="0" smtClean="0">
+                          <a:solidFill>
+                            <a:schemeClr val="dk1"/>
+                          </a:solidFill>
+                          <a:effectLst/>
+                          <a:latin typeface="+mn-lt"/>
+                          <a:ea typeface="+mn-ea"/>
+                          <a:cs typeface="+mn-cs"/>
+                        </a:rPr>
+                        <a:t>&lt;? super K, ? super V, ? extends KR&gt; mapper);</a:t>
+                      </a:r>
+                    </a:p>
+                    <a:p>
+                      <a:endParaRPr lang="en-US" dirty="0"/>
+                    </a:p>
+                  </a:txBody>
+                  <a:tcPr/>
+                </a:tc>
+              </a:tr>
+            </a:tbl>
+          </a:graphicData>
+        </a:graphic>
+      </p:graphicFrame>
+    </p:spTree>
+    <p:extLst>
+      <p:ext uri="{BB962C8B-B14F-4D97-AF65-F5344CB8AC3E}">
+        <p14:creationId xmlns:p14="http://schemas.microsoft.com/office/powerpoint/2010/main" val="2273078145"/>
+      </p:ext>
+    </p:extLst>
+  </p:cSld>
+  <p:clrMapOvr>
+    <a:masterClrMapping/>
+  </p:clrMapOvr>
+  <p:timing>
+    <p:tnLst>
+      <p:par>
+        <p:cTn id="1" dur="indefinite" restart="never" nodeType="tmRoot"/>
+      </p:par>
+    </p:tnLst>
+  </p:timing>
+</p:sld>
+</file>
+
+<file path=ppt/slides/slide94.xml><?xml version="1.0" encoding="utf-8"?>
+<p:sld xmlns:a="http://schemas.openxmlformats.org/drawingml/2006/main" xmlns:r="http://schemas.openxmlformats.org/officeDocument/2006/relationships" xmlns:p="http://schemas.openxmlformats.org/presentationml/2006/main">
+  <p:cSld>
+    <p:spTree>
+      <p:nvGrpSpPr>
+        <p:cNvPr id="1" name=""/>
+        <p:cNvGrpSpPr/>
+        <p:nvPr/>
+      </p:nvGrpSpPr>
+      <p:grpSpPr>
+        <a:xfrm>
+          <a:off x="0" y="0"/>
+          <a:ext cx="0" cy="0"/>
+          <a:chOff x="0" y="0"/>
+          <a:chExt cx="0" cy="0"/>
+        </a:xfrm>
+      </p:grpSpPr>
+      <p:sp>
+        <p:nvSpPr>
+          <p:cNvPr id="2" name="Title 1"/>
+          <p:cNvSpPr>
+            <a:spLocks noGrp="1"/>
+          </p:cNvSpPr>
+          <p:nvPr>
+            <p:ph type="title"/>
+          </p:nvPr>
+        </p:nvSpPr>
+        <p:spPr/>
+        <p:txBody>
+          <a:bodyPr>
+            <a:normAutofit fontScale="90000"/>
+          </a:bodyPr>
+          <a:lstStyle/>
+          <a:p>
+            <a:r>
+              <a:rPr lang="en-US" smtClean="0"/>
+              <a:t>References</a:t>
+            </a:r>
+            <a:br>
+              <a:rPr lang="en-US" smtClean="0"/>
+            </a:br>
+            <a:endParaRPr lang="en-US" dirty="0"/>
+          </a:p>
+        </p:txBody>
+      </p:sp>
+      <p:sp>
+        <p:nvSpPr>
+          <p:cNvPr id="3" name="Content Placeholder 2"/>
+          <p:cNvSpPr>
+            <a:spLocks noGrp="1"/>
+          </p:cNvSpPr>
+          <p:nvPr>
+            <p:ph idx="1"/>
+          </p:nvPr>
+        </p:nvSpPr>
+        <p:spPr>
+          <a:xfrm>
+            <a:off x="323528" y="1124744"/>
+            <a:ext cx="8229600" cy="4525963"/>
+          </a:xfrm>
+        </p:spPr>
+        <p:txBody>
+          <a:bodyPr>
+            <a:normAutofit/>
+          </a:bodyPr>
+          <a:lstStyle/>
+          <a:p>
+            <a:pPr marL="457200" lvl="1" indent="0">
+              <a:buNone/>
+            </a:pPr>
+            <a:r>
+              <a:rPr lang="en-US" sz="1600" dirty="0"/>
+              <a:t>https://kafka.apache.org/28/documentation/streams/developer-guide/dsl-api.html</a:t>
+            </a:r>
+            <a:endParaRPr lang="en-US" sz="1600" dirty="0" smtClean="0"/>
+          </a:p>
+        </p:txBody>
+      </p:sp>
+    </p:spTree>
+    <p:extLst>
+      <p:ext uri="{BB962C8B-B14F-4D97-AF65-F5344CB8AC3E}">
+        <p14:creationId xmlns:p14="http://schemas.microsoft.com/office/powerpoint/2010/main" val="3689297232"/>
       </p:ext>
     </p:extLst>
   </p:cSld>

--- a/PPT/Kafka-Teaching-Flow.pptx
+++ b/PPT/Kafka-Teaching-Flow.pptx
@@ -99,6 +99,12 @@
     <p:sldId id="350" r:id="rId93"/>
     <p:sldId id="356" r:id="rId94"/>
     <p:sldId id="357" r:id="rId95"/>
+    <p:sldId id="359" r:id="rId96"/>
+    <p:sldId id="360" r:id="rId97"/>
+    <p:sldId id="361" r:id="rId98"/>
+    <p:sldId id="362" r:id="rId99"/>
+    <p:sldId id="363" r:id="rId100"/>
+    <p:sldId id="358" r:id="rId101"/>
   </p:sldIdLst>
   <p:sldSz cx="9144000" cy="6858000" type="screen4x3"/>
   <p:notesSz cx="6858000" cy="9144000"/>
@@ -381,7 +387,7 @@
           <a:p>
             <a:fld id="{51149E06-0874-4241-ABF9-BAFA45916F2C}" type="datetimeFigureOut">
               <a:rPr lang="en-US" smtClean="0"/>
-              <a:t>3/22/2023</a:t>
+              <a:t>3/29/2023</a:t>
             </a:fld>
             <a:endParaRPr lang="en-US"/>
           </a:p>
@@ -551,7 +557,7 @@
           <a:p>
             <a:fld id="{51149E06-0874-4241-ABF9-BAFA45916F2C}" type="datetimeFigureOut">
               <a:rPr lang="en-US" smtClean="0"/>
-              <a:t>3/22/2023</a:t>
+              <a:t>3/29/2023</a:t>
             </a:fld>
             <a:endParaRPr lang="en-US"/>
           </a:p>
@@ -731,7 +737,7 @@
           <a:p>
             <a:fld id="{51149E06-0874-4241-ABF9-BAFA45916F2C}" type="datetimeFigureOut">
               <a:rPr lang="en-US" smtClean="0"/>
-              <a:t>3/22/2023</a:t>
+              <a:t>3/29/2023</a:t>
             </a:fld>
             <a:endParaRPr lang="en-US"/>
           </a:p>
@@ -901,7 +907,7 @@
           <a:p>
             <a:fld id="{51149E06-0874-4241-ABF9-BAFA45916F2C}" type="datetimeFigureOut">
               <a:rPr lang="en-US" smtClean="0"/>
-              <a:t>3/22/2023</a:t>
+              <a:t>3/29/2023</a:t>
             </a:fld>
             <a:endParaRPr lang="en-US"/>
           </a:p>
@@ -1147,7 +1153,7 @@
           <a:p>
             <a:fld id="{51149E06-0874-4241-ABF9-BAFA45916F2C}" type="datetimeFigureOut">
               <a:rPr lang="en-US" smtClean="0"/>
-              <a:t>3/22/2023</a:t>
+              <a:t>3/29/2023</a:t>
             </a:fld>
             <a:endParaRPr lang="en-US"/>
           </a:p>
@@ -1435,7 +1441,7 @@
           <a:p>
             <a:fld id="{51149E06-0874-4241-ABF9-BAFA45916F2C}" type="datetimeFigureOut">
               <a:rPr lang="en-US" smtClean="0"/>
-              <a:t>3/22/2023</a:t>
+              <a:t>3/29/2023</a:t>
             </a:fld>
             <a:endParaRPr lang="en-US"/>
           </a:p>
@@ -1857,7 +1863,7 @@
           <a:p>
             <a:fld id="{51149E06-0874-4241-ABF9-BAFA45916F2C}" type="datetimeFigureOut">
               <a:rPr lang="en-US" smtClean="0"/>
-              <a:t>3/22/2023</a:t>
+              <a:t>3/29/2023</a:t>
             </a:fld>
             <a:endParaRPr lang="en-US"/>
           </a:p>
@@ -1975,7 +1981,7 @@
           <a:p>
             <a:fld id="{51149E06-0874-4241-ABF9-BAFA45916F2C}" type="datetimeFigureOut">
               <a:rPr lang="en-US" smtClean="0"/>
-              <a:t>3/22/2023</a:t>
+              <a:t>3/29/2023</a:t>
             </a:fld>
             <a:endParaRPr lang="en-US"/>
           </a:p>
@@ -2070,7 +2076,7 @@
           <a:p>
             <a:fld id="{51149E06-0874-4241-ABF9-BAFA45916F2C}" type="datetimeFigureOut">
               <a:rPr lang="en-US" smtClean="0"/>
-              <a:t>3/22/2023</a:t>
+              <a:t>3/29/2023</a:t>
             </a:fld>
             <a:endParaRPr lang="en-US"/>
           </a:p>
@@ -2347,7 +2353,7 @@
           <a:p>
             <a:fld id="{51149E06-0874-4241-ABF9-BAFA45916F2C}" type="datetimeFigureOut">
               <a:rPr lang="en-US" smtClean="0"/>
-              <a:t>3/22/2023</a:t>
+              <a:t>3/29/2023</a:t>
             </a:fld>
             <a:endParaRPr lang="en-US"/>
           </a:p>
@@ -2600,7 +2606,7 @@
           <a:p>
             <a:fld id="{51149E06-0874-4241-ABF9-BAFA45916F2C}" type="datetimeFigureOut">
               <a:rPr lang="en-US" smtClean="0"/>
-              <a:t>3/22/2023</a:t>
+              <a:t>3/29/2023</a:t>
             </a:fld>
             <a:endParaRPr lang="en-US"/>
           </a:p>
@@ -2813,7 +2819,7 @@
           <a:p>
             <a:fld id="{51149E06-0874-4241-ABF9-BAFA45916F2C}" type="datetimeFigureOut">
               <a:rPr lang="en-US" smtClean="0"/>
-              <a:t>3/22/2023</a:t>
+              <a:t>3/29/2023</a:t>
             </a:fld>
             <a:endParaRPr lang="en-US"/>
           </a:p>
@@ -3498,6 +3504,132 @@
 </p:sld>
 </file>
 
+<file path=ppt/slides/slide100.xml><?xml version="1.0" encoding="utf-8"?>
+<p:sld xmlns:a="http://schemas.openxmlformats.org/drawingml/2006/main" xmlns:r="http://schemas.openxmlformats.org/officeDocument/2006/relationships" xmlns:p="http://schemas.openxmlformats.org/presentationml/2006/main">
+  <p:cSld>
+    <p:spTree>
+      <p:nvGrpSpPr>
+        <p:cNvPr id="1" name=""/>
+        <p:cNvGrpSpPr/>
+        <p:nvPr/>
+      </p:nvGrpSpPr>
+      <p:grpSpPr>
+        <a:xfrm>
+          <a:off x="0" y="0"/>
+          <a:ext cx="0" cy="0"/>
+          <a:chOff x="0" y="0"/>
+          <a:chExt cx="0" cy="0"/>
+        </a:xfrm>
+      </p:grpSpPr>
+      <p:sp>
+        <p:nvSpPr>
+          <p:cNvPr id="2" name="Title 1"/>
+          <p:cNvSpPr>
+            <a:spLocks noGrp="1"/>
+          </p:cNvSpPr>
+          <p:nvPr>
+            <p:ph type="title"/>
+          </p:nvPr>
+        </p:nvSpPr>
+        <p:spPr>
+          <a:xfrm>
+            <a:off x="457200" y="274638"/>
+            <a:ext cx="8229600" cy="778098"/>
+          </a:xfrm>
+        </p:spPr>
+        <p:txBody>
+          <a:bodyPr>
+            <a:normAutofit fontScale="90000"/>
+          </a:bodyPr>
+          <a:lstStyle/>
+          <a:p>
+            <a:r>
+              <a:rPr lang="en-US" dirty="0" smtClean="0"/>
+              <a:t>Kafka Streams Stack Map – Day 21</a:t>
+            </a:r>
+            <a:br>
+              <a:rPr lang="en-US" dirty="0" smtClean="0"/>
+            </a:br>
+            <a:endParaRPr lang="en-US" dirty="0"/>
+          </a:p>
+        </p:txBody>
+      </p:sp>
+      <p:pic>
+        <p:nvPicPr>
+          <p:cNvPr id="2050" name="Picture 2"/>
+          <p:cNvPicPr>
+            <a:picLocks noGrp="1" noChangeAspect="1" noChangeArrowheads="1"/>
+          </p:cNvPicPr>
+          <p:nvPr>
+            <p:ph idx="1"/>
+          </p:nvPr>
+        </p:nvPicPr>
+        <p:blipFill>
+          <a:blip r:embed="rId2">
+            <a:extLst>
+              <a:ext uri="{28A0092B-C50C-407E-A947-70E740481C1C}">
+                <a14:useLocalDpi xmlns:a14="http://schemas.microsoft.com/office/drawing/2010/main" val="0"/>
+              </a:ext>
+            </a:extLst>
+          </a:blip>
+          <a:srcRect/>
+          <a:stretch>
+            <a:fillRect/>
+          </a:stretch>
+        </p:blipFill>
+        <p:spPr bwMode="auto">
+          <a:xfrm>
+            <a:off x="1533610" y="836613"/>
+            <a:ext cx="5952956" cy="4525962"/>
+          </a:xfrm>
+          <a:prstGeom prst="rect">
+            <a:avLst/>
+          </a:prstGeom>
+          <a:noFill/>
+          <a:ln>
+            <a:noFill/>
+          </a:ln>
+          <a:extLst>
+            <a:ext uri="{909E8E84-426E-40DD-AFC4-6F175D3DCCD1}">
+              <a14:hiddenFill xmlns:a14="http://schemas.microsoft.com/office/drawing/2010/main">
+                <a:solidFill>
+                  <a:schemeClr val="accent1"/>
+                </a:solidFill>
+              </a14:hiddenFill>
+            </a:ext>
+            <a:ext uri="{91240B29-F687-4F45-9708-019B960494DF}">
+              <a14:hiddenLine xmlns:a14="http://schemas.microsoft.com/office/drawing/2010/main" w="9525">
+                <a:solidFill>
+                  <a:schemeClr val="tx1"/>
+                </a:solidFill>
+                <a:miter lim="800000"/>
+                <a:headEnd/>
+                <a:tailEnd/>
+              </a14:hiddenLine>
+            </a:ext>
+          </a:extLst>
+        </p:spPr>
+      </p:pic>
+    </p:spTree>
+    <p:extLst>
+      <p:ext uri="{BB962C8B-B14F-4D97-AF65-F5344CB8AC3E}">
+        <p14:creationId xmlns:p14="http://schemas.microsoft.com/office/powerpoint/2010/main" val="2667801747"/>
+      </p:ext>
+    </p:extLst>
+  </p:cSld>
+  <p:clrMapOvr>
+    <a:masterClrMapping/>
+  </p:clrMapOvr>
+  <p:timing>
+    <p:tnLst>
+      <p:par>
+        <p:cTn id="1" dur="indefinite" restart="never" nodeType="tmRoot"/>
+      </p:par>
+    </p:tnLst>
+  </p:timing>
+</p:sld>
+</file>
+
 <file path=ppt/slides/slide11.xml><?xml version="1.0" encoding="utf-8"?>
 <p:sld xmlns:a="http://schemas.openxmlformats.org/drawingml/2006/main" xmlns:r="http://schemas.openxmlformats.org/officeDocument/2006/relationships" xmlns:p="http://schemas.openxmlformats.org/presentationml/2006/main">
   <p:cSld>
@@ -17950,7 +18082,6 @@
                         <a:rPr lang="en-US" sz="1200" baseline="0" dirty="0" smtClean="0"/>
                         <a:t>,0</a:t>
                       </a:r>
-                      <a:endParaRPr lang="en-US" sz="1200" baseline="0" dirty="0" smtClean="0"/>
                     </a:p>
                     <a:p>
                       <a:r>
@@ -17961,13 +18092,8 @@
                     <a:p>
                       <a:r>
                         <a:rPr lang="en-US" sz="1200" baseline="0" dirty="0" smtClean="0"/>
-                        <a:t>Green, </a:t>
+                        <a:t>Green, 2</a:t>
                       </a:r>
-                      <a:r>
-                        <a:rPr lang="en-US" sz="1200" baseline="0" dirty="0" smtClean="0"/>
-                        <a:t>2</a:t>
-                      </a:r>
-                      <a:endParaRPr lang="en-US" sz="1200" baseline="0" dirty="0" smtClean="0"/>
                     </a:p>
                   </a:txBody>
                   <a:tcPr/>
@@ -18031,11 +18157,7 @@
           <a:p>
             <a:r>
               <a:rPr lang="en-US" dirty="0" smtClean="0"/>
-              <a:t>Day </a:t>
-            </a:r>
-            <a:r>
-              <a:rPr lang="en-US" dirty="0" smtClean="0"/>
-              <a:t>20</a:t>
+              <a:t>Day 20</a:t>
             </a:r>
             <a:endParaRPr lang="en-US" dirty="0"/>
           </a:p>
@@ -18095,7 +18217,6 @@
               <a:rPr lang="en-US" dirty="0" smtClean="0"/>
               <a:t>Deeper Understand DSL </a:t>
             </a:r>
-            <a:endParaRPr lang="en-US" dirty="0" smtClean="0"/>
           </a:p>
           <a:p>
             <a:pPr lvl="1">
@@ -18177,11 +18298,7 @@
           <a:p>
             <a:r>
               <a:rPr lang="en-US" dirty="0" smtClean="0"/>
-              <a:t>Agenda - Day </a:t>
-            </a:r>
-            <a:r>
-              <a:rPr lang="en-US" dirty="0" smtClean="0"/>
-              <a:t>20</a:t>
+              <a:t>Agenda - Day 20</a:t>
             </a:r>
             <a:endParaRPr lang="en-US" dirty="0"/>
           </a:p>
@@ -18249,7 +18366,6 @@
               <a:rPr lang="en-US" dirty="0" smtClean="0"/>
               <a:t>Few More Streaming Applications</a:t>
             </a:r>
-            <a:endParaRPr lang="en-US" dirty="0" smtClean="0"/>
           </a:p>
           <a:p>
             <a:pPr lvl="1">
@@ -18311,7 +18427,6 @@
               <a:rPr lang="en-US" dirty="0" smtClean="0"/>
               <a:t>DSL Processors</a:t>
             </a:r>
-            <a:endParaRPr lang="en-US" dirty="0" smtClean="0"/>
           </a:p>
           <a:p>
             <a:pPr marL="457200" lvl="1" indent="0">
@@ -18479,11 +18594,7 @@
             </a:r>
             <a:r>
               <a:rPr lang="en-US" dirty="0" smtClean="0"/>
-              <a:t> - </a:t>
-            </a:r>
-            <a:r>
-              <a:rPr lang="en-US" dirty="0" smtClean="0"/>
-              <a:t>Day 20</a:t>
+              <a:t> - Day 20</a:t>
             </a:r>
             <a:endParaRPr lang="en-US" dirty="0"/>
           </a:p>
@@ -18524,7 +18635,6 @@
               <a:rPr lang="en-US" sz="1600" dirty="0" smtClean="0"/>
               <a:t>Refer Draw.io</a:t>
             </a:r>
-            <a:endParaRPr lang="en-US" sz="1600" dirty="0" smtClean="0"/>
           </a:p>
           <a:p>
             <a:pPr lvl="1">
@@ -18629,11 +18739,7 @@
             </a:r>
             <a:r>
               <a:rPr lang="en-US" dirty="0" smtClean="0"/>
-              <a:t> - </a:t>
-            </a:r>
-            <a:r>
-              <a:rPr lang="en-US" dirty="0" smtClean="0"/>
-              <a:t>Day 20</a:t>
+              <a:t> - Day 20</a:t>
             </a:r>
             <a:endParaRPr lang="en-US" dirty="0"/>
           </a:p>
@@ -18896,15 +19002,7 @@
           <a:p>
             <a:r>
               <a:rPr lang="en-US" dirty="0" smtClean="0"/>
-              <a:t>DSL Stateless </a:t>
-            </a:r>
-            <a:r>
-              <a:rPr lang="en-US" dirty="0" smtClean="0"/>
-              <a:t>Processors- </a:t>
-            </a:r>
-            <a:r>
-              <a:rPr lang="en-US" dirty="0" smtClean="0"/>
-              <a:t>Day 20</a:t>
+              <a:t>DSL Stateless Processors- Day 20</a:t>
             </a:r>
             <a:endParaRPr lang="en-US" dirty="0"/>
           </a:p>
@@ -19952,15 +20050,7 @@
           <a:p>
             <a:r>
               <a:rPr lang="en-US" dirty="0" smtClean="0"/>
-              <a:t>DSL Stateless </a:t>
-            </a:r>
-            <a:r>
-              <a:rPr lang="en-US" dirty="0" smtClean="0"/>
-              <a:t>Processors… - </a:t>
-            </a:r>
-            <a:r>
-              <a:rPr lang="en-US" dirty="0" smtClean="0"/>
-              <a:t>Day 20</a:t>
+              <a:t>DSL Stateless Processors… - Day 20</a:t>
             </a:r>
             <a:endParaRPr lang="en-US" dirty="0"/>
           </a:p>
@@ -20087,7 +20177,6 @@
               <a:rPr lang="en-US" sz="1600" dirty="0" smtClean="0"/>
               <a:t>Assigns a new key to the record</a:t>
             </a:r>
-            <a:endParaRPr lang="en-US" sz="1600" dirty="0" smtClean="0"/>
           </a:p>
           <a:p>
             <a:pPr lvl="1">
@@ -20698,6 +20787,1412 @@
     <p:extLst>
       <p:ext uri="{BB962C8B-B14F-4D97-AF65-F5344CB8AC3E}">
         <p14:creationId xmlns:p14="http://schemas.microsoft.com/office/powerpoint/2010/main" val="3689297232"/>
+      </p:ext>
+    </p:extLst>
+  </p:cSld>
+  <p:clrMapOvr>
+    <a:masterClrMapping/>
+  </p:clrMapOvr>
+  <p:timing>
+    <p:tnLst>
+      <p:par>
+        <p:cTn id="1" dur="indefinite" restart="never" nodeType="tmRoot"/>
+      </p:par>
+    </p:tnLst>
+  </p:timing>
+</p:sld>
+</file>
+
+<file path=ppt/slides/slide95.xml><?xml version="1.0" encoding="utf-8"?>
+<p:sld xmlns:a="http://schemas.openxmlformats.org/drawingml/2006/main" xmlns:r="http://schemas.openxmlformats.org/officeDocument/2006/relationships" xmlns:p="http://schemas.openxmlformats.org/presentationml/2006/main">
+  <p:cSld>
+    <p:spTree>
+      <p:nvGrpSpPr>
+        <p:cNvPr id="1" name=""/>
+        <p:cNvGrpSpPr/>
+        <p:nvPr/>
+      </p:nvGrpSpPr>
+      <p:grpSpPr>
+        <a:xfrm>
+          <a:off x="0" y="0"/>
+          <a:ext cx="0" cy="0"/>
+          <a:chOff x="0" y="0"/>
+          <a:chExt cx="0" cy="0"/>
+        </a:xfrm>
+      </p:grpSpPr>
+      <p:sp>
+        <p:nvSpPr>
+          <p:cNvPr id="2" name="Title 1"/>
+          <p:cNvSpPr>
+            <a:spLocks noGrp="1"/>
+          </p:cNvSpPr>
+          <p:nvPr>
+            <p:ph type="title"/>
+          </p:nvPr>
+        </p:nvSpPr>
+        <p:spPr/>
+        <p:txBody>
+          <a:bodyPr/>
+          <a:lstStyle/>
+          <a:p>
+            <a:r>
+              <a:rPr lang="en-US" dirty="0" smtClean="0"/>
+              <a:t>Day 21</a:t>
+            </a:r>
+            <a:endParaRPr lang="en-US" dirty="0"/>
+          </a:p>
+        </p:txBody>
+      </p:sp>
+      <p:sp>
+        <p:nvSpPr>
+          <p:cNvPr id="3" name="Content Placeholder 2"/>
+          <p:cNvSpPr>
+            <a:spLocks noGrp="1"/>
+          </p:cNvSpPr>
+          <p:nvPr>
+            <p:ph idx="1"/>
+          </p:nvPr>
+        </p:nvSpPr>
+        <p:spPr/>
+        <p:txBody>
+          <a:bodyPr>
+            <a:normAutofit/>
+          </a:bodyPr>
+          <a:lstStyle/>
+          <a:p>
+            <a:pPr marL="0" indent="0">
+              <a:buNone/>
+            </a:pPr>
+            <a:r>
+              <a:rPr lang="en-US" b="1" dirty="0" smtClean="0"/>
+              <a:t>Theme</a:t>
+            </a:r>
+          </a:p>
+          <a:p>
+            <a:pPr lvl="1"/>
+            <a:endParaRPr lang="en-US" dirty="0" smtClean="0"/>
+          </a:p>
+          <a:p>
+            <a:pPr marL="457200" lvl="1" indent="0">
+              <a:buNone/>
+            </a:pPr>
+            <a:endParaRPr lang="en-US" dirty="0"/>
+          </a:p>
+          <a:p>
+            <a:pPr lvl="1">
+              <a:buFont typeface="Arial" panose="020B0604020202020204" pitchFamily="34" charset="0"/>
+              <a:buChar char="•"/>
+            </a:pPr>
+            <a:r>
+              <a:rPr lang="en-US" dirty="0" err="1" smtClean="0"/>
+              <a:t>Stateful</a:t>
+            </a:r>
+            <a:r>
+              <a:rPr lang="en-US" dirty="0" smtClean="0"/>
+              <a:t> transforms using DSL </a:t>
+            </a:r>
+            <a:r>
+              <a:rPr lang="en-US" dirty="0" smtClean="0"/>
+              <a:t>processors</a:t>
+            </a:r>
+          </a:p>
+          <a:p>
+            <a:pPr lvl="1">
+              <a:buFont typeface="Arial" panose="020B0604020202020204" pitchFamily="34" charset="0"/>
+              <a:buChar char="•"/>
+            </a:pPr>
+            <a:endParaRPr lang="en-US" dirty="0" smtClean="0"/>
+          </a:p>
+          <a:p>
+            <a:pPr lvl="1">
+              <a:buFont typeface="Arial" panose="020B0604020202020204" pitchFamily="34" charset="0"/>
+              <a:buChar char="•"/>
+            </a:pPr>
+            <a:r>
+              <a:rPr lang="en-US" dirty="0" smtClean="0"/>
+              <a:t>An Application using the </a:t>
+            </a:r>
+            <a:r>
+              <a:rPr lang="en-US" dirty="0" err="1" smtClean="0"/>
+              <a:t>Stateful</a:t>
+            </a:r>
+            <a:r>
+              <a:rPr lang="en-US" dirty="0" smtClean="0"/>
+              <a:t> DSL processors</a:t>
+            </a:r>
+          </a:p>
+          <a:p>
+            <a:pPr lvl="1">
+              <a:buFont typeface="Arial" panose="020B0604020202020204" pitchFamily="34" charset="0"/>
+              <a:buChar char="•"/>
+            </a:pPr>
+            <a:endParaRPr lang="en-US" dirty="0" smtClean="0"/>
+          </a:p>
+          <a:p>
+            <a:pPr lvl="1">
+              <a:buFont typeface="Arial" panose="020B0604020202020204" pitchFamily="34" charset="0"/>
+              <a:buChar char="•"/>
+            </a:pPr>
+            <a:endParaRPr lang="en-US" dirty="0" smtClean="0"/>
+          </a:p>
+          <a:p>
+            <a:pPr marL="457200" lvl="1" indent="0">
+              <a:buNone/>
+            </a:pPr>
+            <a:endParaRPr lang="en-US" dirty="0" smtClean="0"/>
+          </a:p>
+          <a:p>
+            <a:pPr lvl="1"/>
+            <a:endParaRPr lang="en-US" dirty="0" smtClean="0"/>
+          </a:p>
+        </p:txBody>
+      </p:sp>
+    </p:spTree>
+    <p:extLst>
+      <p:ext uri="{BB962C8B-B14F-4D97-AF65-F5344CB8AC3E}">
+        <p14:creationId xmlns:p14="http://schemas.microsoft.com/office/powerpoint/2010/main" val="1536667212"/>
+      </p:ext>
+    </p:extLst>
+  </p:cSld>
+  <p:clrMapOvr>
+    <a:masterClrMapping/>
+  </p:clrMapOvr>
+  <p:timing>
+    <p:tnLst>
+      <p:par>
+        <p:cTn id="1" dur="indefinite" restart="never" nodeType="tmRoot"/>
+      </p:par>
+    </p:tnLst>
+  </p:timing>
+</p:sld>
+</file>
+
+<file path=ppt/slides/slide96.xml><?xml version="1.0" encoding="utf-8"?>
+<p:sld xmlns:a="http://schemas.openxmlformats.org/drawingml/2006/main" xmlns:r="http://schemas.openxmlformats.org/officeDocument/2006/relationships" xmlns:p="http://schemas.openxmlformats.org/presentationml/2006/main">
+  <p:cSld>
+    <p:spTree>
+      <p:nvGrpSpPr>
+        <p:cNvPr id="1" name=""/>
+        <p:cNvGrpSpPr/>
+        <p:nvPr/>
+      </p:nvGrpSpPr>
+      <p:grpSpPr>
+        <a:xfrm>
+          <a:off x="0" y="0"/>
+          <a:ext cx="0" cy="0"/>
+          <a:chOff x="0" y="0"/>
+          <a:chExt cx="0" cy="0"/>
+        </a:xfrm>
+      </p:grpSpPr>
+      <p:sp>
+        <p:nvSpPr>
+          <p:cNvPr id="2" name="Title 1"/>
+          <p:cNvSpPr>
+            <a:spLocks noGrp="1"/>
+          </p:cNvSpPr>
+          <p:nvPr>
+            <p:ph type="title"/>
+          </p:nvPr>
+        </p:nvSpPr>
+        <p:spPr/>
+        <p:txBody>
+          <a:bodyPr/>
+          <a:lstStyle/>
+          <a:p>
+            <a:r>
+              <a:rPr lang="en-US" dirty="0" smtClean="0"/>
+              <a:t>Agenda - Day 21</a:t>
+            </a:r>
+            <a:endParaRPr lang="en-US" dirty="0"/>
+          </a:p>
+        </p:txBody>
+      </p:sp>
+      <p:sp>
+        <p:nvSpPr>
+          <p:cNvPr id="3" name="Content Placeholder 2"/>
+          <p:cNvSpPr>
+            <a:spLocks noGrp="1"/>
+          </p:cNvSpPr>
+          <p:nvPr>
+            <p:ph idx="1"/>
+          </p:nvPr>
+        </p:nvSpPr>
+        <p:spPr/>
+        <p:txBody>
+          <a:bodyPr>
+            <a:normAutofit fontScale="70000" lnSpcReduction="20000"/>
+          </a:bodyPr>
+          <a:lstStyle/>
+          <a:p>
+            <a:pPr lvl="1">
+              <a:buFont typeface="Arial" panose="020B0604020202020204" pitchFamily="34" charset="0"/>
+              <a:buChar char="•"/>
+            </a:pPr>
+            <a:endParaRPr lang="en-US" dirty="0" smtClean="0"/>
+          </a:p>
+          <a:p>
+            <a:pPr lvl="1">
+              <a:buFont typeface="Arial" panose="020B0604020202020204" pitchFamily="34" charset="0"/>
+              <a:buChar char="•"/>
+            </a:pPr>
+            <a:r>
+              <a:rPr lang="en-US" dirty="0"/>
+              <a:t>Day </a:t>
+            </a:r>
+            <a:r>
+              <a:rPr lang="en-US" dirty="0" smtClean="0"/>
+              <a:t>20 Recap </a:t>
+            </a:r>
+            <a:r>
+              <a:rPr lang="en-US" dirty="0"/>
+              <a:t>&amp; </a:t>
+            </a:r>
+            <a:r>
+              <a:rPr lang="en-US" dirty="0" err="1"/>
+              <a:t>QnA</a:t>
+            </a:r>
+            <a:endParaRPr lang="en-US" dirty="0"/>
+          </a:p>
+          <a:p>
+            <a:pPr lvl="1">
+              <a:buFont typeface="Arial" panose="020B0604020202020204" pitchFamily="34" charset="0"/>
+              <a:buChar char="•"/>
+            </a:pPr>
+            <a:endParaRPr lang="en-US" dirty="0" smtClean="0"/>
+          </a:p>
+          <a:p>
+            <a:pPr lvl="1">
+              <a:buFont typeface="Arial" panose="020B0604020202020204" pitchFamily="34" charset="0"/>
+              <a:buChar char="•"/>
+            </a:pPr>
+            <a:r>
+              <a:rPr lang="en-US" dirty="0" smtClean="0"/>
+              <a:t>Count</a:t>
+            </a:r>
+          </a:p>
+          <a:p>
+            <a:pPr lvl="1">
+              <a:buFont typeface="Arial" panose="020B0604020202020204" pitchFamily="34" charset="0"/>
+              <a:buChar char="•"/>
+            </a:pPr>
+            <a:endParaRPr lang="en-US" dirty="0" smtClean="0"/>
+          </a:p>
+          <a:p>
+            <a:pPr lvl="1">
+              <a:buFont typeface="Arial" panose="020B0604020202020204" pitchFamily="34" charset="0"/>
+              <a:buChar char="•"/>
+            </a:pPr>
+            <a:r>
+              <a:rPr lang="en-US" dirty="0" smtClean="0"/>
+              <a:t>Aggregates</a:t>
+            </a:r>
+          </a:p>
+          <a:p>
+            <a:pPr lvl="1">
+              <a:buFont typeface="Arial" panose="020B0604020202020204" pitchFamily="34" charset="0"/>
+              <a:buChar char="•"/>
+            </a:pPr>
+            <a:endParaRPr lang="en-US" dirty="0"/>
+          </a:p>
+          <a:p>
+            <a:pPr lvl="1">
+              <a:buFont typeface="Arial" panose="020B0604020202020204" pitchFamily="34" charset="0"/>
+              <a:buChar char="•"/>
+            </a:pPr>
+            <a:r>
+              <a:rPr lang="en-US" dirty="0" smtClean="0"/>
+              <a:t>Reduce</a:t>
+            </a:r>
+          </a:p>
+          <a:p>
+            <a:pPr lvl="1">
+              <a:buFont typeface="Arial" panose="020B0604020202020204" pitchFamily="34" charset="0"/>
+              <a:buChar char="•"/>
+            </a:pPr>
+            <a:endParaRPr lang="en-US" dirty="0" smtClean="0"/>
+          </a:p>
+          <a:p>
+            <a:pPr lvl="1">
+              <a:buFont typeface="Arial" panose="020B0604020202020204" pitchFamily="34" charset="0"/>
+              <a:buChar char="•"/>
+            </a:pPr>
+            <a:r>
+              <a:rPr lang="en-US" dirty="0" smtClean="0"/>
+              <a:t>Joins</a:t>
+            </a:r>
+          </a:p>
+          <a:p>
+            <a:pPr lvl="1">
+              <a:buFont typeface="Arial" panose="020B0604020202020204" pitchFamily="34" charset="0"/>
+              <a:buChar char="•"/>
+            </a:pPr>
+            <a:endParaRPr lang="en-US" dirty="0"/>
+          </a:p>
+          <a:p>
+            <a:pPr lvl="1">
+              <a:buFont typeface="Arial" panose="020B0604020202020204" pitchFamily="34" charset="0"/>
+              <a:buChar char="•"/>
+            </a:pPr>
+            <a:r>
+              <a:rPr lang="en-US" dirty="0" smtClean="0"/>
+              <a:t>Windowing</a:t>
+            </a:r>
+          </a:p>
+          <a:p>
+            <a:pPr lvl="1">
+              <a:buFont typeface="Arial" panose="020B0604020202020204" pitchFamily="34" charset="0"/>
+              <a:buChar char="•"/>
+            </a:pPr>
+            <a:endParaRPr lang="en-US" dirty="0" smtClean="0"/>
+          </a:p>
+          <a:p>
+            <a:pPr lvl="1">
+              <a:buFont typeface="Arial" panose="020B0604020202020204" pitchFamily="34" charset="0"/>
+              <a:buChar char="•"/>
+            </a:pPr>
+            <a:r>
+              <a:rPr lang="en-US" dirty="0" smtClean="0"/>
+              <a:t>Bank Balance Application</a:t>
+            </a:r>
+          </a:p>
+          <a:p>
+            <a:pPr lvl="1">
+              <a:buFont typeface="Arial" panose="020B0604020202020204" pitchFamily="34" charset="0"/>
+              <a:buChar char="•"/>
+            </a:pPr>
+            <a:endParaRPr lang="en-US" dirty="0" smtClean="0"/>
+          </a:p>
+          <a:p>
+            <a:pPr marL="457200" lvl="1" indent="0">
+              <a:buNone/>
+            </a:pPr>
+            <a:endParaRPr lang="en-US" dirty="0" smtClean="0"/>
+          </a:p>
+          <a:p>
+            <a:pPr marL="457200" lvl="1" indent="0">
+              <a:buNone/>
+            </a:pPr>
+            <a:endParaRPr lang="en-US" dirty="0" smtClean="0"/>
+          </a:p>
+        </p:txBody>
+      </p:sp>
+    </p:spTree>
+    <p:extLst>
+      <p:ext uri="{BB962C8B-B14F-4D97-AF65-F5344CB8AC3E}">
+        <p14:creationId xmlns:p14="http://schemas.microsoft.com/office/powerpoint/2010/main" val="2076833626"/>
+      </p:ext>
+    </p:extLst>
+  </p:cSld>
+  <p:clrMapOvr>
+    <a:masterClrMapping/>
+  </p:clrMapOvr>
+  <p:timing>
+    <p:tnLst>
+      <p:par>
+        <p:cTn id="1" dur="indefinite" restart="never" nodeType="tmRoot"/>
+      </p:par>
+    </p:tnLst>
+  </p:timing>
+</p:sld>
+</file>
+
+<file path=ppt/slides/slide97.xml><?xml version="1.0" encoding="utf-8"?>
+<p:sld xmlns:a="http://schemas.openxmlformats.org/drawingml/2006/main" xmlns:r="http://schemas.openxmlformats.org/officeDocument/2006/relationships" xmlns:p="http://schemas.openxmlformats.org/presentationml/2006/main">
+  <p:cSld>
+    <p:spTree>
+      <p:nvGrpSpPr>
+        <p:cNvPr id="1" name=""/>
+        <p:cNvGrpSpPr/>
+        <p:nvPr/>
+      </p:nvGrpSpPr>
+      <p:grpSpPr>
+        <a:xfrm>
+          <a:off x="0" y="0"/>
+          <a:ext cx="0" cy="0"/>
+          <a:chOff x="0" y="0"/>
+          <a:chExt cx="0" cy="0"/>
+        </a:xfrm>
+      </p:grpSpPr>
+      <p:sp>
+        <p:nvSpPr>
+          <p:cNvPr id="2" name="Title 1"/>
+          <p:cNvSpPr>
+            <a:spLocks noGrp="1"/>
+          </p:cNvSpPr>
+          <p:nvPr>
+            <p:ph type="title"/>
+          </p:nvPr>
+        </p:nvSpPr>
+        <p:spPr/>
+        <p:txBody>
+          <a:bodyPr/>
+          <a:lstStyle/>
+          <a:p>
+            <a:r>
+              <a:rPr lang="en-US" dirty="0" err="1" smtClean="0"/>
+              <a:t>Stateful</a:t>
+            </a:r>
+            <a:r>
+              <a:rPr lang="en-US" dirty="0" smtClean="0"/>
+              <a:t> DSL Processors - </a:t>
+            </a:r>
+            <a:r>
+              <a:rPr lang="en-US" dirty="0" smtClean="0"/>
+              <a:t>Day 21</a:t>
+            </a:r>
+            <a:endParaRPr lang="en-US" dirty="0"/>
+          </a:p>
+        </p:txBody>
+      </p:sp>
+      <p:sp>
+        <p:nvSpPr>
+          <p:cNvPr id="3" name="Content Placeholder 2"/>
+          <p:cNvSpPr>
+            <a:spLocks noGrp="1"/>
+          </p:cNvSpPr>
+          <p:nvPr>
+            <p:ph idx="1"/>
+          </p:nvPr>
+        </p:nvSpPr>
+        <p:spPr>
+          <a:xfrm>
+            <a:off x="323528" y="1124744"/>
+            <a:ext cx="8229600" cy="4525963"/>
+          </a:xfrm>
+        </p:spPr>
+        <p:txBody>
+          <a:bodyPr>
+            <a:normAutofit/>
+          </a:bodyPr>
+          <a:lstStyle/>
+          <a:p>
+            <a:pPr marL="457200" lvl="1" indent="0">
+              <a:buNone/>
+            </a:pPr>
+            <a:endParaRPr lang="en-US" dirty="0"/>
+          </a:p>
+          <a:p>
+            <a:pPr marL="457200" lvl="1" indent="0">
+              <a:buNone/>
+            </a:pPr>
+            <a:r>
+              <a:rPr lang="en-US" sz="1600" dirty="0" smtClean="0"/>
+              <a:t>Refer </a:t>
+            </a:r>
+            <a:r>
+              <a:rPr lang="en-US" sz="1600" dirty="0" smtClean="0"/>
+              <a:t>Draw.io &amp; Demo</a:t>
+            </a:r>
+            <a:endParaRPr lang="en-US" sz="1600" dirty="0" smtClean="0"/>
+          </a:p>
+          <a:p>
+            <a:pPr lvl="1">
+              <a:buFont typeface="Wingdings" panose="05000000000000000000" pitchFamily="2" charset="2"/>
+              <a:buChar char="§"/>
+            </a:pPr>
+            <a:endParaRPr lang="en-US" sz="1600" dirty="0" smtClean="0"/>
+          </a:p>
+          <a:p>
+            <a:pPr lvl="1">
+              <a:buFont typeface="Wingdings" panose="05000000000000000000" pitchFamily="2" charset="2"/>
+              <a:buChar char="§"/>
+            </a:pPr>
+            <a:endParaRPr lang="en-US" sz="1600" dirty="0" smtClean="0"/>
+          </a:p>
+          <a:p>
+            <a:pPr marL="1371600" lvl="3" indent="0">
+              <a:buNone/>
+            </a:pPr>
+            <a:endParaRPr lang="en-US" sz="800" dirty="0" smtClean="0"/>
+          </a:p>
+          <a:p>
+            <a:pPr lvl="2">
+              <a:buFont typeface="Wingdings" panose="05000000000000000000" pitchFamily="2" charset="2"/>
+              <a:buChar char="§"/>
+            </a:pPr>
+            <a:endParaRPr lang="en-US" sz="1200" dirty="0" smtClean="0"/>
+          </a:p>
+          <a:p>
+            <a:pPr marL="457200" lvl="1" indent="0">
+              <a:buNone/>
+            </a:pPr>
+            <a:endParaRPr lang="en-US" sz="1600" dirty="0"/>
+          </a:p>
+          <a:p>
+            <a:pPr marL="457200" lvl="1" indent="0">
+              <a:buNone/>
+            </a:pPr>
+            <a:endParaRPr lang="en-US" sz="1600" dirty="0" smtClean="0"/>
+          </a:p>
+        </p:txBody>
+      </p:sp>
+    </p:spTree>
+    <p:extLst>
+      <p:ext uri="{BB962C8B-B14F-4D97-AF65-F5344CB8AC3E}">
+        <p14:creationId xmlns:p14="http://schemas.microsoft.com/office/powerpoint/2010/main" val="852593"/>
+      </p:ext>
+    </p:extLst>
+  </p:cSld>
+  <p:clrMapOvr>
+    <a:masterClrMapping/>
+  </p:clrMapOvr>
+  <p:timing>
+    <p:tnLst>
+      <p:par>
+        <p:cTn id="1" dur="indefinite" restart="never" nodeType="tmRoot"/>
+      </p:par>
+    </p:tnLst>
+  </p:timing>
+</p:sld>
+</file>
+
+<file path=ppt/slides/slide98.xml><?xml version="1.0" encoding="utf-8"?>
+<p:sld xmlns:a="http://schemas.openxmlformats.org/drawingml/2006/main" xmlns:r="http://schemas.openxmlformats.org/officeDocument/2006/relationships" xmlns:p="http://schemas.openxmlformats.org/presentationml/2006/main">
+  <p:cSld>
+    <p:spTree>
+      <p:nvGrpSpPr>
+        <p:cNvPr id="1" name=""/>
+        <p:cNvGrpSpPr/>
+        <p:nvPr/>
+      </p:nvGrpSpPr>
+      <p:grpSpPr>
+        <a:xfrm>
+          <a:off x="0" y="0"/>
+          <a:ext cx="0" cy="0"/>
+          <a:chOff x="0" y="0"/>
+          <a:chExt cx="0" cy="0"/>
+        </a:xfrm>
+      </p:grpSpPr>
+      <p:sp>
+        <p:nvSpPr>
+          <p:cNvPr id="2" name="Title 1"/>
+          <p:cNvSpPr>
+            <a:spLocks noGrp="1"/>
+          </p:cNvSpPr>
+          <p:nvPr>
+            <p:ph type="title"/>
+          </p:nvPr>
+        </p:nvSpPr>
+        <p:spPr/>
+        <p:txBody>
+          <a:bodyPr/>
+          <a:lstStyle/>
+          <a:p>
+            <a:r>
+              <a:rPr lang="en-US" dirty="0" smtClean="0"/>
+              <a:t>Joins - </a:t>
+            </a:r>
+            <a:r>
+              <a:rPr lang="en-US" dirty="0" smtClean="0"/>
+              <a:t>Day 21</a:t>
+            </a:r>
+            <a:endParaRPr lang="en-US" dirty="0"/>
+          </a:p>
+        </p:txBody>
+      </p:sp>
+      <p:sp>
+        <p:nvSpPr>
+          <p:cNvPr id="3" name="Content Placeholder 2"/>
+          <p:cNvSpPr>
+            <a:spLocks noGrp="1"/>
+          </p:cNvSpPr>
+          <p:nvPr>
+            <p:ph idx="1"/>
+          </p:nvPr>
+        </p:nvSpPr>
+        <p:spPr>
+          <a:xfrm>
+            <a:off x="323528" y="1124744"/>
+            <a:ext cx="8229600" cy="4525963"/>
+          </a:xfrm>
+        </p:spPr>
+        <p:txBody>
+          <a:bodyPr>
+            <a:normAutofit/>
+          </a:bodyPr>
+          <a:lstStyle/>
+          <a:p>
+            <a:pPr marL="457200" lvl="1" indent="0">
+              <a:buNone/>
+            </a:pPr>
+            <a:endParaRPr lang="en-US" dirty="0"/>
+          </a:p>
+          <a:p>
+            <a:pPr lvl="1">
+              <a:buFont typeface="Wingdings" panose="05000000000000000000" pitchFamily="2" charset="2"/>
+              <a:buChar char="§"/>
+            </a:pPr>
+            <a:endParaRPr lang="en-US" sz="1600" dirty="0" smtClean="0"/>
+          </a:p>
+          <a:p>
+            <a:pPr lvl="1">
+              <a:buFont typeface="Wingdings" panose="05000000000000000000" pitchFamily="2" charset="2"/>
+              <a:buChar char="§"/>
+            </a:pPr>
+            <a:endParaRPr lang="en-US" sz="1600" dirty="0" smtClean="0"/>
+          </a:p>
+          <a:p>
+            <a:pPr marL="1371600" lvl="3" indent="0">
+              <a:buNone/>
+            </a:pPr>
+            <a:endParaRPr lang="en-US" sz="800" dirty="0" smtClean="0"/>
+          </a:p>
+          <a:p>
+            <a:pPr lvl="2">
+              <a:buFont typeface="Wingdings" panose="05000000000000000000" pitchFamily="2" charset="2"/>
+              <a:buChar char="§"/>
+            </a:pPr>
+            <a:endParaRPr lang="en-US" sz="1200" dirty="0" smtClean="0"/>
+          </a:p>
+          <a:p>
+            <a:pPr marL="457200" lvl="1" indent="0">
+              <a:buNone/>
+            </a:pPr>
+            <a:endParaRPr lang="en-US" sz="1600" dirty="0"/>
+          </a:p>
+          <a:p>
+            <a:pPr marL="457200" lvl="1" indent="0">
+              <a:buNone/>
+            </a:pPr>
+            <a:endParaRPr lang="en-US" sz="1600" dirty="0" smtClean="0"/>
+          </a:p>
+        </p:txBody>
+      </p:sp>
+      <p:graphicFrame>
+        <p:nvGraphicFramePr>
+          <p:cNvPr id="4" name="Table 3"/>
+          <p:cNvGraphicFramePr>
+            <a:graphicFrameLocks noGrp="1"/>
+          </p:cNvGraphicFramePr>
+          <p:nvPr>
+            <p:extLst>
+              <p:ext uri="{D42A27DB-BD31-4B8C-83A1-F6EECF244321}">
+                <p14:modId xmlns:p14="http://schemas.microsoft.com/office/powerpoint/2010/main" val="216246238"/>
+              </p:ext>
+            </p:extLst>
+          </p:nvPr>
+        </p:nvGraphicFramePr>
+        <p:xfrm>
+          <a:off x="467544" y="1412776"/>
+          <a:ext cx="7992889" cy="2736303"/>
+        </p:xfrm>
+        <a:graphic>
+          <a:graphicData uri="http://schemas.openxmlformats.org/drawingml/2006/table">
+            <a:tbl>
+              <a:tblPr firstRow="1" bandRow="1">
+                <a:tableStyleId>{5C22544A-7EE6-4342-B048-85BDC9FD1C3A}</a:tableStyleId>
+              </a:tblPr>
+              <a:tblGrid>
+                <a:gridCol w="2382149"/>
+                <a:gridCol w="1218251"/>
+                <a:gridCol w="2394267"/>
+                <a:gridCol w="1998222"/>
+              </a:tblGrid>
+              <a:tr h="477871">
+                <a:tc>
+                  <a:txBody>
+                    <a:bodyPr/>
+                    <a:lstStyle/>
+                    <a:p>
+                      <a:r>
+                        <a:rPr lang="en-IN" dirty="0" smtClean="0"/>
+                        <a:t>Join Operation</a:t>
+                      </a:r>
+                      <a:endParaRPr lang="en-US" dirty="0"/>
+                    </a:p>
+                  </a:txBody>
+                  <a:tcPr/>
+                </a:tc>
+                <a:tc>
+                  <a:txBody>
+                    <a:bodyPr/>
+                    <a:lstStyle/>
+                    <a:p>
+                      <a:r>
+                        <a:rPr lang="en-IN" dirty="0" smtClean="0"/>
+                        <a:t>Results</a:t>
+                      </a:r>
+                      <a:endParaRPr lang="en-US" dirty="0"/>
+                    </a:p>
+                  </a:txBody>
+                  <a:tcPr/>
+                </a:tc>
+                <a:tc>
+                  <a:txBody>
+                    <a:bodyPr/>
+                    <a:lstStyle/>
+                    <a:p>
+                      <a:r>
+                        <a:rPr lang="en-IN" dirty="0" smtClean="0"/>
+                        <a:t>Join Types</a:t>
+                      </a:r>
+                      <a:endParaRPr lang="en-US" dirty="0"/>
+                    </a:p>
+                  </a:txBody>
+                  <a:tcPr/>
+                </a:tc>
+                <a:tc>
+                  <a:txBody>
+                    <a:bodyPr/>
+                    <a:lstStyle/>
+                    <a:p>
+                      <a:r>
+                        <a:rPr lang="en-IN" dirty="0" smtClean="0"/>
+                        <a:t>Data Set</a:t>
+                      </a:r>
+                      <a:endParaRPr lang="en-US" dirty="0"/>
+                    </a:p>
+                  </a:txBody>
+                  <a:tcPr/>
+                </a:tc>
+              </a:tr>
+              <a:tr h="477871">
+                <a:tc>
+                  <a:txBody>
+                    <a:bodyPr/>
+                    <a:lstStyle/>
+                    <a:p>
+                      <a:r>
+                        <a:rPr lang="en-IN" dirty="0" err="1" smtClean="0"/>
+                        <a:t>KStream-KStream</a:t>
+                      </a:r>
+                      <a:endParaRPr lang="en-US" dirty="0"/>
+                    </a:p>
+                  </a:txBody>
+                  <a:tcPr/>
+                </a:tc>
+                <a:tc>
+                  <a:txBody>
+                    <a:bodyPr/>
+                    <a:lstStyle/>
+                    <a:p>
+                      <a:r>
+                        <a:rPr lang="en-IN" dirty="0" err="1" smtClean="0"/>
+                        <a:t>KStream</a:t>
+                      </a:r>
+                      <a:endParaRPr lang="en-US" dirty="0"/>
+                    </a:p>
+                  </a:txBody>
+                  <a:tcPr/>
+                </a:tc>
+                <a:tc>
+                  <a:txBody>
+                    <a:bodyPr/>
+                    <a:lstStyle/>
+                    <a:p>
+                      <a:r>
+                        <a:rPr lang="en-IN" dirty="0" smtClean="0"/>
+                        <a:t>Inner, Left, </a:t>
+                      </a:r>
+                      <a:r>
+                        <a:rPr lang="en-IN" b="1" dirty="0" smtClean="0"/>
+                        <a:t>Right</a:t>
+                      </a:r>
+                      <a:r>
+                        <a:rPr lang="en-IN" dirty="0" smtClean="0"/>
+                        <a:t>, Outer</a:t>
+                      </a:r>
+                      <a:endParaRPr lang="en-US" dirty="0"/>
+                    </a:p>
+                  </a:txBody>
+                  <a:tcPr/>
+                </a:tc>
+                <a:tc>
+                  <a:txBody>
+                    <a:bodyPr/>
+                    <a:lstStyle/>
+                    <a:p>
+                      <a:r>
+                        <a:rPr lang="en-IN" dirty="0" smtClean="0"/>
+                        <a:t>Windowed</a:t>
+                      </a:r>
+                      <a:endParaRPr lang="en-US" dirty="0"/>
+                    </a:p>
+                  </a:txBody>
+                  <a:tcPr/>
+                </a:tc>
+              </a:tr>
+              <a:tr h="477871">
+                <a:tc>
+                  <a:txBody>
+                    <a:bodyPr/>
+                    <a:lstStyle/>
+                    <a:p>
+                      <a:r>
+                        <a:rPr lang="en-IN" dirty="0" err="1" smtClean="0"/>
+                        <a:t>KStream-KTable</a:t>
+                      </a:r>
+                      <a:endParaRPr lang="en-US" dirty="0"/>
+                    </a:p>
+                  </a:txBody>
+                  <a:tcPr/>
+                </a:tc>
+                <a:tc>
+                  <a:txBody>
+                    <a:bodyPr/>
+                    <a:lstStyle/>
+                    <a:p>
+                      <a:r>
+                        <a:rPr lang="en-IN" dirty="0" err="1" smtClean="0"/>
+                        <a:t>KStream</a:t>
+                      </a:r>
+                      <a:endParaRPr lang="en-US" dirty="0"/>
+                    </a:p>
+                  </a:txBody>
+                  <a:tcPr/>
+                </a:tc>
+                <a:tc>
+                  <a:txBody>
+                    <a:bodyPr/>
+                    <a:lstStyle/>
+                    <a:p>
+                      <a:r>
+                        <a:rPr lang="en-IN" dirty="0" smtClean="0"/>
+                        <a:t>Inner, Left, Outer</a:t>
+                      </a:r>
+                      <a:endParaRPr lang="en-US" dirty="0"/>
+                    </a:p>
+                  </a:txBody>
+                  <a:tcPr/>
+                </a:tc>
+                <a:tc>
+                  <a:txBody>
+                    <a:bodyPr/>
+                    <a:lstStyle/>
+                    <a:p>
+                      <a:r>
+                        <a:rPr lang="en-IN" dirty="0" smtClean="0"/>
+                        <a:t>Non-Widowed</a:t>
+                      </a:r>
+                      <a:endParaRPr lang="en-US" dirty="0"/>
+                    </a:p>
+                  </a:txBody>
+                  <a:tcPr/>
+                </a:tc>
+              </a:tr>
+              <a:tr h="477871">
+                <a:tc>
+                  <a:txBody>
+                    <a:bodyPr/>
+                    <a:lstStyle/>
+                    <a:p>
+                      <a:r>
+                        <a:rPr lang="en-IN" dirty="0" err="1" smtClean="0"/>
+                        <a:t>KTable-KTable</a:t>
+                      </a:r>
+                      <a:endParaRPr lang="en-US" dirty="0"/>
+                    </a:p>
+                  </a:txBody>
+                  <a:tcPr/>
+                </a:tc>
+                <a:tc>
+                  <a:txBody>
+                    <a:bodyPr/>
+                    <a:lstStyle/>
+                    <a:p>
+                      <a:r>
+                        <a:rPr lang="en-IN" dirty="0" err="1" smtClean="0"/>
+                        <a:t>KTable</a:t>
+                      </a:r>
+                      <a:endParaRPr lang="en-US" dirty="0"/>
+                    </a:p>
+                  </a:txBody>
+                  <a:tcPr/>
+                </a:tc>
+                <a:tc>
+                  <a:txBody>
+                    <a:bodyPr/>
+                    <a:lstStyle/>
+                    <a:p>
+                      <a:pPr marL="0" marR="0" indent="0" algn="l" defTabSz="914400" rtl="0" eaLnBrk="1" fontAlgn="auto" latinLnBrk="0" hangingPunct="1">
+                        <a:lnSpc>
+                          <a:spcPct val="100000"/>
+                        </a:lnSpc>
+                        <a:spcBef>
+                          <a:spcPts val="0"/>
+                        </a:spcBef>
+                        <a:spcAft>
+                          <a:spcPts val="0"/>
+                        </a:spcAft>
+                        <a:buClrTx/>
+                        <a:buSzTx/>
+                        <a:buFontTx/>
+                        <a:buNone/>
+                        <a:tabLst/>
+                        <a:defRPr/>
+                      </a:pPr>
+                      <a:r>
+                        <a:rPr lang="en-IN" dirty="0" smtClean="0"/>
+                        <a:t>Inner, Left, Right, Outer</a:t>
+                      </a:r>
+                      <a:endParaRPr lang="en-US" dirty="0" smtClean="0"/>
+                    </a:p>
+                  </a:txBody>
+                  <a:tcPr/>
+                </a:tc>
+                <a:tc>
+                  <a:txBody>
+                    <a:bodyPr/>
+                    <a:lstStyle/>
+                    <a:p>
+                      <a:pPr marL="0" marR="0" indent="0" algn="l" defTabSz="914400" rtl="0" eaLnBrk="1" fontAlgn="auto" latinLnBrk="0" hangingPunct="1">
+                        <a:lnSpc>
+                          <a:spcPct val="100000"/>
+                        </a:lnSpc>
+                        <a:spcBef>
+                          <a:spcPts val="0"/>
+                        </a:spcBef>
+                        <a:spcAft>
+                          <a:spcPts val="0"/>
+                        </a:spcAft>
+                        <a:buClrTx/>
+                        <a:buSzTx/>
+                        <a:buFontTx/>
+                        <a:buNone/>
+                        <a:tabLst/>
+                        <a:defRPr/>
+                      </a:pPr>
+                      <a:r>
+                        <a:rPr lang="en-IN" dirty="0" smtClean="0"/>
+                        <a:t>Non-Widowed</a:t>
+                      </a:r>
+                      <a:endParaRPr lang="en-US" dirty="0" smtClean="0"/>
+                    </a:p>
+                  </a:txBody>
+                  <a:tcPr/>
+                </a:tc>
+              </a:tr>
+              <a:tr h="824819">
+                <a:tc>
+                  <a:txBody>
+                    <a:bodyPr/>
+                    <a:lstStyle/>
+                    <a:p>
+                      <a:r>
+                        <a:rPr lang="en-IN" dirty="0" err="1" smtClean="0"/>
+                        <a:t>KStream-GlobalKTable</a:t>
+                      </a:r>
+                      <a:endParaRPr lang="en-US" dirty="0"/>
+                    </a:p>
+                  </a:txBody>
+                  <a:tcPr/>
+                </a:tc>
+                <a:tc>
+                  <a:txBody>
+                    <a:bodyPr/>
+                    <a:lstStyle/>
+                    <a:p>
+                      <a:r>
+                        <a:rPr lang="en-IN" dirty="0" err="1" smtClean="0"/>
+                        <a:t>KStream</a:t>
+                      </a:r>
+                      <a:endParaRPr lang="en-US" dirty="0"/>
+                    </a:p>
+                  </a:txBody>
+                  <a:tcPr/>
+                </a:tc>
+                <a:tc>
+                  <a:txBody>
+                    <a:bodyPr/>
+                    <a:lstStyle/>
+                    <a:p>
+                      <a:r>
+                        <a:rPr lang="en-IN" dirty="0" smtClean="0"/>
+                        <a:t>Inner, Left</a:t>
+                      </a:r>
+                      <a:endParaRPr lang="en-US" dirty="0"/>
+                    </a:p>
+                  </a:txBody>
+                  <a:tcPr/>
+                </a:tc>
+                <a:tc>
+                  <a:txBody>
+                    <a:bodyPr/>
+                    <a:lstStyle/>
+                    <a:p>
+                      <a:pPr marL="0" marR="0" indent="0" algn="l" defTabSz="914400" rtl="0" eaLnBrk="1" fontAlgn="auto" latinLnBrk="0" hangingPunct="1">
+                        <a:lnSpc>
+                          <a:spcPct val="100000"/>
+                        </a:lnSpc>
+                        <a:spcBef>
+                          <a:spcPts val="0"/>
+                        </a:spcBef>
+                        <a:spcAft>
+                          <a:spcPts val="0"/>
+                        </a:spcAft>
+                        <a:buClrTx/>
+                        <a:buSzTx/>
+                        <a:buFontTx/>
+                        <a:buNone/>
+                        <a:tabLst/>
+                        <a:defRPr/>
+                      </a:pPr>
+                      <a:r>
+                        <a:rPr lang="en-IN" dirty="0" smtClean="0"/>
+                        <a:t>Non-Widowed</a:t>
+                      </a:r>
+                      <a:endParaRPr lang="en-US" dirty="0" smtClean="0"/>
+                    </a:p>
+                  </a:txBody>
+                  <a:tcPr/>
+                </a:tc>
+              </a:tr>
+            </a:tbl>
+          </a:graphicData>
+        </a:graphic>
+      </p:graphicFrame>
+      <p:pic>
+        <p:nvPicPr>
+          <p:cNvPr id="1026" name="Picture 2"/>
+          <p:cNvPicPr>
+            <a:picLocks noChangeAspect="1" noChangeArrowheads="1"/>
+          </p:cNvPicPr>
+          <p:nvPr/>
+        </p:nvPicPr>
+        <p:blipFill>
+          <a:blip r:embed="rId2">
+            <a:extLst>
+              <a:ext uri="{28A0092B-C50C-407E-A947-70E740481C1C}">
+                <a14:useLocalDpi xmlns:a14="http://schemas.microsoft.com/office/drawing/2010/main" val="0"/>
+              </a:ext>
+            </a:extLst>
+          </a:blip>
+          <a:srcRect/>
+          <a:stretch>
+            <a:fillRect/>
+          </a:stretch>
+        </p:blipFill>
+        <p:spPr bwMode="auto">
+          <a:xfrm>
+            <a:off x="2987824" y="4149080"/>
+            <a:ext cx="3384376" cy="2160240"/>
+          </a:xfrm>
+          <a:prstGeom prst="rect">
+            <a:avLst/>
+          </a:prstGeom>
+          <a:noFill/>
+          <a:ln>
+            <a:noFill/>
+          </a:ln>
+          <a:extLst>
+            <a:ext uri="{909E8E84-426E-40DD-AFC4-6F175D3DCCD1}">
+              <a14:hiddenFill xmlns:a14="http://schemas.microsoft.com/office/drawing/2010/main">
+                <a:solidFill>
+                  <a:schemeClr val="accent1"/>
+                </a:solidFill>
+              </a14:hiddenFill>
+            </a:ext>
+            <a:ext uri="{91240B29-F687-4F45-9708-019B960494DF}">
+              <a14:hiddenLine xmlns:a14="http://schemas.microsoft.com/office/drawing/2010/main" w="9525">
+                <a:solidFill>
+                  <a:schemeClr val="tx1"/>
+                </a:solidFill>
+                <a:miter lim="800000"/>
+                <a:headEnd/>
+                <a:tailEnd/>
+              </a14:hiddenLine>
+            </a:ext>
+          </a:extLst>
+        </p:spPr>
+      </p:pic>
+    </p:spTree>
+    <p:extLst>
+      <p:ext uri="{BB962C8B-B14F-4D97-AF65-F5344CB8AC3E}">
+        <p14:creationId xmlns:p14="http://schemas.microsoft.com/office/powerpoint/2010/main" val="1758244441"/>
+      </p:ext>
+    </p:extLst>
+  </p:cSld>
+  <p:clrMapOvr>
+    <a:masterClrMapping/>
+  </p:clrMapOvr>
+  <p:timing>
+    <p:tnLst>
+      <p:par>
+        <p:cTn id="1" dur="indefinite" restart="never" nodeType="tmRoot"/>
+      </p:par>
+    </p:tnLst>
+  </p:timing>
+</p:sld>
+</file>
+
+<file path=ppt/slides/slide99.xml><?xml version="1.0" encoding="utf-8"?>
+<p:sld xmlns:a="http://schemas.openxmlformats.org/drawingml/2006/main" xmlns:r="http://schemas.openxmlformats.org/officeDocument/2006/relationships" xmlns:p="http://schemas.openxmlformats.org/presentationml/2006/main">
+  <p:cSld>
+    <p:spTree>
+      <p:nvGrpSpPr>
+        <p:cNvPr id="1" name=""/>
+        <p:cNvGrpSpPr/>
+        <p:nvPr/>
+      </p:nvGrpSpPr>
+      <p:grpSpPr>
+        <a:xfrm>
+          <a:off x="0" y="0"/>
+          <a:ext cx="0" cy="0"/>
+          <a:chOff x="0" y="0"/>
+          <a:chExt cx="0" cy="0"/>
+        </a:xfrm>
+      </p:grpSpPr>
+      <p:sp>
+        <p:nvSpPr>
+          <p:cNvPr id="2" name="Title 1"/>
+          <p:cNvSpPr>
+            <a:spLocks noGrp="1"/>
+          </p:cNvSpPr>
+          <p:nvPr>
+            <p:ph type="title"/>
+          </p:nvPr>
+        </p:nvSpPr>
+        <p:spPr/>
+        <p:txBody>
+          <a:bodyPr/>
+          <a:lstStyle/>
+          <a:p>
+            <a:r>
+              <a:rPr lang="en-US" dirty="0" smtClean="0"/>
+              <a:t>Joins-Key Points - </a:t>
+            </a:r>
+            <a:r>
+              <a:rPr lang="en-US" dirty="0" smtClean="0"/>
+              <a:t>Day 21</a:t>
+            </a:r>
+            <a:endParaRPr lang="en-US" dirty="0"/>
+          </a:p>
+        </p:txBody>
+      </p:sp>
+      <p:sp>
+        <p:nvSpPr>
+          <p:cNvPr id="3" name="Content Placeholder 2"/>
+          <p:cNvSpPr>
+            <a:spLocks noGrp="1"/>
+          </p:cNvSpPr>
+          <p:nvPr>
+            <p:ph idx="1"/>
+          </p:nvPr>
+        </p:nvSpPr>
+        <p:spPr>
+          <a:xfrm>
+            <a:off x="323528" y="1124744"/>
+            <a:ext cx="8229600" cy="4525963"/>
+          </a:xfrm>
+        </p:spPr>
+        <p:txBody>
+          <a:bodyPr>
+            <a:normAutofit/>
+          </a:bodyPr>
+          <a:lstStyle/>
+          <a:p>
+            <a:pPr marL="457200" lvl="1" indent="0">
+              <a:buNone/>
+            </a:pPr>
+            <a:endParaRPr lang="en-US" dirty="0"/>
+          </a:p>
+          <a:p>
+            <a:pPr lvl="1">
+              <a:buFont typeface="Wingdings" panose="05000000000000000000" pitchFamily="2" charset="2"/>
+              <a:buChar char="§"/>
+            </a:pPr>
+            <a:endParaRPr lang="en-US" sz="1600" dirty="0" smtClean="0"/>
+          </a:p>
+          <a:p>
+            <a:pPr lvl="1">
+              <a:buFont typeface="Wingdings" panose="05000000000000000000" pitchFamily="2" charset="2"/>
+              <a:buChar char="§"/>
+            </a:pPr>
+            <a:endParaRPr lang="en-US" sz="1600" dirty="0" smtClean="0"/>
+          </a:p>
+          <a:p>
+            <a:pPr marL="1371600" lvl="3" indent="0">
+              <a:buNone/>
+            </a:pPr>
+            <a:endParaRPr lang="en-US" sz="800" dirty="0" smtClean="0"/>
+          </a:p>
+          <a:p>
+            <a:pPr lvl="2">
+              <a:buFont typeface="Wingdings" panose="05000000000000000000" pitchFamily="2" charset="2"/>
+              <a:buChar char="§"/>
+            </a:pPr>
+            <a:endParaRPr lang="en-US" sz="1200" dirty="0" smtClean="0"/>
+          </a:p>
+          <a:p>
+            <a:pPr marL="457200" lvl="1" indent="0">
+              <a:buNone/>
+            </a:pPr>
+            <a:endParaRPr lang="en-US" sz="1600" dirty="0"/>
+          </a:p>
+          <a:p>
+            <a:pPr marL="457200" lvl="1" indent="0">
+              <a:buNone/>
+            </a:pPr>
+            <a:endParaRPr lang="en-US" sz="1600" dirty="0" smtClean="0"/>
+          </a:p>
+        </p:txBody>
+      </p:sp>
+      <p:sp>
+        <p:nvSpPr>
+          <p:cNvPr id="5" name="TextBox 4"/>
+          <p:cNvSpPr txBox="1"/>
+          <p:nvPr/>
+        </p:nvSpPr>
+        <p:spPr>
+          <a:xfrm>
+            <a:off x="899592" y="1628800"/>
+            <a:ext cx="7323480" cy="4524315"/>
+          </a:xfrm>
+          <a:prstGeom prst="rect">
+            <a:avLst/>
+          </a:prstGeom>
+          <a:noFill/>
+        </p:spPr>
+        <p:txBody>
+          <a:bodyPr wrap="none" rtlCol="0">
+            <a:spAutoFit/>
+          </a:bodyPr>
+          <a:lstStyle/>
+          <a:p>
+            <a:pPr marL="285750" indent="-285750">
+              <a:buFontTx/>
+              <a:buChar char="-"/>
+            </a:pPr>
+            <a:r>
+              <a:rPr lang="en-IN" dirty="0" smtClean="0"/>
+              <a:t>Streams or Tables must have valid Key</a:t>
+            </a:r>
+          </a:p>
+          <a:p>
+            <a:pPr marL="285750" indent="-285750">
+              <a:buFontTx/>
+              <a:buChar char="-"/>
+            </a:pPr>
+            <a:endParaRPr lang="en-IN" dirty="0" smtClean="0"/>
+          </a:p>
+          <a:p>
+            <a:pPr marL="285750" indent="-285750">
+              <a:buFontTx/>
+              <a:buChar char="-"/>
+            </a:pPr>
+            <a:endParaRPr lang="en-IN" dirty="0" smtClean="0"/>
+          </a:p>
+          <a:p>
+            <a:pPr marL="285750" indent="-285750">
+              <a:buFontTx/>
+              <a:buChar char="-"/>
+            </a:pPr>
+            <a:r>
+              <a:rPr lang="en-IN" dirty="0" smtClean="0"/>
+              <a:t>All Topics must have same number of Partitions </a:t>
+            </a:r>
+          </a:p>
+          <a:p>
+            <a:pPr marL="285750" indent="-285750">
+              <a:buFontTx/>
+              <a:buChar char="-"/>
+            </a:pPr>
+            <a:endParaRPr lang="en-IN" dirty="0" smtClean="0"/>
+          </a:p>
+          <a:p>
+            <a:pPr marL="285750" indent="-285750">
+              <a:buFontTx/>
+              <a:buChar char="-"/>
+            </a:pPr>
+            <a:endParaRPr lang="en-IN" dirty="0" smtClean="0"/>
+          </a:p>
+          <a:p>
+            <a:pPr marL="285750" indent="-285750">
+              <a:buFontTx/>
+              <a:buChar char="-"/>
+            </a:pPr>
+            <a:r>
+              <a:rPr lang="en-IN" dirty="0" smtClean="0"/>
+              <a:t>Data in Topics must be co-partitioned (Partition Strategy should be same)</a:t>
+            </a:r>
+          </a:p>
+          <a:p>
+            <a:pPr marL="285750" indent="-285750">
+              <a:buFontTx/>
+              <a:buChar char="-"/>
+            </a:pPr>
+            <a:endParaRPr lang="en-IN" dirty="0" smtClean="0"/>
+          </a:p>
+          <a:p>
+            <a:pPr marL="285750" indent="-285750">
+              <a:buFontTx/>
+              <a:buChar char="-"/>
+            </a:pPr>
+            <a:endParaRPr lang="en-IN" dirty="0" smtClean="0"/>
+          </a:p>
+          <a:p>
+            <a:pPr marL="285750" indent="-285750">
+              <a:buFontTx/>
+              <a:buChar char="-"/>
+            </a:pPr>
+            <a:r>
+              <a:rPr lang="en-IN" dirty="0" smtClean="0"/>
+              <a:t>Co-Partitioning for </a:t>
+            </a:r>
+            <a:r>
+              <a:rPr lang="en-IN" dirty="0" err="1" smtClean="0"/>
+              <a:t>Kstream-GlobalTable</a:t>
+            </a:r>
+            <a:r>
+              <a:rPr lang="en-IN" dirty="0" smtClean="0"/>
+              <a:t> joins is not mandatory</a:t>
+            </a:r>
+          </a:p>
+          <a:p>
+            <a:pPr marL="285750" indent="-285750">
+              <a:buFontTx/>
+              <a:buChar char="-"/>
+            </a:pPr>
+            <a:endParaRPr lang="en-IN" dirty="0" smtClean="0"/>
+          </a:p>
+          <a:p>
+            <a:pPr marL="285750" indent="-285750">
+              <a:buFontTx/>
+              <a:buChar char="-"/>
+            </a:pPr>
+            <a:endParaRPr lang="en-IN" dirty="0" smtClean="0"/>
+          </a:p>
+          <a:p>
+            <a:pPr marL="285750" indent="-285750">
+              <a:buFontTx/>
+              <a:buChar char="-"/>
+            </a:pPr>
+            <a:r>
+              <a:rPr lang="en-IN" dirty="0" err="1" smtClean="0"/>
+              <a:t>Kstreams</a:t>
+            </a:r>
+            <a:r>
+              <a:rPr lang="en-IN" dirty="0" smtClean="0"/>
+              <a:t> must always be on Left side for any type of Join</a:t>
+            </a:r>
+          </a:p>
+          <a:p>
+            <a:pPr marL="285750" indent="-285750">
+              <a:buFontTx/>
+              <a:buChar char="-"/>
+            </a:pPr>
+            <a:endParaRPr lang="en-IN" dirty="0" smtClean="0"/>
+          </a:p>
+          <a:p>
+            <a:pPr marL="285750" indent="-285750">
+              <a:buFontTx/>
+              <a:buChar char="-"/>
+            </a:pPr>
+            <a:endParaRPr lang="en-IN" dirty="0" smtClean="0"/>
+          </a:p>
+          <a:p>
+            <a:pPr marL="285750" indent="-285750">
+              <a:buFontTx/>
+              <a:buChar char="-"/>
+            </a:pPr>
+            <a:endParaRPr lang="en-US" dirty="0"/>
+          </a:p>
+        </p:txBody>
+      </p:sp>
+    </p:spTree>
+    <p:extLst>
+      <p:ext uri="{BB962C8B-B14F-4D97-AF65-F5344CB8AC3E}">
+        <p14:creationId xmlns:p14="http://schemas.microsoft.com/office/powerpoint/2010/main" val="2163923249"/>
       </p:ext>
     </p:extLst>
   </p:cSld>

--- a/PPT/Kafka-Teaching-Flow.pptx
+++ b/PPT/Kafka-Teaching-Flow.pptx
@@ -49,8 +49,8 @@
     <p:sldId id="300" r:id="rId43"/>
     <p:sldId id="302" r:id="rId44"/>
     <p:sldId id="303" r:id="rId45"/>
-    <p:sldId id="304" r:id="rId46"/>
-    <p:sldId id="305" r:id="rId47"/>
+    <p:sldId id="305" r:id="rId46"/>
+    <p:sldId id="304" r:id="rId47"/>
     <p:sldId id="306" r:id="rId48"/>
     <p:sldId id="307" r:id="rId49"/>
     <p:sldId id="308" r:id="rId50"/>
@@ -387,7 +387,7 @@
           <a:p>
             <a:fld id="{51149E06-0874-4241-ABF9-BAFA45916F2C}" type="datetimeFigureOut">
               <a:rPr lang="en-US" smtClean="0"/>
-              <a:t>3/29/2023</a:t>
+              <a:t>3/30/2023</a:t>
             </a:fld>
             <a:endParaRPr lang="en-US"/>
           </a:p>
@@ -557,7 +557,7 @@
           <a:p>
             <a:fld id="{51149E06-0874-4241-ABF9-BAFA45916F2C}" type="datetimeFigureOut">
               <a:rPr lang="en-US" smtClean="0"/>
-              <a:t>3/29/2023</a:t>
+              <a:t>3/30/2023</a:t>
             </a:fld>
             <a:endParaRPr lang="en-US"/>
           </a:p>
@@ -737,7 +737,7 @@
           <a:p>
             <a:fld id="{51149E06-0874-4241-ABF9-BAFA45916F2C}" type="datetimeFigureOut">
               <a:rPr lang="en-US" smtClean="0"/>
-              <a:t>3/29/2023</a:t>
+              <a:t>3/30/2023</a:t>
             </a:fld>
             <a:endParaRPr lang="en-US"/>
           </a:p>
@@ -907,7 +907,7 @@
           <a:p>
             <a:fld id="{51149E06-0874-4241-ABF9-BAFA45916F2C}" type="datetimeFigureOut">
               <a:rPr lang="en-US" smtClean="0"/>
-              <a:t>3/29/2023</a:t>
+              <a:t>3/30/2023</a:t>
             </a:fld>
             <a:endParaRPr lang="en-US"/>
           </a:p>
@@ -1153,7 +1153,7 @@
           <a:p>
             <a:fld id="{51149E06-0874-4241-ABF9-BAFA45916F2C}" type="datetimeFigureOut">
               <a:rPr lang="en-US" smtClean="0"/>
-              <a:t>3/29/2023</a:t>
+              <a:t>3/30/2023</a:t>
             </a:fld>
             <a:endParaRPr lang="en-US"/>
           </a:p>
@@ -1441,7 +1441,7 @@
           <a:p>
             <a:fld id="{51149E06-0874-4241-ABF9-BAFA45916F2C}" type="datetimeFigureOut">
               <a:rPr lang="en-US" smtClean="0"/>
-              <a:t>3/29/2023</a:t>
+              <a:t>3/30/2023</a:t>
             </a:fld>
             <a:endParaRPr lang="en-US"/>
           </a:p>
@@ -1863,7 +1863,7 @@
           <a:p>
             <a:fld id="{51149E06-0874-4241-ABF9-BAFA45916F2C}" type="datetimeFigureOut">
               <a:rPr lang="en-US" smtClean="0"/>
-              <a:t>3/29/2023</a:t>
+              <a:t>3/30/2023</a:t>
             </a:fld>
             <a:endParaRPr lang="en-US"/>
           </a:p>
@@ -1981,7 +1981,7 @@
           <a:p>
             <a:fld id="{51149E06-0874-4241-ABF9-BAFA45916F2C}" type="datetimeFigureOut">
               <a:rPr lang="en-US" smtClean="0"/>
-              <a:t>3/29/2023</a:t>
+              <a:t>3/30/2023</a:t>
             </a:fld>
             <a:endParaRPr lang="en-US"/>
           </a:p>
@@ -2076,7 +2076,7 @@
           <a:p>
             <a:fld id="{51149E06-0874-4241-ABF9-BAFA45916F2C}" type="datetimeFigureOut">
               <a:rPr lang="en-US" smtClean="0"/>
-              <a:t>3/29/2023</a:t>
+              <a:t>3/30/2023</a:t>
             </a:fld>
             <a:endParaRPr lang="en-US"/>
           </a:p>
@@ -2353,7 +2353,7 @@
           <a:p>
             <a:fld id="{51149E06-0874-4241-ABF9-BAFA45916F2C}" type="datetimeFigureOut">
               <a:rPr lang="en-US" smtClean="0"/>
-              <a:t>3/29/2023</a:t>
+              <a:t>3/30/2023</a:t>
             </a:fld>
             <a:endParaRPr lang="en-US"/>
           </a:p>
@@ -2606,7 +2606,7 @@
           <a:p>
             <a:fld id="{51149E06-0874-4241-ABF9-BAFA45916F2C}" type="datetimeFigureOut">
               <a:rPr lang="en-US" smtClean="0"/>
-              <a:t>3/29/2023</a:t>
+              <a:t>3/30/2023</a:t>
             </a:fld>
             <a:endParaRPr lang="en-US"/>
           </a:p>
@@ -2819,7 +2819,7 @@
           <a:p>
             <a:fld id="{51149E06-0874-4241-ABF9-BAFA45916F2C}" type="datetimeFigureOut">
               <a:rPr lang="en-US" smtClean="0"/>
-              <a:t>3/29/2023</a:t>
+              <a:t>3/30/2023</a:t>
             </a:fld>
             <a:endParaRPr lang="en-US"/>
           </a:p>
@@ -9613,167 +9613,126 @@
         </p:nvSpPr>
         <p:spPr/>
         <p:txBody>
+          <a:bodyPr/>
+          <a:lstStyle/>
+          <a:p>
+            <a:r>
+              <a:rPr lang="en-US" dirty="0" smtClean="0"/>
+              <a:t>DIY Exercise - Day 10</a:t>
+            </a:r>
+            <a:endParaRPr lang="en-US" dirty="0"/>
+          </a:p>
+        </p:txBody>
+      </p:sp>
+      <p:sp>
+        <p:nvSpPr>
+          <p:cNvPr id="3" name="Content Placeholder 2"/>
+          <p:cNvSpPr>
+            <a:spLocks noGrp="1"/>
+          </p:cNvSpPr>
+          <p:nvPr>
+            <p:ph idx="1"/>
+          </p:nvPr>
+        </p:nvSpPr>
+        <p:spPr>
+          <a:xfrm>
+            <a:off x="467544" y="1484784"/>
+            <a:ext cx="8229600" cy="4525963"/>
+          </a:xfrm>
+        </p:spPr>
+        <p:txBody>
           <a:bodyPr>
-            <a:noAutofit/>
+            <a:normAutofit/>
           </a:bodyPr>
           <a:lstStyle/>
           <a:p>
             <a:pPr lvl="1"/>
-            <a:r>
-              <a:rPr lang="en-US" sz="3600" kern="1200" dirty="0" smtClean="0">
-                <a:solidFill>
-                  <a:schemeClr val="tx1"/>
-                </a:solidFill>
-                <a:latin typeface="+mj-lt"/>
-                <a:ea typeface="+mj-ea"/>
-                <a:cs typeface="+mj-cs"/>
-              </a:rPr>
-              <a:t>Programmatic Control On Configuration – </a:t>
-            </a:r>
-            <a:r>
-              <a:rPr lang="en-US" sz="3600" kern="1200" dirty="0">
-                <a:solidFill>
-                  <a:schemeClr val="tx1"/>
-                </a:solidFill>
-                <a:latin typeface="+mj-lt"/>
-                <a:ea typeface="+mj-ea"/>
-                <a:cs typeface="+mj-cs"/>
-              </a:rPr>
-              <a:t>Day </a:t>
-            </a:r>
-            <a:r>
-              <a:rPr lang="en-US" sz="3600" kern="1200" dirty="0" smtClean="0">
-                <a:solidFill>
-                  <a:schemeClr val="tx1"/>
-                </a:solidFill>
-                <a:latin typeface="+mj-lt"/>
-                <a:ea typeface="+mj-ea"/>
-                <a:cs typeface="+mj-cs"/>
-              </a:rPr>
-              <a:t>10</a:t>
-            </a:r>
-            <a:endParaRPr lang="en-US" sz="3600" kern="1200" dirty="0">
-              <a:solidFill>
-                <a:schemeClr val="tx1"/>
-              </a:solidFill>
-              <a:latin typeface="+mj-lt"/>
-              <a:ea typeface="+mj-ea"/>
-              <a:cs typeface="+mj-cs"/>
-            </a:endParaRPr>
-          </a:p>
-        </p:txBody>
-      </p:sp>
-      <p:sp>
-        <p:nvSpPr>
-          <p:cNvPr id="3" name="Content Placeholder 2"/>
-          <p:cNvSpPr>
-            <a:spLocks noGrp="1"/>
-          </p:cNvSpPr>
-          <p:nvPr>
-            <p:ph idx="1"/>
-          </p:nvPr>
-        </p:nvSpPr>
-        <p:spPr/>
-        <p:txBody>
-          <a:bodyPr>
-            <a:normAutofit fontScale="92500" lnSpcReduction="10000"/>
-          </a:bodyPr>
-          <a:lstStyle/>
-          <a:p>
-            <a:pPr lvl="1">
-              <a:buFont typeface="Arial" panose="020B0604020202020204" pitchFamily="34" charset="0"/>
-              <a:buChar char="•"/>
-            </a:pPr>
-            <a:endParaRPr lang="en-US" dirty="0" smtClean="0"/>
-          </a:p>
-          <a:p>
-            <a:pPr lvl="1">
-              <a:buFontTx/>
-              <a:buChar char="-"/>
-            </a:pPr>
-            <a:r>
-              <a:rPr lang="en-US" dirty="0" smtClean="0"/>
-              <a:t>Add a Class with @Configuration annotation</a:t>
-            </a:r>
-          </a:p>
-          <a:p>
-            <a:pPr lvl="1">
-              <a:buFontTx/>
-              <a:buChar char="-"/>
-            </a:pPr>
-            <a:endParaRPr lang="en-US" dirty="0" smtClean="0"/>
-          </a:p>
-          <a:p>
-            <a:pPr lvl="1">
-              <a:buFontTx/>
-              <a:buChar char="-"/>
-            </a:pPr>
-            <a:r>
-              <a:rPr lang="en-US" dirty="0" smtClean="0"/>
-              <a:t>Create Configuration Map using values from properties or directly in the code</a:t>
-            </a:r>
-          </a:p>
-          <a:p>
-            <a:pPr lvl="1">
-              <a:buFontTx/>
-              <a:buChar char="-"/>
-            </a:pPr>
-            <a:endParaRPr lang="en-US" dirty="0" smtClean="0"/>
-          </a:p>
-          <a:p>
-            <a:pPr lvl="1">
-              <a:buFontTx/>
-              <a:buChar char="-"/>
-            </a:pPr>
-            <a:r>
-              <a:rPr lang="en-US" dirty="0" smtClean="0"/>
-              <a:t>Create </a:t>
+            <a:endParaRPr lang="en-US" dirty="0" smtClean="0"/>
+          </a:p>
+          <a:p>
+            <a:pPr marL="457200" lvl="1" indent="0">
+              <a:buNone/>
+            </a:pPr>
+            <a:endParaRPr lang="en-US" dirty="0" smtClean="0"/>
+          </a:p>
+          <a:p>
+            <a:pPr lvl="1">
+              <a:buFont typeface="Arial" panose="020B0604020202020204" pitchFamily="34" charset="0"/>
+              <a:buChar char="•"/>
+            </a:pPr>
+            <a:r>
+              <a:rPr lang="en-US" dirty="0" smtClean="0"/>
+              <a:t>Try out different </a:t>
             </a:r>
             <a:r>
               <a:rPr lang="en-US" dirty="0" err="1" smtClean="0"/>
-              <a:t>ProducerFactory</a:t>
-            </a:r>
-            <a:r>
-              <a:rPr lang="en-US" dirty="0" smtClean="0"/>
-              <a:t> using the Configuration</a:t>
-            </a:r>
-          </a:p>
-          <a:p>
-            <a:pPr lvl="1">
-              <a:buFontTx/>
-              <a:buChar char="-"/>
-            </a:pPr>
-            <a:endParaRPr lang="en-US" dirty="0" smtClean="0"/>
-          </a:p>
-          <a:p>
-            <a:pPr lvl="1">
-              <a:buFontTx/>
-              <a:buChar char="-"/>
-            </a:pPr>
-            <a:r>
-              <a:rPr lang="en-US" dirty="0" smtClean="0"/>
-              <a:t>Create </a:t>
-            </a:r>
-            <a:r>
-              <a:rPr lang="en-US" dirty="0" err="1" smtClean="0"/>
-              <a:t>KafkaTemplate</a:t>
-            </a:r>
-            <a:r>
-              <a:rPr lang="en-US" dirty="0" smtClean="0"/>
-              <a:t> instance using the </a:t>
-            </a:r>
-            <a:r>
-              <a:rPr lang="en-US" dirty="0" err="1" smtClean="0"/>
-              <a:t>ProducerFactory</a:t>
-            </a:r>
-            <a:endParaRPr lang="en-US" dirty="0"/>
+              <a:t>config</a:t>
+            </a:r>
+            <a:r>
+              <a:rPr lang="en-US" dirty="0" smtClean="0"/>
+              <a:t> properties and observe the behavior</a:t>
+            </a:r>
+          </a:p>
+          <a:p>
+            <a:pPr lvl="1">
+              <a:buFont typeface="Arial" panose="020B0604020202020204" pitchFamily="34" charset="0"/>
+              <a:buChar char="•"/>
+            </a:pPr>
+            <a:endParaRPr lang="en-US" dirty="0" smtClean="0"/>
+          </a:p>
+          <a:p>
+            <a:pPr lvl="1">
+              <a:buFont typeface="Arial" panose="020B0604020202020204" pitchFamily="34" charset="0"/>
+              <a:buChar char="•"/>
+            </a:pPr>
+            <a:r>
+              <a:rPr lang="en-US" dirty="0" smtClean="0"/>
+              <a:t>Create a Producer library which is agnostic of the Payload and Header</a:t>
+            </a:r>
+          </a:p>
+          <a:p>
+            <a:pPr lvl="1">
+              <a:buFont typeface="Arial" panose="020B0604020202020204" pitchFamily="34" charset="0"/>
+              <a:buChar char="•"/>
+            </a:pPr>
+            <a:endParaRPr lang="en-US" dirty="0" smtClean="0"/>
+          </a:p>
+          <a:p>
+            <a:pPr lvl="1">
+              <a:buFont typeface="Arial" panose="020B0604020202020204" pitchFamily="34" charset="0"/>
+              <a:buChar char="•"/>
+            </a:pPr>
+            <a:r>
+              <a:rPr lang="en-US" dirty="0" smtClean="0"/>
+              <a:t>Implement a Producer fail recovery pattern</a:t>
+            </a:r>
+          </a:p>
+          <a:p>
+            <a:pPr lvl="1">
+              <a:buFont typeface="Arial" panose="020B0604020202020204" pitchFamily="34" charset="0"/>
+              <a:buChar char="•"/>
+            </a:pPr>
+            <a:endParaRPr lang="en-US" dirty="0" smtClean="0"/>
+          </a:p>
+          <a:p>
+            <a:pPr lvl="1">
+              <a:buFont typeface="Arial" panose="020B0604020202020204" pitchFamily="34" charset="0"/>
+              <a:buChar char="•"/>
+            </a:pPr>
+            <a:endParaRPr lang="en-US" dirty="0" smtClean="0"/>
+          </a:p>
+          <a:p>
+            <a:pPr marL="457200" lvl="1" indent="0">
+              <a:buNone/>
+            </a:pPr>
+            <a:endParaRPr lang="en-US" dirty="0" smtClean="0"/>
           </a:p>
         </p:txBody>
       </p:sp>
     </p:spTree>
     <p:extLst>
       <p:ext uri="{BB962C8B-B14F-4D97-AF65-F5344CB8AC3E}">
-        <p14:creationId xmlns:p14="http://schemas.microsoft.com/office/powerpoint/2010/main" val="305600792"/>
+        <p14:creationId xmlns:p14="http://schemas.microsoft.com/office/powerpoint/2010/main" val="533590198"/>
       </p:ext>
     </p:extLst>
   </p:cSld>
@@ -9819,126 +9778,167 @@
         </p:nvSpPr>
         <p:spPr/>
         <p:txBody>
-          <a:bodyPr/>
-          <a:lstStyle/>
-          <a:p>
-            <a:r>
-              <a:rPr lang="en-US" dirty="0" smtClean="0"/>
-              <a:t>DIY Exercise - Day 10</a:t>
+          <a:bodyPr>
+            <a:noAutofit/>
+          </a:bodyPr>
+          <a:lstStyle/>
+          <a:p>
+            <a:pPr lvl="1"/>
+            <a:r>
+              <a:rPr lang="en-US" sz="3600" kern="1200" dirty="0" smtClean="0">
+                <a:solidFill>
+                  <a:schemeClr val="tx1"/>
+                </a:solidFill>
+                <a:latin typeface="+mj-lt"/>
+                <a:ea typeface="+mj-ea"/>
+                <a:cs typeface="+mj-cs"/>
+              </a:rPr>
+              <a:t>Programmatic Control On Configuration – </a:t>
+            </a:r>
+            <a:r>
+              <a:rPr lang="en-US" sz="3600" kern="1200" dirty="0">
+                <a:solidFill>
+                  <a:schemeClr val="tx1"/>
+                </a:solidFill>
+                <a:latin typeface="+mj-lt"/>
+                <a:ea typeface="+mj-ea"/>
+                <a:cs typeface="+mj-cs"/>
+              </a:rPr>
+              <a:t>Day </a:t>
+            </a:r>
+            <a:r>
+              <a:rPr lang="en-US" sz="3600" kern="1200" dirty="0" smtClean="0">
+                <a:solidFill>
+                  <a:schemeClr val="tx1"/>
+                </a:solidFill>
+                <a:latin typeface="+mj-lt"/>
+                <a:ea typeface="+mj-ea"/>
+                <a:cs typeface="+mj-cs"/>
+              </a:rPr>
+              <a:t>10</a:t>
+            </a:r>
+            <a:endParaRPr lang="en-US" sz="3600" kern="1200" dirty="0">
+              <a:solidFill>
+                <a:schemeClr val="tx1"/>
+              </a:solidFill>
+              <a:latin typeface="+mj-lt"/>
+              <a:ea typeface="+mj-ea"/>
+              <a:cs typeface="+mj-cs"/>
+            </a:endParaRPr>
+          </a:p>
+        </p:txBody>
+      </p:sp>
+      <p:sp>
+        <p:nvSpPr>
+          <p:cNvPr id="3" name="Content Placeholder 2"/>
+          <p:cNvSpPr>
+            <a:spLocks noGrp="1"/>
+          </p:cNvSpPr>
+          <p:nvPr>
+            <p:ph idx="1"/>
+          </p:nvPr>
+        </p:nvSpPr>
+        <p:spPr/>
+        <p:txBody>
+          <a:bodyPr>
+            <a:normAutofit fontScale="92500" lnSpcReduction="10000"/>
+          </a:bodyPr>
+          <a:lstStyle/>
+          <a:p>
+            <a:pPr lvl="1">
+              <a:buFont typeface="Arial" panose="020B0604020202020204" pitchFamily="34" charset="0"/>
+              <a:buChar char="•"/>
+            </a:pPr>
+            <a:endParaRPr lang="en-US" dirty="0" smtClean="0"/>
+          </a:p>
+          <a:p>
+            <a:pPr lvl="1">
+              <a:buFontTx/>
+              <a:buChar char="-"/>
+            </a:pPr>
+            <a:r>
+              <a:rPr lang="en-US" dirty="0" smtClean="0"/>
+              <a:t>Add a Class with @Configuration annotation</a:t>
+            </a:r>
+          </a:p>
+          <a:p>
+            <a:pPr lvl="1">
+              <a:buFontTx/>
+              <a:buChar char="-"/>
+            </a:pPr>
+            <a:endParaRPr lang="en-US" dirty="0" smtClean="0"/>
+          </a:p>
+          <a:p>
+            <a:pPr lvl="1">
+              <a:buFontTx/>
+              <a:buChar char="-"/>
+            </a:pPr>
+            <a:r>
+              <a:rPr lang="en-US" dirty="0" smtClean="0"/>
+              <a:t>Create Configuration Map using values from properties or directly in the code</a:t>
+            </a:r>
+          </a:p>
+          <a:p>
+            <a:pPr lvl="1">
+              <a:buFontTx/>
+              <a:buChar char="-"/>
+            </a:pPr>
+            <a:endParaRPr lang="en-US" dirty="0" smtClean="0"/>
+          </a:p>
+          <a:p>
+            <a:pPr lvl="1">
+              <a:buFontTx/>
+              <a:buChar char="-"/>
+            </a:pPr>
+            <a:r>
+              <a:rPr lang="en-US" dirty="0" smtClean="0"/>
+              <a:t>Create </a:t>
+            </a:r>
+            <a:r>
+              <a:rPr lang="en-US" dirty="0" err="1" smtClean="0"/>
+              <a:t>ProducerFactory</a:t>
+            </a:r>
+            <a:r>
+              <a:rPr lang="en-US" dirty="0" smtClean="0"/>
+              <a:t> using the Configuration</a:t>
+            </a:r>
+          </a:p>
+          <a:p>
+            <a:pPr lvl="1">
+              <a:buFontTx/>
+              <a:buChar char="-"/>
+            </a:pPr>
+            <a:endParaRPr lang="en-US" dirty="0" smtClean="0"/>
+          </a:p>
+          <a:p>
+            <a:pPr lvl="1">
+              <a:buFontTx/>
+              <a:buChar char="-"/>
+            </a:pPr>
+            <a:r>
+              <a:rPr lang="en-US" dirty="0" smtClean="0"/>
+              <a:t>Create </a:t>
+            </a:r>
+            <a:r>
+              <a:rPr lang="en-US" dirty="0" err="1" smtClean="0"/>
+              <a:t>KafkaTemplate</a:t>
+            </a:r>
+            <a:r>
+              <a:rPr lang="en-US" dirty="0" smtClean="0"/>
+              <a:t> instance using the </a:t>
+            </a:r>
+            <a:r>
+              <a:rPr lang="en-US" dirty="0" err="1" smtClean="0"/>
+              <a:t>ProducerFactory</a:t>
             </a:r>
             <a:endParaRPr lang="en-US" dirty="0"/>
-          </a:p>
-        </p:txBody>
-      </p:sp>
-      <p:sp>
-        <p:nvSpPr>
-          <p:cNvPr id="3" name="Content Placeholder 2"/>
-          <p:cNvSpPr>
-            <a:spLocks noGrp="1"/>
-          </p:cNvSpPr>
-          <p:nvPr>
-            <p:ph idx="1"/>
-          </p:nvPr>
-        </p:nvSpPr>
-        <p:spPr>
-          <a:xfrm>
-            <a:off x="467544" y="1484784"/>
-            <a:ext cx="8229600" cy="4525963"/>
-          </a:xfrm>
-        </p:spPr>
-        <p:txBody>
-          <a:bodyPr>
-            <a:normAutofit/>
-          </a:bodyPr>
-          <a:lstStyle/>
-          <a:p>
-            <a:pPr lvl="1"/>
-            <a:endParaRPr lang="en-US" dirty="0" smtClean="0"/>
-          </a:p>
-          <a:p>
-            <a:pPr marL="457200" lvl="1" indent="0">
-              <a:buNone/>
-            </a:pPr>
-            <a:endParaRPr lang="en-US" dirty="0" smtClean="0"/>
-          </a:p>
-          <a:p>
-            <a:pPr lvl="1">
-              <a:buFont typeface="Arial" panose="020B0604020202020204" pitchFamily="34" charset="0"/>
-              <a:buChar char="•"/>
-            </a:pPr>
-            <a:r>
-              <a:rPr lang="en-US" dirty="0" smtClean="0"/>
-              <a:t>Try out different </a:t>
-            </a:r>
-            <a:r>
-              <a:rPr lang="en-US" dirty="0" err="1" smtClean="0"/>
-              <a:t>config</a:t>
-            </a:r>
-            <a:r>
-              <a:rPr lang="en-US" dirty="0" smtClean="0"/>
-              <a:t> properties and observe the behavior</a:t>
-            </a:r>
-          </a:p>
-          <a:p>
-            <a:pPr lvl="1">
-              <a:buFont typeface="Arial" panose="020B0604020202020204" pitchFamily="34" charset="0"/>
-              <a:buChar char="•"/>
-            </a:pPr>
-            <a:endParaRPr lang="en-US" dirty="0" smtClean="0"/>
-          </a:p>
-          <a:p>
-            <a:pPr lvl="1">
-              <a:buFont typeface="Arial" panose="020B0604020202020204" pitchFamily="34" charset="0"/>
-              <a:buChar char="•"/>
-            </a:pPr>
-            <a:r>
-              <a:rPr lang="en-US" dirty="0" smtClean="0"/>
-              <a:t>Create a Producer library which is agnostic of the Payload and Header</a:t>
-            </a:r>
-          </a:p>
-          <a:p>
-            <a:pPr lvl="1">
-              <a:buFont typeface="Arial" panose="020B0604020202020204" pitchFamily="34" charset="0"/>
-              <a:buChar char="•"/>
-            </a:pPr>
-            <a:endParaRPr lang="en-US" dirty="0" smtClean="0"/>
-          </a:p>
-          <a:p>
-            <a:pPr lvl="1">
-              <a:buFont typeface="Arial" panose="020B0604020202020204" pitchFamily="34" charset="0"/>
-              <a:buChar char="•"/>
-            </a:pPr>
-            <a:r>
-              <a:rPr lang="en-US" dirty="0" smtClean="0"/>
-              <a:t>Implement a Producer fail recovery pattern</a:t>
-            </a:r>
-          </a:p>
-          <a:p>
-            <a:pPr lvl="1">
-              <a:buFont typeface="Arial" panose="020B0604020202020204" pitchFamily="34" charset="0"/>
-              <a:buChar char="•"/>
-            </a:pPr>
-            <a:endParaRPr lang="en-US" dirty="0" smtClean="0"/>
-          </a:p>
-          <a:p>
-            <a:pPr lvl="1">
-              <a:buFont typeface="Arial" panose="020B0604020202020204" pitchFamily="34" charset="0"/>
-              <a:buChar char="•"/>
-            </a:pPr>
-            <a:endParaRPr lang="en-US" dirty="0" smtClean="0"/>
-          </a:p>
-          <a:p>
-            <a:pPr marL="457200" lvl="1" indent="0">
-              <a:buNone/>
-            </a:pPr>
-            <a:endParaRPr lang="en-US" dirty="0" smtClean="0"/>
           </a:p>
         </p:txBody>
       </p:sp>
     </p:spTree>
     <p:extLst>
       <p:ext uri="{BB962C8B-B14F-4D97-AF65-F5344CB8AC3E}">
-        <p14:creationId xmlns:p14="http://schemas.microsoft.com/office/powerpoint/2010/main" val="533590198"/>
+        <p14:creationId xmlns:p14="http://schemas.microsoft.com/office/powerpoint/2010/main" val="305600792"/>
       </p:ext>
     </p:extLst>
   </p:cSld>
@@ -20889,11 +20889,7 @@
             </a:r>
             <a:r>
               <a:rPr lang="en-US" dirty="0" smtClean="0"/>
-              <a:t> transforms using DSL </a:t>
-            </a:r>
-            <a:r>
-              <a:rPr lang="en-US" dirty="0" smtClean="0"/>
-              <a:t>processors</a:t>
+              <a:t> transforms using DSL processors</a:t>
             </a:r>
           </a:p>
           <a:p>
@@ -21001,7 +20997,15 @@
           <a:p>
             <a:r>
               <a:rPr lang="en-US" dirty="0" smtClean="0"/>
-              <a:t>Agenda - Day 21</a:t>
+              <a:t>Agenda - </a:t>
+            </a:r>
+            <a:r>
+              <a:rPr lang="en-US" smtClean="0"/>
+              <a:t>Day </a:t>
+            </a:r>
+            <a:r>
+              <a:rPr lang="en-US" smtClean="0"/>
+              <a:t>21</a:t>
             </a:r>
             <a:endParaRPr lang="en-US" dirty="0"/>
           </a:p>
@@ -21234,11 +21238,7 @@
             </a:r>
             <a:r>
               <a:rPr lang="en-US" dirty="0" smtClean="0"/>
-              <a:t> DSL Processors - </a:t>
-            </a:r>
-            <a:r>
-              <a:rPr lang="en-US" dirty="0" smtClean="0"/>
-              <a:t>Day 21</a:t>
+              <a:t> DSL Processors - Day 21</a:t>
             </a:r>
             <a:endParaRPr lang="en-US" dirty="0"/>
           </a:p>
@@ -21277,13 +21277,8 @@
             </a:pPr>
             <a:r>
               <a:rPr lang="en-US" sz="1600" dirty="0" smtClean="0"/>
-              <a:t>Refer </a:t>
-            </a:r>
-            <a:r>
-              <a:rPr lang="en-US" sz="1600" dirty="0" smtClean="0"/>
-              <a:t>Draw.io &amp; Demo</a:t>
-            </a:r>
-            <a:endParaRPr lang="en-US" sz="1600" dirty="0" smtClean="0"/>
+              <a:t>Refer Draw.io &amp; Demo</a:t>
+            </a:r>
           </a:p>
           <a:p>
             <a:pPr lvl="1">
@@ -21380,11 +21375,7 @@
           <a:p>
             <a:r>
               <a:rPr lang="en-US" dirty="0" smtClean="0"/>
-              <a:t>Joins - </a:t>
-            </a:r>
-            <a:r>
-              <a:rPr lang="en-US" dirty="0" smtClean="0"/>
-              <a:t>Day 21</a:t>
+              <a:t>Joins - Day 21</a:t>
             </a:r>
             <a:endParaRPr lang="en-US" dirty="0"/>
           </a:p>
@@ -21949,11 +21940,7 @@
           <a:p>
             <a:r>
               <a:rPr lang="en-US" dirty="0" smtClean="0"/>
-              <a:t>Joins-Key Points - </a:t>
-            </a:r>
-            <a:r>
-              <a:rPr lang="en-US" dirty="0" smtClean="0"/>
-              <a:t>Day 21</a:t>
+              <a:t>Joins-Key Points - Day 21</a:t>
             </a:r>
             <a:endParaRPr lang="en-US" dirty="0"/>
           </a:p>
